--- a/Stargazer_Presentation_Semester2.pptx
+++ b/Stargazer_Presentation_Semester2.pptx
@@ -5,7 +5,7 @@
     <p:sldMasterId id="2147483684" r:id="rId1"/>
   </p:sldMasterIdLst>
   <p:notesMasterIdLst>
-    <p:notesMasterId r:id="rId23"/>
+    <p:notesMasterId r:id="rId20"/>
   </p:notesMasterIdLst>
   <p:sldIdLst>
     <p:sldId id="256" r:id="rId2"/>
@@ -17,18 +17,15 @@
     <p:sldId id="293" r:id="rId8"/>
     <p:sldId id="286" r:id="rId9"/>
     <p:sldId id="298" r:id="rId10"/>
-    <p:sldId id="285" r:id="rId11"/>
-    <p:sldId id="279" r:id="rId12"/>
-    <p:sldId id="261" r:id="rId13"/>
-    <p:sldId id="268" r:id="rId14"/>
-    <p:sldId id="280" r:id="rId15"/>
-    <p:sldId id="272" r:id="rId16"/>
-    <p:sldId id="283" r:id="rId17"/>
-    <p:sldId id="278" r:id="rId18"/>
-    <p:sldId id="297" r:id="rId19"/>
-    <p:sldId id="296" r:id="rId20"/>
-    <p:sldId id="273" r:id="rId21"/>
-    <p:sldId id="276" r:id="rId22"/>
+    <p:sldId id="279" r:id="rId11"/>
+    <p:sldId id="261" r:id="rId12"/>
+    <p:sldId id="268" r:id="rId13"/>
+    <p:sldId id="280" r:id="rId14"/>
+    <p:sldId id="272" r:id="rId15"/>
+    <p:sldId id="283" r:id="rId16"/>
+    <p:sldId id="278" r:id="rId17"/>
+    <p:sldId id="297" r:id="rId18"/>
+    <p:sldId id="296" r:id="rId19"/>
   </p:sldIdLst>
   <p:sldSz cx="9144000" cy="6858000" type="screen4x3"/>
   <p:notesSz cx="6858000" cy="9144000"/>
@@ -213,7 +210,7 @@
             <a:fld id="{2AAFEF68-1DE9-47A7-9FE3-8BA9D24E7EE3}" type="datetimeFigureOut">
               <a:rPr lang="en-US" smtClean="0"/>
               <a:pPr/>
-              <a:t>3/25/2010</a:t>
+              <a:t>3/29/2010</a:t>
             </a:fld>
             <a:endParaRPr lang="en-CA"/>
           </a:p>
@@ -607,83 +604,7 @@
           </a:bodyPr>
           <a:lstStyle/>
           <a:p>
-            <a:r>
-              <a:rPr lang="en-US" dirty="0" smtClean="0"/>
-              <a:t>ROB:</a:t>
-            </a:r>
-          </a:p>
-          <a:p>
-            <a:endParaRPr lang="en-US" dirty="0" smtClean="0"/>
-          </a:p>
-          <a:p>
-            <a:r>
-              <a:rPr lang="en-US" dirty="0" smtClean="0"/>
-              <a:t>For our versioning control tool we used Git.</a:t>
-            </a:r>
-            <a:r>
-              <a:rPr lang="en-US" baseline="0" dirty="0" smtClean="0"/>
-              <a:t> A lot of people nowadays are using Git for the reasons mentioned at the link. What drove me to choose </a:t>
-            </a:r>
-            <a:r>
-              <a:rPr lang="en-US" baseline="0" dirty="0" err="1" smtClean="0"/>
-              <a:t>git</a:t>
-            </a:r>
-            <a:r>
-              <a:rPr lang="en-US" baseline="0" dirty="0" smtClean="0"/>
-              <a:t> as our versioning tool was a presentation </a:t>
-            </a:r>
-            <a:r>
-              <a:rPr lang="en-US" baseline="0" dirty="0" err="1" smtClean="0"/>
-              <a:t>Linus</a:t>
-            </a:r>
-            <a:r>
-              <a:rPr lang="en-US" baseline="0" dirty="0" smtClean="0"/>
-              <a:t> </a:t>
-            </a:r>
-            <a:r>
-              <a:rPr lang="en-US" baseline="0" dirty="0" err="1" smtClean="0"/>
-              <a:t>Torvalds</a:t>
-            </a:r>
-            <a:r>
-              <a:rPr lang="en-US" baseline="0" dirty="0" smtClean="0"/>
-              <a:t> gave at a Google conference listing all the reasons which explains his reasons for developing this tool.</a:t>
-            </a:r>
-          </a:p>
-          <a:p>
-            <a:endParaRPr lang="en-US" baseline="0" dirty="0" smtClean="0"/>
-          </a:p>
-          <a:p>
-            <a:r>
-              <a:rPr lang="en-US" baseline="0" dirty="0" smtClean="0"/>
-              <a:t>It’s small, fast, easy to learn and can be used in a distributed environment. The reason why it’s so fast is because everything is local except when pushing and pulling commits to and from remote destinations which is the most time consuming activity and allows for work to be done offline as well. Network access isn’t necessary for most actions.</a:t>
-            </a:r>
-          </a:p>
-          <a:p>
-            <a:endParaRPr lang="en-US" baseline="0" dirty="0" smtClean="0"/>
-          </a:p>
-          <a:p>
-            <a:r>
-              <a:rPr lang="en-US" baseline="0" dirty="0" smtClean="0"/>
-              <a:t>We use a </a:t>
-            </a:r>
-            <a:r>
-              <a:rPr lang="en-US" baseline="0" dirty="0" err="1" smtClean="0"/>
-              <a:t>GitHub</a:t>
-            </a:r>
-            <a:r>
-              <a:rPr lang="en-US" baseline="0" dirty="0" smtClean="0"/>
-              <a:t> account to host our source code and acts as our remote repository and it can be seen at the following link location.</a:t>
-            </a:r>
-          </a:p>
-          <a:p>
-            <a:endParaRPr lang="en-US" baseline="0" dirty="0" smtClean="0"/>
-          </a:p>
-          <a:p>
-            <a:r>
-              <a:rPr lang="en-US" dirty="0" smtClean="0"/>
-              <a:t>http://www.youtube.com/watch?v=4XpnKHJAok8</a:t>
-            </a:r>
-            <a:endParaRPr lang="en-US" dirty="0"/>
+            <a:endParaRPr lang="en-CA" dirty="0"/>
           </a:p>
         </p:txBody>
       </p:sp>
@@ -765,276 +686,7 @@
           </a:bodyPr>
           <a:lstStyle/>
           <a:p>
-            <a:pPr marL="0" marR="0" indent="0" algn="l" defTabSz="914400" rtl="0" eaLnBrk="1" fontAlgn="auto" latinLnBrk="0" hangingPunct="1">
-              <a:lnSpc>
-                <a:spcPct val="100000"/>
-              </a:lnSpc>
-              <a:spcBef>
-                <a:spcPts val="0"/>
-              </a:spcBef>
-              <a:spcAft>
-                <a:spcPts val="0"/>
-              </a:spcAft>
-              <a:buClrTx/>
-              <a:buSzTx/>
-              <a:buFontTx/>
-              <a:buNone/>
-              <a:tabLst/>
-              <a:defRPr/>
-            </a:pPr>
-            <a:r>
-              <a:rPr lang="en-US" dirty="0" smtClean="0"/>
-              <a:t>ROB:</a:t>
-            </a:r>
-          </a:p>
-          <a:p>
-            <a:endParaRPr lang="en-CA" dirty="0" smtClean="0"/>
-          </a:p>
-          <a:p>
-            <a:pPr marL="0" marR="0" lvl="1" indent="0" algn="l" defTabSz="914400" rtl="0" eaLnBrk="1" fontAlgn="auto" latinLnBrk="0" hangingPunct="1">
-              <a:lnSpc>
-                <a:spcPct val="100000"/>
-              </a:lnSpc>
-              <a:spcBef>
-                <a:spcPts val="0"/>
-              </a:spcBef>
-              <a:spcAft>
-                <a:spcPts val="0"/>
-              </a:spcAft>
-              <a:buClrTx/>
-              <a:buSzTx/>
-              <a:buFontTx/>
-              <a:buNone/>
-              <a:tabLst/>
-              <a:defRPr/>
-            </a:pPr>
-            <a:r>
-              <a:rPr lang="en-CA" sz="1200" kern="1200" dirty="0" smtClean="0">
-                <a:solidFill>
-                  <a:schemeClr val="tx1"/>
-                </a:solidFill>
-                <a:latin typeface="+mn-lt"/>
-                <a:ea typeface="+mn-ea"/>
-                <a:cs typeface="+mn-cs"/>
-              </a:rPr>
-              <a:t>So here is how the</a:t>
-            </a:r>
-            <a:r>
-              <a:rPr lang="en-CA" sz="1200" kern="1200" baseline="0" dirty="0" smtClean="0">
-                <a:solidFill>
-                  <a:schemeClr val="tx1"/>
-                </a:solidFill>
-                <a:latin typeface="+mn-lt"/>
-                <a:ea typeface="+mn-ea"/>
-                <a:cs typeface="+mn-cs"/>
-              </a:rPr>
-              <a:t> architecture of our system will look like once all the components are completed. Right now, we still need to create the Java application which is a very large core of our system which will do the actual communication with the telescope and camera.</a:t>
-            </a:r>
-          </a:p>
-          <a:p>
-            <a:pPr marL="0" marR="0" lvl="1" indent="0" algn="l" defTabSz="914400" rtl="0" eaLnBrk="1" fontAlgn="auto" latinLnBrk="0" hangingPunct="1">
-              <a:lnSpc>
-                <a:spcPct val="100000"/>
-              </a:lnSpc>
-              <a:spcBef>
-                <a:spcPts val="0"/>
-              </a:spcBef>
-              <a:spcAft>
-                <a:spcPts val="0"/>
-              </a:spcAft>
-              <a:buClrTx/>
-              <a:buSzTx/>
-              <a:buFontTx/>
-              <a:buNone/>
-              <a:tabLst/>
-              <a:defRPr/>
-            </a:pPr>
-            <a:endParaRPr lang="en-CA" sz="1200" kern="1200" baseline="0" dirty="0" smtClean="0">
-              <a:solidFill>
-                <a:schemeClr val="tx1"/>
-              </a:solidFill>
-              <a:latin typeface="+mn-lt"/>
-              <a:ea typeface="+mn-ea"/>
-              <a:cs typeface="+mn-cs"/>
-            </a:endParaRPr>
-          </a:p>
-          <a:p>
-            <a:pPr marL="0" marR="0" lvl="1" indent="0" algn="l" defTabSz="914400" rtl="0" eaLnBrk="1" fontAlgn="auto" latinLnBrk="0" hangingPunct="1">
-              <a:lnSpc>
-                <a:spcPct val="100000"/>
-              </a:lnSpc>
-              <a:spcBef>
-                <a:spcPts val="0"/>
-              </a:spcBef>
-              <a:spcAft>
-                <a:spcPts val="0"/>
-              </a:spcAft>
-              <a:buClrTx/>
-              <a:buSzTx/>
-              <a:buFontTx/>
-              <a:buNone/>
-              <a:tabLst/>
-              <a:defRPr/>
-            </a:pPr>
-            <a:r>
-              <a:rPr lang="en-AU" sz="1200" kern="1200" dirty="0" smtClean="0">
-                <a:solidFill>
-                  <a:schemeClr val="tx1"/>
-                </a:solidFill>
-                <a:latin typeface="+mn-lt"/>
-                <a:ea typeface="+mn-ea"/>
-                <a:cs typeface="+mn-cs"/>
-              </a:rPr>
-              <a:t>Using a web browser, users will</a:t>
-            </a:r>
-            <a:r>
-              <a:rPr lang="en-AU" sz="1200" kern="1200" baseline="0" dirty="0" smtClean="0">
-                <a:solidFill>
-                  <a:schemeClr val="tx1"/>
-                </a:solidFill>
-                <a:latin typeface="+mn-lt"/>
-                <a:ea typeface="+mn-ea"/>
-                <a:cs typeface="+mn-cs"/>
-              </a:rPr>
-              <a:t> access the </a:t>
-            </a:r>
-            <a:r>
-              <a:rPr lang="en-AU" sz="1200" kern="1200" dirty="0" smtClean="0">
-                <a:solidFill>
-                  <a:schemeClr val="tx1"/>
-                </a:solidFill>
-                <a:latin typeface="+mn-lt"/>
-                <a:ea typeface="+mn-ea"/>
-                <a:cs typeface="+mn-cs"/>
-              </a:rPr>
-              <a:t>web application using</a:t>
-            </a:r>
-            <a:r>
-              <a:rPr lang="en-AU" sz="1200" kern="1200" baseline="0" dirty="0" smtClean="0">
-                <a:solidFill>
-                  <a:schemeClr val="tx1"/>
-                </a:solidFill>
-                <a:latin typeface="+mn-lt"/>
-                <a:ea typeface="+mn-ea"/>
-                <a:cs typeface="+mn-cs"/>
-              </a:rPr>
-              <a:t> either</a:t>
-            </a:r>
-            <a:r>
-              <a:rPr lang="en-AU" sz="1200" kern="1200" dirty="0" smtClean="0">
-                <a:solidFill>
-                  <a:schemeClr val="tx1"/>
-                </a:solidFill>
-                <a:latin typeface="+mn-lt"/>
-                <a:ea typeface="+mn-ea"/>
-                <a:cs typeface="+mn-cs"/>
-              </a:rPr>
-              <a:t> HTTP or HTTPS. Once they</a:t>
-            </a:r>
-            <a:r>
-              <a:rPr lang="en-AU" sz="1200" kern="1200" baseline="0" dirty="0" smtClean="0">
-                <a:solidFill>
-                  <a:schemeClr val="tx1"/>
-                </a:solidFill>
-                <a:latin typeface="+mn-lt"/>
-                <a:ea typeface="+mn-ea"/>
-                <a:cs typeface="+mn-cs"/>
-              </a:rPr>
-              <a:t> login they can create new schedules for positioning the telescope. Once a schedule is created, using a </a:t>
-            </a:r>
-            <a:r>
-              <a:rPr lang="en-AU" sz="1200" kern="1200" baseline="0" dirty="0" err="1" smtClean="0">
-                <a:solidFill>
-                  <a:schemeClr val="tx1"/>
-                </a:solidFill>
-                <a:latin typeface="+mn-lt"/>
-                <a:ea typeface="+mn-ea"/>
-                <a:cs typeface="+mn-cs"/>
-              </a:rPr>
-              <a:t>cronjob</a:t>
-            </a:r>
-            <a:r>
-              <a:rPr lang="en-AU" sz="1200" kern="1200" baseline="0" dirty="0" smtClean="0">
-                <a:solidFill>
-                  <a:schemeClr val="tx1"/>
-                </a:solidFill>
-                <a:latin typeface="+mn-lt"/>
-                <a:ea typeface="+mn-ea"/>
-                <a:cs typeface="+mn-cs"/>
-              </a:rPr>
-              <a:t> or some other scheduling tool, we will run a script at the specific time the telescope should position itself which will connect to the machine connected to the telescope using say SSH and then will be able to call the Java program with command line arguments to move at such and such a location for such and such a duration. The Java application will also compile the images and save it to that local disk.</a:t>
-            </a:r>
-            <a:endParaRPr lang="en-AU" sz="1200" kern="1200" dirty="0" smtClean="0">
-              <a:solidFill>
-                <a:schemeClr val="tx1"/>
-              </a:solidFill>
-              <a:latin typeface="+mn-lt"/>
-              <a:ea typeface="+mn-ea"/>
-              <a:cs typeface="+mn-cs"/>
-            </a:endParaRPr>
-          </a:p>
-          <a:p>
-            <a:pPr marL="0" marR="0" lvl="1" indent="0" algn="l" defTabSz="914400" rtl="0" eaLnBrk="1" fontAlgn="auto" latinLnBrk="0" hangingPunct="1">
-              <a:lnSpc>
-                <a:spcPct val="100000"/>
-              </a:lnSpc>
-              <a:spcBef>
-                <a:spcPts val="0"/>
-              </a:spcBef>
-              <a:spcAft>
-                <a:spcPts val="0"/>
-              </a:spcAft>
-              <a:buClrTx/>
-              <a:buSzTx/>
-              <a:buFontTx/>
-              <a:buNone/>
-              <a:tabLst/>
-              <a:defRPr/>
-            </a:pPr>
-            <a:endParaRPr lang="en-US" sz="1200" kern="1200" dirty="0" smtClean="0">
-              <a:solidFill>
-                <a:schemeClr val="tx1"/>
-              </a:solidFill>
-              <a:latin typeface="+mn-lt"/>
-              <a:ea typeface="+mn-ea"/>
-              <a:cs typeface="+mn-cs"/>
-            </a:endParaRPr>
-          </a:p>
-          <a:p>
-            <a:endParaRPr lang="en-US" dirty="0" smtClean="0"/>
-          </a:p>
-          <a:p>
-            <a:r>
-              <a:rPr lang="en-US" dirty="0" smtClean="0"/>
-              <a:t>Note: </a:t>
-            </a:r>
-          </a:p>
-          <a:p>
-            <a:pPr>
-              <a:buFontTx/>
-              <a:buChar char="-"/>
-            </a:pPr>
-            <a:r>
-              <a:rPr lang="en-US" dirty="0" smtClean="0"/>
-              <a:t> users may also</a:t>
-            </a:r>
-            <a:r>
-              <a:rPr lang="en-US" baseline="0" dirty="0" smtClean="0"/>
-              <a:t> connect to the web application via HTTPS</a:t>
-            </a:r>
-          </a:p>
-          <a:p>
-            <a:pPr>
-              <a:buFontTx/>
-              <a:buChar char="-"/>
-            </a:pPr>
-            <a:r>
-              <a:rPr lang="en-US" baseline="0" dirty="0" smtClean="0"/>
-              <a:t> application which controls the telescope and camera may be written in C#</a:t>
-            </a:r>
-          </a:p>
-          <a:p>
-            <a:endParaRPr lang="en-CA" dirty="0"/>
+            <a:endParaRPr lang="en-US" dirty="0"/>
           </a:p>
         </p:txBody>
       </p:sp>
@@ -1116,89 +768,6 @@
           </a:bodyPr>
           <a:lstStyle/>
           <a:p>
-            <a:pPr marL="0" marR="0" indent="0" algn="l" defTabSz="914400" rtl="0" eaLnBrk="1" fontAlgn="auto" latinLnBrk="0" hangingPunct="1">
-              <a:lnSpc>
-                <a:spcPct val="100000"/>
-              </a:lnSpc>
-              <a:spcBef>
-                <a:spcPts val="0"/>
-              </a:spcBef>
-              <a:spcAft>
-                <a:spcPts val="0"/>
-              </a:spcAft>
-              <a:buClrTx/>
-              <a:buSzTx/>
-              <a:buFontTx/>
-              <a:buNone/>
-              <a:tabLst/>
-              <a:defRPr/>
-            </a:pPr>
-            <a:r>
-              <a:rPr lang="en-US" dirty="0" smtClean="0"/>
-              <a:t>ROB:</a:t>
-            </a:r>
-          </a:p>
-          <a:p>
-            <a:endParaRPr lang="en-US" dirty="0" smtClean="0"/>
-          </a:p>
-          <a:p>
-            <a:r>
-              <a:rPr lang="en-US" dirty="0" smtClean="0"/>
-              <a:t>So because</a:t>
-            </a:r>
-            <a:r>
-              <a:rPr lang="en-US" baseline="0" dirty="0" smtClean="0"/>
-              <a:t> we use test-driven development, we need to have unit tests. </a:t>
-            </a:r>
-          </a:p>
-          <a:p>
-            <a:endParaRPr lang="en-US" baseline="0" dirty="0" smtClean="0"/>
-          </a:p>
-          <a:p>
-            <a:r>
-              <a:rPr lang="en-US" dirty="0" smtClean="0"/>
-              <a:t>Unit tests</a:t>
-            </a:r>
-            <a:r>
-              <a:rPr lang="en-US" baseline="0" dirty="0" smtClean="0"/>
-              <a:t> are </a:t>
-            </a:r>
-            <a:r>
-              <a:rPr lang="en-US" dirty="0" smtClean="0"/>
-              <a:t>“Black box” tests to ensure functionality correctness. A test suite is used to run all unit tests whenever new code is added to the system. Also, all tests must pass after the new code is added. </a:t>
-            </a:r>
-          </a:p>
-          <a:p>
-            <a:endParaRPr lang="en-US" dirty="0" smtClean="0"/>
-          </a:p>
-          <a:p>
-            <a:r>
-              <a:rPr lang="en-US" dirty="0" smtClean="0"/>
-              <a:t>For</a:t>
-            </a:r>
-            <a:r>
-              <a:rPr lang="en-US" baseline="0" dirty="0" smtClean="0"/>
-              <a:t> unit testing, we use the built-in ruby libraries which have functionality </a:t>
-            </a:r>
-            <a:r>
-              <a:rPr lang="en-US" baseline="0" dirty="0" err="1" smtClean="0"/>
-              <a:t>similiar</a:t>
-            </a:r>
-            <a:r>
-              <a:rPr lang="en-US" baseline="0" dirty="0" smtClean="0"/>
-              <a:t> to that of </a:t>
-            </a:r>
-            <a:r>
-              <a:rPr lang="en-US" baseline="0" dirty="0" err="1" smtClean="0"/>
-              <a:t>JUnit</a:t>
-            </a:r>
-            <a:r>
-              <a:rPr lang="en-US" baseline="0" dirty="0" smtClean="0"/>
-              <a:t> testing.</a:t>
-            </a:r>
-            <a:endParaRPr lang="en-US" dirty="0" smtClean="0"/>
-          </a:p>
-          <a:p>
             <a:endParaRPr lang="en-US" dirty="0"/>
           </a:p>
         </p:txBody>
@@ -1281,44 +850,6 @@
           </a:bodyPr>
           <a:lstStyle/>
           <a:p>
-            <a:r>
-              <a:rPr lang="en-CA" dirty="0" smtClean="0"/>
-              <a:t>Customers for giving</a:t>
-            </a:r>
-            <a:r>
-              <a:rPr lang="en-CA" baseline="0" dirty="0" smtClean="0"/>
-              <a:t> us such an interesting project and supplying us with the Meade telescope</a:t>
-            </a:r>
-          </a:p>
-          <a:p>
-            <a:r>
-              <a:rPr lang="en-CA" baseline="0" dirty="0" err="1" smtClean="0"/>
-              <a:t>Youry</a:t>
-            </a:r>
-            <a:r>
-              <a:rPr lang="en-CA" baseline="0" dirty="0" smtClean="0"/>
-              <a:t> for guiding us through the software development lifecycle</a:t>
-            </a:r>
-          </a:p>
-          <a:p>
-            <a:r>
-              <a:rPr lang="en-CA" baseline="0" dirty="0" smtClean="0"/>
-              <a:t>Dave </a:t>
-            </a:r>
-            <a:r>
-              <a:rPr lang="en-CA" baseline="0" dirty="0" err="1" smtClean="0"/>
-              <a:t>Goodall</a:t>
-            </a:r>
-            <a:r>
-              <a:rPr lang="en-CA" baseline="0" dirty="0" smtClean="0"/>
-              <a:t> for giving us a domain name for our project</a:t>
-            </a:r>
-          </a:p>
-          <a:p>
-            <a:r>
-              <a:rPr lang="en-CA" baseline="0" dirty="0" smtClean="0"/>
-              <a:t>Nokia for supplying us with two Nokia N97’s used for testing</a:t>
-            </a:r>
             <a:endParaRPr lang="en-US" dirty="0"/>
           </a:p>
         </p:txBody>
@@ -1341,7 +872,7 @@
             <a:fld id="{64EF572D-EF5B-479C-89C5-F647D7191839}" type="slidenum">
               <a:rPr lang="en-CA" smtClean="0"/>
               <a:pPr/>
-              <a:t>19</a:t>
+              <a:t>17</a:t>
             </a:fld>
             <a:endParaRPr lang="en-CA"/>
           </a:p>
@@ -1402,71 +933,48 @@
           <a:lstStyle/>
           <a:p>
             <a:r>
-              <a:rPr lang="en-US" dirty="0" smtClean="0"/>
-              <a:t>Web App:</a:t>
-            </a:r>
-          </a:p>
-          <a:p>
-            <a:r>
-              <a:rPr lang="en-US" dirty="0" smtClean="0"/>
-              <a:t>Show using different browsers</a:t>
-            </a:r>
-          </a:p>
-          <a:p>
-            <a:r>
-              <a:rPr lang="en-US" dirty="0" smtClean="0"/>
-              <a:t>Show using PC and handheld devices</a:t>
-            </a:r>
-          </a:p>
-          <a:p>
-            <a:endParaRPr lang="en-US" dirty="0" smtClean="0"/>
-          </a:p>
-          <a:p>
-            <a:r>
-              <a:rPr lang="en-US" dirty="0" smtClean="0"/>
-              <a:t>Also DEMO:</a:t>
-            </a:r>
-          </a:p>
-          <a:p>
-            <a:pPr>
-              <a:buFont typeface="Arial" charset="0"/>
-              <a:buChar char="•"/>
-            </a:pPr>
-            <a:r>
-              <a:rPr lang="en-US" baseline="0" dirty="0" smtClean="0"/>
-              <a:t>Meade </a:t>
-            </a:r>
-            <a:r>
-              <a:rPr lang="en-US" baseline="0" dirty="0" err="1" smtClean="0"/>
-              <a:t>Autostars</a:t>
-            </a:r>
-            <a:r>
-              <a:rPr lang="en-US" baseline="0" dirty="0" smtClean="0"/>
-              <a:t> program</a:t>
-            </a:r>
-          </a:p>
-          <a:p>
-            <a:pPr>
-              <a:buFont typeface="Arial" charset="0"/>
-              <a:buChar char="•"/>
-            </a:pPr>
-            <a:r>
-              <a:rPr lang="en-US" baseline="0" dirty="0" smtClean="0"/>
-              <a:t>Winstars2</a:t>
-            </a:r>
-          </a:p>
-          <a:p>
-            <a:pPr>
-              <a:buFont typeface="Arial" charset="0"/>
-              <a:buChar char="•"/>
-            </a:pPr>
-            <a:r>
-              <a:rPr lang="en-US" baseline="0" dirty="0" smtClean="0"/>
-              <a:t>Hardware (telescope)</a:t>
-            </a:r>
-            <a:endParaRPr lang="en-CA" dirty="0" smtClean="0"/>
-          </a:p>
-          <a:p>
+              <a:rPr lang="en-CA" dirty="0" smtClean="0"/>
+              <a:t>Customers for giving</a:t>
+            </a:r>
+            <a:r>
+              <a:rPr lang="en-CA" baseline="0" dirty="0" smtClean="0"/>
+              <a:t> us such an interesting project and supplying us with the Meade telescope</a:t>
+            </a:r>
+          </a:p>
+          <a:p>
+            <a:r>
+              <a:rPr lang="en-CA" baseline="0" dirty="0" err="1" smtClean="0"/>
+              <a:t>Youry</a:t>
+            </a:r>
+            <a:r>
+              <a:rPr lang="en-CA" baseline="0" dirty="0" smtClean="0"/>
+              <a:t> for guiding us through the software development lifecycle</a:t>
+            </a:r>
+          </a:p>
+          <a:p>
+            <a:r>
+              <a:rPr lang="en-CA" baseline="0" dirty="0" smtClean="0"/>
+              <a:t>Dave </a:t>
+            </a:r>
+            <a:r>
+              <a:rPr lang="en-CA" baseline="0" dirty="0" err="1" smtClean="0"/>
+              <a:t>Goodall</a:t>
+            </a:r>
+            <a:r>
+              <a:rPr lang="en-CA" baseline="0" dirty="0" smtClean="0"/>
+              <a:t> for giving us a domain name for our </a:t>
+            </a:r>
+            <a:r>
+              <a:rPr lang="en-CA" baseline="0" dirty="0" smtClean="0"/>
+              <a:t>project allowing outside access to our web server</a:t>
+            </a:r>
+            <a:endParaRPr lang="en-CA" baseline="0" dirty="0" smtClean="0"/>
+          </a:p>
+          <a:p>
+            <a:r>
+              <a:rPr lang="en-CA" baseline="0" dirty="0" smtClean="0"/>
+              <a:t>Nokia for supplying us with two Nokia N97’s used for testing</a:t>
+            </a:r>
             <a:endParaRPr lang="en-US" dirty="0"/>
           </a:p>
         </p:txBody>
@@ -1489,7 +997,7 @@
             <a:fld id="{64EF572D-EF5B-479C-89C5-F647D7191839}" type="slidenum">
               <a:rPr lang="en-CA" smtClean="0"/>
               <a:pPr/>
-              <a:t>20</a:t>
+              <a:t>18</a:t>
             </a:fld>
             <a:endParaRPr lang="en-CA"/>
           </a:p>
@@ -1549,106 +1057,6 @@
           </a:bodyPr>
           <a:lstStyle/>
           <a:p>
-            <a:pPr marL="0" marR="0" indent="0" algn="l" defTabSz="914400" rtl="0" eaLnBrk="1" fontAlgn="auto" latinLnBrk="0" hangingPunct="1">
-              <a:lnSpc>
-                <a:spcPct val="100000"/>
-              </a:lnSpc>
-              <a:spcBef>
-                <a:spcPts val="0"/>
-              </a:spcBef>
-              <a:spcAft>
-                <a:spcPts val="0"/>
-              </a:spcAft>
-              <a:buClrTx/>
-              <a:buSzTx/>
-              <a:buFontTx/>
-              <a:buNone/>
-              <a:tabLst/>
-              <a:defRPr/>
-            </a:pPr>
-            <a:r>
-              <a:rPr lang="en-US" dirty="0" smtClean="0"/>
-              <a:t>Mobile device connectivity: users should be able to easily access and use the web application through a handheld browser such as the </a:t>
-            </a:r>
-            <a:r>
-              <a:rPr lang="en-US" dirty="0" err="1" smtClean="0"/>
-              <a:t>iPhone’s</a:t>
-            </a:r>
-            <a:r>
-              <a:rPr lang="en-US" dirty="0" smtClean="0"/>
-              <a:t> Safari.</a:t>
-            </a:r>
-            <a:endParaRPr lang="en-CA" dirty="0" smtClean="0"/>
-          </a:p>
-          <a:p>
-            <a:endParaRPr lang="en-US" dirty="0" smtClean="0"/>
-          </a:p>
-          <a:p>
-            <a:r>
-              <a:rPr lang="en-US" dirty="0" smtClean="0"/>
-              <a:t>Authentication: users</a:t>
-            </a:r>
-            <a:r>
-              <a:rPr lang="en-US" baseline="0" dirty="0" smtClean="0"/>
-              <a:t> must have accounts in order to access the system in order to prevent outside, anonymous users from controlling the telescope.</a:t>
-            </a:r>
-          </a:p>
-          <a:p>
-            <a:endParaRPr lang="en-US" baseline="0" dirty="0" smtClean="0"/>
-          </a:p>
-          <a:p>
-            <a:r>
-              <a:rPr lang="en-US" baseline="0" dirty="0" smtClean="0"/>
-              <a:t>Authorization: there are two types of users. </a:t>
-            </a:r>
-            <a:r>
-              <a:rPr lang="en-US" baseline="0" dirty="0" err="1" smtClean="0"/>
-              <a:t>Admins</a:t>
-            </a:r>
-            <a:r>
-              <a:rPr lang="en-US" baseline="0" dirty="0" smtClean="0"/>
-              <a:t> have no restrictions and can manage users (add, edit, update), and can make changes to any schedule. Regular users can only add new schedules as well as edit and update their own schedules. They are also able to view other schedules, but not make any changes to them, and edit their own profile (change username, password, email).</a:t>
-            </a:r>
-          </a:p>
-          <a:p>
-            <a:endParaRPr lang="en-US" baseline="0" dirty="0" smtClean="0"/>
-          </a:p>
-          <a:p>
-            <a:r>
-              <a:rPr lang="en-US" baseline="0" dirty="0" smtClean="0"/>
-              <a:t>Optional SSL: the web application supports HTTPS but the web server uses a self-signed certificate (for now, since getting a certificate signed from a certificate authority i.e. </a:t>
-            </a:r>
-            <a:r>
-              <a:rPr lang="en-US" baseline="0" dirty="0" err="1" smtClean="0"/>
-              <a:t>Verisign</a:t>
-            </a:r>
-            <a:r>
-              <a:rPr lang="en-US" baseline="0" dirty="0" smtClean="0"/>
-              <a:t> costs money) so the user has the ability to encrypt their session although it is self-signed and not a mandatory requirement for the user to connect via HTTPS.</a:t>
-            </a:r>
-          </a:p>
-          <a:p>
-            <a:endParaRPr lang="en-US" baseline="0" dirty="0" smtClean="0"/>
-          </a:p>
-          <a:p>
-            <a:r>
-              <a:rPr lang="en-US" baseline="0" dirty="0" smtClean="0"/>
-              <a:t>Viewing images: an image belongs to a schedule; once an image is compiled, it will be added to the web application in case the user wishes to view it. Some image processing is done to create a medium-resolution and thumbnail image in order for it to make it more presentable to users when images are listed. They can be clicked for the full, high-resolution image to be shown.</a:t>
-            </a:r>
-          </a:p>
-          <a:p>
-            <a:endParaRPr lang="en-US" baseline="0" dirty="0" smtClean="0"/>
-          </a:p>
-          <a:p>
-            <a:r>
-              <a:rPr lang="en-US" baseline="0" dirty="0" smtClean="0"/>
-              <a:t>Online help: online help is added to further document how to correctly use the system if users are unsure as what they should do. However, the system is fairly intuitive so it should be intrinsically usable.</a:t>
-            </a:r>
-          </a:p>
-          <a:p>
-            <a:endParaRPr lang="en-US" baseline="0" dirty="0" smtClean="0"/>
-          </a:p>
-          <a:p>
             <a:endParaRPr lang="en-CA" dirty="0"/>
           </a:p>
         </p:txBody>
@@ -1745,16 +1153,6 @@
               <a:t>As of now, Sasha and Nan (our customers), use a manual process for achieving their goals of positioning the telescope and finding new celestial objects. </a:t>
             </a:r>
           </a:p>
-          <a:p>
-            <a:endParaRPr lang="en-US" dirty="0" smtClean="0"/>
-          </a:p>
-          <a:p>
-            <a:r>
-              <a:rPr lang="en-US" dirty="0" smtClean="0"/>
-              <a:t>Video showing images they have captured: http://www.youtube.com/user/lyuks</a:t>
-            </a:r>
-            <a:endParaRPr lang="en-US" dirty="0" smtClean="0"/>
-          </a:p>
         </p:txBody>
       </p:sp>
       <p:sp>
@@ -1937,22 +1335,6 @@
           </a:bodyPr>
           <a:lstStyle/>
           <a:p>
-            <a:r>
-              <a:rPr lang="en-US" dirty="0" err="1" smtClean="0"/>
-              <a:t>RailRoad</a:t>
-            </a:r>
-            <a:r>
-              <a:rPr lang="en-US" baseline="0" dirty="0" smtClean="0"/>
-              <a:t> = Ruby </a:t>
-            </a:r>
-            <a:r>
-              <a:rPr lang="en-US" baseline="0" dirty="0" err="1" smtClean="0"/>
-              <a:t>plugin</a:t>
-            </a:r>
-            <a:r>
-              <a:rPr lang="en-US" baseline="0" dirty="0" smtClean="0"/>
-              <a:t> for automatically generating domain models</a:t>
-            </a:r>
             <a:endParaRPr lang="en-US" dirty="0"/>
           </a:p>
         </p:txBody>
@@ -2134,99 +1516,7 @@
               <a:tabLst/>
               <a:defRPr/>
             </a:pPr>
-            <a:r>
-              <a:rPr lang="en-US" dirty="0" smtClean="0"/>
-              <a:t>ROB:</a:t>
-            </a:r>
-          </a:p>
-          <a:p>
-            <a:endParaRPr lang="en-US" dirty="0" smtClean="0"/>
-          </a:p>
-          <a:p>
-            <a:r>
-              <a:rPr lang="en-US" dirty="0" smtClean="0"/>
-              <a:t>Ruby on Rails is a framework for developing web applications</a:t>
-            </a:r>
-            <a:r>
-              <a:rPr lang="en-US" baseline="0" dirty="0" smtClean="0"/>
-              <a:t> using the Ruby language. Rails will be discussed more on the next slide.</a:t>
-            </a:r>
-          </a:p>
-          <a:p>
             <a:endParaRPr lang="en-US" baseline="0" dirty="0" smtClean="0"/>
-          </a:p>
-          <a:p>
-            <a:r>
-              <a:rPr lang="en-US" baseline="0" dirty="0" smtClean="0"/>
-              <a:t>We use CSS for presentation. We have different </a:t>
-            </a:r>
-            <a:r>
-              <a:rPr lang="en-US" baseline="0" dirty="0" err="1" smtClean="0"/>
-              <a:t>stylesheets</a:t>
-            </a:r>
-            <a:r>
-              <a:rPr lang="en-US" baseline="0" dirty="0" smtClean="0"/>
-              <a:t> depending on which media the user is connecting from: either from PC or from a handheld device.</a:t>
-            </a:r>
-          </a:p>
-          <a:p>
-            <a:endParaRPr lang="en-US" baseline="0" dirty="0" smtClean="0"/>
-          </a:p>
-          <a:p>
-            <a:r>
-              <a:rPr lang="en-US" baseline="0" dirty="0" smtClean="0"/>
-              <a:t>We use a Linux operating system to host our web application. In this case, we chose Fedora 11 which is a Red Hat based distribution.</a:t>
-            </a:r>
-          </a:p>
-          <a:p>
-            <a:endParaRPr lang="en-US" baseline="0" dirty="0" smtClean="0"/>
-          </a:p>
-          <a:p>
-            <a:r>
-              <a:rPr lang="en-US" baseline="0" dirty="0" smtClean="0"/>
-              <a:t>We use apache2 as our web server for our production environment, but most development is done on local computers like my laptop using Mongrel which I believe is written in Ruby and works well since its small and fast but doesn’t offer much in terms of configuration or stability which is why Apache2 is needed for a production environment. </a:t>
-            </a:r>
-          </a:p>
-          <a:p>
-            <a:endParaRPr lang="en-US" baseline="0" dirty="0" smtClean="0"/>
-          </a:p>
-          <a:p>
-            <a:r>
-              <a:rPr lang="en-US" baseline="0" dirty="0" smtClean="0"/>
-              <a:t>Also, for a database right now we use </a:t>
-            </a:r>
-            <a:r>
-              <a:rPr lang="en-US" baseline="0" dirty="0" err="1" smtClean="0"/>
-              <a:t>SQLite</a:t>
-            </a:r>
-            <a:r>
-              <a:rPr lang="en-US" baseline="0" dirty="0" smtClean="0"/>
-              <a:t> which is small, </a:t>
-            </a:r>
-            <a:r>
-              <a:rPr lang="en-US" baseline="0" dirty="0" err="1" smtClean="0"/>
-              <a:t>serverless</a:t>
-            </a:r>
-            <a:r>
-              <a:rPr lang="en-US" baseline="0" dirty="0" smtClean="0"/>
-              <a:t>, transactional database which requires zero configuration. It is very simple and doesn’t have many features so we may need to change this later to a database which can handle a larger data set for a production environment such as </a:t>
-            </a:r>
-            <a:r>
-              <a:rPr lang="en-US" baseline="0" dirty="0" err="1" smtClean="0"/>
-              <a:t>PostgreSQL</a:t>
-            </a:r>
-            <a:r>
-              <a:rPr lang="en-US" baseline="0" dirty="0" smtClean="0"/>
-              <a:t> which is the most powerful open source database out there at the moment. Other databases can be used such as </a:t>
-            </a:r>
-            <a:r>
-              <a:rPr lang="en-US" baseline="0" dirty="0" err="1" smtClean="0"/>
-              <a:t>MySQL</a:t>
-            </a:r>
-            <a:r>
-              <a:rPr lang="en-US" baseline="0" dirty="0" smtClean="0"/>
-              <a:t> or Oracle but I’d like to keep everything open source as much as possible as it would prevent any additional costs to the user.</a:t>
-            </a:r>
           </a:p>
         </p:txBody>
       </p:sp>
@@ -2325,99 +1615,7 @@
               <a:tabLst/>
               <a:defRPr/>
             </a:pPr>
-            <a:r>
-              <a:rPr lang="en-US" dirty="0" smtClean="0"/>
-              <a:t>ROB:</a:t>
-            </a:r>
-          </a:p>
-          <a:p>
-            <a:endParaRPr lang="en-US" dirty="0" smtClean="0"/>
-          </a:p>
-          <a:p>
-            <a:r>
-              <a:rPr lang="en-US" dirty="0" smtClean="0"/>
-              <a:t>Ruby on Rails is a framework for developing web applications</a:t>
-            </a:r>
-            <a:r>
-              <a:rPr lang="en-US" baseline="0" dirty="0" smtClean="0"/>
-              <a:t> using the Ruby language. Rails will be discussed more on the next slide.</a:t>
-            </a:r>
-          </a:p>
-          <a:p>
             <a:endParaRPr lang="en-US" baseline="0" dirty="0" smtClean="0"/>
-          </a:p>
-          <a:p>
-            <a:r>
-              <a:rPr lang="en-US" baseline="0" dirty="0" smtClean="0"/>
-              <a:t>We use CSS for presentation. We have different </a:t>
-            </a:r>
-            <a:r>
-              <a:rPr lang="en-US" baseline="0" dirty="0" err="1" smtClean="0"/>
-              <a:t>stylesheets</a:t>
-            </a:r>
-            <a:r>
-              <a:rPr lang="en-US" baseline="0" dirty="0" smtClean="0"/>
-              <a:t> depending on which media the user is connecting from: either from PC or from a handheld device.</a:t>
-            </a:r>
-          </a:p>
-          <a:p>
-            <a:endParaRPr lang="en-US" baseline="0" dirty="0" smtClean="0"/>
-          </a:p>
-          <a:p>
-            <a:r>
-              <a:rPr lang="en-US" baseline="0" dirty="0" smtClean="0"/>
-              <a:t>We use a Linux operating system to host our web application. In this case, we chose Fedora 11 which is a Red Hat based distribution.</a:t>
-            </a:r>
-          </a:p>
-          <a:p>
-            <a:endParaRPr lang="en-US" baseline="0" dirty="0" smtClean="0"/>
-          </a:p>
-          <a:p>
-            <a:r>
-              <a:rPr lang="en-US" baseline="0" dirty="0" smtClean="0"/>
-              <a:t>We use apache2 as our web server for our production environment, but most development is done on local computers like my laptop using Mongrel which I believe is written in Ruby and works well since its small and fast but doesn’t offer much in terms of configuration or stability which is why Apache2 is needed for a production environment. </a:t>
-            </a:r>
-          </a:p>
-          <a:p>
-            <a:endParaRPr lang="en-US" baseline="0" dirty="0" smtClean="0"/>
-          </a:p>
-          <a:p>
-            <a:r>
-              <a:rPr lang="en-US" baseline="0" dirty="0" smtClean="0"/>
-              <a:t>Also, for a database right now we use </a:t>
-            </a:r>
-            <a:r>
-              <a:rPr lang="en-US" baseline="0" dirty="0" err="1" smtClean="0"/>
-              <a:t>SQLite</a:t>
-            </a:r>
-            <a:r>
-              <a:rPr lang="en-US" baseline="0" dirty="0" smtClean="0"/>
-              <a:t> which is small, </a:t>
-            </a:r>
-            <a:r>
-              <a:rPr lang="en-US" baseline="0" dirty="0" err="1" smtClean="0"/>
-              <a:t>serverless</a:t>
-            </a:r>
-            <a:r>
-              <a:rPr lang="en-US" baseline="0" dirty="0" smtClean="0"/>
-              <a:t>, transactional database which requires zero configuration. It is very simple and doesn’t have many features so we may need to change this later to a database which can handle a larger data set for a production environment such as </a:t>
-            </a:r>
-            <a:r>
-              <a:rPr lang="en-US" baseline="0" dirty="0" err="1" smtClean="0"/>
-              <a:t>PostgreSQL</a:t>
-            </a:r>
-            <a:r>
-              <a:rPr lang="en-US" baseline="0" dirty="0" smtClean="0"/>
-              <a:t> which is the most powerful open source database out there at the moment. Other databases can be used such as </a:t>
-            </a:r>
-            <a:r>
-              <a:rPr lang="en-US" baseline="0" dirty="0" err="1" smtClean="0"/>
-              <a:t>MySQL</a:t>
-            </a:r>
-            <a:r>
-              <a:rPr lang="en-US" baseline="0" dirty="0" smtClean="0"/>
-              <a:t> or Oracle but I’d like to keep everything open source as much as possible as it would prevent any additional costs to the user.</a:t>
-            </a:r>
           </a:p>
         </p:txBody>
       </p:sp>
@@ -2495,190 +1693,9 @@
         <p:spPr/>
         <p:txBody>
           <a:bodyPr>
-            <a:normAutofit fontScale="92500" lnSpcReduction="20000"/>
+            <a:normAutofit/>
           </a:bodyPr>
           <a:lstStyle/>
-          <a:p>
-            <a:r>
-              <a:rPr lang="en-US" dirty="0" smtClean="0"/>
-              <a:t>ROB:</a:t>
-            </a:r>
-          </a:p>
-          <a:p>
-            <a:endParaRPr lang="en-US" dirty="0" smtClean="0"/>
-          </a:p>
-          <a:p>
-            <a:r>
-              <a:rPr lang="en-US" dirty="0" smtClean="0"/>
-              <a:t>Ruby on Rails is a framework for generating web applications quickly.</a:t>
-            </a:r>
-            <a:r>
-              <a:rPr lang="en-US" baseline="0" dirty="0" smtClean="0"/>
-              <a:t> It’s said that it can be up 10x more productive and efficient to use Rails over some other frameworks </a:t>
-            </a:r>
-            <a:r>
-              <a:rPr lang="en-US" baseline="0" dirty="0" err="1" smtClean="0"/>
-              <a:t>espicially</a:t>
-            </a:r>
-            <a:r>
-              <a:rPr lang="en-US" baseline="0" dirty="0" smtClean="0"/>
-              <a:t> those using Java as they usually require a lot of configuration and redundancy.</a:t>
-            </a:r>
-          </a:p>
-          <a:p>
-            <a:endParaRPr lang="en-US" baseline="0" dirty="0" smtClean="0"/>
-          </a:p>
-          <a:p>
-            <a:r>
-              <a:rPr lang="en-US" baseline="0" dirty="0" smtClean="0"/>
-              <a:t>It’s comparatively easy to learn. Some other frameworks take a long time to master such as the Java Spring framework, but there really isn’t anything magically that goes on behind the scenes as far as I can tell with Ruby on Rails. The most difficult part is learning the Ruby language which can take some time.</a:t>
-            </a:r>
-            <a:endParaRPr lang="en-US" dirty="0" smtClean="0"/>
-          </a:p>
-          <a:p>
-            <a:endParaRPr lang="en-US" dirty="0" smtClean="0"/>
-          </a:p>
-          <a:p>
-            <a:r>
-              <a:rPr lang="en-US" dirty="0" smtClean="0"/>
-              <a:t>Rails also enforces</a:t>
-            </a:r>
-            <a:r>
-              <a:rPr lang="en-US" baseline="0" dirty="0" smtClean="0"/>
-              <a:t> some patterns such as Model-View-Controller, which is usually just called MVC.</a:t>
-            </a:r>
-            <a:r>
-              <a:rPr lang="en-US" dirty="0" smtClean="0"/>
-              <a:t> </a:t>
-            </a:r>
-          </a:p>
-          <a:p>
-            <a:endParaRPr lang="en-US" dirty="0" smtClean="0"/>
-          </a:p>
-          <a:p>
-            <a:r>
-              <a:rPr lang="en-US" dirty="0" smtClean="0"/>
-              <a:t>In the case of Rails, models are primarily used for managing the rules of interaction with a corresponding database table. In most cases, one table in your database will correspond to one model in your application.</a:t>
-            </a:r>
-          </a:p>
-          <a:p>
-            <a:endParaRPr lang="en-US" dirty="0" smtClean="0"/>
-          </a:p>
-          <a:p>
-            <a:r>
-              <a:rPr lang="en-US" dirty="0" smtClean="0"/>
-              <a:t>In Rails, views are often HTML files with embedded Ruby code that performs tasks related solely to the presentation of the data. </a:t>
-            </a:r>
-          </a:p>
-          <a:p>
-            <a:endParaRPr lang="en-US" dirty="0" smtClean="0"/>
-          </a:p>
-          <a:p>
-            <a:r>
-              <a:rPr lang="en-US" dirty="0" smtClean="0"/>
-              <a:t>In Rails, controllers are responsible for processing the incoming requests from the web browser, interrogating the models for data, and passing that data on to the views for presentation.</a:t>
-            </a:r>
-          </a:p>
-          <a:p>
-            <a:endParaRPr lang="en-US" dirty="0" smtClean="0"/>
-          </a:p>
-          <a:p>
-            <a:r>
-              <a:rPr lang="en-US" dirty="0" smtClean="0"/>
-              <a:t>So</a:t>
-            </a:r>
-            <a:r>
-              <a:rPr lang="en-US" baseline="0" dirty="0" smtClean="0"/>
-              <a:t> basically w</a:t>
-            </a:r>
-            <a:r>
-              <a:rPr lang="en-US" dirty="0" smtClean="0"/>
-              <a:t>hat it does is:</a:t>
-            </a:r>
-          </a:p>
-          <a:p>
-            <a:r>
-              <a:rPr lang="en-US" dirty="0" smtClean="0"/>
-              <a:t>	- isolate the</a:t>
-            </a:r>
-            <a:r>
-              <a:rPr lang="en-US" baseline="0" dirty="0" smtClean="0"/>
-              <a:t> </a:t>
-            </a:r>
-            <a:r>
-              <a:rPr lang="en-US" dirty="0" smtClean="0"/>
-              <a:t>business logic from the user interface</a:t>
-            </a:r>
-          </a:p>
-          <a:p>
-            <a:r>
-              <a:rPr lang="en-US" dirty="0" smtClean="0"/>
-              <a:t>	- help</a:t>
-            </a:r>
-            <a:r>
-              <a:rPr lang="en-US" baseline="0" dirty="0" smtClean="0"/>
-              <a:t> keep code </a:t>
-            </a:r>
-            <a:r>
-              <a:rPr lang="en-US" dirty="0" smtClean="0"/>
-              <a:t>DRY. DRY means Don’t Repeat Yourself</a:t>
-            </a:r>
-            <a:r>
-              <a:rPr lang="en-US" baseline="0" dirty="0" smtClean="0"/>
-              <a:t> which basically means its a bad idea to duplicate code as it becomes harder to maintain and harder to understand.</a:t>
-            </a:r>
-            <a:endParaRPr lang="en-US" dirty="0" smtClean="0"/>
-          </a:p>
-          <a:p>
-            <a:r>
-              <a:rPr lang="en-US" dirty="0" smtClean="0"/>
-              <a:t>	-</a:t>
-            </a:r>
-            <a:r>
-              <a:rPr lang="en-US" baseline="0" dirty="0" smtClean="0"/>
-              <a:t> it also makes the applications easier to maintain as i</a:t>
-            </a:r>
-            <a:r>
-              <a:rPr lang="en-US" dirty="0" smtClean="0"/>
-              <a:t>t is clear where different types of code belong</a:t>
-            </a:r>
-          </a:p>
-          <a:p>
-            <a:endParaRPr lang="en-US" dirty="0" smtClean="0"/>
-          </a:p>
-          <a:p>
-            <a:r>
-              <a:rPr lang="en-US" dirty="0" smtClean="0"/>
-              <a:t>The Rails philosophy also includes several guiding principles such as:</a:t>
-            </a:r>
-          </a:p>
-          <a:p>
-            <a:r>
-              <a:rPr lang="en-US" dirty="0" smtClean="0"/>
-              <a:t>REST (which</a:t>
-            </a:r>
-            <a:r>
-              <a:rPr lang="en-US" baseline="0" dirty="0" smtClean="0"/>
-              <a:t> stands for Representational State Transfer) </a:t>
-            </a:r>
-            <a:r>
-              <a:rPr lang="en-US" dirty="0" smtClean="0"/>
-              <a:t>is the best pattern for web applications – organizing your application around resources and standard HTTP verbs is the fastest way to go. What this means is we use URLs</a:t>
-            </a:r>
-            <a:r>
-              <a:rPr lang="en-US" baseline="0" dirty="0" smtClean="0"/>
-              <a:t> to represent resources and then use HTTP actions to determine what kind of response the controller should have. </a:t>
-            </a:r>
-          </a:p>
-          <a:p>
-            <a:endParaRPr lang="en-US" dirty="0" smtClean="0"/>
-          </a:p>
-          <a:p>
-            <a:r>
-              <a:rPr lang="en-US" dirty="0" smtClean="0"/>
-              <a:t>Convention Over Configuration – means that Rails makes assumptions about what you want to do and how you’re going to do it, rather than letting you tweak every little thing through endless configuration files which eliminates a lot of redundancy and allows for greater productivity.</a:t>
-            </a:r>
-          </a:p>
           <a:p>
             <a:endParaRPr lang="en-US" dirty="0"/>
           </a:p>
@@ -2898,7 +1915,7 @@
             <a:fld id="{471E1C79-A119-44DE-84CD-391F73B5F415}" type="datetimeFigureOut">
               <a:rPr lang="en-US" smtClean="0"/>
               <a:pPr/>
-              <a:t>3/25/2010</a:t>
+              <a:t>3/29/2010</a:t>
             </a:fld>
             <a:endParaRPr lang="en-CA"/>
           </a:p>
@@ -3065,7 +2082,7 @@
             <a:fld id="{471E1C79-A119-44DE-84CD-391F73B5F415}" type="datetimeFigureOut">
               <a:rPr lang="en-US" smtClean="0"/>
               <a:pPr/>
-              <a:t>3/25/2010</a:t>
+              <a:t>3/29/2010</a:t>
             </a:fld>
             <a:endParaRPr lang="en-CA"/>
           </a:p>
@@ -3242,7 +2259,7 @@
             <a:fld id="{471E1C79-A119-44DE-84CD-391F73B5F415}" type="datetimeFigureOut">
               <a:rPr lang="en-US" smtClean="0"/>
               <a:pPr/>
-              <a:t>3/25/2010</a:t>
+              <a:t>3/29/2010</a:t>
             </a:fld>
             <a:endParaRPr lang="en-CA"/>
           </a:p>
@@ -3409,7 +2426,7 @@
             <a:fld id="{471E1C79-A119-44DE-84CD-391F73B5F415}" type="datetimeFigureOut">
               <a:rPr lang="en-US" smtClean="0"/>
               <a:pPr/>
-              <a:t>3/25/2010</a:t>
+              <a:t>3/29/2010</a:t>
             </a:fld>
             <a:endParaRPr lang="en-CA"/>
           </a:p>
@@ -3652,7 +2669,7 @@
             <a:fld id="{471E1C79-A119-44DE-84CD-391F73B5F415}" type="datetimeFigureOut">
               <a:rPr lang="en-US" smtClean="0"/>
               <a:pPr/>
-              <a:t>3/25/2010</a:t>
+              <a:t>3/29/2010</a:t>
             </a:fld>
             <a:endParaRPr lang="en-CA"/>
           </a:p>
@@ -3937,7 +2954,7 @@
             <a:fld id="{471E1C79-A119-44DE-84CD-391F73B5F415}" type="datetimeFigureOut">
               <a:rPr lang="en-US" smtClean="0"/>
               <a:pPr/>
-              <a:t>3/25/2010</a:t>
+              <a:t>3/29/2010</a:t>
             </a:fld>
             <a:endParaRPr lang="en-CA"/>
           </a:p>
@@ -4356,7 +3373,7 @@
             <a:fld id="{471E1C79-A119-44DE-84CD-391F73B5F415}" type="datetimeFigureOut">
               <a:rPr lang="en-US" smtClean="0"/>
               <a:pPr/>
-              <a:t>3/25/2010</a:t>
+              <a:t>3/29/2010</a:t>
             </a:fld>
             <a:endParaRPr lang="en-CA"/>
           </a:p>
@@ -4471,7 +3488,7 @@
             <a:fld id="{471E1C79-A119-44DE-84CD-391F73B5F415}" type="datetimeFigureOut">
               <a:rPr lang="en-US" smtClean="0"/>
               <a:pPr/>
-              <a:t>3/25/2010</a:t>
+              <a:t>3/29/2010</a:t>
             </a:fld>
             <a:endParaRPr lang="en-CA"/>
           </a:p>
@@ -4563,7 +3580,7 @@
             <a:fld id="{471E1C79-A119-44DE-84CD-391F73B5F415}" type="datetimeFigureOut">
               <a:rPr lang="en-US" smtClean="0"/>
               <a:pPr/>
-              <a:t>3/25/2010</a:t>
+              <a:t>3/29/2010</a:t>
             </a:fld>
             <a:endParaRPr lang="en-CA"/>
           </a:p>
@@ -4837,7 +3854,7 @@
             <a:fld id="{471E1C79-A119-44DE-84CD-391F73B5F415}" type="datetimeFigureOut">
               <a:rPr lang="en-US" smtClean="0"/>
               <a:pPr/>
-              <a:t>3/25/2010</a:t>
+              <a:t>3/29/2010</a:t>
             </a:fld>
             <a:endParaRPr lang="en-CA"/>
           </a:p>
@@ -5087,7 +4104,7 @@
             <a:fld id="{471E1C79-A119-44DE-84CD-391F73B5F415}" type="datetimeFigureOut">
               <a:rPr lang="en-US" smtClean="0"/>
               <a:pPr/>
-              <a:t>3/25/2010</a:t>
+              <a:t>3/29/2010</a:t>
             </a:fld>
             <a:endParaRPr lang="en-CA"/>
           </a:p>
@@ -5306,7 +4323,7 @@
             <a:fld id="{471E1C79-A119-44DE-84CD-391F73B5F415}" type="datetimeFigureOut">
               <a:rPr lang="en-US" smtClean="0"/>
               <a:pPr/>
-              <a:t>3/25/2010</a:t>
+              <a:t>3/29/2010</a:t>
             </a:fld>
             <a:endParaRPr lang="en-CA"/>
           </a:p>
@@ -5730,11 +4747,7 @@
             </a:br>
             <a:r>
               <a:rPr lang="en-US" sz="3200" dirty="0" smtClean="0"/>
-              <a:t>Automatic Telescope Control </a:t>
-            </a:r>
-            <a:r>
-              <a:rPr lang="en-US" sz="3200" dirty="0" smtClean="0"/>
-              <a:t>System</a:t>
+              <a:t>Automatic Telescope Control System</a:t>
             </a:r>
             <a:endParaRPr lang="en-CA" sz="8800" dirty="0"/>
           </a:p>
@@ -5775,20 +4788,13 @@
             </a:pPr>
             <a:r>
               <a:rPr lang="en-US" dirty="0" smtClean="0"/>
-              <a:t> Course</a:t>
-            </a:r>
-            <a:r>
-              <a:rPr lang="en-US" dirty="0" smtClean="0"/>
-              <a:t>: </a:t>
-            </a:r>
-            <a:r>
-              <a:rPr lang="en-US" dirty="0" smtClean="0"/>
-              <a:t>		COSC </a:t>
+              <a:t> Course: 		COSC </a:t>
             </a:r>
             <a:r>
               <a:rPr lang="en-US" dirty="0" smtClean="0"/>
               <a:t>470/471</a:t>
             </a:r>
+            <a:endParaRPr lang="en-US" dirty="0" smtClean="0"/>
           </a:p>
           <a:p>
             <a:pPr lvl="0" algn="l">
@@ -5796,15 +4802,7 @@
             </a:pPr>
             <a:r>
               <a:rPr lang="en-CA" dirty="0" smtClean="0"/>
-              <a:t> Instructor</a:t>
-            </a:r>
-            <a:r>
-              <a:rPr lang="en-CA" dirty="0" smtClean="0"/>
-              <a:t>: </a:t>
-            </a:r>
-            <a:r>
-              <a:rPr lang="en-CA" dirty="0" smtClean="0"/>
-              <a:t>	</a:t>
+              <a:t> Instructor: 	</a:t>
             </a:r>
             <a:r>
               <a:rPr lang="en-CA" dirty="0" err="1" smtClean="0"/>
@@ -5831,11 +4829,7 @@
             <a:pPr algn="l"/>
             <a:r>
               <a:rPr lang="en-US" dirty="0" smtClean="0"/>
-              <a:t> Students: 		</a:t>
-            </a:r>
-            <a:r>
-              <a:rPr lang="en-US" dirty="0" smtClean="0"/>
-              <a:t>Rob </a:t>
+              <a:t> Students: 		Rob </a:t>
             </a:r>
             <a:r>
               <a:rPr lang="en-US" dirty="0" err="1" smtClean="0"/>
@@ -5843,11 +4837,7 @@
             </a:r>
             <a:r>
               <a:rPr lang="en-US" dirty="0" smtClean="0"/>
-              <a:t>, Robert </a:t>
-            </a:r>
-            <a:r>
-              <a:rPr lang="en-US" dirty="0" smtClean="0"/>
-              <a:t>Smith</a:t>
+              <a:t>, Robert Smith</a:t>
             </a:r>
             <a:endParaRPr lang="en-CA" dirty="0"/>
           </a:p>
@@ -5911,7 +4901,11 @@
           <a:p>
             <a:r>
               <a:rPr lang="en-US" dirty="0" smtClean="0"/>
-              <a:t>Ruby on Rails</a:t>
+              <a:t>Versioning </a:t>
+            </a:r>
+            <a:r>
+              <a:rPr lang="en-US" dirty="0" smtClean="0"/>
+              <a:t>Control: GIT</a:t>
             </a:r>
             <a:endParaRPr lang="en-CA" dirty="0"/>
           </a:p>
@@ -5945,46 +4939,21 @@
           <a:p>
             <a:r>
               <a:rPr lang="en-US" dirty="0" smtClean="0"/>
-              <a:t>Comparatively </a:t>
-            </a:r>
-            <a:r>
-              <a:rPr lang="en-US" dirty="0" smtClean="0"/>
-              <a:t>easy to learn.</a:t>
+              <a:t>Fast</a:t>
+            </a:r>
+          </a:p>
+          <a:p>
+            <a:r>
+              <a:rPr lang="en-CA" dirty="0" smtClean="0"/>
+              <a:t>Small</a:t>
+            </a:r>
+          </a:p>
+          <a:p>
+            <a:r>
+              <a:rPr lang="en-CA" dirty="0" smtClean="0"/>
+              <a:t>Easy to learn</a:t>
             </a:r>
             <a:endParaRPr lang="en-US" dirty="0"/>
-          </a:p>
-          <a:p>
-            <a:r>
-              <a:rPr lang="en-US" dirty="0" smtClean="0"/>
-              <a:t>Enforces software </a:t>
-            </a:r>
-            <a:r>
-              <a:rPr lang="en-US" dirty="0" smtClean="0"/>
-              <a:t>patterns.</a:t>
-            </a:r>
-          </a:p>
-          <a:p>
-            <a:r>
-              <a:rPr lang="en-US" dirty="0" smtClean="0"/>
-              <a:t> </a:t>
-            </a:r>
-            <a:r>
-              <a:rPr lang="en-US" dirty="0" err="1" smtClean="0"/>
-              <a:t>RESTful</a:t>
-            </a:r>
-            <a:r>
-              <a:rPr lang="en-US" dirty="0" smtClean="0"/>
-              <a:t> </a:t>
-            </a:r>
-            <a:r>
-              <a:rPr lang="en-US" dirty="0" smtClean="0"/>
-              <a:t>architecture</a:t>
-            </a:r>
-            <a:r>
-              <a:rPr lang="en-US" dirty="0" smtClean="0"/>
-              <a:t>.</a:t>
-            </a:r>
-            <a:endParaRPr lang="en-CA" dirty="0"/>
           </a:p>
         </p:txBody>
       </p:sp>
@@ -5997,152 +4966,6 @@
 </file>
 
 <file path=ppt/slides/slide11.xml><?xml version="1.0" encoding="utf-8"?>
-<p:sld xmlns:a="http://schemas.openxmlformats.org/drawingml/2006/main" xmlns:r="http://schemas.openxmlformats.org/officeDocument/2006/relationships" xmlns:p="http://schemas.openxmlformats.org/presentationml/2006/main">
-  <p:cSld>
-    <p:spTree>
-      <p:nvGrpSpPr>
-        <p:cNvPr id="1" name=""/>
-        <p:cNvGrpSpPr/>
-        <p:nvPr/>
-      </p:nvGrpSpPr>
-      <p:grpSpPr>
-        <a:xfrm>
-          <a:off x="0" y="0"/>
-          <a:ext cx="0" cy="0"/>
-          <a:chOff x="0" y="0"/>
-          <a:chExt cx="0" cy="0"/>
-        </a:xfrm>
-      </p:grpSpPr>
-      <p:sp>
-        <p:nvSpPr>
-          <p:cNvPr id="2" name="Title 1"/>
-          <p:cNvSpPr>
-            <a:spLocks noGrp="1"/>
-          </p:cNvSpPr>
-          <p:nvPr>
-            <p:ph type="title"/>
-          </p:nvPr>
-        </p:nvSpPr>
-        <p:spPr>
-          <a:solidFill>
-            <a:srgbClr val="000000"/>
-          </a:solidFill>
-          <a:ln>
-            <a:solidFill>
-              <a:schemeClr val="accent1"/>
-            </a:solidFill>
-          </a:ln>
-        </p:spPr>
-        <p:txBody>
-          <a:bodyPr/>
-          <a:lstStyle/>
-          <a:p>
-            <a:r>
-              <a:rPr lang="en-US" dirty="0" smtClean="0"/>
-              <a:t>Versioning Control</a:t>
-            </a:r>
-            <a:endParaRPr lang="en-CA" dirty="0"/>
-          </a:p>
-        </p:txBody>
-      </p:sp>
-      <p:sp>
-        <p:nvSpPr>
-          <p:cNvPr id="3" name="Content Placeholder 2"/>
-          <p:cNvSpPr>
-            <a:spLocks noGrp="1"/>
-          </p:cNvSpPr>
-          <p:nvPr>
-            <p:ph idx="1"/>
-          </p:nvPr>
-        </p:nvSpPr>
-        <p:spPr>
-          <a:solidFill>
-            <a:srgbClr val="000000"/>
-          </a:solidFill>
-          <a:ln>
-            <a:solidFill>
-              <a:schemeClr val="accent1"/>
-            </a:solidFill>
-          </a:ln>
-        </p:spPr>
-        <p:txBody>
-          <a:bodyPr>
-            <a:normAutofit/>
-          </a:bodyPr>
-          <a:lstStyle/>
-          <a:p>
-            <a:r>
-              <a:rPr lang="en-US" dirty="0" smtClean="0"/>
-              <a:t>Used “Git”. Why?</a:t>
-            </a:r>
-          </a:p>
-          <a:p>
-            <a:pPr lvl="2"/>
-            <a:r>
-              <a:rPr lang="en-US" dirty="0" smtClean="0"/>
-              <a:t>Fast</a:t>
-            </a:r>
-            <a:endParaRPr lang="en-US" dirty="0" smtClean="0"/>
-          </a:p>
-          <a:p>
-            <a:pPr lvl="2"/>
-            <a:r>
-              <a:rPr lang="en-US" dirty="0" smtClean="0"/>
-              <a:t>Small</a:t>
-            </a:r>
-          </a:p>
-          <a:p>
-            <a:pPr lvl="2"/>
-            <a:r>
-              <a:rPr lang="en-US" dirty="0" smtClean="0"/>
-              <a:t>Easy to learn</a:t>
-            </a:r>
-          </a:p>
-          <a:p>
-            <a:pPr lvl="2"/>
-            <a:r>
-              <a:rPr lang="en-US" dirty="0" smtClean="0"/>
-              <a:t>Distributed</a:t>
-            </a:r>
-            <a:endParaRPr lang="en-US" dirty="0"/>
-          </a:p>
-          <a:p>
-            <a:endParaRPr lang="en-US" dirty="0" smtClean="0"/>
-          </a:p>
-          <a:p>
-            <a:r>
-              <a:rPr lang="en-US" dirty="0" err="1" smtClean="0"/>
-              <a:t>GitHub</a:t>
-            </a:r>
-            <a:r>
-              <a:rPr lang="en-US" dirty="0" smtClean="0"/>
-              <a:t> account, see: </a:t>
-            </a:r>
-            <a:r>
-              <a:rPr lang="en-US" dirty="0" smtClean="0">
-                <a:solidFill>
-                  <a:schemeClr val="bg1"/>
-                </a:solidFill>
-              </a:rPr>
-              <a:t>http://github.com/RedTeamCOSC470/Stargazer</a:t>
-            </a:r>
-            <a:endParaRPr lang="en-CA" dirty="0">
-              <a:solidFill>
-                <a:schemeClr val="bg1"/>
-              </a:solidFill>
-            </a:endParaRPr>
-          </a:p>
-        </p:txBody>
-      </p:sp>
-    </p:spTree>
-  </p:cSld>
-  <p:clrMapOvr>
-    <a:masterClrMapping/>
-  </p:clrMapOvr>
-</p:sld>
-</file>
-
-<file path=ppt/slides/slide12.xml><?xml version="1.0" encoding="utf-8"?>
 <p:sld xmlns:a="http://schemas.openxmlformats.org/drawingml/2006/main" xmlns:r="http://schemas.openxmlformats.org/officeDocument/2006/relationships" xmlns:p="http://schemas.openxmlformats.org/presentationml/2006/main">
   <p:cSld>
     <p:spTree>
@@ -6247,6 +5070,110 @@
 </p:sld>
 </file>
 
+<file path=ppt/slides/slide12.xml><?xml version="1.0" encoding="utf-8"?>
+<p:sld xmlns:a="http://schemas.openxmlformats.org/drawingml/2006/main" xmlns:r="http://schemas.openxmlformats.org/officeDocument/2006/relationships" xmlns:p="http://schemas.openxmlformats.org/presentationml/2006/main">
+  <p:cSld>
+    <p:spTree>
+      <p:nvGrpSpPr>
+        <p:cNvPr id="1" name=""/>
+        <p:cNvGrpSpPr/>
+        <p:nvPr/>
+      </p:nvGrpSpPr>
+      <p:grpSpPr>
+        <a:xfrm>
+          <a:off x="0" y="0"/>
+          <a:ext cx="0" cy="0"/>
+          <a:chOff x="0" y="0"/>
+          <a:chExt cx="0" cy="0"/>
+        </a:xfrm>
+      </p:grpSpPr>
+      <p:sp>
+        <p:nvSpPr>
+          <p:cNvPr id="2" name="Title 1"/>
+          <p:cNvSpPr>
+            <a:spLocks noGrp="1"/>
+          </p:cNvSpPr>
+          <p:nvPr>
+            <p:ph type="title"/>
+          </p:nvPr>
+        </p:nvSpPr>
+        <p:spPr>
+          <a:solidFill>
+            <a:srgbClr val="000000"/>
+          </a:solidFill>
+          <a:ln>
+            <a:solidFill>
+              <a:schemeClr val="accent1"/>
+            </a:solidFill>
+          </a:ln>
+        </p:spPr>
+        <p:txBody>
+          <a:bodyPr/>
+          <a:lstStyle/>
+          <a:p>
+            <a:r>
+              <a:rPr lang="en-US" dirty="0" smtClean="0"/>
+              <a:t>Testing</a:t>
+            </a:r>
+            <a:endParaRPr lang="en-CA" dirty="0"/>
+          </a:p>
+        </p:txBody>
+      </p:sp>
+      <p:sp>
+        <p:nvSpPr>
+          <p:cNvPr id="3" name="Content Placeholder 2"/>
+          <p:cNvSpPr>
+            <a:spLocks noGrp="1"/>
+          </p:cNvSpPr>
+          <p:nvPr>
+            <p:ph idx="1"/>
+          </p:nvPr>
+        </p:nvSpPr>
+        <p:spPr>
+          <a:solidFill>
+            <a:srgbClr val="000000"/>
+          </a:solidFill>
+          <a:ln>
+            <a:solidFill>
+              <a:schemeClr val="accent1"/>
+            </a:solidFill>
+          </a:ln>
+        </p:spPr>
+        <p:txBody>
+          <a:bodyPr>
+            <a:normAutofit/>
+          </a:bodyPr>
+          <a:lstStyle/>
+          <a:p>
+            <a:r>
+              <a:rPr lang="en-US" dirty="0" smtClean="0"/>
+              <a:t>Unit tests</a:t>
+            </a:r>
+          </a:p>
+          <a:p>
+            <a:r>
+              <a:rPr lang="en-CA" dirty="0" smtClean="0"/>
+              <a:t>Acceptance tests</a:t>
+            </a:r>
+            <a:endParaRPr lang="en-US" dirty="0" smtClean="0"/>
+          </a:p>
+        </p:txBody>
+      </p:sp>
+    </p:spTree>
+  </p:cSld>
+  <p:clrMapOvr>
+    <a:masterClrMapping/>
+  </p:clrMapOvr>
+  <p:timing>
+    <p:tnLst>
+      <p:par>
+        <p:cTn id="1" dur="indefinite" restart="never" nodeType="tmRoot"/>
+      </p:par>
+    </p:tnLst>
+  </p:timing>
+</p:sld>
+</file>
+
 <file path=ppt/slides/slide13.xml><?xml version="1.0" encoding="utf-8"?>
 <p:sld xmlns:a="http://schemas.openxmlformats.org/drawingml/2006/main" xmlns:r="http://schemas.openxmlformats.org/officeDocument/2006/relationships" xmlns:p="http://schemas.openxmlformats.org/presentationml/2006/main">
   <p:cSld>
@@ -6290,7 +5217,7 @@
           <a:p>
             <a:r>
               <a:rPr lang="en-US" dirty="0" smtClean="0"/>
-              <a:t>Testing</a:t>
+              <a:t>Project Timeline</a:t>
             </a:r>
             <a:endParaRPr lang="en-CA" dirty="0"/>
           </a:p>
@@ -6318,26 +5245,48 @@
         </p:spPr>
         <p:txBody>
           <a:bodyPr>
-            <a:normAutofit/>
+            <a:normAutofit lnSpcReduction="10000"/>
           </a:bodyPr>
           <a:lstStyle/>
           <a:p>
             <a:r>
               <a:rPr lang="en-US" dirty="0" smtClean="0"/>
-              <a:t>Unit </a:t>
-            </a:r>
-            <a:r>
-              <a:rPr lang="en-US" dirty="0" smtClean="0"/>
-              <a:t>tests</a:t>
-            </a:r>
+              <a:t>Iteration 5: Automated Scheduling and Telescope Positioning</a:t>
+            </a:r>
+          </a:p>
+          <a:p>
+            <a:r>
+              <a:rPr lang="en-US" dirty="0" smtClean="0"/>
+              <a:t>Iteration 6: Libraries and GUI Enhancements</a:t>
+            </a:r>
+          </a:p>
+          <a:p>
+            <a:r>
+              <a:rPr lang="en-US" dirty="0" smtClean="0"/>
+              <a:t>Iteration 7: Mobile Views</a:t>
+            </a:r>
+          </a:p>
+          <a:p>
+            <a:r>
+              <a:rPr lang="en-US" dirty="0" smtClean="0"/>
+              <a:t>Iteration 8: Image Capturing</a:t>
+            </a:r>
+          </a:p>
+          <a:p>
+            <a:r>
+              <a:rPr lang="en-US" dirty="0" smtClean="0"/>
+              <a:t>Iteration 9: The Final Release</a:t>
+            </a:r>
+          </a:p>
+          <a:p>
             <a:endParaRPr lang="en-US" dirty="0" smtClean="0"/>
           </a:p>
           <a:p>
             <a:r>
-              <a:rPr lang="en-CA" dirty="0" smtClean="0"/>
-              <a:t>Acceptance tests</a:t>
-            </a:r>
-            <a:endParaRPr lang="en-US" dirty="0" smtClean="0"/>
+              <a:rPr lang="en-US" dirty="0" smtClean="0"/>
+              <a:t>Each iteration = 2-3 weeks</a:t>
+            </a:r>
+            <a:endParaRPr lang="en-CA" dirty="0"/>
           </a:p>
         </p:txBody>
       </p:sp>
@@ -6346,13 +5295,6 @@
   <p:clrMapOvr>
     <a:masterClrMapping/>
   </p:clrMapOvr>
-  <p:timing>
-    <p:tnLst>
-      <p:par>
-        <p:cTn id="1" dur="indefinite" restart="never" nodeType="tmRoot"/>
-      </p:par>
-    </p:tnLst>
-  </p:timing>
 </p:sld>
 </file>
 
@@ -6399,7 +5341,7 @@
           <a:p>
             <a:r>
               <a:rPr lang="en-US" dirty="0" smtClean="0"/>
-              <a:t>Project Timeline</a:t>
+              <a:t>Project Evaluation and Metrics</a:t>
             </a:r>
             <a:endParaRPr lang="en-CA" dirty="0"/>
           </a:p>
@@ -6427,71 +5369,83 @@
         </p:spPr>
         <p:txBody>
           <a:bodyPr>
-            <a:normAutofit lnSpcReduction="10000"/>
+            <a:normAutofit fontScale="85000" lnSpcReduction="20000"/>
           </a:bodyPr>
           <a:lstStyle/>
           <a:p>
             <a:r>
               <a:rPr lang="en-US" dirty="0" smtClean="0"/>
-              <a:t>Iteration 5: Automated Scheduling and Telescope </a:t>
-            </a:r>
-            <a:r>
-              <a:rPr lang="en-US" dirty="0" smtClean="0"/>
-              <a:t>Positioning</a:t>
-            </a:r>
-          </a:p>
-          <a:p>
-            <a:r>
-              <a:rPr lang="en-US" dirty="0" smtClean="0"/>
-              <a:t>Iteration 6: Libraries and GUI </a:t>
-            </a:r>
-            <a:r>
-              <a:rPr lang="en-US" dirty="0" smtClean="0"/>
-              <a:t>Enhancements</a:t>
-            </a:r>
-          </a:p>
-          <a:p>
-            <a:r>
-              <a:rPr lang="en-US" dirty="0" smtClean="0"/>
-              <a:t>Iteration 7: Mobile </a:t>
-            </a:r>
-            <a:r>
-              <a:rPr lang="en-US" dirty="0" smtClean="0"/>
-              <a:t>Views</a:t>
-            </a:r>
-          </a:p>
-          <a:p>
-            <a:r>
-              <a:rPr lang="en-US" dirty="0" smtClean="0"/>
-              <a:t>Iteration 8: Image </a:t>
-            </a:r>
-            <a:r>
-              <a:rPr lang="en-US" dirty="0" smtClean="0"/>
-              <a:t>Capturing</a:t>
-            </a:r>
-          </a:p>
-          <a:p>
-            <a:r>
-              <a:rPr lang="en-US" dirty="0" smtClean="0"/>
-              <a:t>Iteration 9: The Final </a:t>
-            </a:r>
-            <a:r>
-              <a:rPr lang="en-US" dirty="0" smtClean="0"/>
-              <a:t>Release</a:t>
-            </a:r>
-          </a:p>
-          <a:p>
-            <a:endParaRPr lang="en-US" dirty="0" smtClean="0"/>
-          </a:p>
-          <a:p>
-            <a:r>
-              <a:rPr lang="en-US" dirty="0" smtClean="0"/>
-              <a:t>Each iteration = </a:t>
-            </a:r>
-            <a:r>
-              <a:rPr lang="en-US" dirty="0" smtClean="0"/>
-              <a:t>2-3 weeks</a:t>
-            </a:r>
+              <a:t>Time spent: (1 unit = 15 minutes)</a:t>
+            </a:r>
+          </a:p>
+          <a:p>
+            <a:r>
+              <a:rPr lang="en-US" dirty="0" smtClean="0"/>
+              <a:t>Total time:  [??] units</a:t>
+            </a:r>
+          </a:p>
+          <a:p>
+            <a:endParaRPr lang="en-US" dirty="0"/>
+          </a:p>
+          <a:p>
+            <a:r>
+              <a:rPr lang="en-US" dirty="0" smtClean="0"/>
+              <a:t>Coding:</a:t>
+            </a:r>
+          </a:p>
+          <a:p>
+            <a:pPr lvl="1"/>
+            <a:r>
+              <a:rPr lang="en-US" dirty="0" smtClean="0"/>
+              <a:t>Models: [??] </a:t>
+            </a:r>
+          </a:p>
+          <a:p>
+            <a:pPr lvl="1"/>
+            <a:r>
+              <a:rPr lang="en-US" dirty="0" smtClean="0"/>
+              <a:t>Views: [??] </a:t>
+            </a:r>
+          </a:p>
+          <a:p>
+            <a:pPr lvl="1"/>
+            <a:r>
+              <a:rPr lang="en-US" dirty="0" smtClean="0"/>
+              <a:t>Controllers: [??] </a:t>
+            </a:r>
+            <a:endParaRPr lang="en-US" dirty="0"/>
+          </a:p>
+          <a:p>
+            <a:r>
+              <a:rPr lang="en-US" dirty="0" smtClean="0"/>
+              <a:t>Tests:</a:t>
+            </a:r>
+          </a:p>
+          <a:p>
+            <a:pPr lvl="1"/>
+            <a:r>
+              <a:rPr lang="en-US" dirty="0" smtClean="0"/>
+              <a:t>Unit tests: [??] </a:t>
+            </a:r>
+          </a:p>
+          <a:p>
+            <a:pPr lvl="1"/>
+            <a:r>
+              <a:rPr lang="en-US" dirty="0" smtClean="0"/>
+              <a:t>Test cases: [??] </a:t>
+            </a:r>
+          </a:p>
+          <a:p>
+            <a:pPr lvl="1"/>
+            <a:r>
+              <a:rPr lang="en-US" dirty="0" smtClean="0"/>
+              <a:t>Assertions: [??] </a:t>
+            </a:r>
+          </a:p>
+          <a:p>
+            <a:endParaRPr lang="en-US" dirty="0"/>
+          </a:p>
+          <a:p>
             <a:endParaRPr lang="en-CA" dirty="0"/>
           </a:p>
         </p:txBody>
@@ -6547,7 +5501,31 @@
           <a:p>
             <a:r>
               <a:rPr lang="en-US" dirty="0" smtClean="0"/>
-              <a:t>Project Evaluation and Metrics</a:t>
+              <a:t>What </a:t>
+            </a:r>
+            <a:r>
+              <a:rPr lang="en-US" dirty="0" smtClean="0"/>
+              <a:t>Did </a:t>
+            </a:r>
+            <a:r>
+              <a:rPr lang="en-US" dirty="0" smtClean="0"/>
+              <a:t>W</a:t>
+            </a:r>
+            <a:r>
+              <a:rPr lang="en-US" dirty="0" smtClean="0"/>
+              <a:t>e </a:t>
+            </a:r>
+            <a:r>
+              <a:rPr lang="en-US" dirty="0" smtClean="0"/>
+              <a:t>L</a:t>
+            </a:r>
+            <a:r>
+              <a:rPr lang="en-US" dirty="0" smtClean="0"/>
+              <a:t>earn</a:t>
+            </a:r>
+            <a:r>
+              <a:rPr lang="en-US" dirty="0" smtClean="0"/>
+              <a:t>?</a:t>
             </a:r>
             <a:endParaRPr lang="en-CA" dirty="0"/>
           </a:p>
@@ -6574,116 +5552,32 @@
           </a:ln>
         </p:spPr>
         <p:txBody>
-          <a:bodyPr>
-            <a:normAutofit fontScale="85000" lnSpcReduction="20000"/>
-          </a:bodyPr>
-          <a:lstStyle/>
-          <a:p>
-            <a:r>
-              <a:rPr lang="en-US" dirty="0" smtClean="0"/>
-              <a:t>Time spent: (1 unit = 15 minutes)</a:t>
-            </a:r>
-          </a:p>
-          <a:p>
-            <a:r>
-              <a:rPr lang="en-US" dirty="0" smtClean="0"/>
-              <a:t>Total time:  </a:t>
-            </a:r>
-            <a:r>
-              <a:rPr lang="en-US" dirty="0" smtClean="0"/>
-              <a:t>[??] units</a:t>
+          <a:bodyPr/>
+          <a:lstStyle/>
+          <a:p>
+            <a:r>
+              <a:rPr lang="en-US" dirty="0" smtClean="0"/>
+              <a:t>M</a:t>
+            </a:r>
+            <a:r>
+              <a:rPr lang="en-US" dirty="0" smtClean="0"/>
+              <a:t>ore experienced with </a:t>
+            </a:r>
+            <a:r>
+              <a:rPr lang="en-US" dirty="0" err="1" smtClean="0"/>
+              <a:t>RoR</a:t>
             </a:r>
             <a:endParaRPr lang="en-US" dirty="0" smtClean="0"/>
           </a:p>
           <a:p>
-            <a:endParaRPr lang="en-US" dirty="0"/>
-          </a:p>
-          <a:p>
-            <a:r>
-              <a:rPr lang="en-US" dirty="0" smtClean="0"/>
-              <a:t>Coding:</a:t>
-            </a:r>
-          </a:p>
-          <a:p>
-            <a:pPr lvl="1"/>
-            <a:r>
-              <a:rPr lang="en-US" dirty="0" smtClean="0"/>
-              <a:t>Models: </a:t>
-            </a:r>
-            <a:r>
-              <a:rPr lang="en-US" dirty="0" smtClean="0"/>
-              <a:t>[??] </a:t>
+            <a:r>
+              <a:rPr lang="en-CA" dirty="0" smtClean="0"/>
+              <a:t>Improved planning</a:t>
             </a:r>
             <a:endParaRPr lang="en-US" dirty="0" smtClean="0"/>
           </a:p>
           <a:p>
-            <a:pPr lvl="1"/>
-            <a:r>
-              <a:rPr lang="en-US" dirty="0" smtClean="0"/>
-              <a:t>Views: </a:t>
-            </a:r>
-            <a:r>
-              <a:rPr lang="en-US" dirty="0" smtClean="0"/>
-              <a:t>[??] </a:t>
-            </a:r>
             <a:endParaRPr lang="en-US" dirty="0" smtClean="0"/>
-          </a:p>
-          <a:p>
-            <a:pPr lvl="1"/>
-            <a:r>
-              <a:rPr lang="en-US" dirty="0" smtClean="0"/>
-              <a:t>Controllers: </a:t>
-            </a:r>
-            <a:r>
-              <a:rPr lang="en-US" dirty="0" smtClean="0"/>
-              <a:t>[??] </a:t>
-            </a:r>
-            <a:endParaRPr lang="en-US" dirty="0"/>
-          </a:p>
-          <a:p>
-            <a:r>
-              <a:rPr lang="en-US" dirty="0" smtClean="0"/>
-              <a:t>Tests:</a:t>
-            </a:r>
-          </a:p>
-          <a:p>
-            <a:pPr lvl="1"/>
-            <a:r>
-              <a:rPr lang="en-US" dirty="0" smtClean="0"/>
-              <a:t>Unit tests: </a:t>
-            </a:r>
-            <a:r>
-              <a:rPr lang="en-US" dirty="0" smtClean="0"/>
-              <a:t>[??] </a:t>
-            </a:r>
-            <a:endParaRPr lang="en-US" dirty="0" smtClean="0"/>
-          </a:p>
-          <a:p>
-            <a:pPr lvl="1"/>
-            <a:r>
-              <a:rPr lang="en-US" dirty="0" smtClean="0"/>
-              <a:t>Test cases: </a:t>
-            </a:r>
-            <a:r>
-              <a:rPr lang="en-US" dirty="0" smtClean="0"/>
-              <a:t>[??] </a:t>
-            </a:r>
-            <a:endParaRPr lang="en-US" dirty="0" smtClean="0"/>
-          </a:p>
-          <a:p>
-            <a:pPr lvl="1"/>
-            <a:r>
-              <a:rPr lang="en-US" dirty="0" smtClean="0"/>
-              <a:t>Assertions: </a:t>
-            </a:r>
-            <a:r>
-              <a:rPr lang="en-US" dirty="0" smtClean="0"/>
-              <a:t>[??] </a:t>
-            </a:r>
-            <a:endParaRPr lang="en-US" dirty="0" smtClean="0"/>
-          </a:p>
-          <a:p>
-            <a:endParaRPr lang="en-US" dirty="0"/>
           </a:p>
           <a:p>
             <a:endParaRPr lang="en-CA" dirty="0"/>
@@ -6741,7 +5635,7 @@
           <a:p>
             <a:r>
               <a:rPr lang="en-US" dirty="0" smtClean="0"/>
-              <a:t>What did we learn?</a:t>
+              <a:t>Issues and Project Difficulties</a:t>
             </a:r>
             <a:endParaRPr lang="en-CA" dirty="0"/>
           </a:p>
@@ -6773,11 +5667,14 @@
           <a:p>
             <a:r>
               <a:rPr lang="en-US" dirty="0" smtClean="0"/>
-              <a:t>??</a:t>
-            </a:r>
-            <a:endParaRPr lang="en-US" dirty="0" smtClean="0"/>
-          </a:p>
-          <a:p>
+              <a:t>Time constraints</a:t>
+            </a:r>
+          </a:p>
+          <a:p>
+            <a:r>
+              <a:rPr lang="en-US" smtClean="0"/>
+              <a:t>Equipment delays</a:t>
+            </a:r>
             <a:endParaRPr lang="en-CA" dirty="0"/>
           </a:p>
         </p:txBody>
@@ -6833,7 +5730,7 @@
           <a:p>
             <a:r>
               <a:rPr lang="en-US" dirty="0" smtClean="0"/>
-              <a:t>Issues and Project Difficulties</a:t>
+              <a:t>Summary</a:t>
             </a:r>
             <a:endParaRPr lang="en-CA" dirty="0"/>
           </a:p>
@@ -6864,16 +5761,11 @@
           <a:lstStyle/>
           <a:p>
             <a:r>
-              <a:rPr lang="en-US" dirty="0" smtClean="0"/>
-              <a:t>Time constraints</a:t>
-            </a:r>
-            <a:endParaRPr lang="en-US" dirty="0" smtClean="0"/>
-          </a:p>
-          <a:p>
-            <a:r>
-              <a:rPr lang="en-US" smtClean="0"/>
-              <a:t>Equipment delays</a:t>
-            </a:r>
+              <a:rPr lang="en-CA" dirty="0" smtClean="0"/>
+              <a:t>Completed key features</a:t>
+            </a:r>
+          </a:p>
+          <a:p>
             <a:endParaRPr lang="en-CA" dirty="0"/>
           </a:p>
         </p:txBody>
@@ -6929,7 +5821,7 @@
           <a:p>
             <a:r>
               <a:rPr lang="en-US" dirty="0" smtClean="0"/>
-              <a:t>Summary</a:t>
+              <a:t>Acknowledgements</a:t>
             </a:r>
             <a:endParaRPr lang="en-CA" dirty="0"/>
           </a:p>
@@ -6962,99 +5854,10 @@
             <a:pPr>
               <a:buNone/>
             </a:pPr>
-            <a:endParaRPr lang="en-CA" dirty="0"/>
-          </a:p>
-        </p:txBody>
-      </p:sp>
-    </p:spTree>
-  </p:cSld>
-  <p:clrMapOvr>
-    <a:masterClrMapping/>
-  </p:clrMapOvr>
-</p:sld>
-</file>
-
-<file path=ppt/slides/slide19.xml><?xml version="1.0" encoding="utf-8"?>
-<p:sld xmlns:a="http://schemas.openxmlformats.org/drawingml/2006/main" xmlns:r="http://schemas.openxmlformats.org/officeDocument/2006/relationships" xmlns:p="http://schemas.openxmlformats.org/presentationml/2006/main">
-  <p:cSld>
-    <p:spTree>
-      <p:nvGrpSpPr>
-        <p:cNvPr id="1" name=""/>
-        <p:cNvGrpSpPr/>
-        <p:nvPr/>
-      </p:nvGrpSpPr>
-      <p:grpSpPr>
-        <a:xfrm>
-          <a:off x="0" y="0"/>
-          <a:ext cx="0" cy="0"/>
-          <a:chOff x="0" y="0"/>
-          <a:chExt cx="0" cy="0"/>
-        </a:xfrm>
-      </p:grpSpPr>
-      <p:sp>
-        <p:nvSpPr>
-          <p:cNvPr id="2" name="Title 1"/>
-          <p:cNvSpPr>
-            <a:spLocks noGrp="1"/>
-          </p:cNvSpPr>
-          <p:nvPr>
-            <p:ph type="title"/>
-          </p:nvPr>
-        </p:nvSpPr>
-        <p:spPr>
-          <a:solidFill>
-            <a:srgbClr val="000000"/>
-          </a:solidFill>
-          <a:ln>
-            <a:solidFill>
-              <a:schemeClr val="accent1"/>
-            </a:solidFill>
-          </a:ln>
-        </p:spPr>
-        <p:txBody>
-          <a:bodyPr/>
-          <a:lstStyle/>
-          <a:p>
-            <a:r>
-              <a:rPr lang="en-US" dirty="0" smtClean="0"/>
-              <a:t>Acknowledgements</a:t>
-            </a:r>
-            <a:endParaRPr lang="en-CA" dirty="0"/>
-          </a:p>
-        </p:txBody>
-      </p:sp>
-      <p:sp>
-        <p:nvSpPr>
-          <p:cNvPr id="3" name="Content Placeholder 2"/>
-          <p:cNvSpPr>
-            <a:spLocks noGrp="1"/>
-          </p:cNvSpPr>
-          <p:nvPr>
-            <p:ph idx="1"/>
-          </p:nvPr>
-        </p:nvSpPr>
-        <p:spPr>
-          <a:solidFill>
-            <a:srgbClr val="000000"/>
-          </a:solidFill>
-          <a:ln>
-            <a:solidFill>
-              <a:schemeClr val="accent1"/>
-            </a:solidFill>
-          </a:ln>
-        </p:spPr>
-        <p:txBody>
-          <a:bodyPr/>
-          <a:lstStyle/>
-          <a:p>
-            <a:pPr>
-              <a:buNone/>
-            </a:pPr>
             <a:r>
               <a:rPr lang="en-CA" dirty="0" smtClean="0"/>
               <a:t>Thanks to the following:</a:t>
             </a:r>
-            <a:endParaRPr lang="en-CA" dirty="0" smtClean="0"/>
           </a:p>
           <a:p>
             <a:pPr lvl="1"/>
@@ -7219,7 +6022,6 @@
               <a:rPr lang="en-US" dirty="0" smtClean="0"/>
               <a:t>Why is it needed?</a:t>
             </a:r>
-            <a:endParaRPr lang="en-US" dirty="0" smtClean="0"/>
           </a:p>
           <a:p>
             <a:pPr lvl="1"/>
@@ -7247,184 +6049,6 @@
       </p:par>
     </p:tnLst>
   </p:timing>
-</p:sld>
-</file>
-
-<file path=ppt/slides/slide20.xml><?xml version="1.0" encoding="utf-8"?>
-<p:sld xmlns:a="http://schemas.openxmlformats.org/drawingml/2006/main" xmlns:r="http://schemas.openxmlformats.org/officeDocument/2006/relationships" xmlns:p="http://schemas.openxmlformats.org/presentationml/2006/main">
-  <p:cSld>
-    <p:spTree>
-      <p:nvGrpSpPr>
-        <p:cNvPr id="1" name=""/>
-        <p:cNvGrpSpPr/>
-        <p:nvPr/>
-      </p:nvGrpSpPr>
-      <p:grpSpPr>
-        <a:xfrm>
-          <a:off x="0" y="0"/>
-          <a:ext cx="0" cy="0"/>
-          <a:chOff x="0" y="0"/>
-          <a:chExt cx="0" cy="0"/>
-        </a:xfrm>
-      </p:grpSpPr>
-      <p:sp>
-        <p:nvSpPr>
-          <p:cNvPr id="2" name="Title 1"/>
-          <p:cNvSpPr>
-            <a:spLocks noGrp="1"/>
-          </p:cNvSpPr>
-          <p:nvPr>
-            <p:ph type="title"/>
-          </p:nvPr>
-        </p:nvSpPr>
-        <p:spPr>
-          <a:solidFill>
-            <a:srgbClr val="000000"/>
-          </a:solidFill>
-          <a:ln>
-            <a:solidFill>
-              <a:schemeClr val="accent1"/>
-            </a:solidFill>
-          </a:ln>
-        </p:spPr>
-        <p:txBody>
-          <a:bodyPr/>
-          <a:lstStyle/>
-          <a:p>
-            <a:r>
-              <a:rPr lang="en-US" dirty="0" smtClean="0"/>
-              <a:t>Demonstrations</a:t>
-            </a:r>
-            <a:endParaRPr lang="en-CA" dirty="0"/>
-          </a:p>
-        </p:txBody>
-      </p:sp>
-      <p:sp>
-        <p:nvSpPr>
-          <p:cNvPr id="3" name="Content Placeholder 2"/>
-          <p:cNvSpPr>
-            <a:spLocks noGrp="1"/>
-          </p:cNvSpPr>
-          <p:nvPr>
-            <p:ph idx="1"/>
-          </p:nvPr>
-        </p:nvSpPr>
-        <p:spPr>
-          <a:noFill/>
-          <a:ln>
-            <a:noFill/>
-          </a:ln>
-        </p:spPr>
-        <p:txBody>
-          <a:bodyPr>
-            <a:normAutofit lnSpcReduction="10000"/>
-          </a:bodyPr>
-          <a:lstStyle/>
-          <a:p>
-            <a:pPr algn="ctr">
-              <a:buNone/>
-            </a:pPr>
-            <a:r>
-              <a:rPr lang="en-US" sz="32000" dirty="0" smtClean="0"/>
-              <a:t>!</a:t>
-            </a:r>
-            <a:endParaRPr lang="en-CA" sz="32000" dirty="0" smtClean="0"/>
-          </a:p>
-          <a:p>
-            <a:endParaRPr lang="en-CA" dirty="0"/>
-          </a:p>
-        </p:txBody>
-      </p:sp>
-    </p:spTree>
-  </p:cSld>
-  <p:clrMapOvr>
-    <a:masterClrMapping/>
-  </p:clrMapOvr>
-</p:sld>
-</file>
-
-<file path=ppt/slides/slide21.xml><?xml version="1.0" encoding="utf-8"?>
-<p:sld xmlns:a="http://schemas.openxmlformats.org/drawingml/2006/main" xmlns:r="http://schemas.openxmlformats.org/officeDocument/2006/relationships" xmlns:p="http://schemas.openxmlformats.org/presentationml/2006/main">
-  <p:cSld>
-    <p:spTree>
-      <p:nvGrpSpPr>
-        <p:cNvPr id="1" name=""/>
-        <p:cNvGrpSpPr/>
-        <p:nvPr/>
-      </p:nvGrpSpPr>
-      <p:grpSpPr>
-        <a:xfrm>
-          <a:off x="0" y="0"/>
-          <a:ext cx="0" cy="0"/>
-          <a:chOff x="0" y="0"/>
-          <a:chExt cx="0" cy="0"/>
-        </a:xfrm>
-      </p:grpSpPr>
-      <p:sp>
-        <p:nvSpPr>
-          <p:cNvPr id="2" name="Title 1"/>
-          <p:cNvSpPr>
-            <a:spLocks noGrp="1"/>
-          </p:cNvSpPr>
-          <p:nvPr>
-            <p:ph type="title"/>
-          </p:nvPr>
-        </p:nvSpPr>
-        <p:spPr>
-          <a:solidFill>
-            <a:srgbClr val="000000"/>
-          </a:solidFill>
-          <a:ln>
-            <a:solidFill>
-              <a:schemeClr val="accent1"/>
-            </a:solidFill>
-          </a:ln>
-        </p:spPr>
-        <p:txBody>
-          <a:bodyPr/>
-          <a:lstStyle/>
-          <a:p>
-            <a:r>
-              <a:rPr lang="en-US" dirty="0" smtClean="0"/>
-              <a:t>Questions</a:t>
-            </a:r>
-            <a:endParaRPr lang="en-CA" dirty="0"/>
-          </a:p>
-        </p:txBody>
-      </p:sp>
-      <p:sp>
-        <p:nvSpPr>
-          <p:cNvPr id="3" name="Content Placeholder 2"/>
-          <p:cNvSpPr>
-            <a:spLocks noGrp="1"/>
-          </p:cNvSpPr>
-          <p:nvPr>
-            <p:ph idx="1"/>
-          </p:nvPr>
-        </p:nvSpPr>
-        <p:spPr/>
-        <p:txBody>
-          <a:bodyPr>
-            <a:noAutofit/>
-          </a:bodyPr>
-          <a:lstStyle/>
-          <a:p>
-            <a:pPr algn="ctr">
-              <a:buNone/>
-            </a:pPr>
-            <a:r>
-              <a:rPr lang="en-US" sz="32000" dirty="0" smtClean="0"/>
-              <a:t>?</a:t>
-            </a:r>
-            <a:endParaRPr lang="en-CA" sz="32000" dirty="0"/>
-          </a:p>
-        </p:txBody>
-      </p:sp>
-    </p:spTree>
-  </p:cSld>
-  <p:clrMapOvr>
-    <a:masterClrMapping/>
-  </p:clrMapOvr>
 </p:sld>
 </file>
 
@@ -7511,26 +6135,17 @@
               <a:rPr lang="en-US" dirty="0" smtClean="0"/>
               <a:t>Authentication and authorization</a:t>
             </a:r>
-            <a:endParaRPr lang="en-US" dirty="0" smtClean="0"/>
-          </a:p>
-          <a:p>
-            <a:r>
-              <a:rPr lang="en-US" dirty="0" smtClean="0"/>
-              <a:t>Optional </a:t>
-            </a:r>
-            <a:r>
-              <a:rPr lang="en-US" dirty="0" smtClean="0"/>
-              <a:t>SSL</a:t>
-            </a:r>
-          </a:p>
-          <a:p>
-            <a:r>
-              <a:rPr lang="en-US" dirty="0" smtClean="0"/>
-              <a:t>Online </a:t>
-            </a:r>
-            <a:r>
-              <a:rPr lang="en-US" dirty="0" smtClean="0"/>
-              <a:t>help</a:t>
+          </a:p>
+          <a:p>
+            <a:r>
+              <a:rPr lang="en-US" dirty="0" smtClean="0"/>
+              <a:t>Optional SSL</a:t>
+            </a:r>
+          </a:p>
+          <a:p>
+            <a:r>
+              <a:rPr lang="en-US" dirty="0" smtClean="0"/>
+              <a:t>Online help</a:t>
             </a:r>
           </a:p>
           <a:p>
@@ -7637,32 +6252,29 @@
             </a:r>
             <a:r>
               <a:rPr lang="en-US" dirty="0" smtClean="0"/>
-              <a:t>theirs.</a:t>
+              <a:t>theirs</a:t>
             </a:r>
             <a:endParaRPr lang="en-US" dirty="0"/>
           </a:p>
           <a:p>
             <a:r>
               <a:rPr lang="en-US" dirty="0" smtClean="0"/>
-              <a:t>Currently use </a:t>
-            </a:r>
-            <a:r>
-              <a:rPr lang="en-US" dirty="0" smtClean="0"/>
-              <a:t>a </a:t>
-            </a:r>
-            <a:r>
-              <a:rPr lang="en-US" dirty="0" smtClean="0"/>
-              <a:t>manual </a:t>
-            </a:r>
-            <a:r>
-              <a:rPr lang="en-US" dirty="0" smtClean="0"/>
-              <a:t>process.</a:t>
-            </a:r>
+              <a:t>Currently use a manual </a:t>
+            </a:r>
+            <a:r>
+              <a:rPr lang="en-US" dirty="0" smtClean="0"/>
+              <a:t>process</a:t>
+            </a:r>
+            <a:endParaRPr lang="en-US" dirty="0" smtClean="0"/>
           </a:p>
           <a:p>
             <a:r>
               <a:rPr lang="en-CA" dirty="0" smtClean="0"/>
-              <a:t>Had good initial communication.</a:t>
+              <a:t>Had good initial </a:t>
+            </a:r>
+            <a:r>
+              <a:rPr lang="en-CA" dirty="0" smtClean="0"/>
+              <a:t>communication</a:t>
             </a:r>
             <a:endParaRPr lang="en-US" dirty="0" smtClean="0"/>
           </a:p>
@@ -7761,37 +6373,19 @@
           <a:p>
             <a:r>
               <a:rPr lang="en-US" dirty="0" smtClean="0"/>
-              <a:t>Telescope: </a:t>
-            </a:r>
-            <a:r>
-              <a:rPr lang="en-US" dirty="0" smtClean="0"/>
-              <a:t>Meade ETX-60AT-TC</a:t>
-            </a:r>
-            <a:endParaRPr lang="en-US" dirty="0" smtClean="0"/>
-          </a:p>
-          <a:p>
-            <a:r>
-              <a:rPr lang="en-US" dirty="0" smtClean="0"/>
-              <a:t>Digital camera</a:t>
-            </a:r>
-            <a:r>
-              <a:rPr lang="en-US" dirty="0" smtClean="0"/>
-              <a:t>: Canon 30D</a:t>
-            </a:r>
-            <a:endParaRPr lang="en-US" dirty="0" smtClean="0"/>
-          </a:p>
-          <a:p>
-            <a:r>
-              <a:rPr lang="en-US" dirty="0" smtClean="0"/>
-              <a:t>Mobile device: Nokia </a:t>
-            </a:r>
-            <a:r>
-              <a:rPr lang="en-US" dirty="0" smtClean="0"/>
-              <a:t>N97, </a:t>
-            </a:r>
-            <a:r>
-              <a:rPr lang="en-US" dirty="0" smtClean="0"/>
-              <a:t>Apple </a:t>
+              <a:t>Telescope: Meade ETX-60AT-TC</a:t>
+            </a:r>
+          </a:p>
+          <a:p>
+            <a:r>
+              <a:rPr lang="en-US" dirty="0" smtClean="0"/>
+              <a:t>Digital camera: Canon 30D</a:t>
+            </a:r>
+          </a:p>
+          <a:p>
+            <a:r>
+              <a:rPr lang="en-US" dirty="0" smtClean="0"/>
+              <a:t>Mobile device: Nokia N97, Apple </a:t>
             </a:r>
             <a:r>
               <a:rPr lang="en-US" dirty="0" err="1" smtClean="0"/>
@@ -7901,29 +6495,20 @@
             </a:r>
             <a:r>
               <a:rPr lang="en-US" dirty="0" smtClean="0"/>
-              <a:t>Word and Project</a:t>
+              <a:t>Word, Project</a:t>
             </a:r>
             <a:endParaRPr lang="en-US" dirty="0" smtClean="0"/>
           </a:p>
           <a:p>
             <a:r>
               <a:rPr lang="en-US" dirty="0" smtClean="0"/>
-              <a:t>Modeling: </a:t>
-            </a:r>
-            <a:r>
-              <a:rPr lang="en-US" dirty="0" smtClean="0"/>
-              <a:t>Rational Rose</a:t>
-            </a:r>
-            <a:endParaRPr lang="en-US" dirty="0" smtClean="0"/>
-          </a:p>
-          <a:p>
-            <a:r>
-              <a:rPr lang="en-US" dirty="0" smtClean="0"/>
-              <a:t>Ruby on Rails IDE</a:t>
-            </a:r>
-            <a:r>
-              <a:rPr lang="en-US" dirty="0" smtClean="0"/>
-              <a:t>: </a:t>
+              <a:t>Modeling: Rational Rose</a:t>
+            </a:r>
+          </a:p>
+          <a:p>
+            <a:r>
+              <a:rPr lang="en-US" dirty="0" smtClean="0"/>
+              <a:t>Ruby on Rails IDE: </a:t>
             </a:r>
             <a:r>
               <a:rPr lang="en-US" dirty="0" err="1" smtClean="0"/>
@@ -8155,11 +6740,11 @@
           <a:p>
             <a:r>
               <a:rPr lang="en-US" dirty="0" smtClean="0"/>
-              <a:t>Web </a:t>
-            </a:r>
-            <a:r>
-              <a:rPr lang="en-US" dirty="0" smtClean="0"/>
-              <a:t>Server Details</a:t>
+              <a:t>Web Server </a:t>
+            </a:r>
+            <a:r>
+              <a:rPr lang="en-US" dirty="0" smtClean="0"/>
+              <a:t>Machine Details</a:t>
             </a:r>
             <a:endParaRPr lang="en-CA" dirty="0"/>
           </a:p>
@@ -8193,31 +6778,19 @@
           <a:p>
             <a:r>
               <a:rPr lang="en-US" dirty="0" smtClean="0"/>
-              <a:t>Framework: Ruby on </a:t>
-            </a:r>
-            <a:r>
-              <a:rPr lang="en-US" dirty="0" smtClean="0"/>
-              <a:t>Rails</a:t>
-            </a:r>
-          </a:p>
-          <a:p>
-            <a:r>
-              <a:rPr lang="en-US" dirty="0" smtClean="0"/>
-              <a:t>Operating </a:t>
-            </a:r>
-            <a:r>
-              <a:rPr lang="en-US" dirty="0" smtClean="0"/>
-              <a:t>System: Fedora 11</a:t>
-            </a:r>
-          </a:p>
-          <a:p>
-            <a:r>
-              <a:rPr lang="en-US" dirty="0" smtClean="0"/>
-              <a:t>Web Server: </a:t>
-            </a:r>
-            <a:r>
-              <a:rPr lang="en-US" dirty="0" smtClean="0"/>
-              <a:t>Apache2</a:t>
+              <a:t>Framework: Ruby on Rails</a:t>
+            </a:r>
+          </a:p>
+          <a:p>
+            <a:r>
+              <a:rPr lang="en-US" dirty="0" smtClean="0"/>
+              <a:t>Operating System: Fedora 11</a:t>
+            </a:r>
+          </a:p>
+          <a:p>
+            <a:r>
+              <a:rPr lang="en-US" dirty="0" smtClean="0"/>
+              <a:t>Web Server: Apache2</a:t>
             </a:r>
             <a:endParaRPr lang="en-CA" dirty="0"/>
           </a:p>
@@ -8314,33 +6887,13 @@
           <a:p>
             <a:r>
               <a:rPr lang="en-US" dirty="0" smtClean="0"/>
-              <a:t>Operating </a:t>
-            </a:r>
-            <a:r>
-              <a:rPr lang="en-US" dirty="0" smtClean="0"/>
-              <a:t>System: </a:t>
-            </a:r>
-            <a:r>
-              <a:rPr lang="en-US" dirty="0" smtClean="0"/>
-              <a:t>Windows XP</a:t>
-            </a:r>
-          </a:p>
-          <a:p>
-            <a:r>
-              <a:rPr lang="en-US" dirty="0" smtClean="0"/>
-              <a:t>Database</a:t>
-            </a:r>
-            <a:r>
-              <a:rPr lang="en-US" dirty="0" smtClean="0"/>
-              <a:t>: </a:t>
-            </a:r>
-            <a:r>
-              <a:rPr lang="en-US" dirty="0" smtClean="0"/>
-              <a:t>Oracle 10g Express Editio</a:t>
-            </a:r>
-            <a:r>
-              <a:rPr lang="en-US" dirty="0" smtClean="0"/>
-              <a:t>n</a:t>
+              <a:t>Operating System: Windows XP</a:t>
+            </a:r>
+          </a:p>
+          <a:p>
+            <a:r>
+              <a:rPr lang="en-US" dirty="0" smtClean="0"/>
+              <a:t>Database: Oracle 10g Express Edition</a:t>
             </a:r>
             <a:endParaRPr lang="en-CA" dirty="0"/>
           </a:p>

--- a/Stargazer_Presentation_Semester2.pptx
+++ b/Stargazer_Presentation_Semester2.pptx
@@ -210,7 +210,7 @@
             <a:fld id="{2AAFEF68-1DE9-47A7-9FE3-8BA9D24E7EE3}" type="datetimeFigureOut">
               <a:rPr lang="en-US" smtClean="0"/>
               <a:pPr/>
-              <a:t>3/29/2010</a:t>
+              <a:t>3/31/2010</a:t>
             </a:fld>
             <a:endParaRPr lang="en-CA"/>
           </a:p>
@@ -962,13 +962,8 @@
             </a:r>
             <a:r>
               <a:rPr lang="en-CA" baseline="0" dirty="0" smtClean="0"/>
-              <a:t> for giving us a domain name for our </a:t>
-            </a:r>
-            <a:r>
-              <a:rPr lang="en-CA" baseline="0" dirty="0" smtClean="0"/>
-              <a:t>project allowing outside access to our web server</a:t>
-            </a:r>
-            <a:endParaRPr lang="en-CA" baseline="0" dirty="0" smtClean="0"/>
+              <a:t> for giving us a domain name for our project allowing outside access to our web server</a:t>
+            </a:r>
           </a:p>
           <a:p>
             <a:r>
@@ -1915,7 +1910,7 @@
             <a:fld id="{471E1C79-A119-44DE-84CD-391F73B5F415}" type="datetimeFigureOut">
               <a:rPr lang="en-US" smtClean="0"/>
               <a:pPr/>
-              <a:t>3/29/2010</a:t>
+              <a:t>3/31/2010</a:t>
             </a:fld>
             <a:endParaRPr lang="en-CA"/>
           </a:p>
@@ -2082,7 +2077,7 @@
             <a:fld id="{471E1C79-A119-44DE-84CD-391F73B5F415}" type="datetimeFigureOut">
               <a:rPr lang="en-US" smtClean="0"/>
               <a:pPr/>
-              <a:t>3/29/2010</a:t>
+              <a:t>3/31/2010</a:t>
             </a:fld>
             <a:endParaRPr lang="en-CA"/>
           </a:p>
@@ -2259,7 +2254,7 @@
             <a:fld id="{471E1C79-A119-44DE-84CD-391F73B5F415}" type="datetimeFigureOut">
               <a:rPr lang="en-US" smtClean="0"/>
               <a:pPr/>
-              <a:t>3/29/2010</a:t>
+              <a:t>3/31/2010</a:t>
             </a:fld>
             <a:endParaRPr lang="en-CA"/>
           </a:p>
@@ -2426,7 +2421,7 @@
             <a:fld id="{471E1C79-A119-44DE-84CD-391F73B5F415}" type="datetimeFigureOut">
               <a:rPr lang="en-US" smtClean="0"/>
               <a:pPr/>
-              <a:t>3/29/2010</a:t>
+              <a:t>3/31/2010</a:t>
             </a:fld>
             <a:endParaRPr lang="en-CA"/>
           </a:p>
@@ -2669,7 +2664,7 @@
             <a:fld id="{471E1C79-A119-44DE-84CD-391F73B5F415}" type="datetimeFigureOut">
               <a:rPr lang="en-US" smtClean="0"/>
               <a:pPr/>
-              <a:t>3/29/2010</a:t>
+              <a:t>3/31/2010</a:t>
             </a:fld>
             <a:endParaRPr lang="en-CA"/>
           </a:p>
@@ -2954,7 +2949,7 @@
             <a:fld id="{471E1C79-A119-44DE-84CD-391F73B5F415}" type="datetimeFigureOut">
               <a:rPr lang="en-US" smtClean="0"/>
               <a:pPr/>
-              <a:t>3/29/2010</a:t>
+              <a:t>3/31/2010</a:t>
             </a:fld>
             <a:endParaRPr lang="en-CA"/>
           </a:p>
@@ -3373,7 +3368,7 @@
             <a:fld id="{471E1C79-A119-44DE-84CD-391F73B5F415}" type="datetimeFigureOut">
               <a:rPr lang="en-US" smtClean="0"/>
               <a:pPr/>
-              <a:t>3/29/2010</a:t>
+              <a:t>3/31/2010</a:t>
             </a:fld>
             <a:endParaRPr lang="en-CA"/>
           </a:p>
@@ -3488,7 +3483,7 @@
             <a:fld id="{471E1C79-A119-44DE-84CD-391F73B5F415}" type="datetimeFigureOut">
               <a:rPr lang="en-US" smtClean="0"/>
               <a:pPr/>
-              <a:t>3/29/2010</a:t>
+              <a:t>3/31/2010</a:t>
             </a:fld>
             <a:endParaRPr lang="en-CA"/>
           </a:p>
@@ -3580,7 +3575,7 @@
             <a:fld id="{471E1C79-A119-44DE-84CD-391F73B5F415}" type="datetimeFigureOut">
               <a:rPr lang="en-US" smtClean="0"/>
               <a:pPr/>
-              <a:t>3/29/2010</a:t>
+              <a:t>3/31/2010</a:t>
             </a:fld>
             <a:endParaRPr lang="en-CA"/>
           </a:p>
@@ -3854,7 +3849,7 @@
             <a:fld id="{471E1C79-A119-44DE-84CD-391F73B5F415}" type="datetimeFigureOut">
               <a:rPr lang="en-US" smtClean="0"/>
               <a:pPr/>
-              <a:t>3/29/2010</a:t>
+              <a:t>3/31/2010</a:t>
             </a:fld>
             <a:endParaRPr lang="en-CA"/>
           </a:p>
@@ -4104,7 +4099,7 @@
             <a:fld id="{471E1C79-A119-44DE-84CD-391F73B5F415}" type="datetimeFigureOut">
               <a:rPr lang="en-US" smtClean="0"/>
               <a:pPr/>
-              <a:t>3/29/2010</a:t>
+              <a:t>3/31/2010</a:t>
             </a:fld>
             <a:endParaRPr lang="en-CA"/>
           </a:p>
@@ -4323,7 +4318,7 @@
             <a:fld id="{471E1C79-A119-44DE-84CD-391F73B5F415}" type="datetimeFigureOut">
               <a:rPr lang="en-US" smtClean="0"/>
               <a:pPr/>
-              <a:t>3/29/2010</a:t>
+              <a:t>3/31/2010</a:t>
             </a:fld>
             <a:endParaRPr lang="en-CA"/>
           </a:p>
@@ -4788,13 +4783,8 @@
             </a:pPr>
             <a:r>
               <a:rPr lang="en-US" dirty="0" smtClean="0"/>
-              <a:t> Course: 		COSC </a:t>
-            </a:r>
-            <a:r>
-              <a:rPr lang="en-US" dirty="0" smtClean="0"/>
-              <a:t>470/471</a:t>
-            </a:r>
-            <a:endParaRPr lang="en-US" dirty="0" smtClean="0"/>
+              <a:t> Course: 		COSC 470/471</a:t>
+            </a:r>
           </a:p>
           <a:p>
             <a:pPr lvl="0" algn="l">
@@ -4901,11 +4891,7 @@
           <a:p>
             <a:r>
               <a:rPr lang="en-US" dirty="0" smtClean="0"/>
-              <a:t>Versioning </a:t>
-            </a:r>
-            <a:r>
-              <a:rPr lang="en-US" dirty="0" smtClean="0"/>
-              <a:t>Control: GIT</a:t>
+              <a:t>Versioning Control: GIT</a:t>
             </a:r>
             <a:endParaRPr lang="en-CA" dirty="0"/>
           </a:p>
@@ -5501,31 +5487,7 @@
           <a:p>
             <a:r>
               <a:rPr lang="en-US" dirty="0" smtClean="0"/>
-              <a:t>What </a:t>
-            </a:r>
-            <a:r>
-              <a:rPr lang="en-US" dirty="0" smtClean="0"/>
-              <a:t>Did </a:t>
-            </a:r>
-            <a:r>
-              <a:rPr lang="en-US" dirty="0" smtClean="0"/>
-              <a:t>W</a:t>
-            </a:r>
-            <a:r>
-              <a:rPr lang="en-US" dirty="0" smtClean="0"/>
-              <a:t>e </a:t>
-            </a:r>
-            <a:r>
-              <a:rPr lang="en-US" dirty="0" smtClean="0"/>
-              <a:t>L</a:t>
-            </a:r>
-            <a:r>
-              <a:rPr lang="en-US" dirty="0" smtClean="0"/>
-              <a:t>earn</a:t>
-            </a:r>
-            <a:r>
-              <a:rPr lang="en-US" dirty="0" smtClean="0"/>
-              <a:t>?</a:t>
+              <a:t>What Did We Learn?</a:t>
             </a:r>
             <a:endParaRPr lang="en-CA" dirty="0"/>
           </a:p>
@@ -5557,15 +5519,11 @@
           <a:p>
             <a:r>
               <a:rPr lang="en-US" dirty="0" smtClean="0"/>
-              <a:t>M</a:t>
+              <a:t>More experienced with </a:t>
             </a:r>
             <a:r>
               <a:rPr lang="en-US" dirty="0" smtClean="0"/>
-              <a:t>ore experienced with </a:t>
-            </a:r>
-            <a:r>
-              <a:rPr lang="en-US" dirty="0" err="1" smtClean="0"/>
-              <a:t>RoR</a:t>
+              <a:t>Ruby on Rails</a:t>
             </a:r>
             <a:endParaRPr lang="en-US" dirty="0" smtClean="0"/>
           </a:p>
@@ -5762,8 +5720,29 @@
           <a:p>
             <a:r>
               <a:rPr lang="en-CA" dirty="0" smtClean="0"/>
-              <a:t>Completed key features</a:t>
-            </a:r>
+              <a:t>Automatic Telescope Control System</a:t>
+            </a:r>
+          </a:p>
+          <a:p>
+            <a:r>
+              <a:rPr lang="en-CA" dirty="0" smtClean="0"/>
+              <a:t>Can:</a:t>
+            </a:r>
+          </a:p>
+          <a:p>
+            <a:pPr lvl="1"/>
+            <a:r>
+              <a:rPr lang="en-CA" dirty="0" smtClean="0"/>
+              <a:t>Schedule telescope for future dates</a:t>
+            </a:r>
+          </a:p>
+          <a:p>
+            <a:pPr lvl="1"/>
+            <a:r>
+              <a:rPr lang="en-CA" dirty="0" smtClean="0"/>
+              <a:t>Capture images of that area</a:t>
+            </a:r>
+            <a:endParaRPr lang="en-CA" dirty="0" smtClean="0"/>
           </a:p>
           <a:p>
             <a:endParaRPr lang="en-CA" dirty="0"/>
@@ -6248,33 +6227,20 @@
           <a:p>
             <a:r>
               <a:rPr lang="en-US" dirty="0" smtClean="0"/>
-              <a:t>Astronomy is a hobby of </a:t>
-            </a:r>
+              <a:t>Astronomy is a hobby of theirs</a:t>
+            </a:r>
+            <a:endParaRPr lang="en-US" dirty="0"/>
+          </a:p>
+          <a:p>
             <a:r>
               <a:rPr lang="en-US" dirty="0" smtClean="0"/>
-              <a:t>theirs</a:t>
-            </a:r>
-            <a:endParaRPr lang="en-US" dirty="0"/>
-          </a:p>
-          <a:p>
-            <a:r>
-              <a:rPr lang="en-US" dirty="0" smtClean="0"/>
-              <a:t>Currently use a manual </a:t>
-            </a:r>
-            <a:r>
-              <a:rPr lang="en-US" dirty="0" smtClean="0"/>
-              <a:t>process</a:t>
-            </a:r>
-            <a:endParaRPr lang="en-US" dirty="0" smtClean="0"/>
+              <a:t>Currently use a manual process</a:t>
+            </a:r>
           </a:p>
           <a:p>
             <a:r>
               <a:rPr lang="en-CA" dirty="0" smtClean="0"/>
-              <a:t>Had good initial </a:t>
-            </a:r>
-            <a:r>
-              <a:rPr lang="en-CA" dirty="0" smtClean="0"/>
-              <a:t>communication</a:t>
+              <a:t>Had good initial communication</a:t>
             </a:r>
             <a:endParaRPr lang="en-US" dirty="0" smtClean="0"/>
           </a:p>
@@ -6491,13 +6457,8 @@
           <a:p>
             <a:r>
               <a:rPr lang="en-US" dirty="0" smtClean="0"/>
-              <a:t>Documentation: Microsoft </a:t>
-            </a:r>
-            <a:r>
-              <a:rPr lang="en-US" dirty="0" smtClean="0"/>
-              <a:t>Word, Project</a:t>
-            </a:r>
-            <a:endParaRPr lang="en-US" dirty="0" smtClean="0"/>
+              <a:t>Documentation: Microsoft Word, Project</a:t>
+            </a:r>
           </a:p>
           <a:p>
             <a:r>
@@ -6519,25 +6480,16 @@
           <a:p>
             <a:r>
               <a:rPr lang="en-CA" dirty="0" smtClean="0"/>
-              <a:t>C# IDE: Microsoft Visual Studio</a:t>
-            </a:r>
-          </a:p>
-          <a:p>
-            <a:r>
-              <a:rPr lang="en-CA" dirty="0" smtClean="0"/>
-              <a:t>Time Tracking: </a:t>
-            </a:r>
-            <a:r>
-              <a:rPr lang="en-CA" dirty="0" err="1" smtClean="0"/>
-              <a:t>Anuko</a:t>
-            </a:r>
-            <a:r>
-              <a:rPr lang="en-CA" dirty="0" smtClean="0"/>
-              <a:t> Time Tracker</a:t>
-            </a:r>
-            <a:endParaRPr lang="en-US" dirty="0" smtClean="0"/>
-          </a:p>
-          <a:p>
+              <a:t>C# IDE: Microsoft </a:t>
+            </a:r>
+            <a:r>
+              <a:rPr lang="en-CA" smtClean="0"/>
+              <a:t>Visual </a:t>
+            </a:r>
+            <a:r>
+              <a:rPr lang="en-CA" smtClean="0"/>
+              <a:t>Studio</a:t>
+            </a:r>
             <a:endParaRPr lang="en-US" dirty="0" smtClean="0"/>
           </a:p>
           <a:p>
@@ -6740,11 +6692,7 @@
           <a:p>
             <a:r>
               <a:rPr lang="en-US" dirty="0" smtClean="0"/>
-              <a:t>Web Server </a:t>
-            </a:r>
-            <a:r>
-              <a:rPr lang="en-US" dirty="0" smtClean="0"/>
-              <a:t>Machine Details</a:t>
+              <a:t>Web Server Machine Details</a:t>
             </a:r>
             <a:endParaRPr lang="en-CA" dirty="0"/>
           </a:p>

--- a/Stargazer_Presentation_Semester2.pptx
+++ b/Stargazer_Presentation_Semester2.pptx
@@ -5,27 +5,31 @@
     <p:sldMasterId id="2147483684" r:id="rId1"/>
   </p:sldMasterIdLst>
   <p:notesMasterIdLst>
-    <p:notesMasterId r:id="rId20"/>
+    <p:notesMasterId r:id="rId24"/>
   </p:notesMasterIdLst>
   <p:sldIdLst>
     <p:sldId id="256" r:id="rId2"/>
     <p:sldId id="257" r:id="rId3"/>
     <p:sldId id="282" r:id="rId4"/>
     <p:sldId id="259" r:id="rId5"/>
-    <p:sldId id="291" r:id="rId6"/>
-    <p:sldId id="292" r:id="rId7"/>
-    <p:sldId id="293" r:id="rId8"/>
-    <p:sldId id="286" r:id="rId9"/>
-    <p:sldId id="298" r:id="rId10"/>
-    <p:sldId id="279" r:id="rId11"/>
-    <p:sldId id="261" r:id="rId12"/>
-    <p:sldId id="268" r:id="rId13"/>
-    <p:sldId id="280" r:id="rId14"/>
-    <p:sldId id="272" r:id="rId15"/>
-    <p:sldId id="283" r:id="rId16"/>
-    <p:sldId id="278" r:id="rId17"/>
-    <p:sldId id="297" r:id="rId18"/>
-    <p:sldId id="296" r:id="rId19"/>
+    <p:sldId id="300" r:id="rId6"/>
+    <p:sldId id="302" r:id="rId7"/>
+    <p:sldId id="291" r:id="rId8"/>
+    <p:sldId id="292" r:id="rId9"/>
+    <p:sldId id="293" r:id="rId10"/>
+    <p:sldId id="286" r:id="rId11"/>
+    <p:sldId id="298" r:id="rId12"/>
+    <p:sldId id="279" r:id="rId13"/>
+    <p:sldId id="261" r:id="rId14"/>
+    <p:sldId id="268" r:id="rId15"/>
+    <p:sldId id="301" r:id="rId16"/>
+    <p:sldId id="299" r:id="rId17"/>
+    <p:sldId id="280" r:id="rId18"/>
+    <p:sldId id="272" r:id="rId19"/>
+    <p:sldId id="283" r:id="rId20"/>
+    <p:sldId id="278" r:id="rId21"/>
+    <p:sldId id="297" r:id="rId22"/>
+    <p:sldId id="296" r:id="rId23"/>
   </p:sldIdLst>
   <p:sldSz cx="9144000" cy="6858000" type="screen4x3"/>
   <p:notesSz cx="6858000" cy="9144000"/>
@@ -210,7 +214,7 @@
             <a:fld id="{2AAFEF68-1DE9-47A7-9FE3-8BA9D24E7EE3}" type="datetimeFigureOut">
               <a:rPr lang="en-US" smtClean="0"/>
               <a:pPr/>
-              <a:t>3/31/2010</a:t>
+              <a:t>4/6/2010</a:t>
             </a:fld>
             <a:endParaRPr lang="en-CA"/>
           </a:p>
@@ -522,6 +526,10 @@
           </a:bodyPr>
           <a:lstStyle/>
           <a:p>
+            <a:r>
+              <a:rPr lang="en-CA" smtClean="0"/>
+              <a:t>Rob</a:t>
+            </a:r>
             <a:endParaRPr lang="en-US" dirty="0"/>
           </a:p>
         </p:txBody>
@@ -600,11 +608,32 @@
         <p:spPr/>
         <p:txBody>
           <a:bodyPr>
-            <a:normAutofit/>
+            <a:normAutofit lnSpcReduction="10000"/>
           </a:bodyPr>
           <a:lstStyle/>
           <a:p>
-            <a:endParaRPr lang="en-CA" dirty="0"/>
+            <a:pPr marL="0" marR="0" indent="0" algn="l" defTabSz="914400" rtl="0" eaLnBrk="1" fontAlgn="auto" latinLnBrk="0" hangingPunct="1">
+              <a:lnSpc>
+                <a:spcPct val="100000"/>
+              </a:lnSpc>
+              <a:spcBef>
+                <a:spcPts val="0"/>
+              </a:spcBef>
+              <a:spcAft>
+                <a:spcPts val="0"/>
+              </a:spcAft>
+              <a:buClrTx/>
+              <a:buSzTx/>
+              <a:buFontTx/>
+              <a:buNone/>
+              <a:tabLst/>
+              <a:defRPr/>
+            </a:pPr>
+            <a:r>
+              <a:rPr lang="en-CA" baseline="0" dirty="0" smtClean="0"/>
+              <a:t>Rob</a:t>
+            </a:r>
+            <a:endParaRPr lang="en-US" baseline="0" dirty="0" smtClean="0"/>
           </a:p>
         </p:txBody>
       </p:sp>
@@ -626,7 +655,7 @@
             <a:fld id="{64EF572D-EF5B-479C-89C5-F647D7191839}" type="slidenum">
               <a:rPr lang="en-CA" smtClean="0"/>
               <a:pPr/>
-              <a:t>11</a:t>
+              <a:t>10</a:t>
             </a:fld>
             <a:endParaRPr lang="en-CA"/>
           </a:p>
@@ -682,11 +711,32 @@
         <p:spPr/>
         <p:txBody>
           <a:bodyPr>
-            <a:normAutofit/>
+            <a:normAutofit lnSpcReduction="10000"/>
           </a:bodyPr>
           <a:lstStyle/>
           <a:p>
-            <a:endParaRPr lang="en-US" dirty="0"/>
+            <a:pPr marL="0" marR="0" indent="0" algn="l" defTabSz="914400" rtl="0" eaLnBrk="1" fontAlgn="auto" latinLnBrk="0" hangingPunct="1">
+              <a:lnSpc>
+                <a:spcPct val="100000"/>
+              </a:lnSpc>
+              <a:spcBef>
+                <a:spcPts val="0"/>
+              </a:spcBef>
+              <a:spcAft>
+                <a:spcPts val="0"/>
+              </a:spcAft>
+              <a:buClrTx/>
+              <a:buSzTx/>
+              <a:buFontTx/>
+              <a:buNone/>
+              <a:tabLst/>
+              <a:defRPr/>
+            </a:pPr>
+            <a:r>
+              <a:rPr lang="en-CA" baseline="0" dirty="0" smtClean="0"/>
+              <a:t>Robert</a:t>
+            </a:r>
+            <a:endParaRPr lang="en-US" baseline="0" dirty="0" smtClean="0"/>
           </a:p>
         </p:txBody>
       </p:sp>
@@ -708,7 +758,7 @@
             <a:fld id="{64EF572D-EF5B-479C-89C5-F647D7191839}" type="slidenum">
               <a:rPr lang="en-CA" smtClean="0"/>
               <a:pPr/>
-              <a:t>12</a:t>
+              <a:t>11</a:t>
             </a:fld>
             <a:endParaRPr lang="en-CA"/>
           </a:p>
@@ -768,6 +818,10 @@
           </a:bodyPr>
           <a:lstStyle/>
           <a:p>
+            <a:r>
+              <a:rPr lang="en-CA" dirty="0" smtClean="0"/>
+              <a:t>Rob</a:t>
+            </a:r>
             <a:endParaRPr lang="en-US" dirty="0"/>
           </a:p>
         </p:txBody>
@@ -790,7 +844,7 @@
             <a:fld id="{64EF572D-EF5B-479C-89C5-F647D7191839}" type="slidenum">
               <a:rPr lang="en-CA" smtClean="0"/>
               <a:pPr/>
-              <a:t>13</a:t>
+              <a:t>12</a:t>
             </a:fld>
             <a:endParaRPr lang="en-CA"/>
           </a:p>
@@ -850,7 +904,11 @@
           </a:bodyPr>
           <a:lstStyle/>
           <a:p>
-            <a:endParaRPr lang="en-US" dirty="0"/>
+            <a:r>
+              <a:rPr lang="en-CA" dirty="0" smtClean="0"/>
+              <a:t>Rob</a:t>
+            </a:r>
+            <a:endParaRPr lang="en-CA" dirty="0"/>
           </a:p>
         </p:txBody>
       </p:sp>
@@ -872,7 +930,7 @@
             <a:fld id="{64EF572D-EF5B-479C-89C5-F647D7191839}" type="slidenum">
               <a:rPr lang="en-CA" smtClean="0"/>
               <a:pPr/>
-              <a:t>17</a:t>
+              <a:t>13</a:t>
             </a:fld>
             <a:endParaRPr lang="en-CA"/>
           </a:p>
@@ -934,41 +992,438 @@
           <a:p>
             <a:r>
               <a:rPr lang="en-CA" dirty="0" smtClean="0"/>
-              <a:t>Customers for giving</a:t>
-            </a:r>
-            <a:r>
-              <a:rPr lang="en-CA" baseline="0" dirty="0" smtClean="0"/>
-              <a:t> us such an interesting project and supplying us with the Meade telescope</a:t>
-            </a:r>
-          </a:p>
-          <a:p>
-            <a:r>
-              <a:rPr lang="en-CA" baseline="0" dirty="0" err="1" smtClean="0"/>
-              <a:t>Youry</a:t>
-            </a:r>
-            <a:r>
-              <a:rPr lang="en-CA" baseline="0" dirty="0" smtClean="0"/>
-              <a:t> for guiding us through the software development lifecycle</a:t>
-            </a:r>
-          </a:p>
-          <a:p>
-            <a:r>
-              <a:rPr lang="en-CA" baseline="0" dirty="0" smtClean="0"/>
-              <a:t>Dave </a:t>
-            </a:r>
-            <a:r>
-              <a:rPr lang="en-CA" baseline="0" dirty="0" err="1" smtClean="0"/>
-              <a:t>Goodall</a:t>
-            </a:r>
-            <a:r>
-              <a:rPr lang="en-CA" baseline="0" dirty="0" smtClean="0"/>
-              <a:t> for giving us a domain name for our project allowing outside access to our web server</a:t>
-            </a:r>
-          </a:p>
-          <a:p>
-            <a:r>
-              <a:rPr lang="en-CA" baseline="0" dirty="0" smtClean="0"/>
-              <a:t>Nokia for supplying us with two Nokia N97’s used for testing</a:t>
+              <a:t>Robert</a:t>
+            </a:r>
+            <a:endParaRPr lang="en-US" dirty="0"/>
+          </a:p>
+        </p:txBody>
+      </p:sp>
+      <p:sp>
+        <p:nvSpPr>
+          <p:cNvPr id="4" name="Slide Number Placeholder 3"/>
+          <p:cNvSpPr>
+            <a:spLocks noGrp="1"/>
+          </p:cNvSpPr>
+          <p:nvPr>
+            <p:ph type="sldNum" sz="quarter" idx="10"/>
+          </p:nvPr>
+        </p:nvSpPr>
+        <p:spPr/>
+        <p:txBody>
+          <a:bodyPr/>
+          <a:lstStyle/>
+          <a:p>
+            <a:fld id="{64EF572D-EF5B-479C-89C5-F647D7191839}" type="slidenum">
+              <a:rPr lang="en-CA" smtClean="0"/>
+              <a:pPr/>
+              <a:t>14</a:t>
+            </a:fld>
+            <a:endParaRPr lang="en-CA"/>
+          </a:p>
+        </p:txBody>
+      </p:sp>
+    </p:spTree>
+  </p:cSld>
+  <p:clrMapOvr>
+    <a:masterClrMapping/>
+  </p:clrMapOvr>
+</p:notes>
+</file>
+
+<file path=ppt/notesSlides/notesSlide15.xml><?xml version="1.0" encoding="utf-8"?>
+<p:notes xmlns:a="http://schemas.openxmlformats.org/drawingml/2006/main" xmlns:r="http://schemas.openxmlformats.org/officeDocument/2006/relationships" xmlns:p="http://schemas.openxmlformats.org/presentationml/2006/main">
+  <p:cSld>
+    <p:spTree>
+      <p:nvGrpSpPr>
+        <p:cNvPr id="1" name=""/>
+        <p:cNvGrpSpPr/>
+        <p:nvPr/>
+      </p:nvGrpSpPr>
+      <p:grpSpPr>
+        <a:xfrm>
+          <a:off x="0" y="0"/>
+          <a:ext cx="0" cy="0"/>
+          <a:chOff x="0" y="0"/>
+          <a:chExt cx="0" cy="0"/>
+        </a:xfrm>
+      </p:grpSpPr>
+      <p:sp>
+        <p:nvSpPr>
+          <p:cNvPr id="2" name="Slide Image Placeholder 1"/>
+          <p:cNvSpPr>
+            <a:spLocks noGrp="1" noRot="1" noChangeAspect="1"/>
+          </p:cNvSpPr>
+          <p:nvPr>
+            <p:ph type="sldImg"/>
+          </p:nvPr>
+        </p:nvSpPr>
+        <p:spPr/>
+      </p:sp>
+      <p:sp>
+        <p:nvSpPr>
+          <p:cNvPr id="3" name="Notes Placeholder 2"/>
+          <p:cNvSpPr>
+            <a:spLocks noGrp="1"/>
+          </p:cNvSpPr>
+          <p:nvPr>
+            <p:ph type="body" idx="1"/>
+          </p:nvPr>
+        </p:nvSpPr>
+        <p:spPr/>
+        <p:txBody>
+          <a:bodyPr>
+            <a:normAutofit/>
+          </a:bodyPr>
+          <a:lstStyle/>
+          <a:p>
+            <a:pPr marL="0" marR="0" indent="0" algn="l" defTabSz="914400" rtl="0" eaLnBrk="1" fontAlgn="auto" latinLnBrk="0" hangingPunct="1">
+              <a:lnSpc>
+                <a:spcPct val="100000"/>
+              </a:lnSpc>
+              <a:spcBef>
+                <a:spcPts val="0"/>
+              </a:spcBef>
+              <a:spcAft>
+                <a:spcPts val="0"/>
+              </a:spcAft>
+              <a:buClrTx/>
+              <a:buSzTx/>
+              <a:buFontTx/>
+              <a:buNone/>
+              <a:tabLst/>
+              <a:defRPr/>
+            </a:pPr>
+            <a:r>
+              <a:rPr lang="en-US" dirty="0" smtClean="0"/>
+              <a:t>Rob:</a:t>
+            </a:r>
+            <a:endParaRPr lang="en-US" dirty="0" smtClean="0"/>
+          </a:p>
+          <a:p>
+            <a:endParaRPr lang="en-US" baseline="0" dirty="0" smtClean="0"/>
+          </a:p>
+          <a:p>
+            <a:r>
+              <a:rPr lang="en-US" baseline="0" dirty="0" smtClean="0"/>
+              <a:t>Here is an example of a ruby unit test.</a:t>
+            </a:r>
+          </a:p>
+          <a:p>
+            <a:endParaRPr lang="en-US" baseline="0" dirty="0" smtClean="0"/>
+          </a:p>
+          <a:p>
+            <a:r>
+              <a:rPr lang="en-US" baseline="0" dirty="0" smtClean="0"/>
+              <a:t>The first thing we do is load the </a:t>
+            </a:r>
+            <a:r>
+              <a:rPr lang="en-US" baseline="0" dirty="0" err="1" smtClean="0"/>
+              <a:t>test_helper</a:t>
+            </a:r>
+            <a:r>
+              <a:rPr lang="en-US" baseline="0" dirty="0" smtClean="0"/>
+              <a:t> file which sets the rails environment into “test” mode (Rails functions in three different modes: test, development and production). By doing this, it automatically loads a test database we can use to input sample data to test our functionality and validations.</a:t>
+            </a:r>
+          </a:p>
+          <a:p>
+            <a:endParaRPr lang="en-US" baseline="0" dirty="0" smtClean="0"/>
+          </a:p>
+          <a:p>
+            <a:r>
+              <a:rPr lang="en-US" baseline="0" dirty="0" smtClean="0"/>
+              <a:t>the class extends the test case class much like </a:t>
+            </a:r>
+            <a:r>
+              <a:rPr lang="en-US" baseline="0" dirty="0" err="1" smtClean="0"/>
+              <a:t>JUnit</a:t>
+            </a:r>
+            <a:r>
+              <a:rPr lang="en-US" baseline="0" dirty="0" smtClean="0"/>
+              <a:t> Tests which gives us access to some methods.</a:t>
+            </a:r>
+          </a:p>
+          <a:p>
+            <a:endParaRPr lang="en-US" baseline="0" dirty="0" smtClean="0"/>
+          </a:p>
+          <a:p>
+            <a:r>
+              <a:rPr lang="en-US" baseline="0" dirty="0" smtClean="0"/>
+              <a:t>The first thing we do is create a user with correct input values so later we can just override an attribute of that object with a value that shouldn’t work. For instance, we shouldn’t be able to create a new user when we haven’t supplied a username. Here we made it null and we make an assertion to test that our application should not allow us to save this object. If this assertion was false (not and true), a visible error message would occur when we run this test.</a:t>
+            </a:r>
+          </a:p>
+          <a:p>
+            <a:endParaRPr lang="en-US" baseline="0" dirty="0" smtClean="0"/>
+          </a:p>
+          <a:p>
+            <a:r>
+              <a:rPr lang="en-US" dirty="0" smtClean="0"/>
+              <a:t>Now to run the tests</a:t>
+            </a:r>
+            <a:r>
+              <a:rPr lang="en-US" baseline="0" dirty="0" smtClean="0"/>
+              <a:t> we go to the command line and simply type rake </a:t>
+            </a:r>
+            <a:r>
+              <a:rPr lang="en-US" baseline="0" dirty="0" err="1" smtClean="0"/>
+              <a:t>test:units</a:t>
+            </a:r>
+            <a:endParaRPr lang="en-US" dirty="0"/>
+          </a:p>
+        </p:txBody>
+      </p:sp>
+      <p:sp>
+        <p:nvSpPr>
+          <p:cNvPr id="4" name="Slide Number Placeholder 3"/>
+          <p:cNvSpPr>
+            <a:spLocks noGrp="1"/>
+          </p:cNvSpPr>
+          <p:nvPr>
+            <p:ph type="sldNum" sz="quarter" idx="10"/>
+          </p:nvPr>
+        </p:nvSpPr>
+        <p:spPr/>
+        <p:txBody>
+          <a:bodyPr/>
+          <a:lstStyle/>
+          <a:p>
+            <a:fld id="{64EF572D-EF5B-479C-89C5-F647D7191839}" type="slidenum">
+              <a:rPr lang="en-CA" smtClean="0"/>
+              <a:pPr/>
+              <a:t>15</a:t>
+            </a:fld>
+            <a:endParaRPr lang="en-CA"/>
+          </a:p>
+        </p:txBody>
+      </p:sp>
+    </p:spTree>
+  </p:cSld>
+  <p:clrMapOvr>
+    <a:masterClrMapping/>
+  </p:clrMapOvr>
+</p:notes>
+</file>
+
+<file path=ppt/notesSlides/notesSlide16.xml><?xml version="1.0" encoding="utf-8"?>
+<p:notes xmlns:a="http://schemas.openxmlformats.org/drawingml/2006/main" xmlns:r="http://schemas.openxmlformats.org/officeDocument/2006/relationships" xmlns:p="http://schemas.openxmlformats.org/presentationml/2006/main">
+  <p:cSld>
+    <p:spTree>
+      <p:nvGrpSpPr>
+        <p:cNvPr id="1" name=""/>
+        <p:cNvGrpSpPr/>
+        <p:nvPr/>
+      </p:nvGrpSpPr>
+      <p:grpSpPr>
+        <a:xfrm>
+          <a:off x="0" y="0"/>
+          <a:ext cx="0" cy="0"/>
+          <a:chOff x="0" y="0"/>
+          <a:chExt cx="0" cy="0"/>
+        </a:xfrm>
+      </p:grpSpPr>
+      <p:sp>
+        <p:nvSpPr>
+          <p:cNvPr id="2" name="Slide Image Placeholder 1"/>
+          <p:cNvSpPr>
+            <a:spLocks noGrp="1" noRot="1" noChangeAspect="1"/>
+          </p:cNvSpPr>
+          <p:nvPr>
+            <p:ph type="sldImg"/>
+          </p:nvPr>
+        </p:nvSpPr>
+        <p:spPr/>
+      </p:sp>
+      <p:sp>
+        <p:nvSpPr>
+          <p:cNvPr id="3" name="Notes Placeholder 2"/>
+          <p:cNvSpPr>
+            <a:spLocks noGrp="1"/>
+          </p:cNvSpPr>
+          <p:nvPr>
+            <p:ph type="body" idx="1"/>
+          </p:nvPr>
+        </p:nvSpPr>
+        <p:spPr/>
+        <p:txBody>
+          <a:bodyPr>
+            <a:normAutofit/>
+          </a:bodyPr>
+          <a:lstStyle/>
+          <a:p>
+            <a:r>
+              <a:rPr lang="en-CA" dirty="0" err="1" smtClean="0"/>
+              <a:t>robert</a:t>
+            </a:r>
+            <a:endParaRPr lang="en-US" dirty="0"/>
+          </a:p>
+        </p:txBody>
+      </p:sp>
+      <p:sp>
+        <p:nvSpPr>
+          <p:cNvPr id="4" name="Slide Number Placeholder 3"/>
+          <p:cNvSpPr>
+            <a:spLocks noGrp="1"/>
+          </p:cNvSpPr>
+          <p:nvPr>
+            <p:ph type="sldNum" sz="quarter" idx="10"/>
+          </p:nvPr>
+        </p:nvSpPr>
+        <p:spPr/>
+        <p:txBody>
+          <a:bodyPr/>
+          <a:lstStyle/>
+          <a:p>
+            <a:fld id="{64EF572D-EF5B-479C-89C5-F647D7191839}" type="slidenum">
+              <a:rPr lang="en-CA" smtClean="0"/>
+              <a:pPr/>
+              <a:t>16</a:t>
+            </a:fld>
+            <a:endParaRPr lang="en-CA"/>
+          </a:p>
+        </p:txBody>
+      </p:sp>
+    </p:spTree>
+  </p:cSld>
+  <p:clrMapOvr>
+    <a:masterClrMapping/>
+  </p:clrMapOvr>
+</p:notes>
+</file>
+
+<file path=ppt/notesSlides/notesSlide17.xml><?xml version="1.0" encoding="utf-8"?>
+<p:notes xmlns:a="http://schemas.openxmlformats.org/drawingml/2006/main" xmlns:r="http://schemas.openxmlformats.org/officeDocument/2006/relationships" xmlns:p="http://schemas.openxmlformats.org/presentationml/2006/main">
+  <p:cSld>
+    <p:spTree>
+      <p:nvGrpSpPr>
+        <p:cNvPr id="1" name=""/>
+        <p:cNvGrpSpPr/>
+        <p:nvPr/>
+      </p:nvGrpSpPr>
+      <p:grpSpPr>
+        <a:xfrm>
+          <a:off x="0" y="0"/>
+          <a:ext cx="0" cy="0"/>
+          <a:chOff x="0" y="0"/>
+          <a:chExt cx="0" cy="0"/>
+        </a:xfrm>
+      </p:grpSpPr>
+      <p:sp>
+        <p:nvSpPr>
+          <p:cNvPr id="2" name="Slide Image Placeholder 1"/>
+          <p:cNvSpPr>
+            <a:spLocks noGrp="1" noRot="1" noChangeAspect="1"/>
+          </p:cNvSpPr>
+          <p:nvPr>
+            <p:ph type="sldImg"/>
+          </p:nvPr>
+        </p:nvSpPr>
+        <p:spPr/>
+      </p:sp>
+      <p:sp>
+        <p:nvSpPr>
+          <p:cNvPr id="3" name="Notes Placeholder 2"/>
+          <p:cNvSpPr>
+            <a:spLocks noGrp="1"/>
+          </p:cNvSpPr>
+          <p:nvPr>
+            <p:ph type="body" idx="1"/>
+          </p:nvPr>
+        </p:nvSpPr>
+        <p:spPr/>
+        <p:txBody>
+          <a:bodyPr>
+            <a:normAutofit/>
+          </a:bodyPr>
+          <a:lstStyle/>
+          <a:p>
+            <a:r>
+              <a:rPr lang="en-CA" dirty="0" err="1" smtClean="0"/>
+              <a:t>robert</a:t>
+            </a:r>
+            <a:endParaRPr lang="en-US" dirty="0"/>
+          </a:p>
+        </p:txBody>
+      </p:sp>
+      <p:sp>
+        <p:nvSpPr>
+          <p:cNvPr id="4" name="Slide Number Placeholder 3"/>
+          <p:cNvSpPr>
+            <a:spLocks noGrp="1"/>
+          </p:cNvSpPr>
+          <p:nvPr>
+            <p:ph type="sldNum" sz="quarter" idx="10"/>
+          </p:nvPr>
+        </p:nvSpPr>
+        <p:spPr/>
+        <p:txBody>
+          <a:bodyPr/>
+          <a:lstStyle/>
+          <a:p>
+            <a:fld id="{64EF572D-EF5B-479C-89C5-F647D7191839}" type="slidenum">
+              <a:rPr lang="en-CA" smtClean="0"/>
+              <a:pPr/>
+              <a:t>17</a:t>
+            </a:fld>
+            <a:endParaRPr lang="en-CA"/>
+          </a:p>
+        </p:txBody>
+      </p:sp>
+    </p:spTree>
+  </p:cSld>
+  <p:clrMapOvr>
+    <a:masterClrMapping/>
+  </p:clrMapOvr>
+</p:notes>
+</file>
+
+<file path=ppt/notesSlides/notesSlide18.xml><?xml version="1.0" encoding="utf-8"?>
+<p:notes xmlns:a="http://schemas.openxmlformats.org/drawingml/2006/main" xmlns:r="http://schemas.openxmlformats.org/officeDocument/2006/relationships" xmlns:p="http://schemas.openxmlformats.org/presentationml/2006/main">
+  <p:cSld>
+    <p:spTree>
+      <p:nvGrpSpPr>
+        <p:cNvPr id="1" name=""/>
+        <p:cNvGrpSpPr/>
+        <p:nvPr/>
+      </p:nvGrpSpPr>
+      <p:grpSpPr>
+        <a:xfrm>
+          <a:off x="0" y="0"/>
+          <a:ext cx="0" cy="0"/>
+          <a:chOff x="0" y="0"/>
+          <a:chExt cx="0" cy="0"/>
+        </a:xfrm>
+      </p:grpSpPr>
+      <p:sp>
+        <p:nvSpPr>
+          <p:cNvPr id="2" name="Slide Image Placeholder 1"/>
+          <p:cNvSpPr>
+            <a:spLocks noGrp="1" noRot="1" noChangeAspect="1"/>
+          </p:cNvSpPr>
+          <p:nvPr>
+            <p:ph type="sldImg"/>
+          </p:nvPr>
+        </p:nvSpPr>
+        <p:spPr/>
+      </p:sp>
+      <p:sp>
+        <p:nvSpPr>
+          <p:cNvPr id="3" name="Notes Placeholder 2"/>
+          <p:cNvSpPr>
+            <a:spLocks noGrp="1"/>
+          </p:cNvSpPr>
+          <p:nvPr>
+            <p:ph type="body" idx="1"/>
+          </p:nvPr>
+        </p:nvSpPr>
+        <p:spPr/>
+        <p:txBody>
+          <a:bodyPr>
+            <a:normAutofit/>
+          </a:bodyPr>
+          <a:lstStyle/>
+          <a:p>
+            <a:r>
+              <a:rPr lang="en-CA" dirty="0" smtClean="0"/>
+              <a:t>rob</a:t>
             </a:r>
             <a:endParaRPr lang="en-US" dirty="0"/>
           </a:p>
@@ -993,6 +1448,92 @@
               <a:rPr lang="en-CA" smtClean="0"/>
               <a:pPr/>
               <a:t>18</a:t>
+            </a:fld>
+            <a:endParaRPr lang="en-CA"/>
+          </a:p>
+        </p:txBody>
+      </p:sp>
+    </p:spTree>
+  </p:cSld>
+  <p:clrMapOvr>
+    <a:masterClrMapping/>
+  </p:clrMapOvr>
+</p:notes>
+</file>
+
+<file path=ppt/notesSlides/notesSlide19.xml><?xml version="1.0" encoding="utf-8"?>
+<p:notes xmlns:a="http://schemas.openxmlformats.org/drawingml/2006/main" xmlns:r="http://schemas.openxmlformats.org/officeDocument/2006/relationships" xmlns:p="http://schemas.openxmlformats.org/presentationml/2006/main">
+  <p:cSld>
+    <p:spTree>
+      <p:nvGrpSpPr>
+        <p:cNvPr id="1" name=""/>
+        <p:cNvGrpSpPr/>
+        <p:nvPr/>
+      </p:nvGrpSpPr>
+      <p:grpSpPr>
+        <a:xfrm>
+          <a:off x="0" y="0"/>
+          <a:ext cx="0" cy="0"/>
+          <a:chOff x="0" y="0"/>
+          <a:chExt cx="0" cy="0"/>
+        </a:xfrm>
+      </p:grpSpPr>
+      <p:sp>
+        <p:nvSpPr>
+          <p:cNvPr id="2" name="Slide Image Placeholder 1"/>
+          <p:cNvSpPr>
+            <a:spLocks noGrp="1" noRot="1" noChangeAspect="1"/>
+          </p:cNvSpPr>
+          <p:nvPr>
+            <p:ph type="sldImg"/>
+          </p:nvPr>
+        </p:nvSpPr>
+        <p:spPr/>
+      </p:sp>
+      <p:sp>
+        <p:nvSpPr>
+          <p:cNvPr id="3" name="Notes Placeholder 2"/>
+          <p:cNvSpPr>
+            <a:spLocks noGrp="1"/>
+          </p:cNvSpPr>
+          <p:nvPr>
+            <p:ph type="body" idx="1"/>
+          </p:nvPr>
+        </p:nvSpPr>
+        <p:spPr/>
+        <p:txBody>
+          <a:bodyPr>
+            <a:normAutofit/>
+          </a:bodyPr>
+          <a:lstStyle/>
+          <a:p>
+            <a:r>
+              <a:rPr lang="en-CA" dirty="0" smtClean="0"/>
+              <a:t>Robert</a:t>
+            </a:r>
+            <a:endParaRPr lang="en-US" dirty="0"/>
+          </a:p>
+        </p:txBody>
+      </p:sp>
+      <p:sp>
+        <p:nvSpPr>
+          <p:cNvPr id="4" name="Slide Number Placeholder 3"/>
+          <p:cNvSpPr>
+            <a:spLocks noGrp="1"/>
+          </p:cNvSpPr>
+          <p:nvPr>
+            <p:ph type="sldNum" sz="quarter" idx="10"/>
+          </p:nvPr>
+        </p:nvSpPr>
+        <p:spPr/>
+        <p:txBody>
+          <a:bodyPr/>
+          <a:lstStyle/>
+          <a:p>
+            <a:fld id="{64EF572D-EF5B-479C-89C5-F647D7191839}" type="slidenum">
+              <a:rPr lang="en-CA" smtClean="0"/>
+              <a:pPr/>
+              <a:t>19</a:t>
             </a:fld>
             <a:endParaRPr lang="en-CA"/>
           </a:p>
@@ -1048,11 +1589,15 @@
         <p:spPr/>
         <p:txBody>
           <a:bodyPr>
-            <a:normAutofit lnSpcReduction="10000"/>
+            <a:normAutofit/>
           </a:bodyPr>
           <a:lstStyle/>
           <a:p>
-            <a:endParaRPr lang="en-CA" dirty="0"/>
+            <a:r>
+              <a:rPr lang="en-CA" dirty="0" err="1" smtClean="0"/>
+              <a:t>robert</a:t>
+            </a:r>
+            <a:endParaRPr lang="en-US" dirty="0"/>
           </a:p>
         </p:txBody>
       </p:sp>
@@ -1074,9 +1619,324 @@
             <a:fld id="{64EF572D-EF5B-479C-89C5-F647D7191839}" type="slidenum">
               <a:rPr lang="en-CA" smtClean="0"/>
               <a:pPr/>
-              <a:t>3</a:t>
+              <a:t>2</a:t>
             </a:fld>
-            <a:endParaRPr lang="en-CA" dirty="0"/>
+            <a:endParaRPr lang="en-CA"/>
+          </a:p>
+        </p:txBody>
+      </p:sp>
+    </p:spTree>
+  </p:cSld>
+  <p:clrMapOvr>
+    <a:masterClrMapping/>
+  </p:clrMapOvr>
+</p:notes>
+</file>
+
+<file path=ppt/notesSlides/notesSlide20.xml><?xml version="1.0" encoding="utf-8"?>
+<p:notes xmlns:a="http://schemas.openxmlformats.org/drawingml/2006/main" xmlns:r="http://schemas.openxmlformats.org/officeDocument/2006/relationships" xmlns:p="http://schemas.openxmlformats.org/presentationml/2006/main">
+  <p:cSld>
+    <p:spTree>
+      <p:nvGrpSpPr>
+        <p:cNvPr id="1" name=""/>
+        <p:cNvGrpSpPr/>
+        <p:nvPr/>
+      </p:nvGrpSpPr>
+      <p:grpSpPr>
+        <a:xfrm>
+          <a:off x="0" y="0"/>
+          <a:ext cx="0" cy="0"/>
+          <a:chOff x="0" y="0"/>
+          <a:chExt cx="0" cy="0"/>
+        </a:xfrm>
+      </p:grpSpPr>
+      <p:sp>
+        <p:nvSpPr>
+          <p:cNvPr id="2" name="Slide Image Placeholder 1"/>
+          <p:cNvSpPr>
+            <a:spLocks noGrp="1" noRot="1" noChangeAspect="1"/>
+          </p:cNvSpPr>
+          <p:nvPr>
+            <p:ph type="sldImg"/>
+          </p:nvPr>
+        </p:nvSpPr>
+        <p:spPr/>
+      </p:sp>
+      <p:sp>
+        <p:nvSpPr>
+          <p:cNvPr id="3" name="Notes Placeholder 2"/>
+          <p:cNvSpPr>
+            <a:spLocks noGrp="1"/>
+          </p:cNvSpPr>
+          <p:nvPr>
+            <p:ph type="body" idx="1"/>
+          </p:nvPr>
+        </p:nvSpPr>
+        <p:spPr/>
+        <p:txBody>
+          <a:bodyPr>
+            <a:normAutofit/>
+          </a:bodyPr>
+          <a:lstStyle/>
+          <a:p>
+            <a:r>
+              <a:rPr lang="en-CA" dirty="0" smtClean="0"/>
+              <a:t>Robert</a:t>
+            </a:r>
+            <a:endParaRPr lang="en-US" dirty="0"/>
+          </a:p>
+        </p:txBody>
+      </p:sp>
+      <p:sp>
+        <p:nvSpPr>
+          <p:cNvPr id="4" name="Slide Number Placeholder 3"/>
+          <p:cNvSpPr>
+            <a:spLocks noGrp="1"/>
+          </p:cNvSpPr>
+          <p:nvPr>
+            <p:ph type="sldNum" sz="quarter" idx="10"/>
+          </p:nvPr>
+        </p:nvSpPr>
+        <p:spPr/>
+        <p:txBody>
+          <a:bodyPr/>
+          <a:lstStyle/>
+          <a:p>
+            <a:fld id="{64EF572D-EF5B-479C-89C5-F647D7191839}" type="slidenum">
+              <a:rPr lang="en-CA" smtClean="0"/>
+              <a:pPr/>
+              <a:t>20</a:t>
+            </a:fld>
+            <a:endParaRPr lang="en-CA"/>
+          </a:p>
+        </p:txBody>
+      </p:sp>
+    </p:spTree>
+  </p:cSld>
+  <p:clrMapOvr>
+    <a:masterClrMapping/>
+  </p:clrMapOvr>
+</p:notes>
+</file>
+
+<file path=ppt/notesSlides/notesSlide21.xml><?xml version="1.0" encoding="utf-8"?>
+<p:notes xmlns:a="http://schemas.openxmlformats.org/drawingml/2006/main" xmlns:r="http://schemas.openxmlformats.org/officeDocument/2006/relationships" xmlns:p="http://schemas.openxmlformats.org/presentationml/2006/main">
+  <p:cSld>
+    <p:spTree>
+      <p:nvGrpSpPr>
+        <p:cNvPr id="1" name=""/>
+        <p:cNvGrpSpPr/>
+        <p:nvPr/>
+      </p:nvGrpSpPr>
+      <p:grpSpPr>
+        <a:xfrm>
+          <a:off x="0" y="0"/>
+          <a:ext cx="0" cy="0"/>
+          <a:chOff x="0" y="0"/>
+          <a:chExt cx="0" cy="0"/>
+        </a:xfrm>
+      </p:grpSpPr>
+      <p:sp>
+        <p:nvSpPr>
+          <p:cNvPr id="2" name="Slide Image Placeholder 1"/>
+          <p:cNvSpPr>
+            <a:spLocks noGrp="1" noRot="1" noChangeAspect="1"/>
+          </p:cNvSpPr>
+          <p:nvPr>
+            <p:ph type="sldImg"/>
+          </p:nvPr>
+        </p:nvSpPr>
+        <p:spPr/>
+      </p:sp>
+      <p:sp>
+        <p:nvSpPr>
+          <p:cNvPr id="3" name="Notes Placeholder 2"/>
+          <p:cNvSpPr>
+            <a:spLocks noGrp="1"/>
+          </p:cNvSpPr>
+          <p:nvPr>
+            <p:ph type="body" idx="1"/>
+          </p:nvPr>
+        </p:nvSpPr>
+        <p:spPr/>
+        <p:txBody>
+          <a:bodyPr>
+            <a:normAutofit/>
+          </a:bodyPr>
+          <a:lstStyle/>
+          <a:p>
+            <a:r>
+              <a:rPr lang="en-CA" dirty="0" smtClean="0"/>
+              <a:t>Robert</a:t>
+            </a:r>
+            <a:endParaRPr lang="en-US" dirty="0"/>
+          </a:p>
+        </p:txBody>
+      </p:sp>
+      <p:sp>
+        <p:nvSpPr>
+          <p:cNvPr id="4" name="Slide Number Placeholder 3"/>
+          <p:cNvSpPr>
+            <a:spLocks noGrp="1"/>
+          </p:cNvSpPr>
+          <p:nvPr>
+            <p:ph type="sldNum" sz="quarter" idx="10"/>
+          </p:nvPr>
+        </p:nvSpPr>
+        <p:spPr/>
+        <p:txBody>
+          <a:bodyPr/>
+          <a:lstStyle/>
+          <a:p>
+            <a:fld id="{64EF572D-EF5B-479C-89C5-F647D7191839}" type="slidenum">
+              <a:rPr lang="en-CA" smtClean="0"/>
+              <a:pPr/>
+              <a:t>21</a:t>
+            </a:fld>
+            <a:endParaRPr lang="en-CA"/>
+          </a:p>
+        </p:txBody>
+      </p:sp>
+    </p:spTree>
+  </p:cSld>
+  <p:clrMapOvr>
+    <a:masterClrMapping/>
+  </p:clrMapOvr>
+</p:notes>
+</file>
+
+<file path=ppt/notesSlides/notesSlide22.xml><?xml version="1.0" encoding="utf-8"?>
+<p:notes xmlns:a="http://schemas.openxmlformats.org/drawingml/2006/main" xmlns:r="http://schemas.openxmlformats.org/officeDocument/2006/relationships" xmlns:p="http://schemas.openxmlformats.org/presentationml/2006/main">
+  <p:cSld>
+    <p:spTree>
+      <p:nvGrpSpPr>
+        <p:cNvPr id="1" name=""/>
+        <p:cNvGrpSpPr/>
+        <p:nvPr/>
+      </p:nvGrpSpPr>
+      <p:grpSpPr>
+        <a:xfrm>
+          <a:off x="0" y="0"/>
+          <a:ext cx="0" cy="0"/>
+          <a:chOff x="0" y="0"/>
+          <a:chExt cx="0" cy="0"/>
+        </a:xfrm>
+      </p:grpSpPr>
+      <p:sp>
+        <p:nvSpPr>
+          <p:cNvPr id="2" name="Slide Image Placeholder 1"/>
+          <p:cNvSpPr>
+            <a:spLocks noGrp="1" noRot="1" noChangeAspect="1"/>
+          </p:cNvSpPr>
+          <p:nvPr>
+            <p:ph type="sldImg"/>
+          </p:nvPr>
+        </p:nvSpPr>
+        <p:spPr/>
+      </p:sp>
+      <p:sp>
+        <p:nvSpPr>
+          <p:cNvPr id="3" name="Notes Placeholder 2"/>
+          <p:cNvSpPr>
+            <a:spLocks noGrp="1"/>
+          </p:cNvSpPr>
+          <p:nvPr>
+            <p:ph type="body" idx="1"/>
+          </p:nvPr>
+        </p:nvSpPr>
+        <p:spPr/>
+        <p:txBody>
+          <a:bodyPr>
+            <a:normAutofit/>
+          </a:bodyPr>
+          <a:lstStyle/>
+          <a:p>
+            <a:r>
+              <a:rPr lang="en-CA" dirty="0" smtClean="0"/>
+              <a:t>Rob</a:t>
+            </a:r>
+          </a:p>
+          <a:p>
+            <a:endParaRPr lang="en-CA" dirty="0" smtClean="0"/>
+          </a:p>
+          <a:p>
+            <a:r>
+              <a:rPr lang="en-CA" dirty="0" smtClean="0"/>
+              <a:t>Customers </a:t>
+            </a:r>
+            <a:r>
+              <a:rPr lang="en-CA" dirty="0" smtClean="0"/>
+              <a:t>for giving</a:t>
+            </a:r>
+            <a:r>
+              <a:rPr lang="en-CA" baseline="0" dirty="0" smtClean="0"/>
+              <a:t> us such an interesting project and supplying us with the Meade telescope</a:t>
+            </a:r>
+          </a:p>
+          <a:p>
+            <a:r>
+              <a:rPr lang="en-CA" baseline="0" dirty="0" err="1" smtClean="0"/>
+              <a:t>Youry</a:t>
+            </a:r>
+            <a:r>
+              <a:rPr lang="en-CA" baseline="0" dirty="0" smtClean="0"/>
+              <a:t> for guiding us through the software development lifecycle</a:t>
+            </a:r>
+          </a:p>
+          <a:p>
+            <a:r>
+              <a:rPr lang="en-CA" baseline="0" dirty="0" smtClean="0"/>
+              <a:t>Dave </a:t>
+            </a:r>
+            <a:r>
+              <a:rPr lang="en-CA" baseline="0" dirty="0" err="1" smtClean="0"/>
+              <a:t>Goodall</a:t>
+            </a:r>
+            <a:r>
+              <a:rPr lang="en-CA" baseline="0" dirty="0" smtClean="0"/>
+              <a:t> for giving us a domain name for our project allowing outside access to our web server</a:t>
+            </a:r>
+          </a:p>
+          <a:p>
+            <a:r>
+              <a:rPr lang="en-CA" baseline="0" dirty="0" smtClean="0"/>
+              <a:t>Nokia for supplying us with two Nokia N97’s used for </a:t>
+            </a:r>
+            <a:r>
+              <a:rPr lang="en-CA" baseline="0" dirty="0" smtClean="0"/>
+              <a:t>testing</a:t>
+            </a:r>
+          </a:p>
+          <a:p>
+            <a:r>
+              <a:rPr lang="en-CA" dirty="0" smtClean="0"/>
+              <a:t>Canon for development kit and drivers</a:t>
+            </a:r>
+            <a:endParaRPr lang="en-US" dirty="0"/>
+          </a:p>
+        </p:txBody>
+      </p:sp>
+      <p:sp>
+        <p:nvSpPr>
+          <p:cNvPr id="4" name="Slide Number Placeholder 3"/>
+          <p:cNvSpPr>
+            <a:spLocks noGrp="1"/>
+          </p:cNvSpPr>
+          <p:nvPr>
+            <p:ph type="sldNum" sz="quarter" idx="10"/>
+          </p:nvPr>
+        </p:nvSpPr>
+        <p:spPr/>
+        <p:txBody>
+          <a:bodyPr/>
+          <a:lstStyle/>
+          <a:p>
+            <a:fld id="{64EF572D-EF5B-479C-89C5-F647D7191839}" type="slidenum">
+              <a:rPr lang="en-CA" smtClean="0"/>
+              <a:pPr/>
+              <a:t>22</a:t>
+            </a:fld>
+            <a:endParaRPr lang="en-CA"/>
           </a:p>
         </p:txBody>
       </p:sp>
@@ -1130,23 +1990,15 @@
         <p:spPr/>
         <p:txBody>
           <a:bodyPr>
-            <a:normAutofit/>
+            <a:normAutofit lnSpcReduction="10000"/>
           </a:bodyPr>
           <a:lstStyle/>
           <a:p>
             <a:r>
-              <a:rPr lang="en-US" dirty="0" smtClean="0"/>
-              <a:t>Astronomy is a hobby of theirs, so they own and operate over 10 telescopes.</a:t>
-            </a:r>
-          </a:p>
-          <a:p>
-            <a:endParaRPr lang="en-US" dirty="0" smtClean="0"/>
-          </a:p>
-          <a:p>
-            <a:r>
-              <a:rPr lang="en-US" dirty="0" smtClean="0"/>
-              <a:t>As of now, Sasha and Nan (our customers), use a manual process for achieving their goals of positioning the telescope and finding new celestial objects. </a:t>
-            </a:r>
+              <a:rPr lang="en-CA" dirty="0" smtClean="0"/>
+              <a:t>Rob</a:t>
+            </a:r>
+            <a:endParaRPr lang="en-CA" dirty="0"/>
           </a:p>
         </p:txBody>
       </p:sp>
@@ -1168,9 +2020,9 @@
             <a:fld id="{64EF572D-EF5B-479C-89C5-F647D7191839}" type="slidenum">
               <a:rPr lang="en-CA" smtClean="0"/>
               <a:pPr/>
-              <a:t>4</a:t>
+              <a:t>3</a:t>
             </a:fld>
-            <a:endParaRPr lang="en-CA"/>
+            <a:endParaRPr lang="en-CA" dirty="0"/>
           </a:p>
         </p:txBody>
       </p:sp>
@@ -1229,26 +2081,32 @@
           <a:lstStyle/>
           <a:p>
             <a:r>
-              <a:rPr lang="en-US" dirty="0" smtClean="0"/>
-              <a:t>Telescope: Meade LX200 (Customer)</a:t>
-            </a:r>
-          </a:p>
-          <a:p>
-            <a:r>
-              <a:rPr lang="en-US" dirty="0" smtClean="0"/>
-              <a:t>Digital camera: Sony A900 DSLR (Customer)</a:t>
-            </a:r>
-          </a:p>
-          <a:p>
-            <a:r>
-              <a:rPr lang="en-US" dirty="0" smtClean="0"/>
-              <a:t>Mobile device: Nokia phones, Apple </a:t>
-            </a:r>
-            <a:r>
-              <a:rPr lang="en-US" dirty="0" err="1" smtClean="0"/>
-              <a:t>iPhone</a:t>
+              <a:rPr lang="en-CA" dirty="0" smtClean="0"/>
+              <a:t>Rob</a:t>
             </a:r>
             <a:endParaRPr lang="en-US" dirty="0" smtClean="0"/>
+          </a:p>
+          <a:p>
+            <a:endParaRPr lang="en-US" dirty="0" smtClean="0"/>
+          </a:p>
+          <a:p>
+            <a:r>
+              <a:rPr lang="en-US" dirty="0" smtClean="0"/>
+              <a:t>Astronomy </a:t>
+            </a:r>
+            <a:r>
+              <a:rPr lang="en-US" dirty="0" smtClean="0"/>
+              <a:t>is a hobby of theirs, so they own and operate over 10 telescopes.</a:t>
+            </a:r>
+          </a:p>
+          <a:p>
+            <a:endParaRPr lang="en-US" dirty="0" smtClean="0"/>
+          </a:p>
+          <a:p>
+            <a:r>
+              <a:rPr lang="en-US" dirty="0" smtClean="0"/>
+              <a:t>As of now, Sasha and Nan (our customers), use a manual process for achieving their goals of positioning the telescope and finding new celestial objects. </a:t>
+            </a:r>
           </a:p>
         </p:txBody>
       </p:sp>
@@ -1270,7 +2128,7 @@
             <a:fld id="{64EF572D-EF5B-479C-89C5-F647D7191839}" type="slidenum">
               <a:rPr lang="en-CA" smtClean="0"/>
               <a:pPr/>
-              <a:t>5</a:t>
+              <a:t>4</a:t>
             </a:fld>
             <a:endParaRPr lang="en-CA"/>
           </a:p>
@@ -1330,6 +2188,10 @@
           </a:bodyPr>
           <a:lstStyle/>
           <a:p>
+            <a:r>
+              <a:rPr lang="en-CA" dirty="0" smtClean="0"/>
+              <a:t>Robert</a:t>
+            </a:r>
             <a:endParaRPr lang="en-US" dirty="0"/>
           </a:p>
         </p:txBody>
@@ -1352,7 +2214,7 @@
             <a:fld id="{64EF572D-EF5B-479C-89C5-F647D7191839}" type="slidenum">
               <a:rPr lang="en-CA" smtClean="0"/>
               <a:pPr/>
-              <a:t>6</a:t>
+              <a:t>5</a:t>
             </a:fld>
             <a:endParaRPr lang="en-CA"/>
           </a:p>
@@ -1412,7 +2274,65 @@
           </a:bodyPr>
           <a:lstStyle/>
           <a:p>
-            <a:endParaRPr lang="en-CA" dirty="0"/>
+            <a:r>
+              <a:rPr lang="en-CA" sz="1200" kern="1200" dirty="0" smtClean="0">
+                <a:solidFill>
+                  <a:schemeClr val="tx1"/>
+                </a:solidFill>
+                <a:latin typeface="+mn-lt"/>
+                <a:ea typeface="+mn-ea"/>
+                <a:cs typeface="+mn-cs"/>
+              </a:rPr>
+              <a:t>Robert</a:t>
+            </a:r>
+          </a:p>
+          <a:p>
+            <a:endParaRPr lang="en-US" sz="1200" kern="1200" dirty="0" smtClean="0">
+              <a:solidFill>
+                <a:schemeClr val="tx1"/>
+              </a:solidFill>
+              <a:latin typeface="+mn-lt"/>
+              <a:ea typeface="+mn-ea"/>
+              <a:cs typeface="+mn-cs"/>
+            </a:endParaRPr>
+          </a:p>
+          <a:p>
+            <a:r>
+              <a:rPr lang="en-US" sz="1200" kern="1200" dirty="0" smtClean="0">
+                <a:solidFill>
+                  <a:schemeClr val="tx1"/>
+                </a:solidFill>
+                <a:latin typeface="+mn-lt"/>
+                <a:ea typeface="+mn-ea"/>
+                <a:cs typeface="+mn-cs"/>
+              </a:rPr>
+              <a:t>Probabilities </a:t>
+            </a:r>
+            <a:r>
+              <a:rPr lang="en-US" sz="1200" kern="1200" dirty="0" smtClean="0">
+                <a:solidFill>
+                  <a:schemeClr val="tx1"/>
+                </a:solidFill>
+                <a:latin typeface="+mn-lt"/>
+                <a:ea typeface="+mn-ea"/>
+                <a:cs typeface="+mn-cs"/>
+              </a:rPr>
+              <a:t>can be: low, moderate, high.</a:t>
+            </a:r>
+          </a:p>
+          <a:p>
+            <a:r>
+              <a:rPr lang="en-US" sz="1200" kern="1200" dirty="0" smtClean="0">
+                <a:solidFill>
+                  <a:schemeClr val="tx1"/>
+                </a:solidFill>
+                <a:latin typeface="+mn-lt"/>
+                <a:ea typeface="+mn-ea"/>
+                <a:cs typeface="+mn-cs"/>
+              </a:rPr>
+              <a:t>Effects can be: tolerable, serious and catastrophic</a:t>
+            </a:r>
+            <a:endParaRPr lang="en-US" dirty="0"/>
           </a:p>
         </p:txBody>
       </p:sp>
@@ -1434,7 +2354,7 @@
             <a:fld id="{64EF572D-EF5B-479C-89C5-F647D7191839}" type="slidenum">
               <a:rPr lang="en-CA" smtClean="0"/>
               <a:pPr/>
-              <a:t>7</a:t>
+              <a:t>6</a:t>
             </a:fld>
             <a:endParaRPr lang="en-CA"/>
           </a:p>
@@ -1490,28 +2410,45 @@
         <p:spPr/>
         <p:txBody>
           <a:bodyPr>
-            <a:normAutofit lnSpcReduction="10000"/>
+            <a:normAutofit/>
           </a:bodyPr>
           <a:lstStyle/>
           <a:p>
-            <a:pPr marL="0" marR="0" indent="0" algn="l" defTabSz="914400" rtl="0" eaLnBrk="1" fontAlgn="auto" latinLnBrk="0" hangingPunct="1">
-              <a:lnSpc>
-                <a:spcPct val="100000"/>
-              </a:lnSpc>
-              <a:spcBef>
-                <a:spcPts val="0"/>
-              </a:spcBef>
-              <a:spcAft>
-                <a:spcPts val="0"/>
-              </a:spcAft>
-              <a:buClrTx/>
-              <a:buSzTx/>
-              <a:buFontTx/>
-              <a:buNone/>
-              <a:tabLst/>
-              <a:defRPr/>
-            </a:pPr>
-            <a:endParaRPr lang="en-US" baseline="0" dirty="0" smtClean="0"/>
+            <a:r>
+              <a:rPr lang="en-CA" dirty="0" smtClean="0"/>
+              <a:t>Rob</a:t>
+            </a:r>
+            <a:endParaRPr lang="en-US" dirty="0" smtClean="0"/>
+          </a:p>
+          <a:p>
+            <a:endParaRPr lang="en-US" dirty="0" smtClean="0"/>
+          </a:p>
+          <a:p>
+            <a:r>
+              <a:rPr lang="en-US" dirty="0" smtClean="0"/>
+              <a:t>Telescope</a:t>
+            </a:r>
+            <a:r>
+              <a:rPr lang="en-US" dirty="0" smtClean="0"/>
+              <a:t>: Meade LX200 (Customer)</a:t>
+            </a:r>
+          </a:p>
+          <a:p>
+            <a:r>
+              <a:rPr lang="en-US" dirty="0" smtClean="0"/>
+              <a:t>Digital camera: Sony A900 DSLR (Customer)</a:t>
+            </a:r>
+          </a:p>
+          <a:p>
+            <a:r>
+              <a:rPr lang="en-US" dirty="0" smtClean="0"/>
+              <a:t>Mobile device: Nokia phones, Apple </a:t>
+            </a:r>
+            <a:r>
+              <a:rPr lang="en-US" dirty="0" err="1" smtClean="0"/>
+              <a:t>iPhone</a:t>
+            </a:r>
+            <a:endParaRPr lang="en-US" dirty="0" smtClean="0"/>
           </a:p>
         </p:txBody>
       </p:sp>
@@ -1533,7 +2470,7 @@
             <a:fld id="{64EF572D-EF5B-479C-89C5-F647D7191839}" type="slidenum">
               <a:rPr lang="en-CA" smtClean="0"/>
               <a:pPr/>
-              <a:t>8</a:t>
+              <a:t>7</a:t>
             </a:fld>
             <a:endParaRPr lang="en-CA"/>
           </a:p>
@@ -1589,28 +2526,15 @@
         <p:spPr/>
         <p:txBody>
           <a:bodyPr>
-            <a:normAutofit lnSpcReduction="10000"/>
+            <a:normAutofit/>
           </a:bodyPr>
           <a:lstStyle/>
           <a:p>
-            <a:pPr marL="0" marR="0" indent="0" algn="l" defTabSz="914400" rtl="0" eaLnBrk="1" fontAlgn="auto" latinLnBrk="0" hangingPunct="1">
-              <a:lnSpc>
-                <a:spcPct val="100000"/>
-              </a:lnSpc>
-              <a:spcBef>
-                <a:spcPts val="0"/>
-              </a:spcBef>
-              <a:spcAft>
-                <a:spcPts val="0"/>
-              </a:spcAft>
-              <a:buClrTx/>
-              <a:buSzTx/>
-              <a:buFontTx/>
-              <a:buNone/>
-              <a:tabLst/>
-              <a:defRPr/>
-            </a:pPr>
-            <a:endParaRPr lang="en-US" baseline="0" dirty="0" smtClean="0"/>
+            <a:r>
+              <a:rPr lang="en-CA" dirty="0" err="1" smtClean="0"/>
+              <a:t>robert</a:t>
+            </a:r>
+            <a:endParaRPr lang="en-US" dirty="0"/>
           </a:p>
         </p:txBody>
       </p:sp>
@@ -1632,7 +2556,7 @@
             <a:fld id="{64EF572D-EF5B-479C-89C5-F647D7191839}" type="slidenum">
               <a:rPr lang="en-CA" smtClean="0"/>
               <a:pPr/>
-              <a:t>9</a:t>
+              <a:t>8</a:t>
             </a:fld>
             <a:endParaRPr lang="en-CA"/>
           </a:p>
@@ -1692,7 +2616,11 @@
           </a:bodyPr>
           <a:lstStyle/>
           <a:p>
-            <a:endParaRPr lang="en-US" dirty="0"/>
+            <a:r>
+              <a:rPr lang="en-CA" dirty="0" smtClean="0"/>
+              <a:t>Rob</a:t>
+            </a:r>
+            <a:endParaRPr lang="en-CA" dirty="0"/>
           </a:p>
         </p:txBody>
       </p:sp>
@@ -1714,7 +2642,7 @@
             <a:fld id="{64EF572D-EF5B-479C-89C5-F647D7191839}" type="slidenum">
               <a:rPr lang="en-CA" smtClean="0"/>
               <a:pPr/>
-              <a:t>10</a:t>
+              <a:t>9</a:t>
             </a:fld>
             <a:endParaRPr lang="en-CA"/>
           </a:p>
@@ -1910,7 +2838,7 @@
             <a:fld id="{471E1C79-A119-44DE-84CD-391F73B5F415}" type="datetimeFigureOut">
               <a:rPr lang="en-US" smtClean="0"/>
               <a:pPr/>
-              <a:t>3/31/2010</a:t>
+              <a:t>4/6/2010</a:t>
             </a:fld>
             <a:endParaRPr lang="en-CA"/>
           </a:p>
@@ -2077,7 +3005,7 @@
             <a:fld id="{471E1C79-A119-44DE-84CD-391F73B5F415}" type="datetimeFigureOut">
               <a:rPr lang="en-US" smtClean="0"/>
               <a:pPr/>
-              <a:t>3/31/2010</a:t>
+              <a:t>4/6/2010</a:t>
             </a:fld>
             <a:endParaRPr lang="en-CA"/>
           </a:p>
@@ -2254,7 +3182,7 @@
             <a:fld id="{471E1C79-A119-44DE-84CD-391F73B5F415}" type="datetimeFigureOut">
               <a:rPr lang="en-US" smtClean="0"/>
               <a:pPr/>
-              <a:t>3/31/2010</a:t>
+              <a:t>4/6/2010</a:t>
             </a:fld>
             <a:endParaRPr lang="en-CA"/>
           </a:p>
@@ -2421,7 +3349,7 @@
             <a:fld id="{471E1C79-A119-44DE-84CD-391F73B5F415}" type="datetimeFigureOut">
               <a:rPr lang="en-US" smtClean="0"/>
               <a:pPr/>
-              <a:t>3/31/2010</a:t>
+              <a:t>4/6/2010</a:t>
             </a:fld>
             <a:endParaRPr lang="en-CA"/>
           </a:p>
@@ -2664,7 +3592,7 @@
             <a:fld id="{471E1C79-A119-44DE-84CD-391F73B5F415}" type="datetimeFigureOut">
               <a:rPr lang="en-US" smtClean="0"/>
               <a:pPr/>
-              <a:t>3/31/2010</a:t>
+              <a:t>4/6/2010</a:t>
             </a:fld>
             <a:endParaRPr lang="en-CA"/>
           </a:p>
@@ -2949,7 +3877,7 @@
             <a:fld id="{471E1C79-A119-44DE-84CD-391F73B5F415}" type="datetimeFigureOut">
               <a:rPr lang="en-US" smtClean="0"/>
               <a:pPr/>
-              <a:t>3/31/2010</a:t>
+              <a:t>4/6/2010</a:t>
             </a:fld>
             <a:endParaRPr lang="en-CA"/>
           </a:p>
@@ -3368,7 +4296,7 @@
             <a:fld id="{471E1C79-A119-44DE-84CD-391F73B5F415}" type="datetimeFigureOut">
               <a:rPr lang="en-US" smtClean="0"/>
               <a:pPr/>
-              <a:t>3/31/2010</a:t>
+              <a:t>4/6/2010</a:t>
             </a:fld>
             <a:endParaRPr lang="en-CA"/>
           </a:p>
@@ -3483,7 +4411,7 @@
             <a:fld id="{471E1C79-A119-44DE-84CD-391F73B5F415}" type="datetimeFigureOut">
               <a:rPr lang="en-US" smtClean="0"/>
               <a:pPr/>
-              <a:t>3/31/2010</a:t>
+              <a:t>4/6/2010</a:t>
             </a:fld>
             <a:endParaRPr lang="en-CA"/>
           </a:p>
@@ -3575,7 +4503,7 @@
             <a:fld id="{471E1C79-A119-44DE-84CD-391F73B5F415}" type="datetimeFigureOut">
               <a:rPr lang="en-US" smtClean="0"/>
               <a:pPr/>
-              <a:t>3/31/2010</a:t>
+              <a:t>4/6/2010</a:t>
             </a:fld>
             <a:endParaRPr lang="en-CA"/>
           </a:p>
@@ -3849,7 +4777,7 @@
             <a:fld id="{471E1C79-A119-44DE-84CD-391F73B5F415}" type="datetimeFigureOut">
               <a:rPr lang="en-US" smtClean="0"/>
               <a:pPr/>
-              <a:t>3/31/2010</a:t>
+              <a:t>4/6/2010</a:t>
             </a:fld>
             <a:endParaRPr lang="en-CA"/>
           </a:p>
@@ -4099,7 +5027,7 @@
             <a:fld id="{471E1C79-A119-44DE-84CD-391F73B5F415}" type="datetimeFigureOut">
               <a:rPr lang="en-US" smtClean="0"/>
               <a:pPr/>
-              <a:t>3/31/2010</a:t>
+              <a:t>4/6/2010</a:t>
             </a:fld>
             <a:endParaRPr lang="en-CA"/>
           </a:p>
@@ -4318,7 +5246,7 @@
             <a:fld id="{471E1C79-A119-44DE-84CD-391F73B5F415}" type="datetimeFigureOut">
               <a:rPr lang="en-US" smtClean="0"/>
               <a:pPr/>
-              <a:t>3/31/2010</a:t>
+              <a:t>4/6/2010</a:t>
             </a:fld>
             <a:endParaRPr lang="en-CA"/>
           </a:p>
@@ -4891,7 +5819,7 @@
           <a:p>
             <a:r>
               <a:rPr lang="en-US" dirty="0" smtClean="0"/>
-              <a:t>Versioning Control: GIT</a:t>
+              <a:t>Web Server Machine Details</a:t>
             </a:r>
             <a:endParaRPr lang="en-CA" dirty="0"/>
           </a:p>
@@ -4925,21 +5853,21 @@
           <a:p>
             <a:r>
               <a:rPr lang="en-US" dirty="0" smtClean="0"/>
-              <a:t>Fast</a:t>
-            </a:r>
-          </a:p>
-          <a:p>
-            <a:r>
-              <a:rPr lang="en-CA" dirty="0" smtClean="0"/>
-              <a:t>Small</a:t>
-            </a:r>
-          </a:p>
-          <a:p>
-            <a:r>
-              <a:rPr lang="en-CA" dirty="0" smtClean="0"/>
-              <a:t>Easy to learn</a:t>
-            </a:r>
-            <a:endParaRPr lang="en-US" dirty="0"/>
+              <a:t>Framework: Ruby on Rails</a:t>
+            </a:r>
+          </a:p>
+          <a:p>
+            <a:r>
+              <a:rPr lang="en-US" dirty="0" smtClean="0"/>
+              <a:t>Operating System: Fedora 11</a:t>
+            </a:r>
+          </a:p>
+          <a:p>
+            <a:r>
+              <a:rPr lang="en-US" dirty="0" smtClean="0"/>
+              <a:t>Web Server: Apache2</a:t>
+            </a:r>
+            <a:endParaRPr lang="en-CA" dirty="0"/>
           </a:p>
         </p:txBody>
       </p:sp>
@@ -4952,6 +5880,228 @@
 </file>
 
 <file path=ppt/slides/slide11.xml><?xml version="1.0" encoding="utf-8"?>
+<p:sld xmlns:a="http://schemas.openxmlformats.org/drawingml/2006/main" xmlns:r="http://schemas.openxmlformats.org/officeDocument/2006/relationships" xmlns:p="http://schemas.openxmlformats.org/presentationml/2006/main">
+  <p:cSld>
+    <p:spTree>
+      <p:nvGrpSpPr>
+        <p:cNvPr id="1" name=""/>
+        <p:cNvGrpSpPr/>
+        <p:nvPr/>
+      </p:nvGrpSpPr>
+      <p:grpSpPr>
+        <a:xfrm>
+          <a:off x="0" y="0"/>
+          <a:ext cx="0" cy="0"/>
+          <a:chOff x="0" y="0"/>
+          <a:chExt cx="0" cy="0"/>
+        </a:xfrm>
+      </p:grpSpPr>
+      <p:sp>
+        <p:nvSpPr>
+          <p:cNvPr id="2" name="Title 1"/>
+          <p:cNvSpPr>
+            <a:spLocks noGrp="1"/>
+          </p:cNvSpPr>
+          <p:nvPr>
+            <p:ph type="title"/>
+          </p:nvPr>
+        </p:nvSpPr>
+        <p:spPr>
+          <a:solidFill>
+            <a:srgbClr val="000000"/>
+          </a:solidFill>
+          <a:ln>
+            <a:solidFill>
+              <a:schemeClr val="accent1"/>
+            </a:solidFill>
+          </a:ln>
+        </p:spPr>
+        <p:txBody>
+          <a:bodyPr/>
+          <a:lstStyle/>
+          <a:p>
+            <a:r>
+              <a:rPr lang="en-US" dirty="0" smtClean="0"/>
+              <a:t>Telescope Machine Details</a:t>
+            </a:r>
+            <a:endParaRPr lang="en-CA" dirty="0"/>
+          </a:p>
+        </p:txBody>
+      </p:sp>
+      <p:sp>
+        <p:nvSpPr>
+          <p:cNvPr id="3" name="Content Placeholder 2"/>
+          <p:cNvSpPr>
+            <a:spLocks noGrp="1"/>
+          </p:cNvSpPr>
+          <p:nvPr>
+            <p:ph idx="1"/>
+          </p:nvPr>
+        </p:nvSpPr>
+        <p:spPr>
+          <a:solidFill>
+            <a:srgbClr val="000000"/>
+          </a:solidFill>
+          <a:ln>
+            <a:solidFill>
+              <a:schemeClr val="accent1"/>
+            </a:solidFill>
+          </a:ln>
+        </p:spPr>
+        <p:txBody>
+          <a:bodyPr>
+            <a:normAutofit/>
+          </a:bodyPr>
+          <a:lstStyle/>
+          <a:p>
+            <a:r>
+              <a:rPr lang="en-US" dirty="0" smtClean="0"/>
+              <a:t>Language: C#</a:t>
+            </a:r>
+          </a:p>
+          <a:p>
+            <a:r>
+              <a:rPr lang="en-US" dirty="0" smtClean="0"/>
+              <a:t>Operating System: Windows XP</a:t>
+            </a:r>
+          </a:p>
+          <a:p>
+            <a:r>
+              <a:rPr lang="en-US" dirty="0" smtClean="0"/>
+              <a:t>Database: Oracle 10g Express </a:t>
+            </a:r>
+            <a:r>
+              <a:rPr lang="en-US" dirty="0" smtClean="0"/>
+              <a:t>Edition</a:t>
+            </a:r>
+          </a:p>
+          <a:p>
+            <a:r>
+              <a:rPr lang="en-CA" dirty="0" smtClean="0"/>
+              <a:t>Telescope drivers: ASCOM</a:t>
+            </a:r>
+            <a:endParaRPr lang="en-CA" dirty="0"/>
+          </a:p>
+          <a:p>
+            <a:r>
+              <a:rPr lang="en-CA" dirty="0" smtClean="0"/>
+              <a:t>Camera drivers: Camera EDSDK</a:t>
+            </a:r>
+          </a:p>
+        </p:txBody>
+      </p:sp>
+    </p:spTree>
+  </p:cSld>
+  <p:clrMapOvr>
+    <a:masterClrMapping/>
+  </p:clrMapOvr>
+</p:sld>
+</file>
+
+<file path=ppt/slides/slide12.xml><?xml version="1.0" encoding="utf-8"?>
+<p:sld xmlns:a="http://schemas.openxmlformats.org/drawingml/2006/main" xmlns:r="http://schemas.openxmlformats.org/officeDocument/2006/relationships" xmlns:p="http://schemas.openxmlformats.org/presentationml/2006/main">
+  <p:cSld>
+    <p:spTree>
+      <p:nvGrpSpPr>
+        <p:cNvPr id="1" name=""/>
+        <p:cNvGrpSpPr/>
+        <p:nvPr/>
+      </p:nvGrpSpPr>
+      <p:grpSpPr>
+        <a:xfrm>
+          <a:off x="0" y="0"/>
+          <a:ext cx="0" cy="0"/>
+          <a:chOff x="0" y="0"/>
+          <a:chExt cx="0" cy="0"/>
+        </a:xfrm>
+      </p:grpSpPr>
+      <p:sp>
+        <p:nvSpPr>
+          <p:cNvPr id="2" name="Title 1"/>
+          <p:cNvSpPr>
+            <a:spLocks noGrp="1"/>
+          </p:cNvSpPr>
+          <p:nvPr>
+            <p:ph type="title"/>
+          </p:nvPr>
+        </p:nvSpPr>
+        <p:spPr>
+          <a:solidFill>
+            <a:srgbClr val="000000"/>
+          </a:solidFill>
+          <a:ln>
+            <a:solidFill>
+              <a:schemeClr val="accent1"/>
+            </a:solidFill>
+          </a:ln>
+        </p:spPr>
+        <p:txBody>
+          <a:bodyPr/>
+          <a:lstStyle/>
+          <a:p>
+            <a:r>
+              <a:rPr lang="en-US" dirty="0" smtClean="0"/>
+              <a:t>Versioning Control: GIT</a:t>
+            </a:r>
+            <a:endParaRPr lang="en-CA" dirty="0"/>
+          </a:p>
+        </p:txBody>
+      </p:sp>
+      <p:sp>
+        <p:nvSpPr>
+          <p:cNvPr id="3" name="Content Placeholder 2"/>
+          <p:cNvSpPr>
+            <a:spLocks noGrp="1"/>
+          </p:cNvSpPr>
+          <p:nvPr>
+            <p:ph idx="1"/>
+          </p:nvPr>
+        </p:nvSpPr>
+        <p:spPr>
+          <a:solidFill>
+            <a:srgbClr val="000000"/>
+          </a:solidFill>
+          <a:ln>
+            <a:solidFill>
+              <a:schemeClr val="accent1"/>
+            </a:solidFill>
+          </a:ln>
+        </p:spPr>
+        <p:txBody>
+          <a:bodyPr>
+            <a:normAutofit/>
+          </a:bodyPr>
+          <a:lstStyle/>
+          <a:p>
+            <a:r>
+              <a:rPr lang="en-US" dirty="0" smtClean="0"/>
+              <a:t>Fast</a:t>
+            </a:r>
+          </a:p>
+          <a:p>
+            <a:r>
+              <a:rPr lang="en-CA" dirty="0" smtClean="0"/>
+              <a:t>Small</a:t>
+            </a:r>
+          </a:p>
+          <a:p>
+            <a:r>
+              <a:rPr lang="en-CA" dirty="0" smtClean="0"/>
+              <a:t>Easy to learn</a:t>
+            </a:r>
+            <a:endParaRPr lang="en-US" dirty="0"/>
+          </a:p>
+        </p:txBody>
+      </p:sp>
+    </p:spTree>
+  </p:cSld>
+  <p:clrMapOvr>
+    <a:masterClrMapping/>
+  </p:clrMapOvr>
+</p:sld>
+</file>
+
+<file path=ppt/slides/slide13.xml><?xml version="1.0" encoding="utf-8"?>
 <p:sld xmlns:a="http://schemas.openxmlformats.org/drawingml/2006/main" xmlns:r="http://schemas.openxmlformats.org/officeDocument/2006/relationships" xmlns:p="http://schemas.openxmlformats.org/presentationml/2006/main">
   <p:cSld>
     <p:spTree>
@@ -5056,234 +6206,6 @@
 </p:sld>
 </file>
 
-<file path=ppt/slides/slide12.xml><?xml version="1.0" encoding="utf-8"?>
-<p:sld xmlns:a="http://schemas.openxmlformats.org/drawingml/2006/main" xmlns:r="http://schemas.openxmlformats.org/officeDocument/2006/relationships" xmlns:p="http://schemas.openxmlformats.org/presentationml/2006/main">
-  <p:cSld>
-    <p:spTree>
-      <p:nvGrpSpPr>
-        <p:cNvPr id="1" name=""/>
-        <p:cNvGrpSpPr/>
-        <p:nvPr/>
-      </p:nvGrpSpPr>
-      <p:grpSpPr>
-        <a:xfrm>
-          <a:off x="0" y="0"/>
-          <a:ext cx="0" cy="0"/>
-          <a:chOff x="0" y="0"/>
-          <a:chExt cx="0" cy="0"/>
-        </a:xfrm>
-      </p:grpSpPr>
-      <p:sp>
-        <p:nvSpPr>
-          <p:cNvPr id="2" name="Title 1"/>
-          <p:cNvSpPr>
-            <a:spLocks noGrp="1"/>
-          </p:cNvSpPr>
-          <p:nvPr>
-            <p:ph type="title"/>
-          </p:nvPr>
-        </p:nvSpPr>
-        <p:spPr>
-          <a:solidFill>
-            <a:srgbClr val="000000"/>
-          </a:solidFill>
-          <a:ln>
-            <a:solidFill>
-              <a:schemeClr val="accent1"/>
-            </a:solidFill>
-          </a:ln>
-        </p:spPr>
-        <p:txBody>
-          <a:bodyPr/>
-          <a:lstStyle/>
-          <a:p>
-            <a:r>
-              <a:rPr lang="en-US" dirty="0" smtClean="0"/>
-              <a:t>Testing</a:t>
-            </a:r>
-            <a:endParaRPr lang="en-CA" dirty="0"/>
-          </a:p>
-        </p:txBody>
-      </p:sp>
-      <p:sp>
-        <p:nvSpPr>
-          <p:cNvPr id="3" name="Content Placeholder 2"/>
-          <p:cNvSpPr>
-            <a:spLocks noGrp="1"/>
-          </p:cNvSpPr>
-          <p:nvPr>
-            <p:ph idx="1"/>
-          </p:nvPr>
-        </p:nvSpPr>
-        <p:spPr>
-          <a:solidFill>
-            <a:srgbClr val="000000"/>
-          </a:solidFill>
-          <a:ln>
-            <a:solidFill>
-              <a:schemeClr val="accent1"/>
-            </a:solidFill>
-          </a:ln>
-        </p:spPr>
-        <p:txBody>
-          <a:bodyPr>
-            <a:normAutofit/>
-          </a:bodyPr>
-          <a:lstStyle/>
-          <a:p>
-            <a:r>
-              <a:rPr lang="en-US" dirty="0" smtClean="0"/>
-              <a:t>Unit tests</a:t>
-            </a:r>
-          </a:p>
-          <a:p>
-            <a:r>
-              <a:rPr lang="en-CA" dirty="0" smtClean="0"/>
-              <a:t>Acceptance tests</a:t>
-            </a:r>
-            <a:endParaRPr lang="en-US" dirty="0" smtClean="0"/>
-          </a:p>
-        </p:txBody>
-      </p:sp>
-    </p:spTree>
-  </p:cSld>
-  <p:clrMapOvr>
-    <a:masterClrMapping/>
-  </p:clrMapOvr>
-  <p:timing>
-    <p:tnLst>
-      <p:par>
-        <p:cTn id="1" dur="indefinite" restart="never" nodeType="tmRoot"/>
-      </p:par>
-    </p:tnLst>
-  </p:timing>
-</p:sld>
-</file>
-
-<file path=ppt/slides/slide13.xml><?xml version="1.0" encoding="utf-8"?>
-<p:sld xmlns:a="http://schemas.openxmlformats.org/drawingml/2006/main" xmlns:r="http://schemas.openxmlformats.org/officeDocument/2006/relationships" xmlns:p="http://schemas.openxmlformats.org/presentationml/2006/main">
-  <p:cSld>
-    <p:spTree>
-      <p:nvGrpSpPr>
-        <p:cNvPr id="1" name=""/>
-        <p:cNvGrpSpPr/>
-        <p:nvPr/>
-      </p:nvGrpSpPr>
-      <p:grpSpPr>
-        <a:xfrm>
-          <a:off x="0" y="0"/>
-          <a:ext cx="0" cy="0"/>
-          <a:chOff x="0" y="0"/>
-          <a:chExt cx="0" cy="0"/>
-        </a:xfrm>
-      </p:grpSpPr>
-      <p:sp>
-        <p:nvSpPr>
-          <p:cNvPr id="2" name="Title 1"/>
-          <p:cNvSpPr>
-            <a:spLocks noGrp="1"/>
-          </p:cNvSpPr>
-          <p:nvPr>
-            <p:ph type="title"/>
-          </p:nvPr>
-        </p:nvSpPr>
-        <p:spPr>
-          <a:solidFill>
-            <a:srgbClr val="000000"/>
-          </a:solidFill>
-          <a:ln>
-            <a:solidFill>
-              <a:schemeClr val="accent1"/>
-            </a:solidFill>
-          </a:ln>
-        </p:spPr>
-        <p:txBody>
-          <a:bodyPr/>
-          <a:lstStyle/>
-          <a:p>
-            <a:r>
-              <a:rPr lang="en-US" dirty="0" smtClean="0"/>
-              <a:t>Project Timeline</a:t>
-            </a:r>
-            <a:endParaRPr lang="en-CA" dirty="0"/>
-          </a:p>
-        </p:txBody>
-      </p:sp>
-      <p:sp>
-        <p:nvSpPr>
-          <p:cNvPr id="3" name="Content Placeholder 2"/>
-          <p:cNvSpPr>
-            <a:spLocks noGrp="1"/>
-          </p:cNvSpPr>
-          <p:nvPr>
-            <p:ph idx="1"/>
-          </p:nvPr>
-        </p:nvSpPr>
-        <p:spPr>
-          <a:solidFill>
-            <a:srgbClr val="000000"/>
-          </a:solidFill>
-          <a:ln>
-            <a:solidFill>
-              <a:schemeClr val="accent1"/>
-            </a:solidFill>
-          </a:ln>
-        </p:spPr>
-        <p:txBody>
-          <a:bodyPr>
-            <a:normAutofit lnSpcReduction="10000"/>
-          </a:bodyPr>
-          <a:lstStyle/>
-          <a:p>
-            <a:r>
-              <a:rPr lang="en-US" dirty="0" smtClean="0"/>
-              <a:t>Iteration 5: Automated Scheduling and Telescope Positioning</a:t>
-            </a:r>
-          </a:p>
-          <a:p>
-            <a:r>
-              <a:rPr lang="en-US" dirty="0" smtClean="0"/>
-              <a:t>Iteration 6: Libraries and GUI Enhancements</a:t>
-            </a:r>
-          </a:p>
-          <a:p>
-            <a:r>
-              <a:rPr lang="en-US" dirty="0" smtClean="0"/>
-              <a:t>Iteration 7: Mobile Views</a:t>
-            </a:r>
-          </a:p>
-          <a:p>
-            <a:r>
-              <a:rPr lang="en-US" dirty="0" smtClean="0"/>
-              <a:t>Iteration 8: Image Capturing</a:t>
-            </a:r>
-          </a:p>
-          <a:p>
-            <a:r>
-              <a:rPr lang="en-US" dirty="0" smtClean="0"/>
-              <a:t>Iteration 9: The Final Release</a:t>
-            </a:r>
-          </a:p>
-          <a:p>
-            <a:endParaRPr lang="en-US" dirty="0" smtClean="0"/>
-          </a:p>
-          <a:p>
-            <a:r>
-              <a:rPr lang="en-US" dirty="0" smtClean="0"/>
-              <a:t>Each iteration = 2-3 weeks</a:t>
-            </a:r>
-            <a:endParaRPr lang="en-CA" dirty="0"/>
-          </a:p>
-        </p:txBody>
-      </p:sp>
-    </p:spTree>
-  </p:cSld>
-  <p:clrMapOvr>
-    <a:masterClrMapping/>
-  </p:clrMapOvr>
-</p:sld>
-</file>
-
 <file path=ppt/slides/slide14.xml><?xml version="1.0" encoding="utf-8"?>
 <p:sld xmlns:a="http://schemas.openxmlformats.org/drawingml/2006/main" xmlns:r="http://schemas.openxmlformats.org/officeDocument/2006/relationships" xmlns:p="http://schemas.openxmlformats.org/presentationml/2006/main">
   <p:cSld>
@@ -5327,7 +6249,7 @@
           <a:p>
             <a:r>
               <a:rPr lang="en-US" dirty="0" smtClean="0"/>
-              <a:t>Project Evaluation and Metrics</a:t>
+              <a:t>Testing</a:t>
             </a:r>
             <a:endParaRPr lang="en-CA" dirty="0"/>
           </a:p>
@@ -5355,84 +6277,21 @@
         </p:spPr>
         <p:txBody>
           <a:bodyPr>
-            <a:normAutofit fontScale="85000" lnSpcReduction="20000"/>
+            <a:normAutofit/>
           </a:bodyPr>
           <a:lstStyle/>
           <a:p>
             <a:r>
               <a:rPr lang="en-US" dirty="0" smtClean="0"/>
-              <a:t>Time spent: (1 unit = 15 minutes)</a:t>
-            </a:r>
-          </a:p>
-          <a:p>
-            <a:r>
-              <a:rPr lang="en-US" dirty="0" smtClean="0"/>
-              <a:t>Total time:  [??] units</a:t>
-            </a:r>
-          </a:p>
-          <a:p>
-            <a:endParaRPr lang="en-US" dirty="0"/>
-          </a:p>
-          <a:p>
-            <a:r>
-              <a:rPr lang="en-US" dirty="0" smtClean="0"/>
-              <a:t>Coding:</a:t>
-            </a:r>
-          </a:p>
-          <a:p>
-            <a:pPr lvl="1"/>
-            <a:r>
-              <a:rPr lang="en-US" dirty="0" smtClean="0"/>
-              <a:t>Models: [??] </a:t>
-            </a:r>
-          </a:p>
-          <a:p>
-            <a:pPr lvl="1"/>
-            <a:r>
-              <a:rPr lang="en-US" dirty="0" smtClean="0"/>
-              <a:t>Views: [??] </a:t>
-            </a:r>
-          </a:p>
-          <a:p>
-            <a:pPr lvl="1"/>
-            <a:r>
-              <a:rPr lang="en-US" dirty="0" smtClean="0"/>
-              <a:t>Controllers: [??] </a:t>
-            </a:r>
-            <a:endParaRPr lang="en-US" dirty="0"/>
-          </a:p>
-          <a:p>
-            <a:r>
-              <a:rPr lang="en-US" dirty="0" smtClean="0"/>
-              <a:t>Tests:</a:t>
-            </a:r>
-          </a:p>
-          <a:p>
-            <a:pPr lvl="1"/>
-            <a:r>
-              <a:rPr lang="en-US" dirty="0" smtClean="0"/>
-              <a:t>Unit tests: [??] </a:t>
-            </a:r>
-          </a:p>
-          <a:p>
-            <a:pPr lvl="1"/>
-            <a:r>
-              <a:rPr lang="en-US" dirty="0" smtClean="0"/>
-              <a:t>Test cases: [??] </a:t>
-            </a:r>
-          </a:p>
-          <a:p>
-            <a:pPr lvl="1"/>
-            <a:r>
-              <a:rPr lang="en-US" dirty="0" smtClean="0"/>
-              <a:t>Assertions: [??] </a:t>
-            </a:r>
-          </a:p>
-          <a:p>
-            <a:endParaRPr lang="en-US" dirty="0"/>
-          </a:p>
-          <a:p>
-            <a:endParaRPr lang="en-CA" dirty="0"/>
+              <a:t>Unit tests</a:t>
+            </a:r>
+          </a:p>
+          <a:p>
+            <a:r>
+              <a:rPr lang="en-CA" dirty="0" smtClean="0"/>
+              <a:t>Acceptance tests</a:t>
+            </a:r>
+            <a:endParaRPr lang="en-US" dirty="0" smtClean="0"/>
           </a:p>
         </p:txBody>
       </p:sp>
@@ -5441,6 +6300,13 @@
   <p:clrMapOvr>
     <a:masterClrMapping/>
   </p:clrMapOvr>
+  <p:timing>
+    <p:tnLst>
+      <p:par>
+        <p:cTn id="1" dur="indefinite" restart="never" nodeType="tmRoot"/>
+      </p:par>
+    </p:tnLst>
+  </p:timing>
 </p:sld>
 </file>
 
@@ -5487,7 +6353,7 @@
           <a:p>
             <a:r>
               <a:rPr lang="en-US" dirty="0" smtClean="0"/>
-              <a:t>What Did We Learn?</a:t>
+              <a:t>Example: Unit Test + Demo</a:t>
             </a:r>
             <a:endParaRPr lang="en-CA" dirty="0"/>
           </a:p>
@@ -5514,30 +6380,269 @@
           </a:ln>
         </p:spPr>
         <p:txBody>
-          <a:bodyPr/>
-          <a:lstStyle/>
-          <a:p>
-            <a:r>
-              <a:rPr lang="en-US" dirty="0" smtClean="0"/>
-              <a:t>More experienced with </a:t>
-            </a:r>
-            <a:r>
-              <a:rPr lang="en-US" dirty="0" smtClean="0"/>
-              <a:t>Ruby on Rails</a:t>
-            </a:r>
+          <a:bodyPr>
+            <a:normAutofit fontScale="47500" lnSpcReduction="20000"/>
+          </a:bodyPr>
+          <a:lstStyle/>
+          <a:p>
+            <a:pPr>
+              <a:buNone/>
+            </a:pPr>
+            <a:r>
+              <a:rPr lang="en-US" dirty="0" smtClean="0"/>
+              <a:t>require '</a:t>
+            </a:r>
+            <a:r>
+              <a:rPr lang="en-US" dirty="0" err="1" smtClean="0"/>
+              <a:t>test_helper</a:t>
+            </a:r>
+            <a:r>
+              <a:rPr lang="en-US" dirty="0" smtClean="0"/>
+              <a:t>'</a:t>
+            </a:r>
+          </a:p>
+          <a:p>
+            <a:pPr>
+              <a:buNone/>
+            </a:pPr>
             <a:endParaRPr lang="en-US" dirty="0" smtClean="0"/>
           </a:p>
           <a:p>
-            <a:r>
-              <a:rPr lang="en-CA" dirty="0" smtClean="0"/>
-              <a:t>Improved planning</a:t>
+            <a:pPr>
+              <a:buNone/>
+            </a:pPr>
+            <a:r>
+              <a:rPr lang="en-US" dirty="0" smtClean="0"/>
+              <a:t>class </a:t>
+            </a:r>
+            <a:r>
+              <a:rPr lang="en-US" dirty="0" err="1" smtClean="0"/>
+              <a:t>UserTest</a:t>
+            </a:r>
+            <a:r>
+              <a:rPr lang="en-US" dirty="0" smtClean="0"/>
+              <a:t> &lt; </a:t>
+            </a:r>
+            <a:r>
+              <a:rPr lang="en-US" dirty="0" err="1" smtClean="0"/>
+              <a:t>ActiveSupport</a:t>
+            </a:r>
+            <a:r>
+              <a:rPr lang="en-US" dirty="0" smtClean="0"/>
+              <a:t>::</a:t>
+            </a:r>
+            <a:r>
+              <a:rPr lang="en-US" dirty="0" err="1" smtClean="0"/>
+              <a:t>TestCase</a:t>
             </a:r>
             <a:endParaRPr lang="en-US" dirty="0" smtClean="0"/>
           </a:p>
           <a:p>
+            <a:pPr>
+              <a:buNone/>
+            </a:pPr>
+            <a:r>
+              <a:rPr lang="en-US" dirty="0" smtClean="0"/>
+              <a:t>	</a:t>
+            </a:r>
+          </a:p>
+          <a:p>
+            <a:pPr>
+              <a:buNone/>
+            </a:pPr>
+            <a:r>
+              <a:rPr lang="en-US" dirty="0" smtClean="0"/>
+              <a:t>  # create a user with necessary, correct input values for the following tests</a:t>
+            </a:r>
+          </a:p>
+          <a:p>
+            <a:pPr>
+              <a:buNone/>
+            </a:pPr>
+            <a:r>
+              <a:rPr lang="en-US" dirty="0" smtClean="0"/>
+              <a:t>  def setup</a:t>
+            </a:r>
+          </a:p>
+          <a:p>
+            <a:pPr>
+              <a:buNone/>
+            </a:pPr>
+            <a:r>
+              <a:rPr lang="en-US" dirty="0" smtClean="0"/>
+              <a:t>  	@user = </a:t>
+            </a:r>
+            <a:r>
+              <a:rPr lang="en-US" dirty="0" err="1" smtClean="0"/>
+              <a:t>User.new</a:t>
+            </a:r>
             <a:endParaRPr lang="en-US" dirty="0" smtClean="0"/>
           </a:p>
           <a:p>
+            <a:pPr>
+              <a:buNone/>
+            </a:pPr>
+            <a:r>
+              <a:rPr lang="en-US" dirty="0" smtClean="0"/>
+              <a:t>  	@</a:t>
+            </a:r>
+            <a:r>
+              <a:rPr lang="en-US" dirty="0" err="1" smtClean="0"/>
+              <a:t>user.username</a:t>
+            </a:r>
+            <a:r>
+              <a:rPr lang="en-US" dirty="0" smtClean="0"/>
+              <a:t> = "</a:t>
+            </a:r>
+            <a:r>
+              <a:rPr lang="en-US" dirty="0" err="1" smtClean="0"/>
+              <a:t>unit_test</a:t>
+            </a:r>
+            <a:r>
+              <a:rPr lang="en-US" dirty="0" smtClean="0"/>
+              <a:t>"</a:t>
+            </a:r>
+          </a:p>
+          <a:p>
+            <a:pPr>
+              <a:buNone/>
+            </a:pPr>
+            <a:r>
+              <a:rPr lang="en-US" dirty="0" smtClean="0"/>
+              <a:t>  	@</a:t>
+            </a:r>
+            <a:r>
+              <a:rPr lang="en-US" dirty="0" err="1" smtClean="0"/>
+              <a:t>user.email</a:t>
+            </a:r>
+            <a:r>
+              <a:rPr lang="en-US" dirty="0" smtClean="0"/>
+              <a:t> = "unit@test.com"</a:t>
+            </a:r>
+          </a:p>
+          <a:p>
+            <a:pPr>
+              <a:buNone/>
+            </a:pPr>
+            <a:r>
+              <a:rPr lang="en-US" dirty="0" smtClean="0"/>
+              <a:t>    	@</a:t>
+            </a:r>
+            <a:r>
+              <a:rPr lang="en-US" dirty="0" err="1" smtClean="0"/>
+              <a:t>user.password</a:t>
+            </a:r>
+            <a:r>
+              <a:rPr lang="en-US" dirty="0" smtClean="0"/>
+              <a:t> = "test"</a:t>
+            </a:r>
+          </a:p>
+          <a:p>
+            <a:pPr>
+              <a:buNone/>
+            </a:pPr>
+            <a:r>
+              <a:rPr lang="en-US" dirty="0" smtClean="0"/>
+              <a:t>    	@</a:t>
+            </a:r>
+            <a:r>
+              <a:rPr lang="en-US" dirty="0" err="1" smtClean="0"/>
+              <a:t>user.password_confirmation</a:t>
+            </a:r>
+            <a:r>
+              <a:rPr lang="en-US" dirty="0" smtClean="0"/>
+              <a:t> = "test"</a:t>
+            </a:r>
+          </a:p>
+          <a:p>
+            <a:pPr>
+              <a:buNone/>
+            </a:pPr>
+            <a:r>
+              <a:rPr lang="en-US" dirty="0" smtClean="0"/>
+              <a:t>  end</a:t>
+            </a:r>
+          </a:p>
+          <a:p>
+            <a:pPr>
+              <a:buNone/>
+            </a:pPr>
+            <a:r>
+              <a:rPr lang="en-US" dirty="0" smtClean="0"/>
+              <a:t>  </a:t>
+            </a:r>
+          </a:p>
+          <a:p>
+            <a:pPr>
+              <a:buNone/>
+            </a:pPr>
+            <a:r>
+              <a:rPr lang="en-US" dirty="0" smtClean="0"/>
+              <a:t>  def </a:t>
+            </a:r>
+            <a:r>
+              <a:rPr lang="en-US" dirty="0" err="1" smtClean="0"/>
+              <a:t>test_username_cannot_be_null</a:t>
+            </a:r>
+            <a:endParaRPr lang="en-US" dirty="0" smtClean="0"/>
+          </a:p>
+          <a:p>
+            <a:pPr>
+              <a:buNone/>
+            </a:pPr>
+            <a:r>
+              <a:rPr lang="en-US" dirty="0" smtClean="0"/>
+              <a:t>    	@</a:t>
+            </a:r>
+            <a:r>
+              <a:rPr lang="en-US" dirty="0" err="1" smtClean="0"/>
+              <a:t>user.username</a:t>
+            </a:r>
+            <a:r>
+              <a:rPr lang="en-US" dirty="0" smtClean="0"/>
+              <a:t> = ""</a:t>
+            </a:r>
+          </a:p>
+          <a:p>
+            <a:pPr>
+              <a:buNone/>
+            </a:pPr>
+            <a:r>
+              <a:rPr lang="en-US" dirty="0" smtClean="0"/>
+              <a:t>    	assert !@</a:t>
+            </a:r>
+            <a:r>
+              <a:rPr lang="en-US" dirty="0" err="1" smtClean="0"/>
+              <a:t>user.save</a:t>
+            </a:r>
+            <a:r>
+              <a:rPr lang="en-US" dirty="0" smtClean="0"/>
+              <a:t>  </a:t>
+            </a:r>
+          </a:p>
+          <a:p>
+            <a:pPr>
+              <a:buNone/>
+            </a:pPr>
+            <a:r>
+              <a:rPr lang="en-US" dirty="0" smtClean="0"/>
+              <a:t>  end</a:t>
+            </a:r>
+          </a:p>
+          <a:p>
+            <a:pPr>
+              <a:buNone/>
+            </a:pPr>
+            <a:endParaRPr lang="en-US" dirty="0" smtClean="0"/>
+          </a:p>
+          <a:p>
+            <a:pPr>
+              <a:buNone/>
+            </a:pPr>
+            <a:r>
+              <a:rPr lang="en-US" dirty="0" smtClean="0"/>
+              <a:t>end</a:t>
+            </a:r>
             <a:endParaRPr lang="en-CA" dirty="0"/>
           </a:p>
         </p:txBody>
@@ -5593,7 +6698,7 @@
           <a:p>
             <a:r>
               <a:rPr lang="en-US" dirty="0" smtClean="0"/>
-              <a:t>Issues and Project Difficulties</a:t>
+              <a:t>Project Timeline</a:t>
             </a:r>
             <a:endParaRPr lang="en-CA" dirty="0"/>
           </a:p>
@@ -5625,13 +6730,48 @@
           <a:p>
             <a:r>
               <a:rPr lang="en-US" dirty="0" smtClean="0"/>
-              <a:t>Time constraints</a:t>
-            </a:r>
-          </a:p>
-          <a:p>
-            <a:r>
-              <a:rPr lang="en-US" smtClean="0"/>
-              <a:t>Equipment delays</a:t>
+              <a:t>Iteration 1: Inception</a:t>
+            </a:r>
+          </a:p>
+          <a:p>
+            <a:r>
+              <a:rPr lang="en-US" dirty="0" smtClean="0"/>
+              <a:t>Iteration 2: SPIKE project</a:t>
+            </a:r>
+          </a:p>
+          <a:p>
+            <a:r>
+              <a:rPr lang="en-US" dirty="0" smtClean="0"/>
+              <a:t>Iteration 3: Release #1</a:t>
+            </a:r>
+          </a:p>
+          <a:p>
+            <a:r>
+              <a:rPr lang="en-US" dirty="0" smtClean="0"/>
+              <a:t>Iteration 4: Release #2</a:t>
+            </a:r>
+          </a:p>
+          <a:p>
+            <a:r>
+              <a:rPr lang="en-US" dirty="0" smtClean="0"/>
+              <a:t>Iteration 5: Final </a:t>
+            </a:r>
+            <a:r>
+              <a:rPr lang="en-US" dirty="0" err="1" smtClean="0"/>
+              <a:t>Refactored</a:t>
+            </a:r>
+            <a:r>
+              <a:rPr lang="en-US" dirty="0" smtClean="0"/>
+              <a:t> Release</a:t>
+            </a:r>
+          </a:p>
+          <a:p>
+            <a:endParaRPr lang="en-US" dirty="0" smtClean="0"/>
+          </a:p>
+          <a:p>
+            <a:r>
+              <a:rPr lang="en-US" dirty="0" smtClean="0"/>
+              <a:t>Each iteration = ~1 week</a:t>
             </a:r>
             <a:endParaRPr lang="en-CA" dirty="0"/>
           </a:p>
@@ -5688,7 +6828,7 @@
           <a:p>
             <a:r>
               <a:rPr lang="en-US" dirty="0" smtClean="0"/>
-              <a:t>Summary</a:t>
+              <a:t>Project Timeline</a:t>
             </a:r>
             <a:endParaRPr lang="en-CA" dirty="0"/>
           </a:p>
@@ -5715,36 +6855,48 @@
           </a:ln>
         </p:spPr>
         <p:txBody>
-          <a:bodyPr/>
-          <a:lstStyle/>
-          <a:p>
-            <a:r>
-              <a:rPr lang="en-CA" dirty="0" smtClean="0"/>
-              <a:t>Automatic Telescope Control System</a:t>
-            </a:r>
-          </a:p>
-          <a:p>
-            <a:r>
-              <a:rPr lang="en-CA" dirty="0" smtClean="0"/>
-              <a:t>Can:</a:t>
-            </a:r>
-          </a:p>
-          <a:p>
-            <a:pPr lvl="1"/>
-            <a:r>
-              <a:rPr lang="en-CA" dirty="0" smtClean="0"/>
-              <a:t>Schedule telescope for future dates</a:t>
-            </a:r>
-          </a:p>
-          <a:p>
-            <a:pPr lvl="1"/>
-            <a:r>
-              <a:rPr lang="en-CA" dirty="0" smtClean="0"/>
-              <a:t>Capture images of that area</a:t>
-            </a:r>
-            <a:endParaRPr lang="en-CA" dirty="0" smtClean="0"/>
-          </a:p>
-          <a:p>
+          <a:bodyPr>
+            <a:normAutofit lnSpcReduction="10000"/>
+          </a:bodyPr>
+          <a:lstStyle/>
+          <a:p>
+            <a:r>
+              <a:rPr lang="en-US" dirty="0" smtClean="0"/>
+              <a:t>Iteration 5: Automated Scheduling and Telescope Positioning</a:t>
+            </a:r>
+          </a:p>
+          <a:p>
+            <a:r>
+              <a:rPr lang="en-US" dirty="0" smtClean="0"/>
+              <a:t>Iteration 6: Libraries and GUI Enhancements</a:t>
+            </a:r>
+          </a:p>
+          <a:p>
+            <a:r>
+              <a:rPr lang="en-US" dirty="0" smtClean="0"/>
+              <a:t>Iteration 7: Mobile Views</a:t>
+            </a:r>
+          </a:p>
+          <a:p>
+            <a:r>
+              <a:rPr lang="en-US" dirty="0" smtClean="0"/>
+              <a:t>Iteration 8: Image Capturing</a:t>
+            </a:r>
+          </a:p>
+          <a:p>
+            <a:r>
+              <a:rPr lang="en-US" dirty="0" smtClean="0"/>
+              <a:t>Iteration 9: The Final Release</a:t>
+            </a:r>
+          </a:p>
+          <a:p>
+            <a:endParaRPr lang="en-US" dirty="0" smtClean="0"/>
+          </a:p>
+          <a:p>
+            <a:r>
+              <a:rPr lang="en-US" dirty="0" smtClean="0"/>
+              <a:t>Each iteration = 2-3 weeks</a:t>
+            </a:r>
             <a:endParaRPr lang="en-CA" dirty="0"/>
           </a:p>
         </p:txBody>
@@ -5800,7 +6952,7 @@
           <a:p>
             <a:r>
               <a:rPr lang="en-US" dirty="0" smtClean="0"/>
-              <a:t>Acknowledgements</a:t>
+              <a:t>Project Evaluation and Metrics</a:t>
             </a:r>
             <a:endParaRPr lang="en-CA" dirty="0"/>
           </a:p>
@@ -5827,58 +6979,195 @@
           </a:ln>
         </p:spPr>
         <p:txBody>
+          <a:bodyPr>
+            <a:normAutofit fontScale="85000" lnSpcReduction="20000"/>
+          </a:bodyPr>
+          <a:lstStyle/>
+          <a:p>
+            <a:r>
+              <a:rPr lang="en-US" dirty="0" smtClean="0"/>
+              <a:t>Time spent: (1 unit = 15 minutes)</a:t>
+            </a:r>
+          </a:p>
+          <a:p>
+            <a:r>
+              <a:rPr lang="en-US" dirty="0" smtClean="0"/>
+              <a:t>Total time:  [??] units</a:t>
+            </a:r>
+          </a:p>
+          <a:p>
+            <a:endParaRPr lang="en-US" dirty="0"/>
+          </a:p>
+          <a:p>
+            <a:r>
+              <a:rPr lang="en-US" dirty="0" smtClean="0"/>
+              <a:t>Coding:</a:t>
+            </a:r>
+          </a:p>
+          <a:p>
+            <a:pPr lvl="1"/>
+            <a:r>
+              <a:rPr lang="en-US" dirty="0" smtClean="0"/>
+              <a:t>Models: [??] </a:t>
+            </a:r>
+          </a:p>
+          <a:p>
+            <a:pPr lvl="1"/>
+            <a:r>
+              <a:rPr lang="en-US" dirty="0" smtClean="0"/>
+              <a:t>Views: [??] </a:t>
+            </a:r>
+          </a:p>
+          <a:p>
+            <a:pPr lvl="1"/>
+            <a:r>
+              <a:rPr lang="en-US" dirty="0" smtClean="0"/>
+              <a:t>Controllers: [??] </a:t>
+            </a:r>
+            <a:endParaRPr lang="en-US" dirty="0"/>
+          </a:p>
+          <a:p>
+            <a:r>
+              <a:rPr lang="en-US" dirty="0" smtClean="0"/>
+              <a:t>Tests:</a:t>
+            </a:r>
+          </a:p>
+          <a:p>
+            <a:pPr lvl="1"/>
+            <a:r>
+              <a:rPr lang="en-US" dirty="0" smtClean="0"/>
+              <a:t>Unit tests: [??] </a:t>
+            </a:r>
+          </a:p>
+          <a:p>
+            <a:pPr lvl="1"/>
+            <a:r>
+              <a:rPr lang="en-US" dirty="0" smtClean="0"/>
+              <a:t>Test cases: [??] </a:t>
+            </a:r>
+          </a:p>
+          <a:p>
+            <a:pPr lvl="1"/>
+            <a:r>
+              <a:rPr lang="en-US" dirty="0" smtClean="0"/>
+              <a:t>Assertions: [??] </a:t>
+            </a:r>
+          </a:p>
+          <a:p>
+            <a:endParaRPr lang="en-US" dirty="0"/>
+          </a:p>
+          <a:p>
+            <a:endParaRPr lang="en-CA" dirty="0"/>
+          </a:p>
+        </p:txBody>
+      </p:sp>
+    </p:spTree>
+  </p:cSld>
+  <p:clrMapOvr>
+    <a:masterClrMapping/>
+  </p:clrMapOvr>
+</p:sld>
+</file>
+
+<file path=ppt/slides/slide19.xml><?xml version="1.0" encoding="utf-8"?>
+<p:sld xmlns:a="http://schemas.openxmlformats.org/drawingml/2006/main" xmlns:r="http://schemas.openxmlformats.org/officeDocument/2006/relationships" xmlns:p="http://schemas.openxmlformats.org/presentationml/2006/main">
+  <p:cSld>
+    <p:spTree>
+      <p:nvGrpSpPr>
+        <p:cNvPr id="1" name=""/>
+        <p:cNvGrpSpPr/>
+        <p:nvPr/>
+      </p:nvGrpSpPr>
+      <p:grpSpPr>
+        <a:xfrm>
+          <a:off x="0" y="0"/>
+          <a:ext cx="0" cy="0"/>
+          <a:chOff x="0" y="0"/>
+          <a:chExt cx="0" cy="0"/>
+        </a:xfrm>
+      </p:grpSpPr>
+      <p:sp>
+        <p:nvSpPr>
+          <p:cNvPr id="2" name="Title 1"/>
+          <p:cNvSpPr>
+            <a:spLocks noGrp="1"/>
+          </p:cNvSpPr>
+          <p:nvPr>
+            <p:ph type="title"/>
+          </p:nvPr>
+        </p:nvSpPr>
+        <p:spPr>
+          <a:solidFill>
+            <a:srgbClr val="000000"/>
+          </a:solidFill>
+          <a:ln>
+            <a:solidFill>
+              <a:schemeClr val="accent1"/>
+            </a:solidFill>
+          </a:ln>
+        </p:spPr>
+        <p:txBody>
           <a:bodyPr/>
           <a:lstStyle/>
           <a:p>
-            <a:pPr>
-              <a:buNone/>
-            </a:pPr>
+            <a:r>
+              <a:rPr lang="en-US" dirty="0" smtClean="0"/>
+              <a:t>What Did We Learn?</a:t>
+            </a:r>
+            <a:endParaRPr lang="en-CA" dirty="0"/>
+          </a:p>
+        </p:txBody>
+      </p:sp>
+      <p:sp>
+        <p:nvSpPr>
+          <p:cNvPr id="3" name="Content Placeholder 2"/>
+          <p:cNvSpPr>
+            <a:spLocks noGrp="1"/>
+          </p:cNvSpPr>
+          <p:nvPr>
+            <p:ph idx="1"/>
+          </p:nvPr>
+        </p:nvSpPr>
+        <p:spPr>
+          <a:solidFill>
+            <a:srgbClr val="000000"/>
+          </a:solidFill>
+          <a:ln>
+            <a:solidFill>
+              <a:schemeClr val="accent1"/>
+            </a:solidFill>
+          </a:ln>
+        </p:spPr>
+        <p:txBody>
+          <a:bodyPr/>
+          <a:lstStyle/>
+          <a:p>
+            <a:r>
+              <a:rPr lang="en-US" dirty="0" smtClean="0"/>
+              <a:t>More experienced with Ruby on Rails</a:t>
+            </a:r>
+          </a:p>
+          <a:p>
             <a:r>
               <a:rPr lang="en-CA" dirty="0" smtClean="0"/>
-              <a:t>Thanks to the following:</a:t>
-            </a:r>
-          </a:p>
-          <a:p>
-            <a:pPr lvl="1"/>
+              <a:t>Improved </a:t>
+            </a:r>
             <a:r>
               <a:rPr lang="en-CA" dirty="0" smtClean="0"/>
-              <a:t>Customers: Sasha and Nan</a:t>
-            </a:r>
-          </a:p>
-          <a:p>
-            <a:pPr lvl="1"/>
-            <a:r>
-              <a:rPr lang="en-CA" dirty="0" err="1" smtClean="0"/>
-              <a:t>Youry</a:t>
-            </a:r>
+              <a:t>planning</a:t>
+            </a:r>
+          </a:p>
+          <a:p>
             <a:r>
               <a:rPr lang="en-CA" dirty="0" smtClean="0"/>
-              <a:t> </a:t>
-            </a:r>
-            <a:r>
-              <a:rPr lang="en-CA" dirty="0" err="1" smtClean="0"/>
-              <a:t>Khmelevsky</a:t>
-            </a:r>
-            <a:endParaRPr lang="en-CA" dirty="0" smtClean="0"/>
-          </a:p>
-          <a:p>
-            <a:pPr lvl="1"/>
-            <a:r>
-              <a:rPr lang="en-CA" dirty="0" smtClean="0"/>
-              <a:t>Dave </a:t>
-            </a:r>
-            <a:r>
-              <a:rPr lang="en-CA" dirty="0" err="1" smtClean="0"/>
-              <a:t>Goodall</a:t>
-            </a:r>
-            <a:endParaRPr lang="en-CA" dirty="0" smtClean="0"/>
-          </a:p>
-          <a:p>
-            <a:pPr lvl="1"/>
-            <a:r>
-              <a:rPr lang="en-CA" dirty="0" smtClean="0"/>
-              <a:t>Nokia</a:t>
-            </a:r>
+              <a:t>Hardware interfacing with drivers</a:t>
+            </a:r>
+            <a:endParaRPr lang="en-US" dirty="0" smtClean="0"/>
+          </a:p>
+          <a:p>
+            <a:endParaRPr lang="en-US" dirty="0" smtClean="0"/>
+          </a:p>
+          <a:p>
             <a:endParaRPr lang="en-CA" dirty="0"/>
           </a:p>
         </p:txBody>
@@ -6028,6 +7317,375 @@
       </p:par>
     </p:tnLst>
   </p:timing>
+</p:sld>
+</file>
+
+<file path=ppt/slides/slide20.xml><?xml version="1.0" encoding="utf-8"?>
+<p:sld xmlns:a="http://schemas.openxmlformats.org/drawingml/2006/main" xmlns:r="http://schemas.openxmlformats.org/officeDocument/2006/relationships" xmlns:p="http://schemas.openxmlformats.org/presentationml/2006/main">
+  <p:cSld>
+    <p:spTree>
+      <p:nvGrpSpPr>
+        <p:cNvPr id="1" name=""/>
+        <p:cNvGrpSpPr/>
+        <p:nvPr/>
+      </p:nvGrpSpPr>
+      <p:grpSpPr>
+        <a:xfrm>
+          <a:off x="0" y="0"/>
+          <a:ext cx="0" cy="0"/>
+          <a:chOff x="0" y="0"/>
+          <a:chExt cx="0" cy="0"/>
+        </a:xfrm>
+      </p:grpSpPr>
+      <p:sp>
+        <p:nvSpPr>
+          <p:cNvPr id="2" name="Title 1"/>
+          <p:cNvSpPr>
+            <a:spLocks noGrp="1"/>
+          </p:cNvSpPr>
+          <p:nvPr>
+            <p:ph type="title"/>
+          </p:nvPr>
+        </p:nvSpPr>
+        <p:spPr>
+          <a:solidFill>
+            <a:srgbClr val="000000"/>
+          </a:solidFill>
+          <a:ln>
+            <a:solidFill>
+              <a:schemeClr val="accent1"/>
+            </a:solidFill>
+          </a:ln>
+        </p:spPr>
+        <p:txBody>
+          <a:bodyPr/>
+          <a:lstStyle/>
+          <a:p>
+            <a:r>
+              <a:rPr lang="en-US" dirty="0" smtClean="0"/>
+              <a:t>Issues and Project Difficulties</a:t>
+            </a:r>
+            <a:endParaRPr lang="en-CA" dirty="0"/>
+          </a:p>
+        </p:txBody>
+      </p:sp>
+      <p:sp>
+        <p:nvSpPr>
+          <p:cNvPr id="3" name="Content Placeholder 2"/>
+          <p:cNvSpPr>
+            <a:spLocks noGrp="1"/>
+          </p:cNvSpPr>
+          <p:nvPr>
+            <p:ph idx="1"/>
+          </p:nvPr>
+        </p:nvSpPr>
+        <p:spPr>
+          <a:solidFill>
+            <a:srgbClr val="000000"/>
+          </a:solidFill>
+          <a:ln>
+            <a:solidFill>
+              <a:schemeClr val="accent1"/>
+            </a:solidFill>
+          </a:ln>
+        </p:spPr>
+        <p:txBody>
+          <a:bodyPr/>
+          <a:lstStyle/>
+          <a:p>
+            <a:r>
+              <a:rPr lang="en-US" dirty="0" smtClean="0"/>
+              <a:t>Time constraints</a:t>
+            </a:r>
+          </a:p>
+          <a:p>
+            <a:r>
+              <a:rPr lang="en-US" dirty="0" smtClean="0"/>
+              <a:t>Equipment </a:t>
+            </a:r>
+            <a:r>
+              <a:rPr lang="en-US" dirty="0" smtClean="0"/>
+              <a:t>delays</a:t>
+            </a:r>
+          </a:p>
+          <a:p>
+            <a:r>
+              <a:rPr lang="en-CA" dirty="0" smtClean="0"/>
+              <a:t>Customer communication issues</a:t>
+            </a:r>
+            <a:endParaRPr lang="en-CA" dirty="0"/>
+          </a:p>
+        </p:txBody>
+      </p:sp>
+    </p:spTree>
+  </p:cSld>
+  <p:clrMapOvr>
+    <a:masterClrMapping/>
+  </p:clrMapOvr>
+</p:sld>
+</file>
+
+<file path=ppt/slides/slide21.xml><?xml version="1.0" encoding="utf-8"?>
+<p:sld xmlns:a="http://schemas.openxmlformats.org/drawingml/2006/main" xmlns:r="http://schemas.openxmlformats.org/officeDocument/2006/relationships" xmlns:p="http://schemas.openxmlformats.org/presentationml/2006/main">
+  <p:cSld>
+    <p:spTree>
+      <p:nvGrpSpPr>
+        <p:cNvPr id="1" name=""/>
+        <p:cNvGrpSpPr/>
+        <p:nvPr/>
+      </p:nvGrpSpPr>
+      <p:grpSpPr>
+        <a:xfrm>
+          <a:off x="0" y="0"/>
+          <a:ext cx="0" cy="0"/>
+          <a:chOff x="0" y="0"/>
+          <a:chExt cx="0" cy="0"/>
+        </a:xfrm>
+      </p:grpSpPr>
+      <p:sp>
+        <p:nvSpPr>
+          <p:cNvPr id="2" name="Title 1"/>
+          <p:cNvSpPr>
+            <a:spLocks noGrp="1"/>
+          </p:cNvSpPr>
+          <p:nvPr>
+            <p:ph type="title"/>
+          </p:nvPr>
+        </p:nvSpPr>
+        <p:spPr>
+          <a:solidFill>
+            <a:srgbClr val="000000"/>
+          </a:solidFill>
+          <a:ln>
+            <a:solidFill>
+              <a:schemeClr val="accent1"/>
+            </a:solidFill>
+          </a:ln>
+        </p:spPr>
+        <p:txBody>
+          <a:bodyPr/>
+          <a:lstStyle/>
+          <a:p>
+            <a:r>
+              <a:rPr lang="en-US" dirty="0" smtClean="0"/>
+              <a:t>Summary</a:t>
+            </a:r>
+            <a:endParaRPr lang="en-CA" dirty="0"/>
+          </a:p>
+        </p:txBody>
+      </p:sp>
+      <p:sp>
+        <p:nvSpPr>
+          <p:cNvPr id="3" name="Content Placeholder 2"/>
+          <p:cNvSpPr>
+            <a:spLocks noGrp="1"/>
+          </p:cNvSpPr>
+          <p:nvPr>
+            <p:ph idx="1"/>
+          </p:nvPr>
+        </p:nvSpPr>
+        <p:spPr>
+          <a:solidFill>
+            <a:srgbClr val="000000"/>
+          </a:solidFill>
+          <a:ln>
+            <a:solidFill>
+              <a:schemeClr val="accent1"/>
+            </a:solidFill>
+          </a:ln>
+        </p:spPr>
+        <p:txBody>
+          <a:bodyPr/>
+          <a:lstStyle/>
+          <a:p>
+            <a:r>
+              <a:rPr lang="en-CA" dirty="0" smtClean="0"/>
+              <a:t>Automatic Telescope Control System</a:t>
+            </a:r>
+          </a:p>
+          <a:p>
+            <a:r>
+              <a:rPr lang="en-CA" dirty="0" smtClean="0"/>
+              <a:t>Can:</a:t>
+            </a:r>
+          </a:p>
+          <a:p>
+            <a:pPr lvl="1"/>
+            <a:r>
+              <a:rPr lang="en-CA" dirty="0" smtClean="0"/>
+              <a:t>Schedule telescope for future dates</a:t>
+            </a:r>
+          </a:p>
+          <a:p>
+            <a:pPr lvl="1"/>
+            <a:r>
+              <a:rPr lang="en-CA" dirty="0" smtClean="0"/>
+              <a:t>Capture images of that </a:t>
+            </a:r>
+            <a:r>
+              <a:rPr lang="en-CA" dirty="0" smtClean="0"/>
+              <a:t>area</a:t>
+            </a:r>
+          </a:p>
+          <a:p>
+            <a:pPr lvl="1"/>
+            <a:r>
+              <a:rPr lang="en-CA" dirty="0" smtClean="0"/>
+              <a:t>Automatically upload images to web server</a:t>
+            </a:r>
+            <a:endParaRPr lang="en-CA" dirty="0" smtClean="0"/>
+          </a:p>
+          <a:p>
+            <a:endParaRPr lang="en-CA" dirty="0"/>
+          </a:p>
+        </p:txBody>
+      </p:sp>
+    </p:spTree>
+  </p:cSld>
+  <p:clrMapOvr>
+    <a:masterClrMapping/>
+  </p:clrMapOvr>
+</p:sld>
+</file>
+
+<file path=ppt/slides/slide22.xml><?xml version="1.0" encoding="utf-8"?>
+<p:sld xmlns:a="http://schemas.openxmlformats.org/drawingml/2006/main" xmlns:r="http://schemas.openxmlformats.org/officeDocument/2006/relationships" xmlns:p="http://schemas.openxmlformats.org/presentationml/2006/main">
+  <p:cSld>
+    <p:spTree>
+      <p:nvGrpSpPr>
+        <p:cNvPr id="1" name=""/>
+        <p:cNvGrpSpPr/>
+        <p:nvPr/>
+      </p:nvGrpSpPr>
+      <p:grpSpPr>
+        <a:xfrm>
+          <a:off x="0" y="0"/>
+          <a:ext cx="0" cy="0"/>
+          <a:chOff x="0" y="0"/>
+          <a:chExt cx="0" cy="0"/>
+        </a:xfrm>
+      </p:grpSpPr>
+      <p:sp>
+        <p:nvSpPr>
+          <p:cNvPr id="2" name="Title 1"/>
+          <p:cNvSpPr>
+            <a:spLocks noGrp="1"/>
+          </p:cNvSpPr>
+          <p:nvPr>
+            <p:ph type="title"/>
+          </p:nvPr>
+        </p:nvSpPr>
+        <p:spPr>
+          <a:solidFill>
+            <a:srgbClr val="000000"/>
+          </a:solidFill>
+          <a:ln>
+            <a:solidFill>
+              <a:schemeClr val="accent1"/>
+            </a:solidFill>
+          </a:ln>
+        </p:spPr>
+        <p:txBody>
+          <a:bodyPr/>
+          <a:lstStyle/>
+          <a:p>
+            <a:r>
+              <a:rPr lang="en-US" dirty="0" smtClean="0"/>
+              <a:t>Acknowledgements</a:t>
+            </a:r>
+            <a:endParaRPr lang="en-CA" dirty="0"/>
+          </a:p>
+        </p:txBody>
+      </p:sp>
+      <p:sp>
+        <p:nvSpPr>
+          <p:cNvPr id="3" name="Content Placeholder 2"/>
+          <p:cNvSpPr>
+            <a:spLocks noGrp="1"/>
+          </p:cNvSpPr>
+          <p:nvPr>
+            <p:ph idx="1"/>
+          </p:nvPr>
+        </p:nvSpPr>
+        <p:spPr>
+          <a:solidFill>
+            <a:srgbClr val="000000"/>
+          </a:solidFill>
+          <a:ln>
+            <a:solidFill>
+              <a:schemeClr val="accent1"/>
+            </a:solidFill>
+          </a:ln>
+        </p:spPr>
+        <p:txBody>
+          <a:bodyPr/>
+          <a:lstStyle/>
+          <a:p>
+            <a:pPr>
+              <a:buNone/>
+            </a:pPr>
+            <a:r>
+              <a:rPr lang="en-CA" dirty="0" smtClean="0"/>
+              <a:t>Thanks to the following:</a:t>
+            </a:r>
+          </a:p>
+          <a:p>
+            <a:pPr lvl="1"/>
+            <a:r>
+              <a:rPr lang="en-CA" dirty="0" smtClean="0"/>
+              <a:t>Customers: Sasha and Nan</a:t>
+            </a:r>
+          </a:p>
+          <a:p>
+            <a:pPr lvl="1"/>
+            <a:r>
+              <a:rPr lang="en-CA" dirty="0" err="1" smtClean="0"/>
+              <a:t>Youry</a:t>
+            </a:r>
+            <a:r>
+              <a:rPr lang="en-CA" dirty="0" smtClean="0"/>
+              <a:t> </a:t>
+            </a:r>
+            <a:r>
+              <a:rPr lang="en-CA" dirty="0" err="1" smtClean="0"/>
+              <a:t>Khmelevsky</a:t>
+            </a:r>
+            <a:endParaRPr lang="en-CA" dirty="0" smtClean="0"/>
+          </a:p>
+          <a:p>
+            <a:pPr lvl="1"/>
+            <a:r>
+              <a:rPr lang="en-CA" dirty="0" smtClean="0"/>
+              <a:t>Dave </a:t>
+            </a:r>
+            <a:r>
+              <a:rPr lang="en-CA" dirty="0" err="1" smtClean="0"/>
+              <a:t>Goodall</a:t>
+            </a:r>
+            <a:endParaRPr lang="en-CA" dirty="0" smtClean="0"/>
+          </a:p>
+          <a:p>
+            <a:pPr lvl="1"/>
+            <a:r>
+              <a:rPr lang="en-CA" dirty="0" smtClean="0"/>
+              <a:t>Nokia</a:t>
+            </a:r>
+          </a:p>
+          <a:p>
+            <a:pPr lvl="1"/>
+            <a:r>
+              <a:rPr lang="en-CA" dirty="0" smtClean="0"/>
+              <a:t>Canon</a:t>
+            </a:r>
+            <a:endParaRPr lang="en-CA" dirty="0"/>
+          </a:p>
+        </p:txBody>
+      </p:sp>
+    </p:spTree>
+  </p:cSld>
+  <p:clrMapOvr>
+    <a:masterClrMapping/>
+  </p:clrMapOvr>
 </p:sld>
 </file>
 
@@ -6307,78 +7965,45 @@
           <a:p>
             <a:r>
               <a:rPr lang="en-US" dirty="0" smtClean="0"/>
-              <a:t>Hardware Used</a:t>
+              <a:t>Use Case Diagram</a:t>
             </a:r>
             <a:endParaRPr lang="en-CA" dirty="0"/>
           </a:p>
         </p:txBody>
       </p:sp>
-      <p:sp>
-        <p:nvSpPr>
-          <p:cNvPr id="3" name="Content Placeholder 2"/>
-          <p:cNvSpPr>
-            <a:spLocks noGrp="1"/>
-          </p:cNvSpPr>
+      <p:pic>
+        <p:nvPicPr>
+          <p:cNvPr id="1027" name="Picture 3" descr="C:\Documents and Settings\Robert Grmek\rails\documentation\Stargazer_UseCase.gif"/>
+          <p:cNvPicPr>
+            <a:picLocks noGrp="1" noChangeAspect="1" noChangeArrowheads="1"/>
+          </p:cNvPicPr>
           <p:nvPr>
             <p:ph idx="1"/>
           </p:nvPr>
-        </p:nvSpPr>
-        <p:spPr>
-          <a:solidFill>
-            <a:srgbClr val="000000"/>
-          </a:solidFill>
-          <a:ln>
-            <a:solidFill>
-              <a:schemeClr val="accent1"/>
-            </a:solidFill>
-          </a:ln>
+        </p:nvPicPr>
+        <p:blipFill>
+          <a:blip r:embed="rId3" cstate="print"/>
+          <a:srcRect/>
+          <a:stretch>
+            <a:fillRect/>
+          </a:stretch>
+        </p:blipFill>
+        <p:spPr bwMode="auto">
+          <a:xfrm>
+            <a:off x="1928794" y="1633152"/>
+            <a:ext cx="5166795" cy="5224848"/>
+          </a:xfrm>
+          <a:prstGeom prst="rect">
+            <a:avLst/>
+          </a:prstGeom>
+          <a:noFill/>
         </p:spPr>
-        <p:txBody>
-          <a:bodyPr/>
-          <a:lstStyle/>
-          <a:p>
-            <a:r>
-              <a:rPr lang="en-US" dirty="0" smtClean="0"/>
-              <a:t>Telescope: Meade ETX-60AT-TC</a:t>
-            </a:r>
-          </a:p>
-          <a:p>
-            <a:r>
-              <a:rPr lang="en-US" dirty="0" smtClean="0"/>
-              <a:t>Digital camera: Canon 30D</a:t>
-            </a:r>
-          </a:p>
-          <a:p>
-            <a:r>
-              <a:rPr lang="en-US" dirty="0" smtClean="0"/>
-              <a:t>Mobile device: Nokia N97, Apple </a:t>
-            </a:r>
-            <a:r>
-              <a:rPr lang="en-US" dirty="0" err="1" smtClean="0"/>
-              <a:t>iPhone</a:t>
-            </a:r>
-            <a:endParaRPr lang="en-US" dirty="0" smtClean="0"/>
-          </a:p>
-          <a:p>
-            <a:endParaRPr lang="en-US" dirty="0" smtClean="0"/>
-          </a:p>
-          <a:p>
-            <a:endParaRPr lang="en-CA" dirty="0"/>
-          </a:p>
-        </p:txBody>
-      </p:sp>
+      </p:pic>
     </p:spTree>
   </p:cSld>
   <p:clrMapOvr>
     <a:masterClrMapping/>
   </p:clrMapOvr>
-  <p:timing>
-    <p:tnLst>
-      <p:par>
-        <p:cTn id="1" dur="indefinite" restart="never" nodeType="tmRoot"/>
-      </p:par>
-    </p:tnLst>
-  </p:timing>
 </p:sld>
 </file>
 
@@ -6425,94 +8050,861 @@
           <a:p>
             <a:r>
               <a:rPr lang="en-US" dirty="0" smtClean="0"/>
-              <a:t>Software Used</a:t>
+              <a:t>Risk Management</a:t>
             </a:r>
             <a:endParaRPr lang="en-CA" dirty="0"/>
           </a:p>
         </p:txBody>
       </p:sp>
-      <p:sp>
-        <p:nvSpPr>
-          <p:cNvPr id="3" name="Content Placeholder 2"/>
-          <p:cNvSpPr>
-            <a:spLocks noGrp="1"/>
-          </p:cNvSpPr>
+      <p:graphicFrame>
+        <p:nvGraphicFramePr>
+          <p:cNvPr id="4" name="Content Placeholder 3"/>
+          <p:cNvGraphicFramePr>
+            <a:graphicFrameLocks noGrp="1"/>
+          </p:cNvGraphicFramePr>
           <p:nvPr>
             <p:ph idx="1"/>
           </p:nvPr>
-        </p:nvSpPr>
-        <p:spPr>
-          <a:solidFill>
-            <a:srgbClr val="000000"/>
-          </a:solidFill>
-          <a:ln>
-            <a:solidFill>
-              <a:schemeClr val="accent1"/>
-            </a:solidFill>
-          </a:ln>
-        </p:spPr>
-        <p:txBody>
-          <a:bodyPr/>
-          <a:lstStyle/>
-          <a:p>
-            <a:r>
-              <a:rPr lang="en-US" dirty="0" smtClean="0"/>
-              <a:t>Documentation: Microsoft Word, Project</a:t>
-            </a:r>
-          </a:p>
-          <a:p>
-            <a:r>
-              <a:rPr lang="en-US" dirty="0" smtClean="0"/>
-              <a:t>Modeling: Rational Rose</a:t>
-            </a:r>
-          </a:p>
-          <a:p>
-            <a:r>
-              <a:rPr lang="en-US" dirty="0" smtClean="0"/>
-              <a:t>Ruby on Rails IDE: </a:t>
-            </a:r>
-            <a:r>
-              <a:rPr lang="en-US" dirty="0" err="1" smtClean="0"/>
-              <a:t>RubyMine</a:t>
-            </a:r>
-            <a:endParaRPr lang="en-US" dirty="0" smtClean="0"/>
-          </a:p>
-          <a:p>
-            <a:r>
-              <a:rPr lang="en-CA" dirty="0" smtClean="0"/>
-              <a:t>C# IDE: Microsoft </a:t>
-            </a:r>
-            <a:r>
-              <a:rPr lang="en-CA" smtClean="0"/>
-              <a:t>Visual </a:t>
-            </a:r>
-            <a:r>
-              <a:rPr lang="en-CA" smtClean="0"/>
-              <a:t>Studio</a:t>
-            </a:r>
-            <a:endParaRPr lang="en-US" dirty="0" smtClean="0"/>
-          </a:p>
-          <a:p>
-            <a:pPr lvl="1"/>
-            <a:endParaRPr lang="en-US" dirty="0" smtClean="0"/>
-          </a:p>
-          <a:p>
-            <a:endParaRPr lang="en-CA" dirty="0"/>
-          </a:p>
-        </p:txBody>
-      </p:sp>
+        </p:nvGraphicFramePr>
+        <p:xfrm>
+          <a:off x="571472" y="1785926"/>
+          <a:ext cx="7972452" cy="4228469"/>
+        </p:xfrm>
+        <a:graphic>
+          <a:graphicData uri="http://schemas.openxmlformats.org/drawingml/2006/table">
+            <a:tbl>
+              <a:tblPr bandRow="1">
+                <a:tableStyleId>{125E5076-3810-47DD-B79F-674D7AD40C01}</a:tableStyleId>
+              </a:tblPr>
+              <a:tblGrid>
+                <a:gridCol w="1993113"/>
+                <a:gridCol w="1993113"/>
+                <a:gridCol w="1993113"/>
+                <a:gridCol w="1993113"/>
+              </a:tblGrid>
+              <a:tr h="198246">
+                <a:tc>
+                  <a:txBody>
+                    <a:bodyPr/>
+                    <a:lstStyle/>
+                    <a:p>
+                      <a:pPr marL="0" marR="0" algn="ctr">
+                        <a:lnSpc>
+                          <a:spcPct val="115000"/>
+                        </a:lnSpc>
+                        <a:spcBef>
+                          <a:spcPts val="0"/>
+                        </a:spcBef>
+                        <a:spcAft>
+                          <a:spcPts val="0"/>
+                        </a:spcAft>
+                      </a:pPr>
+                      <a:r>
+                        <a:rPr lang="en-US" sz="1200" dirty="0"/>
+                        <a:t>Risk</a:t>
+                      </a:r>
+                      <a:endParaRPr lang="en-US" sz="1100" dirty="0">
+                        <a:latin typeface="Calibri"/>
+                        <a:ea typeface="Times New Roman"/>
+                        <a:cs typeface="Times New Roman"/>
+                      </a:endParaRPr>
+                    </a:p>
+                  </a:txBody>
+                  <a:tcPr marL="68580" marR="68580" marT="0" marB="0" anchor="ctr"/>
+                </a:tc>
+                <a:tc>
+                  <a:txBody>
+                    <a:bodyPr/>
+                    <a:lstStyle/>
+                    <a:p>
+                      <a:pPr marL="0" marR="0" algn="ctr">
+                        <a:lnSpc>
+                          <a:spcPct val="115000"/>
+                        </a:lnSpc>
+                        <a:spcBef>
+                          <a:spcPts val="0"/>
+                        </a:spcBef>
+                        <a:spcAft>
+                          <a:spcPts val="0"/>
+                        </a:spcAft>
+                      </a:pPr>
+                      <a:r>
+                        <a:rPr lang="en-US" sz="1200"/>
+                        <a:t>Probability</a:t>
+                      </a:r>
+                      <a:endParaRPr lang="en-US" sz="1100">
+                        <a:latin typeface="Calibri"/>
+                        <a:ea typeface="Times New Roman"/>
+                        <a:cs typeface="Times New Roman"/>
+                      </a:endParaRPr>
+                    </a:p>
+                  </a:txBody>
+                  <a:tcPr marL="68580" marR="68580" marT="0" marB="0" anchor="ctr"/>
+                </a:tc>
+                <a:tc>
+                  <a:txBody>
+                    <a:bodyPr/>
+                    <a:lstStyle/>
+                    <a:p>
+                      <a:pPr marL="0" marR="0" algn="ctr">
+                        <a:lnSpc>
+                          <a:spcPct val="115000"/>
+                        </a:lnSpc>
+                        <a:spcBef>
+                          <a:spcPts val="0"/>
+                        </a:spcBef>
+                        <a:spcAft>
+                          <a:spcPts val="0"/>
+                        </a:spcAft>
+                      </a:pPr>
+                      <a:r>
+                        <a:rPr lang="en-US" sz="1200"/>
+                        <a:t>Effect</a:t>
+                      </a:r>
+                      <a:endParaRPr lang="en-US" sz="1100">
+                        <a:latin typeface="Calibri"/>
+                        <a:ea typeface="Times New Roman"/>
+                        <a:cs typeface="Times New Roman"/>
+                      </a:endParaRPr>
+                    </a:p>
+                  </a:txBody>
+                  <a:tcPr marL="68580" marR="68580" marT="0" marB="0" anchor="ctr"/>
+                </a:tc>
+                <a:tc>
+                  <a:txBody>
+                    <a:bodyPr/>
+                    <a:lstStyle/>
+                    <a:p>
+                      <a:pPr marL="0" marR="0" algn="ctr">
+                        <a:lnSpc>
+                          <a:spcPct val="115000"/>
+                        </a:lnSpc>
+                        <a:spcBef>
+                          <a:spcPts val="0"/>
+                        </a:spcBef>
+                        <a:spcAft>
+                          <a:spcPts val="0"/>
+                        </a:spcAft>
+                      </a:pPr>
+                      <a:r>
+                        <a:rPr lang="en-US" sz="1200" dirty="0"/>
+                        <a:t> Solution</a:t>
+                      </a:r>
+                      <a:endParaRPr lang="en-US" sz="1100" dirty="0">
+                        <a:latin typeface="Calibri"/>
+                        <a:ea typeface="Times New Roman"/>
+                        <a:cs typeface="Times New Roman"/>
+                      </a:endParaRPr>
+                    </a:p>
+                  </a:txBody>
+                  <a:tcPr marL="68580" marR="68580" marT="0" marB="0" anchor="ctr"/>
+                </a:tc>
+              </a:tr>
+              <a:tr h="380851">
+                <a:tc>
+                  <a:txBody>
+                    <a:bodyPr/>
+                    <a:lstStyle/>
+                    <a:p>
+                      <a:pPr marL="0" marR="0">
+                        <a:lnSpc>
+                          <a:spcPct val="115000"/>
+                        </a:lnSpc>
+                        <a:spcBef>
+                          <a:spcPts val="0"/>
+                        </a:spcBef>
+                        <a:spcAft>
+                          <a:spcPts val="0"/>
+                        </a:spcAft>
+                      </a:pPr>
+                      <a:r>
+                        <a:rPr lang="en-US" sz="1200"/>
+                        <a:t>Underestimate the time the project will take.</a:t>
+                      </a:r>
+                      <a:endParaRPr lang="en-US" sz="1100">
+                        <a:latin typeface="Calibri"/>
+                        <a:ea typeface="Times New Roman"/>
+                        <a:cs typeface="Times New Roman"/>
+                      </a:endParaRPr>
+                    </a:p>
+                  </a:txBody>
+                  <a:tcPr marL="68580" marR="68580" marT="0" marB="0" anchor="ctr"/>
+                </a:tc>
+                <a:tc>
+                  <a:txBody>
+                    <a:bodyPr/>
+                    <a:lstStyle/>
+                    <a:p>
+                      <a:pPr marL="0" marR="0">
+                        <a:lnSpc>
+                          <a:spcPct val="115000"/>
+                        </a:lnSpc>
+                        <a:spcBef>
+                          <a:spcPts val="0"/>
+                        </a:spcBef>
+                        <a:spcAft>
+                          <a:spcPts val="0"/>
+                        </a:spcAft>
+                      </a:pPr>
+                      <a:r>
+                        <a:rPr lang="en-US" sz="1200"/>
+                        <a:t>Medium to high.</a:t>
+                      </a:r>
+                      <a:endParaRPr lang="en-US" sz="1100">
+                        <a:latin typeface="Calibri"/>
+                        <a:ea typeface="Times New Roman"/>
+                        <a:cs typeface="Times New Roman"/>
+                      </a:endParaRPr>
+                    </a:p>
+                  </a:txBody>
+                  <a:tcPr marL="68580" marR="68580" marT="0" marB="0" anchor="ctr"/>
+                </a:tc>
+                <a:tc>
+                  <a:txBody>
+                    <a:bodyPr/>
+                    <a:lstStyle/>
+                    <a:p>
+                      <a:pPr marL="0" marR="0">
+                        <a:lnSpc>
+                          <a:spcPct val="115000"/>
+                        </a:lnSpc>
+                        <a:spcBef>
+                          <a:spcPts val="0"/>
+                        </a:spcBef>
+                        <a:spcAft>
+                          <a:spcPts val="0"/>
+                        </a:spcAft>
+                      </a:pPr>
+                      <a:r>
+                        <a:rPr lang="en-US" sz="1200"/>
+                        <a:t>Serious – we run out of time.</a:t>
+                      </a:r>
+                      <a:endParaRPr lang="en-US" sz="1100">
+                        <a:latin typeface="Calibri"/>
+                        <a:ea typeface="Times New Roman"/>
+                        <a:cs typeface="Times New Roman"/>
+                      </a:endParaRPr>
+                    </a:p>
+                  </a:txBody>
+                  <a:tcPr marL="68580" marR="68580" marT="0" marB="0" anchor="ctr"/>
+                </a:tc>
+                <a:tc>
+                  <a:txBody>
+                    <a:bodyPr/>
+                    <a:lstStyle/>
+                    <a:p>
+                      <a:pPr marL="0" marR="0">
+                        <a:lnSpc>
+                          <a:spcPct val="115000"/>
+                        </a:lnSpc>
+                        <a:spcBef>
+                          <a:spcPts val="0"/>
+                        </a:spcBef>
+                        <a:spcAft>
+                          <a:spcPts val="0"/>
+                        </a:spcAft>
+                      </a:pPr>
+                      <a:r>
+                        <a:rPr lang="en-US" sz="1200" dirty="0"/>
+                        <a:t>Remove non-essential features.</a:t>
+                      </a:r>
+                      <a:endParaRPr lang="en-US" sz="1100" dirty="0">
+                        <a:latin typeface="Calibri"/>
+                        <a:ea typeface="Times New Roman"/>
+                        <a:cs typeface="Times New Roman"/>
+                      </a:endParaRPr>
+                    </a:p>
+                  </a:txBody>
+                  <a:tcPr marL="68580" marR="68580" marT="0" marB="0" anchor="ctr"/>
+                </a:tc>
+              </a:tr>
+              <a:tr h="577602">
+                <a:tc>
+                  <a:txBody>
+                    <a:bodyPr/>
+                    <a:lstStyle/>
+                    <a:p>
+                      <a:pPr marL="0" marR="0">
+                        <a:lnSpc>
+                          <a:spcPct val="115000"/>
+                        </a:lnSpc>
+                        <a:spcBef>
+                          <a:spcPts val="0"/>
+                        </a:spcBef>
+                        <a:spcAft>
+                          <a:spcPts val="0"/>
+                        </a:spcAft>
+                      </a:pPr>
+                      <a:r>
+                        <a:rPr lang="en-US" sz="1200" dirty="0"/>
+                        <a:t>Scheduling conflicts between team members.</a:t>
+                      </a:r>
+                      <a:endParaRPr lang="en-US" sz="1100" dirty="0">
+                        <a:latin typeface="Calibri"/>
+                        <a:ea typeface="Times New Roman"/>
+                        <a:cs typeface="Times New Roman"/>
+                      </a:endParaRPr>
+                    </a:p>
+                  </a:txBody>
+                  <a:tcPr marL="68580" marR="68580" marT="0" marB="0" anchor="ctr"/>
+                </a:tc>
+                <a:tc>
+                  <a:txBody>
+                    <a:bodyPr/>
+                    <a:lstStyle/>
+                    <a:p>
+                      <a:pPr marL="0" marR="0">
+                        <a:lnSpc>
+                          <a:spcPct val="115000"/>
+                        </a:lnSpc>
+                        <a:spcBef>
+                          <a:spcPts val="0"/>
+                        </a:spcBef>
+                        <a:spcAft>
+                          <a:spcPts val="0"/>
+                        </a:spcAft>
+                      </a:pPr>
+                      <a:r>
+                        <a:rPr lang="en-US" sz="1200"/>
+                        <a:t>Low to medium.</a:t>
+                      </a:r>
+                      <a:endParaRPr lang="en-US" sz="1100">
+                        <a:latin typeface="Calibri"/>
+                        <a:ea typeface="Times New Roman"/>
+                        <a:cs typeface="Times New Roman"/>
+                      </a:endParaRPr>
+                    </a:p>
+                  </a:txBody>
+                  <a:tcPr marL="68580" marR="68580" marT="0" marB="0" anchor="ctr"/>
+                </a:tc>
+                <a:tc>
+                  <a:txBody>
+                    <a:bodyPr/>
+                    <a:lstStyle/>
+                    <a:p>
+                      <a:pPr marL="0" marR="0">
+                        <a:lnSpc>
+                          <a:spcPct val="115000"/>
+                        </a:lnSpc>
+                        <a:spcBef>
+                          <a:spcPts val="0"/>
+                        </a:spcBef>
+                        <a:spcAft>
+                          <a:spcPts val="0"/>
+                        </a:spcAft>
+                      </a:pPr>
+                      <a:r>
+                        <a:rPr lang="en-US" sz="1200"/>
+                        <a:t>Serious – Individual programming is not XP programming.</a:t>
+                      </a:r>
+                      <a:endParaRPr lang="en-US" sz="1100">
+                        <a:latin typeface="Calibri"/>
+                        <a:ea typeface="Times New Roman"/>
+                        <a:cs typeface="Times New Roman"/>
+                      </a:endParaRPr>
+                    </a:p>
+                  </a:txBody>
+                  <a:tcPr marL="68580" marR="68580" marT="0" marB="0" anchor="ctr"/>
+                </a:tc>
+                <a:tc>
+                  <a:txBody>
+                    <a:bodyPr/>
+                    <a:lstStyle/>
+                    <a:p>
+                      <a:pPr marL="0" marR="0">
+                        <a:lnSpc>
+                          <a:spcPct val="115000"/>
+                        </a:lnSpc>
+                        <a:spcBef>
+                          <a:spcPts val="0"/>
+                        </a:spcBef>
+                        <a:spcAft>
+                          <a:spcPts val="0"/>
+                        </a:spcAft>
+                      </a:pPr>
+                      <a:r>
+                        <a:rPr lang="en-US" sz="1200" dirty="0"/>
+                        <a:t>Schedule well before hand.</a:t>
+                      </a:r>
+                      <a:endParaRPr lang="en-US" sz="1100" dirty="0">
+                        <a:latin typeface="Calibri"/>
+                        <a:ea typeface="Times New Roman"/>
+                        <a:cs typeface="Times New Roman"/>
+                      </a:endParaRPr>
+                    </a:p>
+                  </a:txBody>
+                  <a:tcPr marL="68580" marR="68580" marT="0" marB="0" anchor="ctr"/>
+                </a:tc>
+              </a:tr>
+              <a:tr h="380851">
+                <a:tc>
+                  <a:txBody>
+                    <a:bodyPr/>
+                    <a:lstStyle/>
+                    <a:p>
+                      <a:pPr marL="0" marR="0">
+                        <a:lnSpc>
+                          <a:spcPct val="115000"/>
+                        </a:lnSpc>
+                        <a:spcBef>
+                          <a:spcPts val="0"/>
+                        </a:spcBef>
+                        <a:spcAft>
+                          <a:spcPts val="0"/>
+                        </a:spcAft>
+                      </a:pPr>
+                      <a:r>
+                        <a:rPr lang="en-US" sz="1200" dirty="0"/>
+                        <a:t>Server or technical issues.</a:t>
+                      </a:r>
+                      <a:endParaRPr lang="en-US" sz="1100" dirty="0">
+                        <a:latin typeface="Calibri"/>
+                        <a:ea typeface="Times New Roman"/>
+                        <a:cs typeface="Times New Roman"/>
+                      </a:endParaRPr>
+                    </a:p>
+                  </a:txBody>
+                  <a:tcPr marL="68580" marR="68580" marT="0" marB="0" anchor="ctr"/>
+                </a:tc>
+                <a:tc>
+                  <a:txBody>
+                    <a:bodyPr/>
+                    <a:lstStyle/>
+                    <a:p>
+                      <a:pPr marL="0" marR="0">
+                        <a:lnSpc>
+                          <a:spcPct val="115000"/>
+                        </a:lnSpc>
+                        <a:spcBef>
+                          <a:spcPts val="0"/>
+                        </a:spcBef>
+                        <a:spcAft>
+                          <a:spcPts val="0"/>
+                        </a:spcAft>
+                      </a:pPr>
+                      <a:r>
+                        <a:rPr lang="en-US" sz="1200"/>
+                        <a:t>Low to medium.</a:t>
+                      </a:r>
+                      <a:endParaRPr lang="en-US" sz="1100">
+                        <a:latin typeface="Calibri"/>
+                        <a:ea typeface="Times New Roman"/>
+                        <a:cs typeface="Times New Roman"/>
+                      </a:endParaRPr>
+                    </a:p>
+                  </a:txBody>
+                  <a:tcPr marL="68580" marR="68580" marT="0" marB="0" anchor="ctr"/>
+                </a:tc>
+                <a:tc>
+                  <a:txBody>
+                    <a:bodyPr/>
+                    <a:lstStyle/>
+                    <a:p>
+                      <a:pPr marL="0" marR="0">
+                        <a:lnSpc>
+                          <a:spcPct val="115000"/>
+                        </a:lnSpc>
+                        <a:spcBef>
+                          <a:spcPts val="0"/>
+                        </a:spcBef>
+                        <a:spcAft>
+                          <a:spcPts val="0"/>
+                        </a:spcAft>
+                      </a:pPr>
+                      <a:r>
+                        <a:rPr lang="en-US" sz="1200"/>
+                        <a:t>Catastrophic – May lose work.</a:t>
+                      </a:r>
+                      <a:endParaRPr lang="en-US" sz="1100">
+                        <a:latin typeface="Calibri"/>
+                        <a:ea typeface="Times New Roman"/>
+                        <a:cs typeface="Times New Roman"/>
+                      </a:endParaRPr>
+                    </a:p>
+                  </a:txBody>
+                  <a:tcPr marL="68580" marR="68580" marT="0" marB="0" anchor="ctr"/>
+                </a:tc>
+                <a:tc>
+                  <a:txBody>
+                    <a:bodyPr/>
+                    <a:lstStyle/>
+                    <a:p>
+                      <a:pPr marL="0" marR="0">
+                        <a:lnSpc>
+                          <a:spcPct val="115000"/>
+                        </a:lnSpc>
+                        <a:spcBef>
+                          <a:spcPts val="0"/>
+                        </a:spcBef>
+                        <a:spcAft>
+                          <a:spcPts val="0"/>
+                        </a:spcAft>
+                      </a:pPr>
+                      <a:r>
+                        <a:rPr lang="en-US" sz="1200" dirty="0"/>
+                        <a:t>Backup regularly; use a versioning control system.</a:t>
+                      </a:r>
+                      <a:endParaRPr lang="en-US" sz="1100" dirty="0">
+                        <a:latin typeface="Calibri"/>
+                        <a:ea typeface="Times New Roman"/>
+                        <a:cs typeface="Times New Roman"/>
+                      </a:endParaRPr>
+                    </a:p>
+                  </a:txBody>
+                  <a:tcPr marL="68580" marR="68580" marT="0" marB="0" anchor="ctr"/>
+                </a:tc>
+              </a:tr>
+              <a:tr h="577602">
+                <a:tc>
+                  <a:txBody>
+                    <a:bodyPr/>
+                    <a:lstStyle/>
+                    <a:p>
+                      <a:pPr marL="0" marR="0">
+                        <a:lnSpc>
+                          <a:spcPct val="115000"/>
+                        </a:lnSpc>
+                        <a:spcBef>
+                          <a:spcPts val="0"/>
+                        </a:spcBef>
+                        <a:spcAft>
+                          <a:spcPts val="0"/>
+                        </a:spcAft>
+                      </a:pPr>
+                      <a:r>
+                        <a:rPr lang="en-US" sz="1200" dirty="0"/>
+                        <a:t>Lack of time at end of semester</a:t>
+                      </a:r>
+                      <a:endParaRPr lang="en-US" sz="1100" dirty="0">
+                        <a:latin typeface="Calibri"/>
+                        <a:ea typeface="Times New Roman"/>
+                        <a:cs typeface="Times New Roman"/>
+                      </a:endParaRPr>
+                    </a:p>
+                  </a:txBody>
+                  <a:tcPr marL="68580" marR="68580" marT="0" marB="0" anchor="ctr"/>
+                </a:tc>
+                <a:tc>
+                  <a:txBody>
+                    <a:bodyPr/>
+                    <a:lstStyle/>
+                    <a:p>
+                      <a:pPr marL="0" marR="0">
+                        <a:lnSpc>
+                          <a:spcPct val="115000"/>
+                        </a:lnSpc>
+                        <a:spcBef>
+                          <a:spcPts val="0"/>
+                        </a:spcBef>
+                        <a:spcAft>
+                          <a:spcPts val="0"/>
+                        </a:spcAft>
+                      </a:pPr>
+                      <a:r>
+                        <a:rPr lang="en-US" sz="1200" dirty="0"/>
+                        <a:t>High.</a:t>
+                      </a:r>
+                      <a:endParaRPr lang="en-US" sz="1100" dirty="0">
+                        <a:latin typeface="Calibri"/>
+                        <a:ea typeface="Times New Roman"/>
+                        <a:cs typeface="Times New Roman"/>
+                      </a:endParaRPr>
+                    </a:p>
+                  </a:txBody>
+                  <a:tcPr marL="68580" marR="68580" marT="0" marB="0" anchor="ctr"/>
+                </a:tc>
+                <a:tc>
+                  <a:txBody>
+                    <a:bodyPr/>
+                    <a:lstStyle/>
+                    <a:p>
+                      <a:pPr marL="0" marR="0">
+                        <a:lnSpc>
+                          <a:spcPct val="115000"/>
+                        </a:lnSpc>
+                        <a:spcBef>
+                          <a:spcPts val="0"/>
+                        </a:spcBef>
+                        <a:spcAft>
+                          <a:spcPts val="0"/>
+                        </a:spcAft>
+                      </a:pPr>
+                      <a:r>
+                        <a:rPr lang="en-US" sz="1200"/>
+                        <a:t>Tolerable – Reduced ability to work outside of class/lab time.</a:t>
+                      </a:r>
+                      <a:endParaRPr lang="en-US" sz="1100">
+                        <a:latin typeface="Calibri"/>
+                        <a:ea typeface="Times New Roman"/>
+                        <a:cs typeface="Times New Roman"/>
+                      </a:endParaRPr>
+                    </a:p>
+                  </a:txBody>
+                  <a:tcPr marL="68580" marR="68580" marT="0" marB="0" anchor="ctr"/>
+                </a:tc>
+                <a:tc>
+                  <a:txBody>
+                    <a:bodyPr/>
+                    <a:lstStyle/>
+                    <a:p>
+                      <a:pPr marL="0" marR="0">
+                        <a:lnSpc>
+                          <a:spcPct val="115000"/>
+                        </a:lnSpc>
+                        <a:spcBef>
+                          <a:spcPts val="0"/>
+                        </a:spcBef>
+                        <a:spcAft>
+                          <a:spcPts val="0"/>
+                        </a:spcAft>
+                      </a:pPr>
+                      <a:r>
+                        <a:rPr lang="en-US" sz="1200" dirty="0"/>
+                        <a:t>Use class/lab time as productively as possible.</a:t>
+                      </a:r>
+                      <a:endParaRPr lang="en-US" sz="1100" dirty="0">
+                        <a:latin typeface="Calibri"/>
+                        <a:ea typeface="Times New Roman"/>
+                        <a:cs typeface="Times New Roman"/>
+                      </a:endParaRPr>
+                    </a:p>
+                  </a:txBody>
+                  <a:tcPr marL="68580" marR="68580" marT="0" marB="0" anchor="ctr"/>
+                </a:tc>
+              </a:tr>
+              <a:tr h="863477">
+                <a:tc>
+                  <a:txBody>
+                    <a:bodyPr/>
+                    <a:lstStyle/>
+                    <a:p>
+                      <a:pPr marL="0" marR="0">
+                        <a:lnSpc>
+                          <a:spcPct val="115000"/>
+                        </a:lnSpc>
+                        <a:spcBef>
+                          <a:spcPts val="0"/>
+                        </a:spcBef>
+                        <a:spcAft>
+                          <a:spcPts val="0"/>
+                        </a:spcAft>
+                      </a:pPr>
+                      <a:r>
+                        <a:rPr lang="en-US" sz="1200" dirty="0"/>
+                        <a:t>Client unavailable or unresponsive.</a:t>
+                      </a:r>
+                      <a:endParaRPr lang="en-US" sz="1100" dirty="0">
+                        <a:latin typeface="Calibri"/>
+                        <a:ea typeface="Times New Roman"/>
+                        <a:cs typeface="Times New Roman"/>
+                      </a:endParaRPr>
+                    </a:p>
+                  </a:txBody>
+                  <a:tcPr marL="68580" marR="68580" marT="0" marB="0" anchor="ctr"/>
+                </a:tc>
+                <a:tc>
+                  <a:txBody>
+                    <a:bodyPr/>
+                    <a:lstStyle/>
+                    <a:p>
+                      <a:pPr marL="0" marR="0">
+                        <a:lnSpc>
+                          <a:spcPct val="115000"/>
+                        </a:lnSpc>
+                        <a:spcBef>
+                          <a:spcPts val="0"/>
+                        </a:spcBef>
+                        <a:spcAft>
+                          <a:spcPts val="0"/>
+                        </a:spcAft>
+                      </a:pPr>
+                      <a:r>
+                        <a:rPr lang="en-US" sz="1200" dirty="0"/>
+                        <a:t>Medium.</a:t>
+                      </a:r>
+                      <a:endParaRPr lang="en-US" sz="1100" dirty="0">
+                        <a:latin typeface="Calibri"/>
+                        <a:ea typeface="Times New Roman"/>
+                        <a:cs typeface="Times New Roman"/>
+                      </a:endParaRPr>
+                    </a:p>
+                  </a:txBody>
+                  <a:tcPr marL="68580" marR="68580" marT="0" marB="0" anchor="ctr"/>
+                </a:tc>
+                <a:tc>
+                  <a:txBody>
+                    <a:bodyPr/>
+                    <a:lstStyle/>
+                    <a:p>
+                      <a:pPr marL="0" marR="0">
+                        <a:lnSpc>
+                          <a:spcPct val="115000"/>
+                        </a:lnSpc>
+                        <a:spcBef>
+                          <a:spcPts val="0"/>
+                        </a:spcBef>
+                        <a:spcAft>
+                          <a:spcPts val="0"/>
+                        </a:spcAft>
+                      </a:pPr>
+                      <a:r>
+                        <a:rPr lang="en-US" sz="1200" dirty="0"/>
+                        <a:t>Catastrophic – No customer input.</a:t>
+                      </a:r>
+                      <a:endParaRPr lang="en-US" sz="1100" dirty="0">
+                        <a:latin typeface="Calibri"/>
+                        <a:ea typeface="Times New Roman"/>
+                        <a:cs typeface="Times New Roman"/>
+                      </a:endParaRPr>
+                    </a:p>
+                  </a:txBody>
+                  <a:tcPr marL="68580" marR="68580" marT="0" marB="0" anchor="ctr"/>
+                </a:tc>
+                <a:tc>
+                  <a:txBody>
+                    <a:bodyPr/>
+                    <a:lstStyle/>
+                    <a:p>
+                      <a:pPr marL="0" marR="0">
+                        <a:lnSpc>
+                          <a:spcPct val="115000"/>
+                        </a:lnSpc>
+                        <a:spcBef>
+                          <a:spcPts val="0"/>
+                        </a:spcBef>
+                        <a:spcAft>
+                          <a:spcPts val="0"/>
+                        </a:spcAft>
+                      </a:pPr>
+                      <a:r>
+                        <a:rPr lang="en-US" sz="1200" dirty="0"/>
+                        <a:t>Use alternative methods of communication (phone or email). </a:t>
+                      </a:r>
+                      <a:endParaRPr lang="en-US" sz="1100" dirty="0">
+                        <a:latin typeface="Calibri"/>
+                        <a:ea typeface="Times New Roman"/>
+                        <a:cs typeface="Times New Roman"/>
+                      </a:endParaRPr>
+                    </a:p>
+                  </a:txBody>
+                  <a:tcPr marL="68580" marR="68580" marT="0" marB="0" anchor="ctr"/>
+                </a:tc>
+              </a:tr>
+              <a:tr h="863477">
+                <a:tc>
+                  <a:txBody>
+                    <a:bodyPr/>
+                    <a:lstStyle/>
+                    <a:p>
+                      <a:pPr>
+                        <a:lnSpc>
+                          <a:spcPct val="115000"/>
+                        </a:lnSpc>
+                        <a:spcAft>
+                          <a:spcPts val="0"/>
+                        </a:spcAft>
+                      </a:pPr>
+                      <a:r>
+                        <a:rPr lang="en-US" sz="1200" dirty="0"/>
+                        <a:t>Not receiving equipment necessary to complete project.</a:t>
+                      </a:r>
+                      <a:endParaRPr lang="en-US" sz="1100" dirty="0">
+                        <a:latin typeface="Calibri"/>
+                        <a:ea typeface="Times New Roman"/>
+                        <a:cs typeface="Times New Roman"/>
+                      </a:endParaRPr>
+                    </a:p>
+                  </a:txBody>
+                  <a:tcPr marL="68580" marR="68580" marT="0" marB="0" anchor="ctr"/>
+                </a:tc>
+                <a:tc>
+                  <a:txBody>
+                    <a:bodyPr/>
+                    <a:lstStyle/>
+                    <a:p>
+                      <a:pPr>
+                        <a:lnSpc>
+                          <a:spcPct val="115000"/>
+                        </a:lnSpc>
+                        <a:spcAft>
+                          <a:spcPts val="0"/>
+                        </a:spcAft>
+                      </a:pPr>
+                      <a:r>
+                        <a:rPr lang="en-US" sz="1200"/>
+                        <a:t>Medium.</a:t>
+                      </a:r>
+                      <a:endParaRPr lang="en-US" sz="1100">
+                        <a:latin typeface="Calibri"/>
+                        <a:ea typeface="Times New Roman"/>
+                        <a:cs typeface="Times New Roman"/>
+                      </a:endParaRPr>
+                    </a:p>
+                  </a:txBody>
+                  <a:tcPr marL="68580" marR="68580" marT="0" marB="0" anchor="ctr"/>
+                </a:tc>
+                <a:tc>
+                  <a:txBody>
+                    <a:bodyPr/>
+                    <a:lstStyle/>
+                    <a:p>
+                      <a:pPr>
+                        <a:lnSpc>
+                          <a:spcPct val="115000"/>
+                        </a:lnSpc>
+                        <a:spcAft>
+                          <a:spcPts val="0"/>
+                        </a:spcAft>
+                      </a:pPr>
+                      <a:r>
+                        <a:rPr lang="en-US" sz="1200"/>
+                        <a:t>Catastrophic – Not able to complete project to requirements.</a:t>
+                      </a:r>
+                      <a:endParaRPr lang="en-US" sz="1100">
+                        <a:latin typeface="Calibri"/>
+                        <a:ea typeface="Times New Roman"/>
+                        <a:cs typeface="Times New Roman"/>
+                      </a:endParaRPr>
+                    </a:p>
+                  </a:txBody>
+                  <a:tcPr marL="68580" marR="68580" marT="0" marB="0" anchor="ctr"/>
+                </a:tc>
+                <a:tc>
+                  <a:txBody>
+                    <a:bodyPr/>
+                    <a:lstStyle/>
+                    <a:p>
+                      <a:pPr>
+                        <a:lnSpc>
+                          <a:spcPct val="115000"/>
+                        </a:lnSpc>
+                        <a:spcAft>
+                          <a:spcPts val="0"/>
+                        </a:spcAft>
+                      </a:pPr>
+                      <a:r>
+                        <a:rPr lang="en-US" sz="1200" dirty="0"/>
+                        <a:t>Use alternative devices (such as a different digital camera) and try to use a generalized solution that should work for both devices.</a:t>
+                      </a:r>
+                      <a:endParaRPr lang="en-US" sz="1100" dirty="0">
+                        <a:latin typeface="Calibri"/>
+                        <a:ea typeface="Times New Roman"/>
+                        <a:cs typeface="Times New Roman"/>
+                      </a:endParaRPr>
+                    </a:p>
+                  </a:txBody>
+                  <a:tcPr marL="68580" marR="68580" marT="0" marB="0" anchor="ctr"/>
+                </a:tc>
+              </a:tr>
+            </a:tbl>
+          </a:graphicData>
+        </a:graphic>
+      </p:graphicFrame>
     </p:spTree>
   </p:cSld>
   <p:clrMapOvr>
     <a:masterClrMapping/>
   </p:clrMapOvr>
-  <p:timing>
-    <p:tnLst>
-      <p:par>
-        <p:cTn id="1" dur="indefinite" restart="never" nodeType="tmRoot"/>
-      </p:par>
-    </p:tnLst>
-  </p:timing>
 </p:sld>
 </file>
 
@@ -6552,24 +8944,14 @@
               <a:schemeClr val="accent1"/>
             </a:solidFill>
           </a:ln>
-          <a:effectLst>
-            <a:glow rad="63500">
-              <a:schemeClr val="accent1">
-                <a:satMod val="175000"/>
-                <a:alpha val="40000"/>
-              </a:schemeClr>
-            </a:glow>
-          </a:effectLst>
         </p:spPr>
         <p:txBody>
-          <a:bodyPr>
-            <a:normAutofit fontScale="90000"/>
-          </a:bodyPr>
-          <a:lstStyle/>
-          <a:p>
-            <a:r>
-              <a:rPr lang="en-US" dirty="0" smtClean="0"/>
-              <a:t>Software Development Methodology</a:t>
+          <a:bodyPr/>
+          <a:lstStyle/>
+          <a:p>
+            <a:r>
+              <a:rPr lang="en-US" dirty="0" smtClean="0"/>
+              <a:t>Hardware Used</a:t>
             </a:r>
             <a:endParaRPr lang="en-CA" dirty="0"/>
           </a:p>
@@ -6586,10 +8968,6 @@
           </p:nvPr>
         </p:nvSpPr>
         <p:spPr>
-          <a:xfrm>
-            <a:off x="457200" y="1600201"/>
-            <a:ext cx="8229600" cy="4472006"/>
-          </a:xfrm>
           <a:solidFill>
             <a:srgbClr val="000000"/>
           </a:solidFill>
@@ -6598,38 +8976,37 @@
               <a:schemeClr val="accent1"/>
             </a:solidFill>
           </a:ln>
-          <a:effectLst>
-            <a:glow rad="63500">
-              <a:schemeClr val="accent1">
-                <a:satMod val="175000"/>
-                <a:alpha val="40000"/>
-              </a:schemeClr>
-            </a:glow>
-            <a:outerShdw blurRad="107950" dist="12700" dir="5400000" algn="ctr">
-              <a:srgbClr val="000000"/>
-            </a:outerShdw>
-          </a:effectLst>
         </p:spPr>
         <p:txBody>
-          <a:bodyPr>
-            <a:normAutofit/>
-          </a:bodyPr>
-          <a:lstStyle/>
-          <a:p>
-            <a:r>
-              <a:rPr lang="en-CA" dirty="0" err="1" smtClean="0"/>
-              <a:t>Xtreme</a:t>
-            </a:r>
-            <a:r>
-              <a:rPr lang="en-CA" dirty="0" smtClean="0"/>
-              <a:t> Programming</a:t>
-            </a:r>
-          </a:p>
-          <a:p>
-            <a:r>
-              <a:rPr lang="en-CA" dirty="0" smtClean="0"/>
-              <a:t>Rational Unified Process</a:t>
-            </a:r>
+          <a:bodyPr/>
+          <a:lstStyle/>
+          <a:p>
+            <a:r>
+              <a:rPr lang="en-US" dirty="0" smtClean="0"/>
+              <a:t>Telescope: Meade ETX-60AT-TC</a:t>
+            </a:r>
+          </a:p>
+          <a:p>
+            <a:r>
+              <a:rPr lang="en-US" dirty="0" smtClean="0"/>
+              <a:t>Digital camera: Canon 30D</a:t>
+            </a:r>
+          </a:p>
+          <a:p>
+            <a:r>
+              <a:rPr lang="en-US" dirty="0" smtClean="0"/>
+              <a:t>Mobile device: Nokia N97, Apple </a:t>
+            </a:r>
+            <a:r>
+              <a:rPr lang="en-US" dirty="0" err="1" smtClean="0"/>
+              <a:t>iPhone</a:t>
+            </a:r>
+            <a:endParaRPr lang="en-US" dirty="0" smtClean="0"/>
+          </a:p>
+          <a:p>
+            <a:endParaRPr lang="en-US" dirty="0" smtClean="0"/>
+          </a:p>
+          <a:p>
             <a:endParaRPr lang="en-CA" dirty="0"/>
           </a:p>
         </p:txBody>
@@ -6692,7 +9069,7 @@
           <a:p>
             <a:r>
               <a:rPr lang="en-US" dirty="0" smtClean="0"/>
-              <a:t>Web Server Machine Details</a:t>
+              <a:t>Software Used</a:t>
             </a:r>
             <a:endParaRPr lang="en-CA" dirty="0"/>
           </a:p>
@@ -6719,27 +9096,61 @@
           </a:ln>
         </p:spPr>
         <p:txBody>
-          <a:bodyPr>
-            <a:normAutofit/>
-          </a:bodyPr>
-          <a:lstStyle/>
-          <a:p>
-            <a:r>
-              <a:rPr lang="en-US" dirty="0" smtClean="0"/>
-              <a:t>Framework: Ruby on Rails</a:t>
-            </a:r>
-          </a:p>
-          <a:p>
-            <a:r>
-              <a:rPr lang="en-US" dirty="0" smtClean="0"/>
-              <a:t>Operating System: Fedora 11</a:t>
-            </a:r>
-          </a:p>
-          <a:p>
-            <a:r>
-              <a:rPr lang="en-US" dirty="0" smtClean="0"/>
-              <a:t>Web Server: Apache2</a:t>
-            </a:r>
+          <a:bodyPr/>
+          <a:lstStyle/>
+          <a:p>
+            <a:r>
+              <a:rPr lang="en-US" dirty="0" smtClean="0"/>
+              <a:t>Documentation: Microsoft Word, Project</a:t>
+            </a:r>
+          </a:p>
+          <a:p>
+            <a:r>
+              <a:rPr lang="en-US" dirty="0" smtClean="0"/>
+              <a:t>Modeling: Rational Rose</a:t>
+            </a:r>
+          </a:p>
+          <a:p>
+            <a:r>
+              <a:rPr lang="en-US" dirty="0" smtClean="0"/>
+              <a:t>Ruby on Rails IDE: </a:t>
+            </a:r>
+            <a:r>
+              <a:rPr lang="en-US" dirty="0" err="1" smtClean="0"/>
+              <a:t>RubyMine</a:t>
+            </a:r>
+            <a:endParaRPr lang="en-US" dirty="0" smtClean="0"/>
+          </a:p>
+          <a:p>
+            <a:r>
+              <a:rPr lang="en-CA" dirty="0" smtClean="0"/>
+              <a:t>C# IDE: Microsoft Visual </a:t>
+            </a:r>
+            <a:r>
+              <a:rPr lang="en-CA" dirty="0" smtClean="0"/>
+              <a:t>Studio</a:t>
+            </a:r>
+          </a:p>
+          <a:p>
+            <a:r>
+              <a:rPr lang="en-CA" dirty="0" smtClean="0"/>
+              <a:t>Testing: ASCOM Telescope Simulator, </a:t>
+            </a:r>
+            <a:r>
+              <a:rPr lang="en-CA" dirty="0" err="1" smtClean="0"/>
+              <a:t>NUnit</a:t>
+            </a:r>
+            <a:r>
+              <a:rPr lang="en-CA" dirty="0" smtClean="0"/>
+              <a:t>  Testing</a:t>
+            </a:r>
+            <a:endParaRPr lang="en-US" dirty="0" smtClean="0"/>
+          </a:p>
+          <a:p>
+            <a:pPr lvl="1"/>
+            <a:endParaRPr lang="en-US" dirty="0" smtClean="0"/>
+          </a:p>
+          <a:p>
             <a:endParaRPr lang="en-CA" dirty="0"/>
           </a:p>
         </p:txBody>
@@ -6749,6 +9160,13 @@
   <p:clrMapOvr>
     <a:masterClrMapping/>
   </p:clrMapOvr>
+  <p:timing>
+    <p:tnLst>
+      <p:par>
+        <p:cTn id="1" dur="indefinite" restart="never" nodeType="tmRoot"/>
+      </p:par>
+    </p:tnLst>
+  </p:timing>
 </p:sld>
 </file>
 
@@ -6788,14 +9206,24 @@
               <a:schemeClr val="accent1"/>
             </a:solidFill>
           </a:ln>
+          <a:effectLst>
+            <a:glow rad="63500">
+              <a:schemeClr val="accent1">
+                <a:satMod val="175000"/>
+                <a:alpha val="40000"/>
+              </a:schemeClr>
+            </a:glow>
+          </a:effectLst>
         </p:spPr>
         <p:txBody>
-          <a:bodyPr/>
-          <a:lstStyle/>
-          <a:p>
-            <a:r>
-              <a:rPr lang="en-US" dirty="0" smtClean="0"/>
-              <a:t>Telescope Machine Details</a:t>
+          <a:bodyPr>
+            <a:normAutofit fontScale="90000"/>
+          </a:bodyPr>
+          <a:lstStyle/>
+          <a:p>
+            <a:r>
+              <a:rPr lang="en-US" dirty="0" smtClean="0"/>
+              <a:t>Software Development Methodology</a:t>
             </a:r>
             <a:endParaRPr lang="en-CA" dirty="0"/>
           </a:p>
@@ -6812,6 +9240,10 @@
           </p:nvPr>
         </p:nvSpPr>
         <p:spPr>
+          <a:xfrm>
+            <a:off x="457200" y="1600201"/>
+            <a:ext cx="8229600" cy="4472006"/>
+          </a:xfrm>
           <a:solidFill>
             <a:srgbClr val="000000"/>
           </a:solidFill>
@@ -6820,6 +9252,17 @@
               <a:schemeClr val="accent1"/>
             </a:solidFill>
           </a:ln>
+          <a:effectLst>
+            <a:glow rad="63500">
+              <a:schemeClr val="accent1">
+                <a:satMod val="175000"/>
+                <a:alpha val="40000"/>
+              </a:schemeClr>
+            </a:glow>
+            <a:outerShdw blurRad="107950" dist="12700" dir="5400000" algn="ctr">
+              <a:srgbClr val="000000"/>
+            </a:outerShdw>
+          </a:effectLst>
         </p:spPr>
         <p:txBody>
           <a:bodyPr>
@@ -6828,20 +9271,18 @@
           <a:lstStyle/>
           <a:p>
             <a:r>
-              <a:rPr lang="en-US" dirty="0" smtClean="0"/>
-              <a:t>Language: C#</a:t>
-            </a:r>
-          </a:p>
-          <a:p>
-            <a:r>
-              <a:rPr lang="en-US" dirty="0" smtClean="0"/>
-              <a:t>Operating System: Windows XP</a:t>
-            </a:r>
-          </a:p>
-          <a:p>
-            <a:r>
-              <a:rPr lang="en-US" dirty="0" smtClean="0"/>
-              <a:t>Database: Oracle 10g Express Edition</a:t>
+              <a:rPr lang="en-CA" dirty="0" err="1" smtClean="0"/>
+              <a:t>Xtreme</a:t>
+            </a:r>
+            <a:r>
+              <a:rPr lang="en-CA" dirty="0" smtClean="0"/>
+              <a:t> Programming</a:t>
+            </a:r>
+          </a:p>
+          <a:p>
+            <a:r>
+              <a:rPr lang="en-CA" dirty="0" smtClean="0"/>
+              <a:t>Rational Unified Process</a:t>
             </a:r>
             <a:endParaRPr lang="en-CA" dirty="0"/>
           </a:p>
@@ -6852,6 +9293,13 @@
   <p:clrMapOvr>
     <a:masterClrMapping/>
   </p:clrMapOvr>
+  <p:timing>
+    <p:tnLst>
+      <p:par>
+        <p:cTn id="1" dur="indefinite" restart="never" nodeType="tmRoot"/>
+      </p:par>
+    </p:tnLst>
+  </p:timing>
 </p:sld>
 </file>
 

--- a/Stargazer_Presentation_Semester2.pptx
+++ b/Stargazer_Presentation_Semester2.pptx
@@ -1097,7 +1097,6 @@
               <a:rPr lang="en-US" dirty="0" smtClean="0"/>
               <a:t>Rob:</a:t>
             </a:r>
-            <a:endParaRPr lang="en-US" dirty="0" smtClean="0"/>
           </a:p>
           <a:p>
             <a:endParaRPr lang="en-US" baseline="0" dirty="0" smtClean="0"/>
@@ -1862,11 +1861,7 @@
           <a:p>
             <a:r>
               <a:rPr lang="en-CA" dirty="0" smtClean="0"/>
-              <a:t>Customers </a:t>
-            </a:r>
-            <a:r>
-              <a:rPr lang="en-CA" dirty="0" smtClean="0"/>
-              <a:t>for giving</a:t>
+              <a:t>Customers for giving</a:t>
             </a:r>
             <a:r>
               <a:rPr lang="en-CA" baseline="0" dirty="0" smtClean="0"/>
@@ -1900,11 +1895,7 @@
           <a:p>
             <a:r>
               <a:rPr lang="en-CA" baseline="0" dirty="0" smtClean="0"/>
-              <a:t>Nokia for supplying us with two Nokia N97’s used for </a:t>
-            </a:r>
-            <a:r>
-              <a:rPr lang="en-CA" baseline="0" dirty="0" smtClean="0"/>
-              <a:t>testing</a:t>
+              <a:t>Nokia for supplying us with two Nokia N97’s used for testing</a:t>
             </a:r>
           </a:p>
           <a:p>
@@ -2092,11 +2083,7 @@
           <a:p>
             <a:r>
               <a:rPr lang="en-US" dirty="0" smtClean="0"/>
-              <a:t>Astronomy </a:t>
-            </a:r>
-            <a:r>
-              <a:rPr lang="en-US" dirty="0" smtClean="0"/>
-              <a:t>is a hobby of theirs, so they own and operate over 10 telescopes.</a:t>
+              <a:t>Astronomy is a hobby of theirs, so they own and operate over 10 telescopes.</a:t>
             </a:r>
           </a:p>
           <a:p>
@@ -2306,18 +2293,7 @@
                 <a:ea typeface="+mn-ea"/>
                 <a:cs typeface="+mn-cs"/>
               </a:rPr>
-              <a:t>Probabilities </a:t>
-            </a:r>
-            <a:r>
-              <a:rPr lang="en-US" sz="1200" kern="1200" dirty="0" smtClean="0">
-                <a:solidFill>
-                  <a:schemeClr val="tx1"/>
-                </a:solidFill>
-                <a:latin typeface="+mn-lt"/>
-                <a:ea typeface="+mn-ea"/>
-                <a:cs typeface="+mn-cs"/>
-              </a:rPr>
-              <a:t>can be: low, moderate, high.</a:t>
+              <a:t>Probabilities can be: low, moderate, high.</a:t>
             </a:r>
           </a:p>
           <a:p>
@@ -2426,11 +2402,7 @@
           <a:p>
             <a:r>
               <a:rPr lang="en-US" dirty="0" smtClean="0"/>
-              <a:t>Telescope</a:t>
-            </a:r>
-            <a:r>
-              <a:rPr lang="en-US" dirty="0" smtClean="0"/>
-              <a:t>: Meade LX200 (Customer)</a:t>
+              <a:t>Telescope: Meade LX200 (Customer)</a:t>
             </a:r>
           </a:p>
           <a:p>
@@ -5968,11 +5940,7 @@
           <a:p>
             <a:r>
               <a:rPr lang="en-US" dirty="0" smtClean="0"/>
-              <a:t>Database: Oracle 10g Express </a:t>
-            </a:r>
-            <a:r>
-              <a:rPr lang="en-US" dirty="0" smtClean="0"/>
-              <a:t>Edition</a:t>
+              <a:t>Database: Oracle 10g Express Edition</a:t>
             </a:r>
           </a:p>
           <a:p>
@@ -6992,7 +6960,7 @@
           <a:p>
             <a:r>
               <a:rPr lang="en-US" dirty="0" smtClean="0"/>
-              <a:t>Total time:  [??] units</a:t>
+              <a:t>Total time:  580 units</a:t>
             </a:r>
           </a:p>
           <a:p>
@@ -7008,21 +6976,21 @@
             <a:pPr lvl="1"/>
             <a:r>
               <a:rPr lang="en-US" dirty="0" smtClean="0"/>
-              <a:t>Models: [??] </a:t>
+              <a:t>Models: 5</a:t>
             </a:r>
           </a:p>
           <a:p>
             <a:pPr lvl="1"/>
             <a:r>
               <a:rPr lang="en-US" dirty="0" smtClean="0"/>
-              <a:t>Views: [??] </a:t>
+              <a:t>Views: 43</a:t>
             </a:r>
           </a:p>
           <a:p>
             <a:pPr lvl="1"/>
             <a:r>
               <a:rPr lang="en-US" dirty="0" smtClean="0"/>
-              <a:t>Controllers: [??] </a:t>
+              <a:t>Controllers: 9</a:t>
             </a:r>
             <a:endParaRPr lang="en-US" dirty="0"/>
           </a:p>
@@ -7036,21 +7004,30 @@
             <a:pPr lvl="1"/>
             <a:r>
               <a:rPr lang="en-US" dirty="0" smtClean="0"/>
-              <a:t>Unit tests: [??] </a:t>
+              <a:t>Unit tests: 3</a:t>
             </a:r>
           </a:p>
           <a:p>
             <a:pPr lvl="1"/>
             <a:r>
               <a:rPr lang="en-US" dirty="0" smtClean="0"/>
-              <a:t>Test cases: [??] </a:t>
-            </a:r>
+              <a:t>Test cases</a:t>
+            </a:r>
+            <a:r>
+              <a:rPr lang="en-US" smtClean="0"/>
+              <a:t>: </a:t>
+            </a:r>
+            <a:r>
+              <a:rPr lang="en-US" smtClean="0"/>
+              <a:t>17</a:t>
+            </a:r>
+            <a:endParaRPr lang="en-US" dirty="0" smtClean="0"/>
           </a:p>
           <a:p>
             <a:pPr lvl="1"/>
             <a:r>
               <a:rPr lang="en-US" dirty="0" smtClean="0"/>
-              <a:t>Assertions: [??] </a:t>
+              <a:t>Assertions: 29</a:t>
             </a:r>
           </a:p>
           <a:p>
@@ -7150,11 +7127,7 @@
           <a:p>
             <a:r>
               <a:rPr lang="en-CA" dirty="0" smtClean="0"/>
-              <a:t>Improved </a:t>
-            </a:r>
-            <a:r>
-              <a:rPr lang="en-CA" dirty="0" smtClean="0"/>
-              <a:t>planning</a:t>
+              <a:t>Improved planning</a:t>
             </a:r>
           </a:p>
           <a:p>
@@ -7401,11 +7374,7 @@
           <a:p>
             <a:r>
               <a:rPr lang="en-US" dirty="0" smtClean="0"/>
-              <a:t>Equipment </a:t>
-            </a:r>
-            <a:r>
-              <a:rPr lang="en-US" dirty="0" smtClean="0"/>
-              <a:t>delays</a:t>
+              <a:t>Equipment delays</a:t>
             </a:r>
           </a:p>
           <a:p>
@@ -7520,11 +7489,7 @@
             <a:pPr lvl="1"/>
             <a:r>
               <a:rPr lang="en-CA" dirty="0" smtClean="0"/>
-              <a:t>Capture images of that </a:t>
-            </a:r>
-            <a:r>
-              <a:rPr lang="en-CA" dirty="0" smtClean="0"/>
-              <a:t>area</a:t>
+              <a:t>Capture images of that area</a:t>
             </a:r>
           </a:p>
           <a:p>
@@ -7533,7 +7498,6 @@
               <a:rPr lang="en-CA" dirty="0" smtClean="0"/>
               <a:t>Automatically upload images to web server</a:t>
             </a:r>
-            <a:endParaRPr lang="en-CA" dirty="0" smtClean="0"/>
           </a:p>
           <a:p>
             <a:endParaRPr lang="en-CA" dirty="0"/>
@@ -9124,11 +9088,7 @@
           <a:p>
             <a:r>
               <a:rPr lang="en-CA" dirty="0" smtClean="0"/>
-              <a:t>C# IDE: Microsoft Visual </a:t>
-            </a:r>
-            <a:r>
-              <a:rPr lang="en-CA" dirty="0" smtClean="0"/>
-              <a:t>Studio</a:t>
+              <a:t>C# IDE: Microsoft Visual Studio</a:t>
             </a:r>
           </a:p>
           <a:p>

--- a/Stargazer_Presentation_Semester2.pptx
+++ b/Stargazer_Presentation_Semester2.pptx
@@ -214,7 +214,7 @@
             <a:fld id="{2AAFEF68-1DE9-47A7-9FE3-8BA9D24E7EE3}" type="datetimeFigureOut">
               <a:rPr lang="en-US" smtClean="0"/>
               <a:pPr/>
-              <a:t>4/6/2010</a:t>
+              <a:t>4/7/2010</a:t>
             </a:fld>
             <a:endParaRPr lang="en-CA"/>
           </a:p>
@@ -2810,7 +2810,7 @@
             <a:fld id="{471E1C79-A119-44DE-84CD-391F73B5F415}" type="datetimeFigureOut">
               <a:rPr lang="en-US" smtClean="0"/>
               <a:pPr/>
-              <a:t>4/6/2010</a:t>
+              <a:t>4/7/2010</a:t>
             </a:fld>
             <a:endParaRPr lang="en-CA"/>
           </a:p>
@@ -2977,7 +2977,7 @@
             <a:fld id="{471E1C79-A119-44DE-84CD-391F73B5F415}" type="datetimeFigureOut">
               <a:rPr lang="en-US" smtClean="0"/>
               <a:pPr/>
-              <a:t>4/6/2010</a:t>
+              <a:t>4/7/2010</a:t>
             </a:fld>
             <a:endParaRPr lang="en-CA"/>
           </a:p>
@@ -3154,7 +3154,7 @@
             <a:fld id="{471E1C79-A119-44DE-84CD-391F73B5F415}" type="datetimeFigureOut">
               <a:rPr lang="en-US" smtClean="0"/>
               <a:pPr/>
-              <a:t>4/6/2010</a:t>
+              <a:t>4/7/2010</a:t>
             </a:fld>
             <a:endParaRPr lang="en-CA"/>
           </a:p>
@@ -3321,7 +3321,7 @@
             <a:fld id="{471E1C79-A119-44DE-84CD-391F73B5F415}" type="datetimeFigureOut">
               <a:rPr lang="en-US" smtClean="0"/>
               <a:pPr/>
-              <a:t>4/6/2010</a:t>
+              <a:t>4/7/2010</a:t>
             </a:fld>
             <a:endParaRPr lang="en-CA"/>
           </a:p>
@@ -3564,7 +3564,7 @@
             <a:fld id="{471E1C79-A119-44DE-84CD-391F73B5F415}" type="datetimeFigureOut">
               <a:rPr lang="en-US" smtClean="0"/>
               <a:pPr/>
-              <a:t>4/6/2010</a:t>
+              <a:t>4/7/2010</a:t>
             </a:fld>
             <a:endParaRPr lang="en-CA"/>
           </a:p>
@@ -3849,7 +3849,7 @@
             <a:fld id="{471E1C79-A119-44DE-84CD-391F73B5F415}" type="datetimeFigureOut">
               <a:rPr lang="en-US" smtClean="0"/>
               <a:pPr/>
-              <a:t>4/6/2010</a:t>
+              <a:t>4/7/2010</a:t>
             </a:fld>
             <a:endParaRPr lang="en-CA"/>
           </a:p>
@@ -4268,7 +4268,7 @@
             <a:fld id="{471E1C79-A119-44DE-84CD-391F73B5F415}" type="datetimeFigureOut">
               <a:rPr lang="en-US" smtClean="0"/>
               <a:pPr/>
-              <a:t>4/6/2010</a:t>
+              <a:t>4/7/2010</a:t>
             </a:fld>
             <a:endParaRPr lang="en-CA"/>
           </a:p>
@@ -4383,7 +4383,7 @@
             <a:fld id="{471E1C79-A119-44DE-84CD-391F73B5F415}" type="datetimeFigureOut">
               <a:rPr lang="en-US" smtClean="0"/>
               <a:pPr/>
-              <a:t>4/6/2010</a:t>
+              <a:t>4/7/2010</a:t>
             </a:fld>
             <a:endParaRPr lang="en-CA"/>
           </a:p>
@@ -4475,7 +4475,7 @@
             <a:fld id="{471E1C79-A119-44DE-84CD-391F73B5F415}" type="datetimeFigureOut">
               <a:rPr lang="en-US" smtClean="0"/>
               <a:pPr/>
-              <a:t>4/6/2010</a:t>
+              <a:t>4/7/2010</a:t>
             </a:fld>
             <a:endParaRPr lang="en-CA"/>
           </a:p>
@@ -4749,7 +4749,7 @@
             <a:fld id="{471E1C79-A119-44DE-84CD-391F73B5F415}" type="datetimeFigureOut">
               <a:rPr lang="en-US" smtClean="0"/>
               <a:pPr/>
-              <a:t>4/6/2010</a:t>
+              <a:t>4/7/2010</a:t>
             </a:fld>
             <a:endParaRPr lang="en-CA"/>
           </a:p>
@@ -4999,7 +4999,7 @@
             <a:fld id="{471E1C79-A119-44DE-84CD-391F73B5F415}" type="datetimeFigureOut">
               <a:rPr lang="en-US" smtClean="0"/>
               <a:pPr/>
-              <a:t>4/6/2010</a:t>
+              <a:t>4/7/2010</a:t>
             </a:fld>
             <a:endParaRPr lang="en-CA"/>
           </a:p>
@@ -5218,7 +5218,7 @@
             <a:fld id="{471E1C79-A119-44DE-84CD-391F73B5F415}" type="datetimeFigureOut">
               <a:rPr lang="en-US" smtClean="0"/>
               <a:pPr/>
-              <a:t>4/6/2010</a:t>
+              <a:t>4/7/2010</a:t>
             </a:fld>
             <a:endParaRPr lang="en-CA"/>
           </a:p>
@@ -7015,11 +7015,7 @@
             </a:r>
             <a:r>
               <a:rPr lang="en-US" smtClean="0"/>
-              <a:t>: </a:t>
-            </a:r>
-            <a:r>
-              <a:rPr lang="en-US" smtClean="0"/>
-              <a:t>17</a:t>
+              <a:t>: 17</a:t>
             </a:r>
             <a:endParaRPr lang="en-US" dirty="0" smtClean="0"/>
           </a:p>
@@ -7954,7 +7950,7 @@
         </p:blipFill>
         <p:spPr bwMode="auto">
           <a:xfrm>
-            <a:off x="1928794" y="1633152"/>
+            <a:off x="1857356" y="1500174"/>
             <a:ext cx="5166795" cy="5224848"/>
           </a:xfrm>
           <a:prstGeom prst="rect">
@@ -7968,6 +7964,13 @@
   <p:clrMapOvr>
     <a:masterClrMapping/>
   </p:clrMapOvr>
+  <p:timing>
+    <p:tnLst>
+      <p:par>
+        <p:cTn id="1" dur="indefinite" restart="never" nodeType="tmRoot"/>
+      </p:par>
+    </p:tnLst>
+  </p:timing>
 </p:sld>
 </file>
 

--- a/Stargazer_Presentation_Semester2.pptx
+++ b/Stargazer_Presentation_Semester2.pptx
@@ -5,31 +5,33 @@
     <p:sldMasterId id="2147483684" r:id="rId1"/>
   </p:sldMasterIdLst>
   <p:notesMasterIdLst>
-    <p:notesMasterId r:id="rId24"/>
+    <p:notesMasterId r:id="rId26"/>
   </p:notesMasterIdLst>
   <p:sldIdLst>
     <p:sldId id="256" r:id="rId2"/>
     <p:sldId id="257" r:id="rId3"/>
-    <p:sldId id="282" r:id="rId4"/>
-    <p:sldId id="259" r:id="rId5"/>
-    <p:sldId id="300" r:id="rId6"/>
-    <p:sldId id="302" r:id="rId7"/>
-    <p:sldId id="291" r:id="rId8"/>
-    <p:sldId id="292" r:id="rId9"/>
-    <p:sldId id="293" r:id="rId10"/>
-    <p:sldId id="286" r:id="rId11"/>
-    <p:sldId id="298" r:id="rId12"/>
-    <p:sldId id="279" r:id="rId13"/>
-    <p:sldId id="261" r:id="rId14"/>
-    <p:sldId id="268" r:id="rId15"/>
-    <p:sldId id="301" r:id="rId16"/>
-    <p:sldId id="299" r:id="rId17"/>
-    <p:sldId id="280" r:id="rId18"/>
-    <p:sldId id="272" r:id="rId19"/>
-    <p:sldId id="283" r:id="rId20"/>
-    <p:sldId id="278" r:id="rId21"/>
-    <p:sldId id="297" r:id="rId22"/>
-    <p:sldId id="296" r:id="rId23"/>
+    <p:sldId id="303" r:id="rId4"/>
+    <p:sldId id="282" r:id="rId5"/>
+    <p:sldId id="259" r:id="rId6"/>
+    <p:sldId id="300" r:id="rId7"/>
+    <p:sldId id="302" r:id="rId8"/>
+    <p:sldId id="291" r:id="rId9"/>
+    <p:sldId id="292" r:id="rId10"/>
+    <p:sldId id="293" r:id="rId11"/>
+    <p:sldId id="286" r:id="rId12"/>
+    <p:sldId id="298" r:id="rId13"/>
+    <p:sldId id="279" r:id="rId14"/>
+    <p:sldId id="261" r:id="rId15"/>
+    <p:sldId id="304" r:id="rId16"/>
+    <p:sldId id="268" r:id="rId17"/>
+    <p:sldId id="301" r:id="rId18"/>
+    <p:sldId id="299" r:id="rId19"/>
+    <p:sldId id="280" r:id="rId20"/>
+    <p:sldId id="272" r:id="rId21"/>
+    <p:sldId id="283" r:id="rId22"/>
+    <p:sldId id="278" r:id="rId23"/>
+    <p:sldId id="297" r:id="rId24"/>
+    <p:sldId id="296" r:id="rId25"/>
   </p:sldIdLst>
   <p:sldSz cx="9144000" cy="6858000" type="screen4x3"/>
   <p:notesSz cx="6858000" cy="9144000"/>
@@ -214,7 +216,7 @@
             <a:fld id="{2AAFEF68-1DE9-47A7-9FE3-8BA9D24E7EE3}" type="datetimeFigureOut">
               <a:rPr lang="en-US" smtClean="0"/>
               <a:pPr/>
-              <a:t>4/7/2010</a:t>
+              <a:t>4/8/2010</a:t>
             </a:fld>
             <a:endParaRPr lang="en-CA"/>
           </a:p>
@@ -608,32 +610,15 @@
         <p:spPr/>
         <p:txBody>
           <a:bodyPr>
-            <a:normAutofit lnSpcReduction="10000"/>
+            <a:normAutofit/>
           </a:bodyPr>
           <a:lstStyle/>
           <a:p>
-            <a:pPr marL="0" marR="0" indent="0" algn="l" defTabSz="914400" rtl="0" eaLnBrk="1" fontAlgn="auto" latinLnBrk="0" hangingPunct="1">
-              <a:lnSpc>
-                <a:spcPct val="100000"/>
-              </a:lnSpc>
-              <a:spcBef>
-                <a:spcPts val="0"/>
-              </a:spcBef>
-              <a:spcAft>
-                <a:spcPts val="0"/>
-              </a:spcAft>
-              <a:buClrTx/>
-              <a:buSzTx/>
-              <a:buFontTx/>
-              <a:buNone/>
-              <a:tabLst/>
-              <a:defRPr/>
-            </a:pPr>
-            <a:r>
-              <a:rPr lang="en-CA" baseline="0" dirty="0" smtClean="0"/>
+            <a:r>
+              <a:rPr lang="en-CA" dirty="0" smtClean="0"/>
               <a:t>Rob</a:t>
             </a:r>
-            <a:endParaRPr lang="en-US" baseline="0" dirty="0" smtClean="0"/>
+            <a:endParaRPr lang="en-CA" dirty="0"/>
           </a:p>
         </p:txBody>
       </p:sp>
@@ -734,7 +719,7 @@
             </a:pPr>
             <a:r>
               <a:rPr lang="en-CA" baseline="0" dirty="0" smtClean="0"/>
-              <a:t>Robert</a:t>
+              <a:t>Rob</a:t>
             </a:r>
             <a:endParaRPr lang="en-US" baseline="0" dirty="0" smtClean="0"/>
           </a:p>
@@ -814,15 +799,32 @@
         <p:spPr/>
         <p:txBody>
           <a:bodyPr>
-            <a:normAutofit/>
+            <a:normAutofit lnSpcReduction="10000"/>
           </a:bodyPr>
           <a:lstStyle/>
           <a:p>
-            <a:r>
-              <a:rPr lang="en-CA" dirty="0" smtClean="0"/>
-              <a:t>Rob</a:t>
-            </a:r>
-            <a:endParaRPr lang="en-US" dirty="0"/>
+            <a:pPr marL="0" marR="0" indent="0" algn="l" defTabSz="914400" rtl="0" eaLnBrk="1" fontAlgn="auto" latinLnBrk="0" hangingPunct="1">
+              <a:lnSpc>
+                <a:spcPct val="100000"/>
+              </a:lnSpc>
+              <a:spcBef>
+                <a:spcPts val="0"/>
+              </a:spcBef>
+              <a:spcAft>
+                <a:spcPts val="0"/>
+              </a:spcAft>
+              <a:buClrTx/>
+              <a:buSzTx/>
+              <a:buFontTx/>
+              <a:buNone/>
+              <a:tabLst/>
+              <a:defRPr/>
+            </a:pPr>
+            <a:r>
+              <a:rPr lang="en-CA" baseline="0" dirty="0" smtClean="0"/>
+              <a:t>Robert</a:t>
+            </a:r>
+            <a:endParaRPr lang="en-US" baseline="0" dirty="0" smtClean="0"/>
           </a:p>
         </p:txBody>
       </p:sp>
@@ -908,7 +910,7 @@
               <a:rPr lang="en-CA" dirty="0" smtClean="0"/>
               <a:t>Rob</a:t>
             </a:r>
-            <a:endParaRPr lang="en-CA" dirty="0"/>
+            <a:endParaRPr lang="en-US" dirty="0"/>
           </a:p>
         </p:txBody>
       </p:sp>
@@ -992,9 +994,9 @@
           <a:p>
             <a:r>
               <a:rPr lang="en-CA" dirty="0" smtClean="0"/>
-              <a:t>Robert</a:t>
-            </a:r>
-            <a:endParaRPr lang="en-US" dirty="0"/>
+              <a:t>Rob</a:t>
+            </a:r>
+            <a:endParaRPr lang="en-CA" dirty="0"/>
           </a:p>
         </p:txBody>
       </p:sp>
@@ -1076,97 +1078,11 @@
           </a:bodyPr>
           <a:lstStyle/>
           <a:p>
-            <a:pPr marL="0" marR="0" indent="0" algn="l" defTabSz="914400" rtl="0" eaLnBrk="1" fontAlgn="auto" latinLnBrk="0" hangingPunct="1">
-              <a:lnSpc>
-                <a:spcPct val="100000"/>
-              </a:lnSpc>
-              <a:spcBef>
-                <a:spcPts val="0"/>
-              </a:spcBef>
-              <a:spcAft>
-                <a:spcPts val="0"/>
-              </a:spcAft>
-              <a:buClrTx/>
-              <a:buSzTx/>
-              <a:buFontTx/>
-              <a:buNone/>
-              <a:tabLst/>
-              <a:defRPr/>
-            </a:pPr>
-            <a:r>
-              <a:rPr lang="en-US" dirty="0" smtClean="0"/>
-              <a:t>Rob:</a:t>
-            </a:r>
-          </a:p>
-          <a:p>
-            <a:endParaRPr lang="en-US" baseline="0" dirty="0" smtClean="0"/>
-          </a:p>
-          <a:p>
-            <a:r>
-              <a:rPr lang="en-US" baseline="0" dirty="0" smtClean="0"/>
-              <a:t>Here is an example of a ruby unit test.</a:t>
-            </a:r>
-          </a:p>
-          <a:p>
-            <a:endParaRPr lang="en-US" baseline="0" dirty="0" smtClean="0"/>
-          </a:p>
-          <a:p>
-            <a:r>
-              <a:rPr lang="en-US" baseline="0" dirty="0" smtClean="0"/>
-              <a:t>The first thing we do is load the </a:t>
-            </a:r>
-            <a:r>
-              <a:rPr lang="en-US" baseline="0" dirty="0" err="1" smtClean="0"/>
-              <a:t>test_helper</a:t>
-            </a:r>
-            <a:r>
-              <a:rPr lang="en-US" baseline="0" dirty="0" smtClean="0"/>
-              <a:t> file which sets the rails environment into “test” mode (Rails functions in three different modes: test, development and production). By doing this, it automatically loads a test database we can use to input sample data to test our functionality and validations.</a:t>
-            </a:r>
-          </a:p>
-          <a:p>
-            <a:endParaRPr lang="en-US" baseline="0" dirty="0" smtClean="0"/>
-          </a:p>
-          <a:p>
-            <a:r>
-              <a:rPr lang="en-US" baseline="0" dirty="0" smtClean="0"/>
-              <a:t>the class extends the test case class much like </a:t>
-            </a:r>
-            <a:r>
-              <a:rPr lang="en-US" baseline="0" dirty="0" err="1" smtClean="0"/>
-              <a:t>JUnit</a:t>
-            </a:r>
-            <a:r>
-              <a:rPr lang="en-US" baseline="0" dirty="0" smtClean="0"/>
-              <a:t> Tests which gives us access to some methods.</a:t>
-            </a:r>
-          </a:p>
-          <a:p>
-            <a:endParaRPr lang="en-US" baseline="0" dirty="0" smtClean="0"/>
-          </a:p>
-          <a:p>
-            <a:r>
-              <a:rPr lang="en-US" baseline="0" dirty="0" smtClean="0"/>
-              <a:t>The first thing we do is create a user with correct input values so later we can just override an attribute of that object with a value that shouldn’t work. For instance, we shouldn’t be able to create a new user when we haven’t supplied a username. Here we made it null and we make an assertion to test that our application should not allow us to save this object. If this assertion was false (not and true), a visible error message would occur when we run this test.</a:t>
-            </a:r>
-          </a:p>
-          <a:p>
-            <a:endParaRPr lang="en-US" baseline="0" dirty="0" smtClean="0"/>
-          </a:p>
-          <a:p>
-            <a:r>
-              <a:rPr lang="en-US" dirty="0" smtClean="0"/>
-              <a:t>Now to run the tests</a:t>
-            </a:r>
-            <a:r>
-              <a:rPr lang="en-US" baseline="0" dirty="0" smtClean="0"/>
-              <a:t> we go to the command line and simply type rake </a:t>
-            </a:r>
-            <a:r>
-              <a:rPr lang="en-US" baseline="0" dirty="0" err="1" smtClean="0"/>
-              <a:t>test:units</a:t>
-            </a:r>
-            <a:endParaRPr lang="en-US" dirty="0"/>
+            <a:r>
+              <a:rPr lang="en-CA" dirty="0" smtClean="0"/>
+              <a:t>Rob</a:t>
+            </a:r>
+            <a:endParaRPr lang="en-CA" dirty="0"/>
           </a:p>
         </p:txBody>
       </p:sp>
@@ -1249,8 +1165,8 @@
           <a:lstStyle/>
           <a:p>
             <a:r>
-              <a:rPr lang="en-CA" dirty="0" err="1" smtClean="0"/>
-              <a:t>robert</a:t>
+              <a:rPr lang="en-CA" dirty="0" smtClean="0"/>
+              <a:t>Robert</a:t>
             </a:r>
             <a:endParaRPr lang="en-US" dirty="0"/>
           </a:p>
@@ -1334,9 +1250,95 @@
           </a:bodyPr>
           <a:lstStyle/>
           <a:p>
-            <a:r>
-              <a:rPr lang="en-CA" dirty="0" err="1" smtClean="0"/>
-              <a:t>robert</a:t>
+            <a:pPr marL="0" marR="0" indent="0" algn="l" defTabSz="914400" rtl="0" eaLnBrk="1" fontAlgn="auto" latinLnBrk="0" hangingPunct="1">
+              <a:lnSpc>
+                <a:spcPct val="100000"/>
+              </a:lnSpc>
+              <a:spcBef>
+                <a:spcPts val="0"/>
+              </a:spcBef>
+              <a:spcAft>
+                <a:spcPts val="0"/>
+              </a:spcAft>
+              <a:buClrTx/>
+              <a:buSzTx/>
+              <a:buFontTx/>
+              <a:buNone/>
+              <a:tabLst/>
+              <a:defRPr/>
+            </a:pPr>
+            <a:r>
+              <a:rPr lang="en-US" dirty="0" smtClean="0"/>
+              <a:t>Rob:</a:t>
+            </a:r>
+          </a:p>
+          <a:p>
+            <a:endParaRPr lang="en-US" baseline="0" dirty="0" smtClean="0"/>
+          </a:p>
+          <a:p>
+            <a:r>
+              <a:rPr lang="en-US" baseline="0" dirty="0" smtClean="0"/>
+              <a:t>Here is an example of a ruby unit test.</a:t>
+            </a:r>
+          </a:p>
+          <a:p>
+            <a:endParaRPr lang="en-US" baseline="0" dirty="0" smtClean="0"/>
+          </a:p>
+          <a:p>
+            <a:r>
+              <a:rPr lang="en-US" baseline="0" dirty="0" smtClean="0"/>
+              <a:t>The first thing we do is load the </a:t>
+            </a:r>
+            <a:r>
+              <a:rPr lang="en-US" baseline="0" dirty="0" err="1" smtClean="0"/>
+              <a:t>test_helper</a:t>
+            </a:r>
+            <a:r>
+              <a:rPr lang="en-US" baseline="0" dirty="0" smtClean="0"/>
+              <a:t> file which sets the rails environment into “test” mode (Rails functions in three different modes: test, development and production). By doing this, it automatically loads a test database we can use to input sample data to test our functionality and validations.</a:t>
+            </a:r>
+          </a:p>
+          <a:p>
+            <a:endParaRPr lang="en-US" baseline="0" dirty="0" smtClean="0"/>
+          </a:p>
+          <a:p>
+            <a:r>
+              <a:rPr lang="en-US" baseline="0" dirty="0" smtClean="0"/>
+              <a:t>the class extends the test case class much like </a:t>
+            </a:r>
+            <a:r>
+              <a:rPr lang="en-US" baseline="0" dirty="0" err="1" smtClean="0"/>
+              <a:t>JUnit</a:t>
+            </a:r>
+            <a:r>
+              <a:rPr lang="en-US" baseline="0" dirty="0" smtClean="0"/>
+              <a:t> Tests which gives us access to some methods.</a:t>
+            </a:r>
+          </a:p>
+          <a:p>
+            <a:endParaRPr lang="en-US" baseline="0" dirty="0" smtClean="0"/>
+          </a:p>
+          <a:p>
+            <a:r>
+              <a:rPr lang="en-US" baseline="0" dirty="0" smtClean="0"/>
+              <a:t>The first thing we do is create a user with correct input values so later we can just override an attribute of that object with a value that shouldn’t work. For instance, we shouldn’t be able to create a new user when we haven’t supplied a username. Here we made it null and we make an assertion to test that our application should not allow us to save this object. If this assertion was false (not and true), a visible error message would occur when we run this test.</a:t>
+            </a:r>
+          </a:p>
+          <a:p>
+            <a:endParaRPr lang="en-US" baseline="0" dirty="0" smtClean="0"/>
+          </a:p>
+          <a:p>
+            <a:r>
+              <a:rPr lang="en-US" dirty="0" smtClean="0"/>
+              <a:t>Now to run the tests</a:t>
+            </a:r>
+            <a:r>
+              <a:rPr lang="en-US" baseline="0" dirty="0" smtClean="0"/>
+              <a:t> we go to the command line and simply type rake </a:t>
+            </a:r>
+            <a:r>
+              <a:rPr lang="en-US" baseline="0" dirty="0" err="1" smtClean="0"/>
+              <a:t>test:units</a:t>
             </a:r>
             <a:endParaRPr lang="en-US" dirty="0"/>
           </a:p>
@@ -1421,8 +1423,62 @@
           <a:lstStyle/>
           <a:p>
             <a:r>
+              <a:rPr lang="en-CA" dirty="0" err="1" smtClean="0"/>
+              <a:t>robert</a:t>
+            </a:r>
+            <a:endParaRPr lang="en-CA" dirty="0" smtClean="0"/>
+          </a:p>
+          <a:p>
+            <a:endParaRPr lang="en-CA" dirty="0" smtClean="0"/>
+          </a:p>
+          <a:p>
+            <a:r>
               <a:rPr lang="en-CA" dirty="0" smtClean="0"/>
-              <a:t>rob</a:t>
+              <a:t>Mention that we only had prototype</a:t>
+            </a:r>
+            <a:r>
+              <a:rPr lang="en-CA" baseline="0" dirty="0" smtClean="0"/>
+              <a:t> web system complete</a:t>
+            </a:r>
+          </a:p>
+          <a:p>
+            <a:pPr>
+              <a:buFontTx/>
+              <a:buChar char="-"/>
+            </a:pPr>
+            <a:r>
+              <a:rPr lang="en-CA" baseline="0" dirty="0" smtClean="0"/>
+              <a:t>no parking</a:t>
+            </a:r>
+          </a:p>
+          <a:p>
+            <a:pPr>
+              <a:buFontTx/>
+              <a:buChar char="-"/>
+            </a:pPr>
+            <a:r>
+              <a:rPr lang="en-CA" baseline="0" dirty="0" smtClean="0"/>
+              <a:t>no scheduling</a:t>
+            </a:r>
+          </a:p>
+          <a:p>
+            <a:pPr>
+              <a:buFontTx/>
+              <a:buChar char="-"/>
+            </a:pPr>
+            <a:r>
+              <a:rPr lang="en-CA" baseline="0" dirty="0" smtClean="0"/>
+              <a:t>no image gathering</a:t>
+            </a:r>
+          </a:p>
+          <a:p>
+            <a:pPr>
+              <a:buFontTx/>
+              <a:buChar char="-"/>
+            </a:pPr>
+            <a:r>
+              <a:rPr lang="en-CA" baseline="0" dirty="0" smtClean="0"/>
+              <a:t>few, rough mobile device views</a:t>
             </a:r>
             <a:endParaRPr lang="en-US" dirty="0"/>
           </a:p>
@@ -1507,8 +1563,8 @@
           <a:lstStyle/>
           <a:p>
             <a:r>
-              <a:rPr lang="en-CA" dirty="0" smtClean="0"/>
-              <a:t>Robert</a:t>
+              <a:rPr lang="en-CA" dirty="0" err="1" smtClean="0"/>
+              <a:t>robert</a:t>
             </a:r>
             <a:endParaRPr lang="en-US" dirty="0"/>
           </a:p>
@@ -1680,7 +1736,7 @@
           <a:p>
             <a:r>
               <a:rPr lang="en-CA" dirty="0" smtClean="0"/>
-              <a:t>Robert</a:t>
+              <a:t>rob</a:t>
             </a:r>
             <a:endParaRPr lang="en-US" dirty="0"/>
           </a:p>
@@ -1852,56 +1908,7 @@
           <a:p>
             <a:r>
               <a:rPr lang="en-CA" dirty="0" smtClean="0"/>
-              <a:t>Rob</a:t>
-            </a:r>
-          </a:p>
-          <a:p>
-            <a:endParaRPr lang="en-CA" dirty="0" smtClean="0"/>
-          </a:p>
-          <a:p>
-            <a:r>
-              <a:rPr lang="en-CA" dirty="0" smtClean="0"/>
-              <a:t>Customers for giving</a:t>
-            </a:r>
-            <a:r>
-              <a:rPr lang="en-CA" baseline="0" dirty="0" smtClean="0"/>
-              <a:t> us such an interesting project and supplying us with the Meade telescope</a:t>
-            </a:r>
-          </a:p>
-          <a:p>
-            <a:r>
-              <a:rPr lang="en-CA" baseline="0" dirty="0" err="1" smtClean="0"/>
-              <a:t>Youry</a:t>
-            </a:r>
-            <a:r>
-              <a:rPr lang="en-CA" baseline="0" dirty="0" smtClean="0"/>
-              <a:t> for guiding us through the software development lifecycle</a:t>
-            </a:r>
-          </a:p>
-          <a:p>
-            <a:r>
-              <a:rPr lang="en-CA" baseline="0" dirty="0" smtClean="0"/>
-              <a:t>Dave </a:t>
-            </a:r>
-            <a:r>
-              <a:rPr lang="en-CA" baseline="0" dirty="0" err="1" smtClean="0"/>
-              <a:t>Goodall</a:t>
-            </a:r>
-            <a:r>
-              <a:rPr lang="en-CA" baseline="0" dirty="0" smtClean="0"/>
-              <a:t> for giving us a domain name for our project allowing outside access to our web server</a:t>
-            </a:r>
-          </a:p>
-          <a:p>
-            <a:r>
-              <a:rPr lang="en-CA" baseline="0" dirty="0" smtClean="0"/>
-              <a:t>Nokia for supplying us with two Nokia N97’s used for testing</a:t>
-            </a:r>
-          </a:p>
-          <a:p>
-            <a:r>
-              <a:rPr lang="en-CA" dirty="0" smtClean="0"/>
-              <a:t>Canon for development kit and drivers</a:t>
+              <a:t>Robert</a:t>
             </a:r>
             <a:endParaRPr lang="en-US" dirty="0"/>
           </a:p>
@@ -1926,6 +1933,227 @@
               <a:rPr lang="en-CA" smtClean="0"/>
               <a:pPr/>
               <a:t>22</a:t>
+            </a:fld>
+            <a:endParaRPr lang="en-CA"/>
+          </a:p>
+        </p:txBody>
+      </p:sp>
+    </p:spTree>
+  </p:cSld>
+  <p:clrMapOvr>
+    <a:masterClrMapping/>
+  </p:clrMapOvr>
+</p:notes>
+</file>
+
+<file path=ppt/notesSlides/notesSlide23.xml><?xml version="1.0" encoding="utf-8"?>
+<p:notes xmlns:a="http://schemas.openxmlformats.org/drawingml/2006/main" xmlns:r="http://schemas.openxmlformats.org/officeDocument/2006/relationships" xmlns:p="http://schemas.openxmlformats.org/presentationml/2006/main">
+  <p:cSld>
+    <p:spTree>
+      <p:nvGrpSpPr>
+        <p:cNvPr id="1" name=""/>
+        <p:cNvGrpSpPr/>
+        <p:nvPr/>
+      </p:nvGrpSpPr>
+      <p:grpSpPr>
+        <a:xfrm>
+          <a:off x="0" y="0"/>
+          <a:ext cx="0" cy="0"/>
+          <a:chOff x="0" y="0"/>
+          <a:chExt cx="0" cy="0"/>
+        </a:xfrm>
+      </p:grpSpPr>
+      <p:sp>
+        <p:nvSpPr>
+          <p:cNvPr id="2" name="Slide Image Placeholder 1"/>
+          <p:cNvSpPr>
+            <a:spLocks noGrp="1" noRot="1" noChangeAspect="1"/>
+          </p:cNvSpPr>
+          <p:nvPr>
+            <p:ph type="sldImg"/>
+          </p:nvPr>
+        </p:nvSpPr>
+        <p:spPr/>
+      </p:sp>
+      <p:sp>
+        <p:nvSpPr>
+          <p:cNvPr id="3" name="Notes Placeholder 2"/>
+          <p:cNvSpPr>
+            <a:spLocks noGrp="1"/>
+          </p:cNvSpPr>
+          <p:nvPr>
+            <p:ph type="body" idx="1"/>
+          </p:nvPr>
+        </p:nvSpPr>
+        <p:spPr/>
+        <p:txBody>
+          <a:bodyPr>
+            <a:normAutofit/>
+          </a:bodyPr>
+          <a:lstStyle/>
+          <a:p>
+            <a:r>
+              <a:rPr lang="en-CA" dirty="0" smtClean="0"/>
+              <a:t>Robert</a:t>
+            </a:r>
+            <a:endParaRPr lang="en-US" dirty="0"/>
+          </a:p>
+        </p:txBody>
+      </p:sp>
+      <p:sp>
+        <p:nvSpPr>
+          <p:cNvPr id="4" name="Slide Number Placeholder 3"/>
+          <p:cNvSpPr>
+            <a:spLocks noGrp="1"/>
+          </p:cNvSpPr>
+          <p:nvPr>
+            <p:ph type="sldNum" sz="quarter" idx="10"/>
+          </p:nvPr>
+        </p:nvSpPr>
+        <p:spPr/>
+        <p:txBody>
+          <a:bodyPr/>
+          <a:lstStyle/>
+          <a:p>
+            <a:fld id="{64EF572D-EF5B-479C-89C5-F647D7191839}" type="slidenum">
+              <a:rPr lang="en-CA" smtClean="0"/>
+              <a:pPr/>
+              <a:t>23</a:t>
+            </a:fld>
+            <a:endParaRPr lang="en-CA"/>
+          </a:p>
+        </p:txBody>
+      </p:sp>
+    </p:spTree>
+  </p:cSld>
+  <p:clrMapOvr>
+    <a:masterClrMapping/>
+  </p:clrMapOvr>
+</p:notes>
+</file>
+
+<file path=ppt/notesSlides/notesSlide24.xml><?xml version="1.0" encoding="utf-8"?>
+<p:notes xmlns:a="http://schemas.openxmlformats.org/drawingml/2006/main" xmlns:r="http://schemas.openxmlformats.org/officeDocument/2006/relationships" xmlns:p="http://schemas.openxmlformats.org/presentationml/2006/main">
+  <p:cSld>
+    <p:spTree>
+      <p:nvGrpSpPr>
+        <p:cNvPr id="1" name=""/>
+        <p:cNvGrpSpPr/>
+        <p:nvPr/>
+      </p:nvGrpSpPr>
+      <p:grpSpPr>
+        <a:xfrm>
+          <a:off x="0" y="0"/>
+          <a:ext cx="0" cy="0"/>
+          <a:chOff x="0" y="0"/>
+          <a:chExt cx="0" cy="0"/>
+        </a:xfrm>
+      </p:grpSpPr>
+      <p:sp>
+        <p:nvSpPr>
+          <p:cNvPr id="2" name="Slide Image Placeholder 1"/>
+          <p:cNvSpPr>
+            <a:spLocks noGrp="1" noRot="1" noChangeAspect="1"/>
+          </p:cNvSpPr>
+          <p:nvPr>
+            <p:ph type="sldImg"/>
+          </p:nvPr>
+        </p:nvSpPr>
+        <p:spPr/>
+      </p:sp>
+      <p:sp>
+        <p:nvSpPr>
+          <p:cNvPr id="3" name="Notes Placeholder 2"/>
+          <p:cNvSpPr>
+            <a:spLocks noGrp="1"/>
+          </p:cNvSpPr>
+          <p:nvPr>
+            <p:ph type="body" idx="1"/>
+          </p:nvPr>
+        </p:nvSpPr>
+        <p:spPr/>
+        <p:txBody>
+          <a:bodyPr>
+            <a:normAutofit/>
+          </a:bodyPr>
+          <a:lstStyle/>
+          <a:p>
+            <a:r>
+              <a:rPr lang="en-CA" dirty="0" smtClean="0"/>
+              <a:t>Rob</a:t>
+            </a:r>
+          </a:p>
+          <a:p>
+            <a:endParaRPr lang="en-CA" dirty="0" smtClean="0"/>
+          </a:p>
+          <a:p>
+            <a:r>
+              <a:rPr lang="en-CA" dirty="0" smtClean="0"/>
+              <a:t>Customers for giving</a:t>
+            </a:r>
+            <a:r>
+              <a:rPr lang="en-CA" baseline="0" dirty="0" smtClean="0"/>
+              <a:t> us such an interesting project and supplying us with the Meade telescope</a:t>
+            </a:r>
+          </a:p>
+          <a:p>
+            <a:r>
+              <a:rPr lang="en-CA" baseline="0" dirty="0" err="1" smtClean="0"/>
+              <a:t>Youry</a:t>
+            </a:r>
+            <a:r>
+              <a:rPr lang="en-CA" baseline="0" dirty="0" smtClean="0"/>
+              <a:t> for guiding us through the software development lifecycle</a:t>
+            </a:r>
+          </a:p>
+          <a:p>
+            <a:r>
+              <a:rPr lang="en-CA" baseline="0" dirty="0" smtClean="0"/>
+              <a:t>Dave </a:t>
+            </a:r>
+            <a:r>
+              <a:rPr lang="en-CA" baseline="0" dirty="0" err="1" smtClean="0"/>
+              <a:t>Goodall</a:t>
+            </a:r>
+            <a:r>
+              <a:rPr lang="en-CA" baseline="0" dirty="0" smtClean="0"/>
+              <a:t> for giving us a domain name for our project allowing outside access to our web server</a:t>
+            </a:r>
+          </a:p>
+          <a:p>
+            <a:r>
+              <a:rPr lang="en-CA" baseline="0" dirty="0" smtClean="0"/>
+              <a:t>Nokia for supplying us with two Nokia N97’s used for testing</a:t>
+            </a:r>
+          </a:p>
+          <a:p>
+            <a:r>
+              <a:rPr lang="en-CA" dirty="0" smtClean="0"/>
+              <a:t>Canon for development kit and drivers</a:t>
+            </a:r>
+            <a:endParaRPr lang="en-US" dirty="0"/>
+          </a:p>
+        </p:txBody>
+      </p:sp>
+      <p:sp>
+        <p:nvSpPr>
+          <p:cNvPr id="4" name="Slide Number Placeholder 3"/>
+          <p:cNvSpPr>
+            <a:spLocks noGrp="1"/>
+          </p:cNvSpPr>
+          <p:nvPr>
+            <p:ph type="sldNum" sz="quarter" idx="10"/>
+          </p:nvPr>
+        </p:nvSpPr>
+        <p:spPr/>
+        <p:txBody>
+          <a:bodyPr/>
+          <a:lstStyle/>
+          <a:p>
+            <a:fld id="{64EF572D-EF5B-479C-89C5-F647D7191839}" type="slidenum">
+              <a:rPr lang="en-CA" smtClean="0"/>
+              <a:pPr/>
+              <a:t>24</a:t>
             </a:fld>
             <a:endParaRPr lang="en-CA"/>
           </a:p>
@@ -1981,15 +2209,15 @@
         <p:spPr/>
         <p:txBody>
           <a:bodyPr>
-            <a:normAutofit lnSpcReduction="10000"/>
+            <a:normAutofit/>
           </a:bodyPr>
           <a:lstStyle/>
           <a:p>
             <a:r>
-              <a:rPr lang="en-CA" dirty="0" smtClean="0"/>
-              <a:t>Rob</a:t>
-            </a:r>
-            <a:endParaRPr lang="en-CA" dirty="0"/>
+              <a:rPr lang="en-CA" dirty="0" err="1" smtClean="0"/>
+              <a:t>robert</a:t>
+            </a:r>
+            <a:endParaRPr lang="en-US" dirty="0"/>
           </a:p>
         </p:txBody>
       </p:sp>
@@ -2013,7 +2241,7 @@
               <a:pPr/>
               <a:t>3</a:t>
             </a:fld>
-            <a:endParaRPr lang="en-CA" dirty="0"/>
+            <a:endParaRPr lang="en-CA"/>
           </a:p>
         </p:txBody>
       </p:sp>
@@ -2067,7 +2295,7 @@
         <p:spPr/>
         <p:txBody>
           <a:bodyPr>
-            <a:normAutofit/>
+            <a:normAutofit lnSpcReduction="10000"/>
           </a:bodyPr>
           <a:lstStyle/>
           <a:p>
@@ -2075,25 +2303,7 @@
               <a:rPr lang="en-CA" dirty="0" smtClean="0"/>
               <a:t>Rob</a:t>
             </a:r>
-            <a:endParaRPr lang="en-US" dirty="0" smtClean="0"/>
-          </a:p>
-          <a:p>
-            <a:endParaRPr lang="en-US" dirty="0" smtClean="0"/>
-          </a:p>
-          <a:p>
-            <a:r>
-              <a:rPr lang="en-US" dirty="0" smtClean="0"/>
-              <a:t>Astronomy is a hobby of theirs, so they own and operate over 10 telescopes.</a:t>
-            </a:r>
-          </a:p>
-          <a:p>
-            <a:endParaRPr lang="en-US" dirty="0" smtClean="0"/>
-          </a:p>
-          <a:p>
-            <a:r>
-              <a:rPr lang="en-US" dirty="0" smtClean="0"/>
-              <a:t>As of now, Sasha and Nan (our customers), use a manual process for achieving their goals of positioning the telescope and finding new celestial objects. </a:t>
-            </a:r>
+            <a:endParaRPr lang="en-CA" dirty="0"/>
           </a:p>
         </p:txBody>
       </p:sp>
@@ -2117,7 +2327,7 @@
               <a:pPr/>
               <a:t>4</a:t>
             </a:fld>
-            <a:endParaRPr lang="en-CA"/>
+            <a:endParaRPr lang="en-CA" dirty="0"/>
           </a:p>
         </p:txBody>
       </p:sp>
@@ -2177,9 +2387,27 @@
           <a:p>
             <a:r>
               <a:rPr lang="en-CA" dirty="0" smtClean="0"/>
-              <a:t>Robert</a:t>
-            </a:r>
-            <a:endParaRPr lang="en-US" dirty="0"/>
+              <a:t>Rob</a:t>
+            </a:r>
+            <a:endParaRPr lang="en-US" dirty="0" smtClean="0"/>
+          </a:p>
+          <a:p>
+            <a:endParaRPr lang="en-US" dirty="0" smtClean="0"/>
+          </a:p>
+          <a:p>
+            <a:r>
+              <a:rPr lang="en-US" dirty="0" smtClean="0"/>
+              <a:t>Astronomy is a hobby of theirs, so they own and operate over 10 telescopes.</a:t>
+            </a:r>
+          </a:p>
+          <a:p>
+            <a:endParaRPr lang="en-US" dirty="0" smtClean="0"/>
+          </a:p>
+          <a:p>
+            <a:r>
+              <a:rPr lang="en-US" dirty="0" smtClean="0"/>
+              <a:t>As of now, Sasha and Nan (our customers), use a manual process for achieving their goals of positioning the telescope and finding new celestial objects. </a:t>
+            </a:r>
           </a:p>
         </p:txBody>
       </p:sp>
@@ -2262,51 +2490,8 @@
           <a:lstStyle/>
           <a:p>
             <a:r>
-              <a:rPr lang="en-CA" sz="1200" kern="1200" dirty="0" smtClean="0">
-                <a:solidFill>
-                  <a:schemeClr val="tx1"/>
-                </a:solidFill>
-                <a:latin typeface="+mn-lt"/>
-                <a:ea typeface="+mn-ea"/>
-                <a:cs typeface="+mn-cs"/>
-              </a:rPr>
+              <a:rPr lang="en-CA" dirty="0" smtClean="0"/>
               <a:t>Robert</a:t>
-            </a:r>
-          </a:p>
-          <a:p>
-            <a:endParaRPr lang="en-US" sz="1200" kern="1200" dirty="0" smtClean="0">
-              <a:solidFill>
-                <a:schemeClr val="tx1"/>
-              </a:solidFill>
-              <a:latin typeface="+mn-lt"/>
-              <a:ea typeface="+mn-ea"/>
-              <a:cs typeface="+mn-cs"/>
-            </a:endParaRPr>
-          </a:p>
-          <a:p>
-            <a:r>
-              <a:rPr lang="en-US" sz="1200" kern="1200" dirty="0" smtClean="0">
-                <a:solidFill>
-                  <a:schemeClr val="tx1"/>
-                </a:solidFill>
-                <a:latin typeface="+mn-lt"/>
-                <a:ea typeface="+mn-ea"/>
-                <a:cs typeface="+mn-cs"/>
-              </a:rPr>
-              <a:t>Probabilities can be: low, moderate, high.</a:t>
-            </a:r>
-          </a:p>
-          <a:p>
-            <a:r>
-              <a:rPr lang="en-US" sz="1200" kern="1200" dirty="0" smtClean="0">
-                <a:solidFill>
-                  <a:schemeClr val="tx1"/>
-                </a:solidFill>
-                <a:latin typeface="+mn-lt"/>
-                <a:ea typeface="+mn-ea"/>
-                <a:cs typeface="+mn-cs"/>
-              </a:rPr>
-              <a:t>Effects can be: tolerable, serious and catastrophic</a:t>
             </a:r>
             <a:endParaRPr lang="en-US" dirty="0"/>
           </a:p>
@@ -2391,36 +2576,53 @@
           <a:lstStyle/>
           <a:p>
             <a:r>
-              <a:rPr lang="en-CA" dirty="0" smtClean="0"/>
-              <a:t>Rob</a:t>
-            </a:r>
-            <a:endParaRPr lang="en-US" dirty="0" smtClean="0"/>
-          </a:p>
-          <a:p>
-            <a:endParaRPr lang="en-US" dirty="0" smtClean="0"/>
-          </a:p>
-          <a:p>
-            <a:r>
-              <a:rPr lang="en-US" dirty="0" smtClean="0"/>
-              <a:t>Telescope: Meade LX200 (Customer)</a:t>
-            </a:r>
-          </a:p>
-          <a:p>
-            <a:r>
-              <a:rPr lang="en-US" dirty="0" smtClean="0"/>
-              <a:t>Digital camera: Sony A900 DSLR (Customer)</a:t>
-            </a:r>
-          </a:p>
-          <a:p>
-            <a:r>
-              <a:rPr lang="en-US" dirty="0" smtClean="0"/>
-              <a:t>Mobile device: Nokia phones, Apple </a:t>
-            </a:r>
-            <a:r>
-              <a:rPr lang="en-US" dirty="0" err="1" smtClean="0"/>
-              <a:t>iPhone</a:t>
-            </a:r>
-            <a:endParaRPr lang="en-US" dirty="0" smtClean="0"/>
+              <a:rPr lang="en-CA" sz="1200" kern="1200" dirty="0" smtClean="0">
+                <a:solidFill>
+                  <a:schemeClr val="tx1"/>
+                </a:solidFill>
+                <a:latin typeface="+mn-lt"/>
+                <a:ea typeface="+mn-ea"/>
+                <a:cs typeface="+mn-cs"/>
+              </a:rPr>
+              <a:t>Robert</a:t>
+            </a:r>
+          </a:p>
+          <a:p>
+            <a:endParaRPr lang="en-US" sz="1200" kern="1200" dirty="0" smtClean="0">
+              <a:solidFill>
+                <a:schemeClr val="tx1"/>
+              </a:solidFill>
+              <a:latin typeface="+mn-lt"/>
+              <a:ea typeface="+mn-ea"/>
+              <a:cs typeface="+mn-cs"/>
+            </a:endParaRPr>
+          </a:p>
+          <a:p>
+            <a:r>
+              <a:rPr lang="en-US" sz="1200" kern="1200" dirty="0" smtClean="0">
+                <a:solidFill>
+                  <a:schemeClr val="tx1"/>
+                </a:solidFill>
+                <a:latin typeface="+mn-lt"/>
+                <a:ea typeface="+mn-ea"/>
+                <a:cs typeface="+mn-cs"/>
+              </a:rPr>
+              <a:t>Probabilities can be: low, moderate, high.</a:t>
+            </a:r>
+          </a:p>
+          <a:p>
+            <a:r>
+              <a:rPr lang="en-US" sz="1200" kern="1200" dirty="0" smtClean="0">
+                <a:solidFill>
+                  <a:schemeClr val="tx1"/>
+                </a:solidFill>
+                <a:latin typeface="+mn-lt"/>
+                <a:ea typeface="+mn-ea"/>
+                <a:cs typeface="+mn-cs"/>
+              </a:rPr>
+              <a:t>Effects can be: tolerable, serious and catastrophic</a:t>
+            </a:r>
+            <a:endParaRPr lang="en-US" dirty="0"/>
           </a:p>
         </p:txBody>
       </p:sp>
@@ -2503,10 +2705,36 @@
           <a:lstStyle/>
           <a:p>
             <a:r>
-              <a:rPr lang="en-CA" dirty="0" err="1" smtClean="0"/>
-              <a:t>robert</a:t>
-            </a:r>
-            <a:endParaRPr lang="en-US" dirty="0"/>
+              <a:rPr lang="en-CA" dirty="0" smtClean="0"/>
+              <a:t>Rob</a:t>
+            </a:r>
+            <a:endParaRPr lang="en-US" dirty="0" smtClean="0"/>
+          </a:p>
+          <a:p>
+            <a:endParaRPr lang="en-US" dirty="0" smtClean="0"/>
+          </a:p>
+          <a:p>
+            <a:r>
+              <a:rPr lang="en-US" dirty="0" smtClean="0"/>
+              <a:t>Telescope: Meade LX200 (Customer)</a:t>
+            </a:r>
+          </a:p>
+          <a:p>
+            <a:r>
+              <a:rPr lang="en-US" dirty="0" smtClean="0"/>
+              <a:t>Digital camera: Sony A900 DSLR (Customer)</a:t>
+            </a:r>
+          </a:p>
+          <a:p>
+            <a:r>
+              <a:rPr lang="en-US" dirty="0" smtClean="0"/>
+              <a:t>Mobile device: Nokia phones, Apple </a:t>
+            </a:r>
+            <a:r>
+              <a:rPr lang="en-US" dirty="0" err="1" smtClean="0"/>
+              <a:t>iPhone</a:t>
+            </a:r>
+            <a:endParaRPr lang="en-US" dirty="0" smtClean="0"/>
           </a:p>
         </p:txBody>
       </p:sp>
@@ -2589,10 +2817,10 @@
           <a:lstStyle/>
           <a:p>
             <a:r>
-              <a:rPr lang="en-CA" dirty="0" smtClean="0"/>
-              <a:t>Rob</a:t>
-            </a:r>
-            <a:endParaRPr lang="en-CA" dirty="0"/>
+              <a:rPr lang="en-CA" dirty="0" err="1" smtClean="0"/>
+              <a:t>robert</a:t>
+            </a:r>
+            <a:endParaRPr lang="en-US" dirty="0"/>
           </a:p>
         </p:txBody>
       </p:sp>
@@ -2810,7 +3038,7 @@
             <a:fld id="{471E1C79-A119-44DE-84CD-391F73B5F415}" type="datetimeFigureOut">
               <a:rPr lang="en-US" smtClean="0"/>
               <a:pPr/>
-              <a:t>4/7/2010</a:t>
+              <a:t>4/8/2010</a:t>
             </a:fld>
             <a:endParaRPr lang="en-CA"/>
           </a:p>
@@ -2977,7 +3205,7 @@
             <a:fld id="{471E1C79-A119-44DE-84CD-391F73B5F415}" type="datetimeFigureOut">
               <a:rPr lang="en-US" smtClean="0"/>
               <a:pPr/>
-              <a:t>4/7/2010</a:t>
+              <a:t>4/8/2010</a:t>
             </a:fld>
             <a:endParaRPr lang="en-CA"/>
           </a:p>
@@ -3154,7 +3382,7 @@
             <a:fld id="{471E1C79-A119-44DE-84CD-391F73B5F415}" type="datetimeFigureOut">
               <a:rPr lang="en-US" smtClean="0"/>
               <a:pPr/>
-              <a:t>4/7/2010</a:t>
+              <a:t>4/8/2010</a:t>
             </a:fld>
             <a:endParaRPr lang="en-CA"/>
           </a:p>
@@ -3321,7 +3549,7 @@
             <a:fld id="{471E1C79-A119-44DE-84CD-391F73B5F415}" type="datetimeFigureOut">
               <a:rPr lang="en-US" smtClean="0"/>
               <a:pPr/>
-              <a:t>4/7/2010</a:t>
+              <a:t>4/8/2010</a:t>
             </a:fld>
             <a:endParaRPr lang="en-CA"/>
           </a:p>
@@ -3564,7 +3792,7 @@
             <a:fld id="{471E1C79-A119-44DE-84CD-391F73B5F415}" type="datetimeFigureOut">
               <a:rPr lang="en-US" smtClean="0"/>
               <a:pPr/>
-              <a:t>4/7/2010</a:t>
+              <a:t>4/8/2010</a:t>
             </a:fld>
             <a:endParaRPr lang="en-CA"/>
           </a:p>
@@ -3849,7 +4077,7 @@
             <a:fld id="{471E1C79-A119-44DE-84CD-391F73B5F415}" type="datetimeFigureOut">
               <a:rPr lang="en-US" smtClean="0"/>
               <a:pPr/>
-              <a:t>4/7/2010</a:t>
+              <a:t>4/8/2010</a:t>
             </a:fld>
             <a:endParaRPr lang="en-CA"/>
           </a:p>
@@ -4268,7 +4496,7 @@
             <a:fld id="{471E1C79-A119-44DE-84CD-391F73B5F415}" type="datetimeFigureOut">
               <a:rPr lang="en-US" smtClean="0"/>
               <a:pPr/>
-              <a:t>4/7/2010</a:t>
+              <a:t>4/8/2010</a:t>
             </a:fld>
             <a:endParaRPr lang="en-CA"/>
           </a:p>
@@ -4383,7 +4611,7 @@
             <a:fld id="{471E1C79-A119-44DE-84CD-391F73B5F415}" type="datetimeFigureOut">
               <a:rPr lang="en-US" smtClean="0"/>
               <a:pPr/>
-              <a:t>4/7/2010</a:t>
+              <a:t>4/8/2010</a:t>
             </a:fld>
             <a:endParaRPr lang="en-CA"/>
           </a:p>
@@ -4475,7 +4703,7 @@
             <a:fld id="{471E1C79-A119-44DE-84CD-391F73B5F415}" type="datetimeFigureOut">
               <a:rPr lang="en-US" smtClean="0"/>
               <a:pPr/>
-              <a:t>4/7/2010</a:t>
+              <a:t>4/8/2010</a:t>
             </a:fld>
             <a:endParaRPr lang="en-CA"/>
           </a:p>
@@ -4749,7 +4977,7 @@
             <a:fld id="{471E1C79-A119-44DE-84CD-391F73B5F415}" type="datetimeFigureOut">
               <a:rPr lang="en-US" smtClean="0"/>
               <a:pPr/>
-              <a:t>4/7/2010</a:t>
+              <a:t>4/8/2010</a:t>
             </a:fld>
             <a:endParaRPr lang="en-CA"/>
           </a:p>
@@ -4999,7 +5227,7 @@
             <a:fld id="{471E1C79-A119-44DE-84CD-391F73B5F415}" type="datetimeFigureOut">
               <a:rPr lang="en-US" smtClean="0"/>
               <a:pPr/>
-              <a:t>4/7/2010</a:t>
+              <a:t>4/8/2010</a:t>
             </a:fld>
             <a:endParaRPr lang="en-CA"/>
           </a:p>
@@ -5218,7 +5446,7 @@
             <a:fld id="{471E1C79-A119-44DE-84CD-391F73B5F415}" type="datetimeFigureOut">
               <a:rPr lang="en-US" smtClean="0"/>
               <a:pPr/>
-              <a:t>4/7/2010</a:t>
+              <a:t>4/8/2010</a:t>
             </a:fld>
             <a:endParaRPr lang="en-CA"/>
           </a:p>
@@ -5784,14 +6012,24 @@
               <a:schemeClr val="accent1"/>
             </a:solidFill>
           </a:ln>
+          <a:effectLst>
+            <a:glow rad="63500">
+              <a:schemeClr val="accent1">
+                <a:satMod val="175000"/>
+                <a:alpha val="40000"/>
+              </a:schemeClr>
+            </a:glow>
+          </a:effectLst>
         </p:spPr>
         <p:txBody>
-          <a:bodyPr/>
-          <a:lstStyle/>
-          <a:p>
-            <a:r>
-              <a:rPr lang="en-US" dirty="0" smtClean="0"/>
-              <a:t>Web Server Machine Details</a:t>
+          <a:bodyPr>
+            <a:normAutofit fontScale="90000"/>
+          </a:bodyPr>
+          <a:lstStyle/>
+          <a:p>
+            <a:r>
+              <a:rPr lang="en-US" dirty="0" smtClean="0"/>
+              <a:t>Software Development Methodology</a:t>
             </a:r>
             <a:endParaRPr lang="en-CA" dirty="0"/>
           </a:p>
@@ -5808,6 +6046,10 @@
           </p:nvPr>
         </p:nvSpPr>
         <p:spPr>
+          <a:xfrm>
+            <a:off x="457200" y="1600201"/>
+            <a:ext cx="8229600" cy="4472006"/>
+          </a:xfrm>
           <a:solidFill>
             <a:srgbClr val="000000"/>
           </a:solidFill>
@@ -5816,6 +6058,17 @@
               <a:schemeClr val="accent1"/>
             </a:solidFill>
           </a:ln>
+          <a:effectLst>
+            <a:glow rad="63500">
+              <a:schemeClr val="accent1">
+                <a:satMod val="175000"/>
+                <a:alpha val="40000"/>
+              </a:schemeClr>
+            </a:glow>
+            <a:outerShdw blurRad="107950" dist="12700" dir="5400000" algn="ctr">
+              <a:srgbClr val="000000"/>
+            </a:outerShdw>
+          </a:effectLst>
         </p:spPr>
         <p:txBody>
           <a:bodyPr>
@@ -5824,20 +6077,18 @@
           <a:lstStyle/>
           <a:p>
             <a:r>
-              <a:rPr lang="en-US" dirty="0" smtClean="0"/>
-              <a:t>Framework: Ruby on Rails</a:t>
-            </a:r>
-          </a:p>
-          <a:p>
-            <a:r>
-              <a:rPr lang="en-US" dirty="0" smtClean="0"/>
-              <a:t>Operating System: Fedora 11</a:t>
-            </a:r>
-          </a:p>
-          <a:p>
-            <a:r>
-              <a:rPr lang="en-US" dirty="0" smtClean="0"/>
-              <a:t>Web Server: Apache2</a:t>
+              <a:rPr lang="en-CA" dirty="0" err="1" smtClean="0"/>
+              <a:t>Xtreme</a:t>
+            </a:r>
+            <a:r>
+              <a:rPr lang="en-CA" dirty="0" smtClean="0"/>
+              <a:t> Programming</a:t>
+            </a:r>
+          </a:p>
+          <a:p>
+            <a:r>
+              <a:rPr lang="en-CA" dirty="0" smtClean="0"/>
+              <a:t>Rational Unified Process</a:t>
             </a:r>
             <a:endParaRPr lang="en-CA" dirty="0"/>
           </a:p>
@@ -5848,6 +6099,13 @@
   <p:clrMapOvr>
     <a:masterClrMapping/>
   </p:clrMapOvr>
+  <p:timing>
+    <p:tnLst>
+      <p:par>
+        <p:cTn id="1" dur="indefinite" restart="never" nodeType="tmRoot"/>
+      </p:par>
+    </p:tnLst>
+  </p:timing>
 </p:sld>
 </file>
 
@@ -5894,7 +6152,7 @@
           <a:p>
             <a:r>
               <a:rPr lang="en-US" dirty="0" smtClean="0"/>
-              <a:t>Telescope Machine Details</a:t>
+              <a:t>Web Server Machine Details</a:t>
             </a:r>
             <a:endParaRPr lang="en-CA" dirty="0"/>
           </a:p>
@@ -5928,33 +6186,21 @@
           <a:p>
             <a:r>
               <a:rPr lang="en-US" dirty="0" smtClean="0"/>
-              <a:t>Language: C#</a:t>
-            </a:r>
-          </a:p>
-          <a:p>
-            <a:r>
-              <a:rPr lang="en-US" dirty="0" smtClean="0"/>
-              <a:t>Operating System: Windows XP</a:t>
-            </a:r>
-          </a:p>
-          <a:p>
-            <a:r>
-              <a:rPr lang="en-US" dirty="0" smtClean="0"/>
-              <a:t>Database: Oracle 10g Express Edition</a:t>
-            </a:r>
-          </a:p>
-          <a:p>
-            <a:r>
-              <a:rPr lang="en-CA" dirty="0" smtClean="0"/>
-              <a:t>Telescope drivers: ASCOM</a:t>
+              <a:t>Framework: Ruby on Rails</a:t>
+            </a:r>
+          </a:p>
+          <a:p>
+            <a:r>
+              <a:rPr lang="en-US" dirty="0" smtClean="0"/>
+              <a:t>Operating System: Fedora 11</a:t>
+            </a:r>
+          </a:p>
+          <a:p>
+            <a:r>
+              <a:rPr lang="en-US" dirty="0" smtClean="0"/>
+              <a:t>Web Server: Apache2</a:t>
             </a:r>
             <a:endParaRPr lang="en-CA" dirty="0"/>
-          </a:p>
-          <a:p>
-            <a:r>
-              <a:rPr lang="en-CA" dirty="0" smtClean="0"/>
-              <a:t>Camera drivers: Camera EDSDK</a:t>
-            </a:r>
           </a:p>
         </p:txBody>
       </p:sp>
@@ -6009,7 +6255,7 @@
           <a:p>
             <a:r>
               <a:rPr lang="en-US" dirty="0" smtClean="0"/>
-              <a:t>Versioning Control: GIT</a:t>
+              <a:t>Telescope Machine Details</a:t>
             </a:r>
             <a:endParaRPr lang="en-CA" dirty="0"/>
           </a:p>
@@ -6043,21 +6289,33 @@
           <a:p>
             <a:r>
               <a:rPr lang="en-US" dirty="0" smtClean="0"/>
-              <a:t>Fast</a:t>
+              <a:t>Language: C#</a:t>
+            </a:r>
+          </a:p>
+          <a:p>
+            <a:r>
+              <a:rPr lang="en-US" dirty="0" smtClean="0"/>
+              <a:t>Operating System: Windows XP</a:t>
+            </a:r>
+          </a:p>
+          <a:p>
+            <a:r>
+              <a:rPr lang="en-US" dirty="0" smtClean="0"/>
+              <a:t>Database: Oracle 10g Express Edition</a:t>
             </a:r>
           </a:p>
           <a:p>
             <a:r>
               <a:rPr lang="en-CA" dirty="0" smtClean="0"/>
-              <a:t>Small</a:t>
-            </a:r>
+              <a:t>Telescope drivers: ASCOM</a:t>
+            </a:r>
+            <a:endParaRPr lang="en-CA" dirty="0"/>
           </a:p>
           <a:p>
             <a:r>
               <a:rPr lang="en-CA" dirty="0" smtClean="0"/>
-              <a:t>Easy to learn</a:t>
-            </a:r>
-            <a:endParaRPr lang="en-US" dirty="0"/>
+              <a:t>Camera drivers: Camera EDSDK</a:t>
+            </a:r>
           </a:p>
         </p:txBody>
       </p:sp>
@@ -6070,6 +6328,109 @@
 </file>
 
 <file path=ppt/slides/slide13.xml><?xml version="1.0" encoding="utf-8"?>
+<p:sld xmlns:a="http://schemas.openxmlformats.org/drawingml/2006/main" xmlns:r="http://schemas.openxmlformats.org/officeDocument/2006/relationships" xmlns:p="http://schemas.openxmlformats.org/presentationml/2006/main">
+  <p:cSld>
+    <p:spTree>
+      <p:nvGrpSpPr>
+        <p:cNvPr id="1" name=""/>
+        <p:cNvGrpSpPr/>
+        <p:nvPr/>
+      </p:nvGrpSpPr>
+      <p:grpSpPr>
+        <a:xfrm>
+          <a:off x="0" y="0"/>
+          <a:ext cx="0" cy="0"/>
+          <a:chOff x="0" y="0"/>
+          <a:chExt cx="0" cy="0"/>
+        </a:xfrm>
+      </p:grpSpPr>
+      <p:sp>
+        <p:nvSpPr>
+          <p:cNvPr id="2" name="Title 1"/>
+          <p:cNvSpPr>
+            <a:spLocks noGrp="1"/>
+          </p:cNvSpPr>
+          <p:nvPr>
+            <p:ph type="title"/>
+          </p:nvPr>
+        </p:nvSpPr>
+        <p:spPr>
+          <a:solidFill>
+            <a:srgbClr val="000000"/>
+          </a:solidFill>
+          <a:ln>
+            <a:solidFill>
+              <a:schemeClr val="accent1"/>
+            </a:solidFill>
+          </a:ln>
+        </p:spPr>
+        <p:txBody>
+          <a:bodyPr/>
+          <a:lstStyle/>
+          <a:p>
+            <a:r>
+              <a:rPr lang="en-US" dirty="0" smtClean="0"/>
+              <a:t>Versioning Control: GIT</a:t>
+            </a:r>
+            <a:endParaRPr lang="en-CA" dirty="0"/>
+          </a:p>
+        </p:txBody>
+      </p:sp>
+      <p:sp>
+        <p:nvSpPr>
+          <p:cNvPr id="3" name="Content Placeholder 2"/>
+          <p:cNvSpPr>
+            <a:spLocks noGrp="1"/>
+          </p:cNvSpPr>
+          <p:nvPr>
+            <p:ph idx="1"/>
+          </p:nvPr>
+        </p:nvSpPr>
+        <p:spPr>
+          <a:solidFill>
+            <a:srgbClr val="000000"/>
+          </a:solidFill>
+          <a:ln>
+            <a:solidFill>
+              <a:schemeClr val="accent1"/>
+            </a:solidFill>
+          </a:ln>
+        </p:spPr>
+        <p:txBody>
+          <a:bodyPr>
+            <a:normAutofit/>
+          </a:bodyPr>
+          <a:lstStyle/>
+          <a:p>
+            <a:r>
+              <a:rPr lang="en-US" dirty="0" smtClean="0"/>
+              <a:t>Fast</a:t>
+            </a:r>
+          </a:p>
+          <a:p>
+            <a:r>
+              <a:rPr lang="en-CA" dirty="0" smtClean="0"/>
+              <a:t>Small</a:t>
+            </a:r>
+          </a:p>
+          <a:p>
+            <a:r>
+              <a:rPr lang="en-CA" dirty="0" smtClean="0"/>
+              <a:t>Easy to learn</a:t>
+            </a:r>
+            <a:endParaRPr lang="en-US" dirty="0"/>
+          </a:p>
+        </p:txBody>
+      </p:sp>
+    </p:spTree>
+  </p:cSld>
+  <p:clrMapOvr>
+    <a:masterClrMapping/>
+  </p:clrMapOvr>
+</p:sld>
+</file>
+
+<file path=ppt/slides/slide14.xml><?xml version="1.0" encoding="utf-8"?>
 <p:sld xmlns:a="http://schemas.openxmlformats.org/drawingml/2006/main" xmlns:r="http://schemas.openxmlformats.org/officeDocument/2006/relationships" xmlns:p="http://schemas.openxmlformats.org/presentationml/2006/main">
   <p:cSld>
     <p:spTree>
@@ -6174,110 +6535,6 @@
 </p:sld>
 </file>
 
-<file path=ppt/slides/slide14.xml><?xml version="1.0" encoding="utf-8"?>
-<p:sld xmlns:a="http://schemas.openxmlformats.org/drawingml/2006/main" xmlns:r="http://schemas.openxmlformats.org/officeDocument/2006/relationships" xmlns:p="http://schemas.openxmlformats.org/presentationml/2006/main">
-  <p:cSld>
-    <p:spTree>
-      <p:nvGrpSpPr>
-        <p:cNvPr id="1" name=""/>
-        <p:cNvGrpSpPr/>
-        <p:nvPr/>
-      </p:nvGrpSpPr>
-      <p:grpSpPr>
-        <a:xfrm>
-          <a:off x="0" y="0"/>
-          <a:ext cx="0" cy="0"/>
-          <a:chOff x="0" y="0"/>
-          <a:chExt cx="0" cy="0"/>
-        </a:xfrm>
-      </p:grpSpPr>
-      <p:sp>
-        <p:nvSpPr>
-          <p:cNvPr id="2" name="Title 1"/>
-          <p:cNvSpPr>
-            <a:spLocks noGrp="1"/>
-          </p:cNvSpPr>
-          <p:nvPr>
-            <p:ph type="title"/>
-          </p:nvPr>
-        </p:nvSpPr>
-        <p:spPr>
-          <a:solidFill>
-            <a:srgbClr val="000000"/>
-          </a:solidFill>
-          <a:ln>
-            <a:solidFill>
-              <a:schemeClr val="accent1"/>
-            </a:solidFill>
-          </a:ln>
-        </p:spPr>
-        <p:txBody>
-          <a:bodyPr/>
-          <a:lstStyle/>
-          <a:p>
-            <a:r>
-              <a:rPr lang="en-US" dirty="0" smtClean="0"/>
-              <a:t>Testing</a:t>
-            </a:r>
-            <a:endParaRPr lang="en-CA" dirty="0"/>
-          </a:p>
-        </p:txBody>
-      </p:sp>
-      <p:sp>
-        <p:nvSpPr>
-          <p:cNvPr id="3" name="Content Placeholder 2"/>
-          <p:cNvSpPr>
-            <a:spLocks noGrp="1"/>
-          </p:cNvSpPr>
-          <p:nvPr>
-            <p:ph idx="1"/>
-          </p:nvPr>
-        </p:nvSpPr>
-        <p:spPr>
-          <a:solidFill>
-            <a:srgbClr val="000000"/>
-          </a:solidFill>
-          <a:ln>
-            <a:solidFill>
-              <a:schemeClr val="accent1"/>
-            </a:solidFill>
-          </a:ln>
-        </p:spPr>
-        <p:txBody>
-          <a:bodyPr>
-            <a:normAutofit/>
-          </a:bodyPr>
-          <a:lstStyle/>
-          <a:p>
-            <a:r>
-              <a:rPr lang="en-US" dirty="0" smtClean="0"/>
-              <a:t>Unit tests</a:t>
-            </a:r>
-          </a:p>
-          <a:p>
-            <a:r>
-              <a:rPr lang="en-CA" dirty="0" smtClean="0"/>
-              <a:t>Acceptance tests</a:t>
-            </a:r>
-            <a:endParaRPr lang="en-US" dirty="0" smtClean="0"/>
-          </a:p>
-        </p:txBody>
-      </p:sp>
-    </p:spTree>
-  </p:cSld>
-  <p:clrMapOvr>
-    <a:masterClrMapping/>
-  </p:clrMapOvr>
-  <p:timing>
-    <p:tnLst>
-      <p:par>
-        <p:cTn id="1" dur="indefinite" restart="never" nodeType="tmRoot"/>
-      </p:par>
-    </p:tnLst>
-  </p:timing>
-</p:sld>
-</file>
-
 <file path=ppt/slides/slide15.xml><?xml version="1.0" encoding="utf-8"?>
 <p:sld xmlns:a="http://schemas.openxmlformats.org/drawingml/2006/main" xmlns:r="http://schemas.openxmlformats.org/officeDocument/2006/relationships" xmlns:p="http://schemas.openxmlformats.org/presentationml/2006/main">
   <p:cSld>
@@ -6321,305 +6578,65 @@
           <a:p>
             <a:r>
               <a:rPr lang="en-US" dirty="0" smtClean="0"/>
-              <a:t>Example: Unit Test + Demo</a:t>
+              <a:t>Class Diagram: Web Application</a:t>
             </a:r>
             <a:endParaRPr lang="en-CA" dirty="0"/>
           </a:p>
         </p:txBody>
       </p:sp>
-      <p:sp>
-        <p:nvSpPr>
-          <p:cNvPr id="3" name="Content Placeholder 2"/>
-          <p:cNvSpPr>
-            <a:spLocks noGrp="1"/>
-          </p:cNvSpPr>
+      <p:pic>
+        <p:nvPicPr>
+          <p:cNvPr id="1027" name="Picture 3" descr="C:\Documents and Settings\Rob\rails\documentation\images\diagrams\Stargazer_ClassDiagram.jpg"/>
+          <p:cNvPicPr>
+            <a:picLocks noGrp="1" noChangeAspect="1" noChangeArrowheads="1"/>
+          </p:cNvPicPr>
           <p:nvPr>
             <p:ph idx="1"/>
           </p:nvPr>
-        </p:nvSpPr>
-        <p:spPr>
-          <a:solidFill>
-            <a:srgbClr val="000000"/>
-          </a:solidFill>
-          <a:ln>
+        </p:nvPicPr>
+        <p:blipFill>
+          <a:blip r:embed="rId3" cstate="print"/>
+          <a:srcRect/>
+          <a:stretch>
+            <a:fillRect/>
+          </a:stretch>
+        </p:blipFill>
+        <p:spPr bwMode="auto">
+          <a:xfrm>
+            <a:off x="920965" y="1500188"/>
+            <a:ext cx="7400496" cy="5118100"/>
+          </a:xfrm>
+          <a:prstGeom prst="rect">
+            <a:avLst/>
+          </a:prstGeom>
+          <a:ln w="38100" cap="sq">
             <a:solidFill>
-              <a:schemeClr val="accent1"/>
+              <a:srgbClr val="000000"/>
             </a:solidFill>
+            <a:prstDash val="solid"/>
+            <a:miter lim="800000"/>
           </a:ln>
+          <a:effectLst>
+            <a:outerShdw blurRad="50800" dist="38100" dir="2700000" algn="tl" rotWithShape="0">
+              <a:srgbClr val="000000">
+                <a:alpha val="43000"/>
+              </a:srgbClr>
+            </a:outerShdw>
+          </a:effectLst>
         </p:spPr>
-        <p:txBody>
-          <a:bodyPr>
-            <a:normAutofit fontScale="47500" lnSpcReduction="20000"/>
-          </a:bodyPr>
-          <a:lstStyle/>
-          <a:p>
-            <a:pPr>
-              <a:buNone/>
-            </a:pPr>
-            <a:r>
-              <a:rPr lang="en-US" dirty="0" smtClean="0"/>
-              <a:t>require '</a:t>
-            </a:r>
-            <a:r>
-              <a:rPr lang="en-US" dirty="0" err="1" smtClean="0"/>
-              <a:t>test_helper</a:t>
-            </a:r>
-            <a:r>
-              <a:rPr lang="en-US" dirty="0" smtClean="0"/>
-              <a:t>'</a:t>
-            </a:r>
-          </a:p>
-          <a:p>
-            <a:pPr>
-              <a:buNone/>
-            </a:pPr>
-            <a:endParaRPr lang="en-US" dirty="0" smtClean="0"/>
-          </a:p>
-          <a:p>
-            <a:pPr>
-              <a:buNone/>
-            </a:pPr>
-            <a:r>
-              <a:rPr lang="en-US" dirty="0" smtClean="0"/>
-              <a:t>class </a:t>
-            </a:r>
-            <a:r>
-              <a:rPr lang="en-US" dirty="0" err="1" smtClean="0"/>
-              <a:t>UserTest</a:t>
-            </a:r>
-            <a:r>
-              <a:rPr lang="en-US" dirty="0" smtClean="0"/>
-              <a:t> &lt; </a:t>
-            </a:r>
-            <a:r>
-              <a:rPr lang="en-US" dirty="0" err="1" smtClean="0"/>
-              <a:t>ActiveSupport</a:t>
-            </a:r>
-            <a:r>
-              <a:rPr lang="en-US" dirty="0" smtClean="0"/>
-              <a:t>::</a:t>
-            </a:r>
-            <a:r>
-              <a:rPr lang="en-US" dirty="0" err="1" smtClean="0"/>
-              <a:t>TestCase</a:t>
-            </a:r>
-            <a:endParaRPr lang="en-US" dirty="0" smtClean="0"/>
-          </a:p>
-          <a:p>
-            <a:pPr>
-              <a:buNone/>
-            </a:pPr>
-            <a:r>
-              <a:rPr lang="en-US" dirty="0" smtClean="0"/>
-              <a:t>	</a:t>
-            </a:r>
-          </a:p>
-          <a:p>
-            <a:pPr>
-              <a:buNone/>
-            </a:pPr>
-            <a:r>
-              <a:rPr lang="en-US" dirty="0" smtClean="0"/>
-              <a:t>  # create a user with necessary, correct input values for the following tests</a:t>
-            </a:r>
-          </a:p>
-          <a:p>
-            <a:pPr>
-              <a:buNone/>
-            </a:pPr>
-            <a:r>
-              <a:rPr lang="en-US" dirty="0" smtClean="0"/>
-              <a:t>  def setup</a:t>
-            </a:r>
-          </a:p>
-          <a:p>
-            <a:pPr>
-              <a:buNone/>
-            </a:pPr>
-            <a:r>
-              <a:rPr lang="en-US" dirty="0" smtClean="0"/>
-              <a:t>  	@user = </a:t>
-            </a:r>
-            <a:r>
-              <a:rPr lang="en-US" dirty="0" err="1" smtClean="0"/>
-              <a:t>User.new</a:t>
-            </a:r>
-            <a:endParaRPr lang="en-US" dirty="0" smtClean="0"/>
-          </a:p>
-          <a:p>
-            <a:pPr>
-              <a:buNone/>
-            </a:pPr>
-            <a:r>
-              <a:rPr lang="en-US" dirty="0" smtClean="0"/>
-              <a:t>  	@</a:t>
-            </a:r>
-            <a:r>
-              <a:rPr lang="en-US" dirty="0" err="1" smtClean="0"/>
-              <a:t>user.username</a:t>
-            </a:r>
-            <a:r>
-              <a:rPr lang="en-US" dirty="0" smtClean="0"/>
-              <a:t> = "</a:t>
-            </a:r>
-            <a:r>
-              <a:rPr lang="en-US" dirty="0" err="1" smtClean="0"/>
-              <a:t>unit_test</a:t>
-            </a:r>
-            <a:r>
-              <a:rPr lang="en-US" dirty="0" smtClean="0"/>
-              <a:t>"</a:t>
-            </a:r>
-          </a:p>
-          <a:p>
-            <a:pPr>
-              <a:buNone/>
-            </a:pPr>
-            <a:r>
-              <a:rPr lang="en-US" dirty="0" smtClean="0"/>
-              <a:t>  	@</a:t>
-            </a:r>
-            <a:r>
-              <a:rPr lang="en-US" dirty="0" err="1" smtClean="0"/>
-              <a:t>user.email</a:t>
-            </a:r>
-            <a:r>
-              <a:rPr lang="en-US" dirty="0" smtClean="0"/>
-              <a:t> = "unit@test.com"</a:t>
-            </a:r>
-          </a:p>
-          <a:p>
-            <a:pPr>
-              <a:buNone/>
-            </a:pPr>
-            <a:r>
-              <a:rPr lang="en-US" dirty="0" smtClean="0"/>
-              <a:t>    	@</a:t>
-            </a:r>
-            <a:r>
-              <a:rPr lang="en-US" dirty="0" err="1" smtClean="0"/>
-              <a:t>user.password</a:t>
-            </a:r>
-            <a:r>
-              <a:rPr lang="en-US" dirty="0" smtClean="0"/>
-              <a:t> = "test"</a:t>
-            </a:r>
-          </a:p>
-          <a:p>
-            <a:pPr>
-              <a:buNone/>
-            </a:pPr>
-            <a:r>
-              <a:rPr lang="en-US" dirty="0" smtClean="0"/>
-              <a:t>    	@</a:t>
-            </a:r>
-            <a:r>
-              <a:rPr lang="en-US" dirty="0" err="1" smtClean="0"/>
-              <a:t>user.password_confirmation</a:t>
-            </a:r>
-            <a:r>
-              <a:rPr lang="en-US" dirty="0" smtClean="0"/>
-              <a:t> = "test"</a:t>
-            </a:r>
-          </a:p>
-          <a:p>
-            <a:pPr>
-              <a:buNone/>
-            </a:pPr>
-            <a:r>
-              <a:rPr lang="en-US" dirty="0" smtClean="0"/>
-              <a:t>  end</a:t>
-            </a:r>
-          </a:p>
-          <a:p>
-            <a:pPr>
-              <a:buNone/>
-            </a:pPr>
-            <a:r>
-              <a:rPr lang="en-US" dirty="0" smtClean="0"/>
-              <a:t>  </a:t>
-            </a:r>
-          </a:p>
-          <a:p>
-            <a:pPr>
-              <a:buNone/>
-            </a:pPr>
-            <a:r>
-              <a:rPr lang="en-US" dirty="0" smtClean="0"/>
-              <a:t>  def </a:t>
-            </a:r>
-            <a:r>
-              <a:rPr lang="en-US" dirty="0" err="1" smtClean="0"/>
-              <a:t>test_username_cannot_be_null</a:t>
-            </a:r>
-            <a:endParaRPr lang="en-US" dirty="0" smtClean="0"/>
-          </a:p>
-          <a:p>
-            <a:pPr>
-              <a:buNone/>
-            </a:pPr>
-            <a:r>
-              <a:rPr lang="en-US" dirty="0" smtClean="0"/>
-              <a:t>    	@</a:t>
-            </a:r>
-            <a:r>
-              <a:rPr lang="en-US" dirty="0" err="1" smtClean="0"/>
-              <a:t>user.username</a:t>
-            </a:r>
-            <a:r>
-              <a:rPr lang="en-US" dirty="0" smtClean="0"/>
-              <a:t> = ""</a:t>
-            </a:r>
-          </a:p>
-          <a:p>
-            <a:pPr>
-              <a:buNone/>
-            </a:pPr>
-            <a:r>
-              <a:rPr lang="en-US" dirty="0" smtClean="0"/>
-              <a:t>    	assert !@</a:t>
-            </a:r>
-            <a:r>
-              <a:rPr lang="en-US" dirty="0" err="1" smtClean="0"/>
-              <a:t>user.save</a:t>
-            </a:r>
-            <a:r>
-              <a:rPr lang="en-US" dirty="0" smtClean="0"/>
-              <a:t>  </a:t>
-            </a:r>
-          </a:p>
-          <a:p>
-            <a:pPr>
-              <a:buNone/>
-            </a:pPr>
-            <a:r>
-              <a:rPr lang="en-US" dirty="0" smtClean="0"/>
-              <a:t>  end</a:t>
-            </a:r>
-          </a:p>
-          <a:p>
-            <a:pPr>
-              <a:buNone/>
-            </a:pPr>
-            <a:endParaRPr lang="en-US" dirty="0" smtClean="0"/>
-          </a:p>
-          <a:p>
-            <a:pPr>
-              <a:buNone/>
-            </a:pPr>
-            <a:r>
-              <a:rPr lang="en-US" dirty="0" smtClean="0"/>
-              <a:t>end</a:t>
-            </a:r>
-            <a:endParaRPr lang="en-CA" dirty="0"/>
-          </a:p>
-        </p:txBody>
-      </p:sp>
+      </p:pic>
     </p:spTree>
   </p:cSld>
   <p:clrMapOvr>
     <a:masterClrMapping/>
   </p:clrMapOvr>
+  <p:timing>
+    <p:tnLst>
+      <p:par>
+        <p:cTn id="1" dur="indefinite" restart="never" nodeType="tmRoot"/>
+      </p:par>
+    </p:tnLst>
+  </p:timing>
 </p:sld>
 </file>
 
@@ -6666,7 +6683,7 @@
           <a:p>
             <a:r>
               <a:rPr lang="en-US" dirty="0" smtClean="0"/>
-              <a:t>Project Timeline</a:t>
+              <a:t>Testing</a:t>
             </a:r>
             <a:endParaRPr lang="en-CA" dirty="0"/>
           </a:p>
@@ -6693,55 +6710,22 @@
           </a:ln>
         </p:spPr>
         <p:txBody>
-          <a:bodyPr/>
-          <a:lstStyle/>
-          <a:p>
-            <a:r>
-              <a:rPr lang="en-US" dirty="0" smtClean="0"/>
-              <a:t>Iteration 1: Inception</a:t>
-            </a:r>
-          </a:p>
-          <a:p>
-            <a:r>
-              <a:rPr lang="en-US" dirty="0" smtClean="0"/>
-              <a:t>Iteration 2: SPIKE project</a:t>
-            </a:r>
-          </a:p>
-          <a:p>
-            <a:r>
-              <a:rPr lang="en-US" dirty="0" smtClean="0"/>
-              <a:t>Iteration 3: Release #1</a:t>
-            </a:r>
-          </a:p>
-          <a:p>
-            <a:r>
-              <a:rPr lang="en-US" dirty="0" smtClean="0"/>
-              <a:t>Iteration 4: Release #2</a:t>
-            </a:r>
-          </a:p>
-          <a:p>
-            <a:r>
-              <a:rPr lang="en-US" dirty="0" smtClean="0"/>
-              <a:t>Iteration 5: Final </a:t>
-            </a:r>
-            <a:r>
-              <a:rPr lang="en-US" dirty="0" err="1" smtClean="0"/>
-              <a:t>Refactored</a:t>
-            </a:r>
-            <a:r>
-              <a:rPr lang="en-US" dirty="0" smtClean="0"/>
-              <a:t> Release</a:t>
-            </a:r>
-          </a:p>
-          <a:p>
+          <a:bodyPr>
+            <a:normAutofit/>
+          </a:bodyPr>
+          <a:lstStyle/>
+          <a:p>
+            <a:r>
+              <a:rPr lang="en-US" dirty="0" smtClean="0"/>
+              <a:t>Unit tests</a:t>
+            </a:r>
+          </a:p>
+          <a:p>
+            <a:r>
+              <a:rPr lang="en-CA" dirty="0" smtClean="0"/>
+              <a:t>Acceptance tests</a:t>
+            </a:r>
             <a:endParaRPr lang="en-US" dirty="0" smtClean="0"/>
-          </a:p>
-          <a:p>
-            <a:r>
-              <a:rPr lang="en-US" dirty="0" smtClean="0"/>
-              <a:t>Each iteration = ~1 week</a:t>
-            </a:r>
-            <a:endParaRPr lang="en-CA" dirty="0"/>
           </a:p>
         </p:txBody>
       </p:sp>
@@ -6750,6 +6734,13 @@
   <p:clrMapOvr>
     <a:masterClrMapping/>
   </p:clrMapOvr>
+  <p:timing>
+    <p:tnLst>
+      <p:par>
+        <p:cTn id="1" dur="indefinite" restart="never" nodeType="tmRoot"/>
+      </p:par>
+    </p:tnLst>
+  </p:timing>
 </p:sld>
 </file>
 
@@ -6796,7 +6787,7 @@
           <a:p>
             <a:r>
               <a:rPr lang="en-US" dirty="0" smtClean="0"/>
-              <a:t>Project Timeline</a:t>
+              <a:t>Example: Unit Test + Demo</a:t>
             </a:r>
             <a:endParaRPr lang="en-CA" dirty="0"/>
           </a:p>
@@ -6824,46 +6815,267 @@
         </p:spPr>
         <p:txBody>
           <a:bodyPr>
-            <a:normAutofit lnSpcReduction="10000"/>
+            <a:normAutofit fontScale="47500" lnSpcReduction="20000"/>
           </a:bodyPr>
           <a:lstStyle/>
           <a:p>
-            <a:r>
-              <a:rPr lang="en-US" dirty="0" smtClean="0"/>
-              <a:t>Iteration 5: Automated Scheduling and Telescope Positioning</a:t>
-            </a:r>
-          </a:p>
-          <a:p>
-            <a:r>
-              <a:rPr lang="en-US" dirty="0" smtClean="0"/>
-              <a:t>Iteration 6: Libraries and GUI Enhancements</a:t>
-            </a:r>
-          </a:p>
-          <a:p>
-            <a:r>
-              <a:rPr lang="en-US" dirty="0" smtClean="0"/>
-              <a:t>Iteration 7: Mobile Views</a:t>
-            </a:r>
-          </a:p>
-          <a:p>
-            <a:r>
-              <a:rPr lang="en-US" dirty="0" smtClean="0"/>
-              <a:t>Iteration 8: Image Capturing</a:t>
-            </a:r>
-          </a:p>
-          <a:p>
-            <a:r>
-              <a:rPr lang="en-US" dirty="0" smtClean="0"/>
-              <a:t>Iteration 9: The Final Release</a:t>
-            </a:r>
-          </a:p>
-          <a:p>
+            <a:pPr>
+              <a:buNone/>
+            </a:pPr>
+            <a:r>
+              <a:rPr lang="en-US" dirty="0" smtClean="0"/>
+              <a:t>require '</a:t>
+            </a:r>
+            <a:r>
+              <a:rPr lang="en-US" dirty="0" err="1" smtClean="0"/>
+              <a:t>test_helper</a:t>
+            </a:r>
+            <a:r>
+              <a:rPr lang="en-US" dirty="0" smtClean="0"/>
+              <a:t>'</a:t>
+            </a:r>
+          </a:p>
+          <a:p>
+            <a:pPr>
+              <a:buNone/>
+            </a:pPr>
             <a:endParaRPr lang="en-US" dirty="0" smtClean="0"/>
           </a:p>
           <a:p>
-            <a:r>
-              <a:rPr lang="en-US" dirty="0" smtClean="0"/>
-              <a:t>Each iteration = 2-3 weeks</a:t>
+            <a:pPr>
+              <a:buNone/>
+            </a:pPr>
+            <a:r>
+              <a:rPr lang="en-US" dirty="0" smtClean="0"/>
+              <a:t>class </a:t>
+            </a:r>
+            <a:r>
+              <a:rPr lang="en-US" dirty="0" err="1" smtClean="0"/>
+              <a:t>UserTest</a:t>
+            </a:r>
+            <a:r>
+              <a:rPr lang="en-US" dirty="0" smtClean="0"/>
+              <a:t> &lt; </a:t>
+            </a:r>
+            <a:r>
+              <a:rPr lang="en-US" dirty="0" err="1" smtClean="0"/>
+              <a:t>ActiveSupport</a:t>
+            </a:r>
+            <a:r>
+              <a:rPr lang="en-US" dirty="0" smtClean="0"/>
+              <a:t>::</a:t>
+            </a:r>
+            <a:r>
+              <a:rPr lang="en-US" dirty="0" err="1" smtClean="0"/>
+              <a:t>TestCase</a:t>
+            </a:r>
+            <a:endParaRPr lang="en-US" dirty="0" smtClean="0"/>
+          </a:p>
+          <a:p>
+            <a:pPr>
+              <a:buNone/>
+            </a:pPr>
+            <a:r>
+              <a:rPr lang="en-US" dirty="0" smtClean="0"/>
+              <a:t>	</a:t>
+            </a:r>
+          </a:p>
+          <a:p>
+            <a:pPr>
+              <a:buNone/>
+            </a:pPr>
+            <a:r>
+              <a:rPr lang="en-US" dirty="0" smtClean="0"/>
+              <a:t>  # create a user with necessary, correct input values for the following tests</a:t>
+            </a:r>
+          </a:p>
+          <a:p>
+            <a:pPr>
+              <a:buNone/>
+            </a:pPr>
+            <a:r>
+              <a:rPr lang="en-US" dirty="0" smtClean="0"/>
+              <a:t>  def setup</a:t>
+            </a:r>
+          </a:p>
+          <a:p>
+            <a:pPr>
+              <a:buNone/>
+            </a:pPr>
+            <a:r>
+              <a:rPr lang="en-US" dirty="0" smtClean="0"/>
+              <a:t>  	@user = </a:t>
+            </a:r>
+            <a:r>
+              <a:rPr lang="en-US" dirty="0" err="1" smtClean="0"/>
+              <a:t>User.new</a:t>
+            </a:r>
+            <a:endParaRPr lang="en-US" dirty="0" smtClean="0"/>
+          </a:p>
+          <a:p>
+            <a:pPr>
+              <a:buNone/>
+            </a:pPr>
+            <a:r>
+              <a:rPr lang="en-US" dirty="0" smtClean="0"/>
+              <a:t>  	@</a:t>
+            </a:r>
+            <a:r>
+              <a:rPr lang="en-US" dirty="0" err="1" smtClean="0"/>
+              <a:t>user.username</a:t>
+            </a:r>
+            <a:r>
+              <a:rPr lang="en-US" dirty="0" smtClean="0"/>
+              <a:t> = "</a:t>
+            </a:r>
+            <a:r>
+              <a:rPr lang="en-US" dirty="0" err="1" smtClean="0"/>
+              <a:t>unit_test</a:t>
+            </a:r>
+            <a:r>
+              <a:rPr lang="en-US" dirty="0" smtClean="0"/>
+              <a:t>"</a:t>
+            </a:r>
+          </a:p>
+          <a:p>
+            <a:pPr>
+              <a:buNone/>
+            </a:pPr>
+            <a:r>
+              <a:rPr lang="en-US" dirty="0" smtClean="0"/>
+              <a:t>  	@</a:t>
+            </a:r>
+            <a:r>
+              <a:rPr lang="en-US" dirty="0" err="1" smtClean="0"/>
+              <a:t>user.email</a:t>
+            </a:r>
+            <a:r>
+              <a:rPr lang="en-US" dirty="0" smtClean="0"/>
+              <a:t> = "unit@test.com"</a:t>
+            </a:r>
+          </a:p>
+          <a:p>
+            <a:pPr>
+              <a:buNone/>
+            </a:pPr>
+            <a:r>
+              <a:rPr lang="en-US" dirty="0" smtClean="0"/>
+              <a:t>    	@</a:t>
+            </a:r>
+            <a:r>
+              <a:rPr lang="en-US" dirty="0" err="1" smtClean="0"/>
+              <a:t>user.password</a:t>
+            </a:r>
+            <a:r>
+              <a:rPr lang="en-US" dirty="0" smtClean="0"/>
+              <a:t> = "test"</a:t>
+            </a:r>
+          </a:p>
+          <a:p>
+            <a:pPr>
+              <a:buNone/>
+            </a:pPr>
+            <a:r>
+              <a:rPr lang="en-US" dirty="0" smtClean="0"/>
+              <a:t>    	@</a:t>
+            </a:r>
+            <a:r>
+              <a:rPr lang="en-US" dirty="0" err="1" smtClean="0"/>
+              <a:t>user.password_confirmation</a:t>
+            </a:r>
+            <a:r>
+              <a:rPr lang="en-US" dirty="0" smtClean="0"/>
+              <a:t> = "test"</a:t>
+            </a:r>
+          </a:p>
+          <a:p>
+            <a:pPr>
+              <a:buNone/>
+            </a:pPr>
+            <a:r>
+              <a:rPr lang="en-US" dirty="0" smtClean="0"/>
+              <a:t>  end</a:t>
+            </a:r>
+          </a:p>
+          <a:p>
+            <a:pPr>
+              <a:buNone/>
+            </a:pPr>
+            <a:r>
+              <a:rPr lang="en-US" dirty="0" smtClean="0"/>
+              <a:t>  </a:t>
+            </a:r>
+          </a:p>
+          <a:p>
+            <a:pPr>
+              <a:buNone/>
+            </a:pPr>
+            <a:r>
+              <a:rPr lang="en-US" dirty="0" smtClean="0"/>
+              <a:t>  def </a:t>
+            </a:r>
+            <a:r>
+              <a:rPr lang="en-US" dirty="0" err="1" smtClean="0"/>
+              <a:t>test_username_cannot_be_null</a:t>
+            </a:r>
+            <a:endParaRPr lang="en-US" dirty="0" smtClean="0"/>
+          </a:p>
+          <a:p>
+            <a:pPr>
+              <a:buNone/>
+            </a:pPr>
+            <a:r>
+              <a:rPr lang="en-US" dirty="0" smtClean="0"/>
+              <a:t>    	@</a:t>
+            </a:r>
+            <a:r>
+              <a:rPr lang="en-US" dirty="0" err="1" smtClean="0"/>
+              <a:t>user.username</a:t>
+            </a:r>
+            <a:r>
+              <a:rPr lang="en-US" dirty="0" smtClean="0"/>
+              <a:t> = ""</a:t>
+            </a:r>
+          </a:p>
+          <a:p>
+            <a:pPr>
+              <a:buNone/>
+            </a:pPr>
+            <a:r>
+              <a:rPr lang="en-US" dirty="0" smtClean="0"/>
+              <a:t>    	assert !@</a:t>
+            </a:r>
+            <a:r>
+              <a:rPr lang="en-US" dirty="0" err="1" smtClean="0"/>
+              <a:t>user.save</a:t>
+            </a:r>
+            <a:r>
+              <a:rPr lang="en-US" dirty="0" smtClean="0"/>
+              <a:t>  </a:t>
+            </a:r>
+          </a:p>
+          <a:p>
+            <a:pPr>
+              <a:buNone/>
+            </a:pPr>
+            <a:r>
+              <a:rPr lang="en-US" dirty="0" smtClean="0"/>
+              <a:t>  end</a:t>
+            </a:r>
+          </a:p>
+          <a:p>
+            <a:pPr>
+              <a:buNone/>
+            </a:pPr>
+            <a:endParaRPr lang="en-US" dirty="0" smtClean="0"/>
+          </a:p>
+          <a:p>
+            <a:pPr>
+              <a:buNone/>
+            </a:pPr>
+            <a:r>
+              <a:rPr lang="en-US" dirty="0" smtClean="0"/>
+              <a:t>end</a:t>
             </a:r>
             <a:endParaRPr lang="en-CA" dirty="0"/>
           </a:p>
@@ -6920,7 +7132,11 @@
           <a:p>
             <a:r>
               <a:rPr lang="en-US" dirty="0" smtClean="0"/>
-              <a:t>Project Evaluation and Metrics</a:t>
+              <a:t>Project </a:t>
+            </a:r>
+            <a:r>
+              <a:rPr lang="en-US" dirty="0" smtClean="0"/>
+              <a:t>Timeline: Semester 1</a:t>
             </a:r>
             <a:endParaRPr lang="en-CA" dirty="0"/>
           </a:p>
@@ -6948,88 +7164,69 @@
         </p:spPr>
         <p:txBody>
           <a:bodyPr>
-            <a:normAutofit fontScale="85000" lnSpcReduction="20000"/>
+            <a:normAutofit/>
           </a:bodyPr>
           <a:lstStyle/>
           <a:p>
             <a:r>
               <a:rPr lang="en-US" dirty="0" smtClean="0"/>
-              <a:t>Time spent: (1 unit = 15 minutes)</a:t>
-            </a:r>
-          </a:p>
-          <a:p>
-            <a:r>
-              <a:rPr lang="en-US" dirty="0" smtClean="0"/>
-              <a:t>Total time:  580 units</a:t>
-            </a:r>
-          </a:p>
-          <a:p>
-            <a:endParaRPr lang="en-US" dirty="0"/>
-          </a:p>
-          <a:p>
-            <a:r>
-              <a:rPr lang="en-US" dirty="0" smtClean="0"/>
-              <a:t>Coding:</a:t>
-            </a:r>
-          </a:p>
-          <a:p>
-            <a:pPr lvl="1"/>
-            <a:r>
-              <a:rPr lang="en-US" dirty="0" smtClean="0"/>
-              <a:t>Models: 5</a:t>
-            </a:r>
-          </a:p>
-          <a:p>
-            <a:pPr lvl="1"/>
-            <a:r>
-              <a:rPr lang="en-US" dirty="0" smtClean="0"/>
-              <a:t>Views: 43</a:t>
-            </a:r>
-          </a:p>
-          <a:p>
-            <a:pPr lvl="1"/>
-            <a:r>
-              <a:rPr lang="en-US" dirty="0" smtClean="0"/>
-              <a:t>Controllers: 9</a:t>
-            </a:r>
-            <a:endParaRPr lang="en-US" dirty="0"/>
-          </a:p>
-          <a:p>
-            <a:r>
-              <a:rPr lang="en-US" dirty="0" smtClean="0"/>
-              <a:t>Tests:</a:t>
-            </a:r>
-          </a:p>
-          <a:p>
-            <a:pPr lvl="1"/>
-            <a:r>
-              <a:rPr lang="en-US" dirty="0" smtClean="0"/>
-              <a:t>Unit tests: 3</a:t>
-            </a:r>
-          </a:p>
-          <a:p>
-            <a:pPr lvl="1"/>
-            <a:r>
-              <a:rPr lang="en-US" dirty="0" smtClean="0"/>
-              <a:t>Test cases</a:t>
-            </a:r>
-            <a:r>
-              <a:rPr lang="en-US" smtClean="0"/>
-              <a:t>: 17</a:t>
+              <a:t>Iteration 1: Inception</a:t>
+            </a:r>
+          </a:p>
+          <a:p>
+            <a:r>
+              <a:rPr lang="en-US" dirty="0" smtClean="0"/>
+              <a:t>Iteration 2: SPIKE project</a:t>
+            </a:r>
+          </a:p>
+          <a:p>
+            <a:r>
+              <a:rPr lang="en-US" dirty="0" smtClean="0"/>
+              <a:t>Iteration 3: </a:t>
+            </a:r>
+            <a:r>
+              <a:rPr lang="en-US" dirty="0" smtClean="0"/>
+              <a:t>Authentication and Authorization</a:t>
             </a:r>
             <a:endParaRPr lang="en-US" dirty="0" smtClean="0"/>
           </a:p>
           <a:p>
-            <a:pPr lvl="1"/>
-            <a:r>
-              <a:rPr lang="en-US" dirty="0" smtClean="0"/>
-              <a:t>Assertions: 29</a:t>
-            </a:r>
-          </a:p>
-          <a:p>
-            <a:endParaRPr lang="en-US" dirty="0"/>
-          </a:p>
-          <a:p>
+            <a:r>
+              <a:rPr lang="en-US" dirty="0" smtClean="0"/>
+              <a:t>Iteration 4: </a:t>
+            </a:r>
+            <a:r>
+              <a:rPr lang="en-US" dirty="0" smtClean="0"/>
+              <a:t>Image </a:t>
+            </a:r>
+            <a:r>
+              <a:rPr lang="en-US" dirty="0" smtClean="0"/>
+              <a:t>Gallery</a:t>
+            </a:r>
+            <a:endParaRPr lang="en-US" dirty="0" smtClean="0"/>
+          </a:p>
+          <a:p>
+            <a:r>
+              <a:rPr lang="en-US" dirty="0" smtClean="0"/>
+              <a:t>Iteration 5: Final </a:t>
+            </a:r>
+            <a:r>
+              <a:rPr lang="en-US" dirty="0" err="1" smtClean="0"/>
+              <a:t>Refactored</a:t>
+            </a:r>
+            <a:r>
+              <a:rPr lang="en-US" dirty="0" smtClean="0"/>
+              <a:t> Release</a:t>
+            </a:r>
+          </a:p>
+          <a:p>
+            <a:endParaRPr lang="en-US" dirty="0" smtClean="0"/>
+          </a:p>
+          <a:p>
+            <a:r>
+              <a:rPr lang="en-US" dirty="0" smtClean="0"/>
+              <a:t>Each iteration = ~1 week</a:t>
+            </a:r>
             <a:endParaRPr lang="en-CA" dirty="0"/>
           </a:p>
         </p:txBody>
@@ -7085,7 +7282,11 @@
           <a:p>
             <a:r>
               <a:rPr lang="en-US" dirty="0" smtClean="0"/>
-              <a:t>What Did We Learn?</a:t>
+              <a:t>Project </a:t>
+            </a:r>
+            <a:r>
+              <a:rPr lang="en-US" dirty="0" smtClean="0"/>
+              <a:t>Timeline: Semester 2</a:t>
             </a:r>
             <a:endParaRPr lang="en-CA" dirty="0"/>
           </a:p>
@@ -7112,31 +7313,48 @@
           </a:ln>
         </p:spPr>
         <p:txBody>
-          <a:bodyPr/>
-          <a:lstStyle/>
-          <a:p>
-            <a:r>
-              <a:rPr lang="en-US" dirty="0" smtClean="0"/>
-              <a:t>More experienced with Ruby on Rails</a:t>
-            </a:r>
-          </a:p>
-          <a:p>
-            <a:r>
-              <a:rPr lang="en-CA" dirty="0" smtClean="0"/>
-              <a:t>Improved planning</a:t>
-            </a:r>
-          </a:p>
-          <a:p>
-            <a:r>
-              <a:rPr lang="en-CA" dirty="0" smtClean="0"/>
-              <a:t>Hardware interfacing with drivers</a:t>
-            </a:r>
+          <a:bodyPr>
+            <a:normAutofit lnSpcReduction="10000"/>
+          </a:bodyPr>
+          <a:lstStyle/>
+          <a:p>
+            <a:r>
+              <a:rPr lang="en-US" dirty="0" smtClean="0"/>
+              <a:t>Iteration 5: Automated Scheduling and Telescope Positioning</a:t>
+            </a:r>
+          </a:p>
+          <a:p>
+            <a:r>
+              <a:rPr lang="en-US" dirty="0" smtClean="0"/>
+              <a:t>Iteration 6: Libraries and GUI Enhancements</a:t>
+            </a:r>
+          </a:p>
+          <a:p>
+            <a:r>
+              <a:rPr lang="en-US" dirty="0" smtClean="0"/>
+              <a:t>Iteration 7: Mobile Views</a:t>
+            </a:r>
+          </a:p>
+          <a:p>
+            <a:r>
+              <a:rPr lang="en-US" dirty="0" smtClean="0"/>
+              <a:t>Iteration 8: Image Capturing</a:t>
+            </a:r>
+          </a:p>
+          <a:p>
+            <a:r>
+              <a:rPr lang="en-US" dirty="0" smtClean="0"/>
+              <a:t>Iteration 9: The Final Release</a:t>
+            </a:r>
+          </a:p>
+          <a:p>
             <a:endParaRPr lang="en-US" dirty="0" smtClean="0"/>
           </a:p>
           <a:p>
-            <a:endParaRPr lang="en-US" dirty="0" smtClean="0"/>
-          </a:p>
-          <a:p>
+            <a:r>
+              <a:rPr lang="en-US" dirty="0" smtClean="0"/>
+              <a:t>Each iteration = 2-3 weeks</a:t>
+            </a:r>
             <a:endParaRPr lang="en-CA" dirty="0"/>
           </a:p>
         </p:txBody>
@@ -7332,7 +7550,7 @@
           <a:p>
             <a:r>
               <a:rPr lang="en-US" dirty="0" smtClean="0"/>
-              <a:t>Issues and Project Difficulties</a:t>
+              <a:t>Metrics: Semester 2</a:t>
             </a:r>
             <a:endParaRPr lang="en-CA" dirty="0"/>
           </a:p>
@@ -7359,25 +7577,88 @@
           </a:ln>
         </p:spPr>
         <p:txBody>
-          <a:bodyPr/>
-          <a:lstStyle/>
-          <a:p>
-            <a:r>
-              <a:rPr lang="en-US" dirty="0" smtClean="0"/>
-              <a:t>Time constraints</a:t>
-            </a:r>
-          </a:p>
-          <a:p>
-            <a:r>
-              <a:rPr lang="en-US" dirty="0" smtClean="0"/>
-              <a:t>Equipment delays</a:t>
-            </a:r>
-          </a:p>
-          <a:p>
-            <a:r>
-              <a:rPr lang="en-CA" dirty="0" smtClean="0"/>
-              <a:t>Customer communication issues</a:t>
-            </a:r>
+          <a:bodyPr>
+            <a:normAutofit fontScale="85000" lnSpcReduction="20000"/>
+          </a:bodyPr>
+          <a:lstStyle/>
+          <a:p>
+            <a:r>
+              <a:rPr lang="en-US" dirty="0" smtClean="0"/>
+              <a:t>Time </a:t>
+            </a:r>
+            <a:r>
+              <a:rPr lang="en-US" dirty="0" smtClean="0"/>
+              <a:t>spent: (1 unit = 15 minutes)</a:t>
+            </a:r>
+          </a:p>
+          <a:p>
+            <a:r>
+              <a:rPr lang="en-US" dirty="0" smtClean="0"/>
+              <a:t>Total time:  580 units</a:t>
+            </a:r>
+          </a:p>
+          <a:p>
+            <a:endParaRPr lang="en-US" dirty="0"/>
+          </a:p>
+          <a:p>
+            <a:r>
+              <a:rPr lang="en-US" dirty="0" smtClean="0"/>
+              <a:t>Coding:</a:t>
+            </a:r>
+          </a:p>
+          <a:p>
+            <a:pPr lvl="1"/>
+            <a:r>
+              <a:rPr lang="en-US" dirty="0" smtClean="0"/>
+              <a:t>Models: 5</a:t>
+            </a:r>
+          </a:p>
+          <a:p>
+            <a:pPr lvl="1"/>
+            <a:r>
+              <a:rPr lang="en-US" dirty="0" smtClean="0"/>
+              <a:t>Views: 43</a:t>
+            </a:r>
+          </a:p>
+          <a:p>
+            <a:pPr lvl="1"/>
+            <a:r>
+              <a:rPr lang="en-US" dirty="0" smtClean="0"/>
+              <a:t>Controllers: 9</a:t>
+            </a:r>
+            <a:endParaRPr lang="en-US" dirty="0"/>
+          </a:p>
+          <a:p>
+            <a:r>
+              <a:rPr lang="en-US" dirty="0" smtClean="0"/>
+              <a:t>Tests:</a:t>
+            </a:r>
+          </a:p>
+          <a:p>
+            <a:pPr lvl="1"/>
+            <a:r>
+              <a:rPr lang="en-US" dirty="0" smtClean="0"/>
+              <a:t>Unit tests: 3</a:t>
+            </a:r>
+          </a:p>
+          <a:p>
+            <a:pPr lvl="1"/>
+            <a:r>
+              <a:rPr lang="en-US" dirty="0" smtClean="0"/>
+              <a:t>Test cases: 17</a:t>
+            </a:r>
+          </a:p>
+          <a:p>
+            <a:pPr lvl="1"/>
+            <a:r>
+              <a:rPr lang="en-US" dirty="0" smtClean="0"/>
+              <a:t>Assertions: 29</a:t>
+            </a:r>
+          </a:p>
+          <a:p>
+            <a:endParaRPr lang="en-US" dirty="0"/>
+          </a:p>
+          <a:p>
             <a:endParaRPr lang="en-CA" dirty="0"/>
           </a:p>
         </p:txBody>
@@ -7433,7 +7714,7 @@
           <a:p>
             <a:r>
               <a:rPr lang="en-US" dirty="0" smtClean="0"/>
-              <a:t>Summary</a:t>
+              <a:t>What Did We Learn?</a:t>
             </a:r>
             <a:endParaRPr lang="en-CA" dirty="0"/>
           </a:p>
@@ -7464,36 +7745,25 @@
           <a:lstStyle/>
           <a:p>
             <a:r>
+              <a:rPr lang="en-US" dirty="0" smtClean="0"/>
+              <a:t>More experienced with Ruby on Rails</a:t>
+            </a:r>
+          </a:p>
+          <a:p>
+            <a:r>
               <a:rPr lang="en-CA" dirty="0" smtClean="0"/>
-              <a:t>Automatic Telescope Control System</a:t>
+              <a:t>Improved planning</a:t>
             </a:r>
           </a:p>
           <a:p>
             <a:r>
               <a:rPr lang="en-CA" dirty="0" smtClean="0"/>
-              <a:t>Can:</a:t>
-            </a:r>
-          </a:p>
-          <a:p>
-            <a:pPr lvl="1"/>
-            <a:r>
-              <a:rPr lang="en-CA" dirty="0" smtClean="0"/>
-              <a:t>Schedule telescope for future dates</a:t>
-            </a:r>
-          </a:p>
-          <a:p>
-            <a:pPr lvl="1"/>
-            <a:r>
-              <a:rPr lang="en-CA" dirty="0" smtClean="0"/>
-              <a:t>Capture images of that area</a:t>
-            </a:r>
-          </a:p>
-          <a:p>
-            <a:pPr lvl="1"/>
-            <a:r>
-              <a:rPr lang="en-CA" dirty="0" smtClean="0"/>
-              <a:t>Automatically upload images to web server</a:t>
-            </a:r>
+              <a:t>Hardware interfacing with drivers</a:t>
+            </a:r>
+            <a:endParaRPr lang="en-US" dirty="0" smtClean="0"/>
+          </a:p>
+          <a:p>
+            <a:endParaRPr lang="en-US" dirty="0" smtClean="0"/>
           </a:p>
           <a:p>
             <a:endParaRPr lang="en-CA" dirty="0"/>
@@ -7551,6 +7821,225 @@
           <a:p>
             <a:r>
               <a:rPr lang="en-US" dirty="0" smtClean="0"/>
+              <a:t>Issues and Project Difficulties</a:t>
+            </a:r>
+            <a:endParaRPr lang="en-CA" dirty="0"/>
+          </a:p>
+        </p:txBody>
+      </p:sp>
+      <p:sp>
+        <p:nvSpPr>
+          <p:cNvPr id="3" name="Content Placeholder 2"/>
+          <p:cNvSpPr>
+            <a:spLocks noGrp="1"/>
+          </p:cNvSpPr>
+          <p:nvPr>
+            <p:ph idx="1"/>
+          </p:nvPr>
+        </p:nvSpPr>
+        <p:spPr>
+          <a:solidFill>
+            <a:srgbClr val="000000"/>
+          </a:solidFill>
+          <a:ln>
+            <a:solidFill>
+              <a:schemeClr val="accent1"/>
+            </a:solidFill>
+          </a:ln>
+        </p:spPr>
+        <p:txBody>
+          <a:bodyPr/>
+          <a:lstStyle/>
+          <a:p>
+            <a:r>
+              <a:rPr lang="en-US" dirty="0" smtClean="0"/>
+              <a:t>Time constraints</a:t>
+            </a:r>
+          </a:p>
+          <a:p>
+            <a:r>
+              <a:rPr lang="en-US" dirty="0" smtClean="0"/>
+              <a:t>Equipment delays</a:t>
+            </a:r>
+          </a:p>
+          <a:p>
+            <a:r>
+              <a:rPr lang="en-CA" dirty="0" smtClean="0"/>
+              <a:t>Customer communication issues</a:t>
+            </a:r>
+            <a:endParaRPr lang="en-CA" dirty="0"/>
+          </a:p>
+        </p:txBody>
+      </p:sp>
+    </p:spTree>
+  </p:cSld>
+  <p:clrMapOvr>
+    <a:masterClrMapping/>
+  </p:clrMapOvr>
+</p:sld>
+</file>
+
+<file path=ppt/slides/slide23.xml><?xml version="1.0" encoding="utf-8"?>
+<p:sld xmlns:a="http://schemas.openxmlformats.org/drawingml/2006/main" xmlns:r="http://schemas.openxmlformats.org/officeDocument/2006/relationships" xmlns:p="http://schemas.openxmlformats.org/presentationml/2006/main">
+  <p:cSld>
+    <p:spTree>
+      <p:nvGrpSpPr>
+        <p:cNvPr id="1" name=""/>
+        <p:cNvGrpSpPr/>
+        <p:nvPr/>
+      </p:nvGrpSpPr>
+      <p:grpSpPr>
+        <a:xfrm>
+          <a:off x="0" y="0"/>
+          <a:ext cx="0" cy="0"/>
+          <a:chOff x="0" y="0"/>
+          <a:chExt cx="0" cy="0"/>
+        </a:xfrm>
+      </p:grpSpPr>
+      <p:sp>
+        <p:nvSpPr>
+          <p:cNvPr id="2" name="Title 1"/>
+          <p:cNvSpPr>
+            <a:spLocks noGrp="1"/>
+          </p:cNvSpPr>
+          <p:nvPr>
+            <p:ph type="title"/>
+          </p:nvPr>
+        </p:nvSpPr>
+        <p:spPr>
+          <a:solidFill>
+            <a:srgbClr val="000000"/>
+          </a:solidFill>
+          <a:ln>
+            <a:solidFill>
+              <a:schemeClr val="accent1"/>
+            </a:solidFill>
+          </a:ln>
+        </p:spPr>
+        <p:txBody>
+          <a:bodyPr/>
+          <a:lstStyle/>
+          <a:p>
+            <a:r>
+              <a:rPr lang="en-US" dirty="0" smtClean="0"/>
+              <a:t>Summary</a:t>
+            </a:r>
+            <a:endParaRPr lang="en-CA" dirty="0"/>
+          </a:p>
+        </p:txBody>
+      </p:sp>
+      <p:sp>
+        <p:nvSpPr>
+          <p:cNvPr id="3" name="Content Placeholder 2"/>
+          <p:cNvSpPr>
+            <a:spLocks noGrp="1"/>
+          </p:cNvSpPr>
+          <p:nvPr>
+            <p:ph idx="1"/>
+          </p:nvPr>
+        </p:nvSpPr>
+        <p:spPr>
+          <a:solidFill>
+            <a:srgbClr val="000000"/>
+          </a:solidFill>
+          <a:ln>
+            <a:solidFill>
+              <a:schemeClr val="accent1"/>
+            </a:solidFill>
+          </a:ln>
+        </p:spPr>
+        <p:txBody>
+          <a:bodyPr/>
+          <a:lstStyle/>
+          <a:p>
+            <a:r>
+              <a:rPr lang="en-CA" dirty="0" smtClean="0"/>
+              <a:t>Automatic Telescope Control System</a:t>
+            </a:r>
+          </a:p>
+          <a:p>
+            <a:r>
+              <a:rPr lang="en-CA" dirty="0" smtClean="0"/>
+              <a:t>Can:</a:t>
+            </a:r>
+          </a:p>
+          <a:p>
+            <a:pPr lvl="1"/>
+            <a:r>
+              <a:rPr lang="en-CA" dirty="0" smtClean="0"/>
+              <a:t>Schedule telescope for future dates</a:t>
+            </a:r>
+          </a:p>
+          <a:p>
+            <a:pPr lvl="1"/>
+            <a:r>
+              <a:rPr lang="en-CA" dirty="0" smtClean="0"/>
+              <a:t>Capture images of that area</a:t>
+            </a:r>
+          </a:p>
+          <a:p>
+            <a:pPr lvl="1"/>
+            <a:r>
+              <a:rPr lang="en-CA" dirty="0" smtClean="0"/>
+              <a:t>Automatically upload images to web server</a:t>
+            </a:r>
+          </a:p>
+          <a:p>
+            <a:endParaRPr lang="en-CA" dirty="0"/>
+          </a:p>
+        </p:txBody>
+      </p:sp>
+    </p:spTree>
+  </p:cSld>
+  <p:clrMapOvr>
+    <a:masterClrMapping/>
+  </p:clrMapOvr>
+</p:sld>
+</file>
+
+<file path=ppt/slides/slide24.xml><?xml version="1.0" encoding="utf-8"?>
+<p:sld xmlns:a="http://schemas.openxmlformats.org/drawingml/2006/main" xmlns:r="http://schemas.openxmlformats.org/officeDocument/2006/relationships" xmlns:p="http://schemas.openxmlformats.org/presentationml/2006/main">
+  <p:cSld>
+    <p:spTree>
+      <p:nvGrpSpPr>
+        <p:cNvPr id="1" name=""/>
+        <p:cNvGrpSpPr/>
+        <p:nvPr/>
+      </p:nvGrpSpPr>
+      <p:grpSpPr>
+        <a:xfrm>
+          <a:off x="0" y="0"/>
+          <a:ext cx="0" cy="0"/>
+          <a:chOff x="0" y="0"/>
+          <a:chExt cx="0" cy="0"/>
+        </a:xfrm>
+      </p:grpSpPr>
+      <p:sp>
+        <p:nvSpPr>
+          <p:cNvPr id="2" name="Title 1"/>
+          <p:cNvSpPr>
+            <a:spLocks noGrp="1"/>
+          </p:cNvSpPr>
+          <p:nvPr>
+            <p:ph type="title"/>
+          </p:nvPr>
+        </p:nvSpPr>
+        <p:spPr>
+          <a:solidFill>
+            <a:srgbClr val="000000"/>
+          </a:solidFill>
+          <a:ln>
+            <a:solidFill>
+              <a:schemeClr val="accent1"/>
+            </a:solidFill>
+          </a:ln>
+        </p:spPr>
+        <p:txBody>
+          <a:bodyPr/>
+          <a:lstStyle/>
+          <a:p>
+            <a:r>
+              <a:rPr lang="en-US" dirty="0" smtClean="0"/>
               <a:t>Acknowledgements</a:t>
             </a:r>
             <a:endParaRPr lang="en-CA" dirty="0"/>
@@ -7692,7 +8181,11 @@
           <a:p>
             <a:r>
               <a:rPr lang="en-US" dirty="0" smtClean="0"/>
-              <a:t>Additional Requirements</a:t>
+              <a:t>Why is it </a:t>
+            </a:r>
+            <a:r>
+              <a:rPr lang="en-US" dirty="0" smtClean="0"/>
+              <a:t>Unique?</a:t>
             </a:r>
             <a:endParaRPr lang="en-CA" dirty="0"/>
           </a:p>
@@ -7719,36 +8212,31 @@
           </a:ln>
         </p:spPr>
         <p:txBody>
-          <a:bodyPr/>
-          <a:lstStyle/>
-          <a:p>
-            <a:r>
-              <a:rPr lang="en-US" dirty="0" smtClean="0"/>
-              <a:t>Mobile device connectivity</a:t>
-            </a:r>
-          </a:p>
-          <a:p>
-            <a:r>
-              <a:rPr lang="en-US" dirty="0" smtClean="0"/>
-              <a:t>Authentication and authorization</a:t>
-            </a:r>
-          </a:p>
-          <a:p>
-            <a:r>
-              <a:rPr lang="en-US" dirty="0" smtClean="0"/>
-              <a:t>Optional SSL</a:t>
-            </a:r>
-          </a:p>
-          <a:p>
-            <a:r>
-              <a:rPr lang="en-US" dirty="0" smtClean="0"/>
-              <a:t>Online help</a:t>
-            </a:r>
-          </a:p>
-          <a:p>
-            <a:pPr>
-              <a:buNone/>
-            </a:pPr>
+          <a:bodyPr>
+            <a:normAutofit/>
+          </a:bodyPr>
+          <a:lstStyle/>
+          <a:p>
+            <a:r>
+              <a:rPr lang="en-CA" dirty="0" smtClean="0"/>
+              <a:t>Others do not have scheduling</a:t>
+            </a:r>
+          </a:p>
+          <a:p>
+            <a:r>
+              <a:rPr lang="en-CA" dirty="0" smtClean="0"/>
+              <a:t>Few are web systems</a:t>
+            </a:r>
+          </a:p>
+          <a:p>
+            <a:r>
+              <a:rPr lang="en-CA" dirty="0" smtClean="0"/>
+              <a:t>Few have mobile device functionality</a:t>
+            </a:r>
+            <a:endParaRPr lang="en-US" dirty="0" smtClean="0"/>
+          </a:p>
+          <a:p>
+            <a:pPr lvl="1"/>
             <a:endParaRPr lang="en-CA" dirty="0"/>
           </a:p>
         </p:txBody>
@@ -7811,7 +8299,7 @@
           <a:p>
             <a:r>
               <a:rPr lang="en-US" dirty="0" smtClean="0"/>
-              <a:t>Customers</a:t>
+              <a:t>Additional Requirements</a:t>
             </a:r>
             <a:endParaRPr lang="en-CA" dirty="0"/>
           </a:p>
@@ -7838,31 +8326,36 @@
           </a:ln>
         </p:spPr>
         <p:txBody>
-          <a:bodyPr>
-            <a:normAutofit/>
-          </a:bodyPr>
-          <a:lstStyle/>
-          <a:p>
-            <a:r>
-              <a:rPr lang="en-US" dirty="0" smtClean="0"/>
-              <a:t>Astronomy is a hobby of theirs</a:t>
-            </a:r>
-            <a:endParaRPr lang="en-US" dirty="0"/>
-          </a:p>
-          <a:p>
-            <a:r>
-              <a:rPr lang="en-US" dirty="0" smtClean="0"/>
-              <a:t>Currently use a manual process</a:t>
-            </a:r>
-          </a:p>
-          <a:p>
-            <a:r>
-              <a:rPr lang="en-CA" dirty="0" smtClean="0"/>
-              <a:t>Had good initial communication</a:t>
-            </a:r>
-            <a:endParaRPr lang="en-US" dirty="0" smtClean="0"/>
-          </a:p>
-          <a:p>
+          <a:bodyPr/>
+          <a:lstStyle/>
+          <a:p>
+            <a:r>
+              <a:rPr lang="en-US" dirty="0" smtClean="0"/>
+              <a:t>Mobile device connectivity</a:t>
+            </a:r>
+          </a:p>
+          <a:p>
+            <a:r>
+              <a:rPr lang="en-US" dirty="0" smtClean="0"/>
+              <a:t>Authentication and authorization</a:t>
+            </a:r>
+          </a:p>
+          <a:p>
+            <a:r>
+              <a:rPr lang="en-US" dirty="0" smtClean="0"/>
+              <a:t>Optional SSL</a:t>
+            </a:r>
+          </a:p>
+          <a:p>
+            <a:r>
+              <a:rPr lang="en-US" dirty="0" smtClean="0"/>
+              <a:t>Online help</a:t>
+            </a:r>
+          </a:p>
+          <a:p>
+            <a:pPr>
+              <a:buNone/>
+            </a:pPr>
             <a:endParaRPr lang="en-CA" dirty="0"/>
           </a:p>
         </p:txBody>
@@ -7925,6 +8418,120 @@
           <a:p>
             <a:r>
               <a:rPr lang="en-US" dirty="0" smtClean="0"/>
+              <a:t>Customers</a:t>
+            </a:r>
+            <a:endParaRPr lang="en-CA" dirty="0"/>
+          </a:p>
+        </p:txBody>
+      </p:sp>
+      <p:sp>
+        <p:nvSpPr>
+          <p:cNvPr id="3" name="Content Placeholder 2"/>
+          <p:cNvSpPr>
+            <a:spLocks noGrp="1"/>
+          </p:cNvSpPr>
+          <p:nvPr>
+            <p:ph idx="1"/>
+          </p:nvPr>
+        </p:nvSpPr>
+        <p:spPr>
+          <a:solidFill>
+            <a:srgbClr val="000000"/>
+          </a:solidFill>
+          <a:ln>
+            <a:solidFill>
+              <a:schemeClr val="accent1"/>
+            </a:solidFill>
+          </a:ln>
+        </p:spPr>
+        <p:txBody>
+          <a:bodyPr>
+            <a:normAutofit/>
+          </a:bodyPr>
+          <a:lstStyle/>
+          <a:p>
+            <a:r>
+              <a:rPr lang="en-US" dirty="0" smtClean="0"/>
+              <a:t>Astronomy is a hobby of theirs</a:t>
+            </a:r>
+            <a:endParaRPr lang="en-US" dirty="0"/>
+          </a:p>
+          <a:p>
+            <a:r>
+              <a:rPr lang="en-US" dirty="0" smtClean="0"/>
+              <a:t>Currently use a manual process</a:t>
+            </a:r>
+          </a:p>
+          <a:p>
+            <a:r>
+              <a:rPr lang="en-CA" dirty="0" smtClean="0"/>
+              <a:t>Had good initial communication</a:t>
+            </a:r>
+            <a:endParaRPr lang="en-US" dirty="0" smtClean="0"/>
+          </a:p>
+          <a:p>
+            <a:endParaRPr lang="en-CA" dirty="0"/>
+          </a:p>
+        </p:txBody>
+      </p:sp>
+    </p:spTree>
+  </p:cSld>
+  <p:clrMapOvr>
+    <a:masterClrMapping/>
+  </p:clrMapOvr>
+  <p:timing>
+    <p:tnLst>
+      <p:par>
+        <p:cTn id="1" dur="indefinite" restart="never" nodeType="tmRoot"/>
+      </p:par>
+    </p:tnLst>
+  </p:timing>
+</p:sld>
+</file>
+
+<file path=ppt/slides/slide6.xml><?xml version="1.0" encoding="utf-8"?>
+<p:sld xmlns:a="http://schemas.openxmlformats.org/drawingml/2006/main" xmlns:r="http://schemas.openxmlformats.org/officeDocument/2006/relationships" xmlns:p="http://schemas.openxmlformats.org/presentationml/2006/main">
+  <p:cSld>
+    <p:spTree>
+      <p:nvGrpSpPr>
+        <p:cNvPr id="1" name=""/>
+        <p:cNvGrpSpPr/>
+        <p:nvPr/>
+      </p:nvGrpSpPr>
+      <p:grpSpPr>
+        <a:xfrm>
+          <a:off x="0" y="0"/>
+          <a:ext cx="0" cy="0"/>
+          <a:chOff x="0" y="0"/>
+          <a:chExt cx="0" cy="0"/>
+        </a:xfrm>
+      </p:grpSpPr>
+      <p:sp>
+        <p:nvSpPr>
+          <p:cNvPr id="2" name="Title 1"/>
+          <p:cNvSpPr>
+            <a:spLocks noGrp="1"/>
+          </p:cNvSpPr>
+          <p:nvPr>
+            <p:ph type="title"/>
+          </p:nvPr>
+        </p:nvSpPr>
+        <p:spPr>
+          <a:solidFill>
+            <a:srgbClr val="000000"/>
+          </a:solidFill>
+          <a:ln>
+            <a:solidFill>
+              <a:schemeClr val="accent1"/>
+            </a:solidFill>
+          </a:ln>
+        </p:spPr>
+        <p:txBody>
+          <a:bodyPr/>
+          <a:lstStyle/>
+          <a:p>
+            <a:r>
+              <a:rPr lang="en-US" dirty="0" smtClean="0"/>
               <a:t>Use Case Diagram</a:t>
             </a:r>
             <a:endParaRPr lang="en-CA" dirty="0"/>
@@ -7956,7 +8563,20 @@
           <a:prstGeom prst="rect">
             <a:avLst/>
           </a:prstGeom>
-          <a:noFill/>
+          <a:ln w="38100" cap="sq">
+            <a:solidFill>
+              <a:srgbClr val="000000"/>
+            </a:solidFill>
+            <a:prstDash val="solid"/>
+            <a:miter lim="800000"/>
+          </a:ln>
+          <a:effectLst>
+            <a:outerShdw blurRad="50800" dist="38100" dir="2700000" algn="tl" rotWithShape="0">
+              <a:srgbClr val="000000">
+                <a:alpha val="43000"/>
+              </a:srgbClr>
+            </a:outerShdw>
+          </a:effectLst>
         </p:spPr>
       </p:pic>
     </p:spTree>
@@ -7974,7 +8594,7 @@
 </p:sld>
 </file>
 
-<file path=ppt/slides/slide6.xml><?xml version="1.0" encoding="utf-8"?>
+<file path=ppt/slides/slide7.xml><?xml version="1.0" encoding="utf-8"?>
 <p:sld xmlns:a="http://schemas.openxmlformats.org/drawingml/2006/main" xmlns:r="http://schemas.openxmlformats.org/officeDocument/2006/relationships" xmlns:p="http://schemas.openxmlformats.org/presentationml/2006/main">
   <p:cSld>
     <p:spTree>
@@ -8875,124 +9495,6 @@
 </p:sld>
 </file>
 
-<file path=ppt/slides/slide7.xml><?xml version="1.0" encoding="utf-8"?>
-<p:sld xmlns:a="http://schemas.openxmlformats.org/drawingml/2006/main" xmlns:r="http://schemas.openxmlformats.org/officeDocument/2006/relationships" xmlns:p="http://schemas.openxmlformats.org/presentationml/2006/main">
-  <p:cSld>
-    <p:spTree>
-      <p:nvGrpSpPr>
-        <p:cNvPr id="1" name=""/>
-        <p:cNvGrpSpPr/>
-        <p:nvPr/>
-      </p:nvGrpSpPr>
-      <p:grpSpPr>
-        <a:xfrm>
-          <a:off x="0" y="0"/>
-          <a:ext cx="0" cy="0"/>
-          <a:chOff x="0" y="0"/>
-          <a:chExt cx="0" cy="0"/>
-        </a:xfrm>
-      </p:grpSpPr>
-      <p:sp>
-        <p:nvSpPr>
-          <p:cNvPr id="2" name="Title 1"/>
-          <p:cNvSpPr>
-            <a:spLocks noGrp="1"/>
-          </p:cNvSpPr>
-          <p:nvPr>
-            <p:ph type="title"/>
-          </p:nvPr>
-        </p:nvSpPr>
-        <p:spPr>
-          <a:solidFill>
-            <a:srgbClr val="000000"/>
-          </a:solidFill>
-          <a:ln>
-            <a:solidFill>
-              <a:schemeClr val="accent1"/>
-            </a:solidFill>
-          </a:ln>
-        </p:spPr>
-        <p:txBody>
-          <a:bodyPr/>
-          <a:lstStyle/>
-          <a:p>
-            <a:r>
-              <a:rPr lang="en-US" dirty="0" smtClean="0"/>
-              <a:t>Hardware Used</a:t>
-            </a:r>
-            <a:endParaRPr lang="en-CA" dirty="0"/>
-          </a:p>
-        </p:txBody>
-      </p:sp>
-      <p:sp>
-        <p:nvSpPr>
-          <p:cNvPr id="3" name="Content Placeholder 2"/>
-          <p:cNvSpPr>
-            <a:spLocks noGrp="1"/>
-          </p:cNvSpPr>
-          <p:nvPr>
-            <p:ph idx="1"/>
-          </p:nvPr>
-        </p:nvSpPr>
-        <p:spPr>
-          <a:solidFill>
-            <a:srgbClr val="000000"/>
-          </a:solidFill>
-          <a:ln>
-            <a:solidFill>
-              <a:schemeClr val="accent1"/>
-            </a:solidFill>
-          </a:ln>
-        </p:spPr>
-        <p:txBody>
-          <a:bodyPr/>
-          <a:lstStyle/>
-          <a:p>
-            <a:r>
-              <a:rPr lang="en-US" dirty="0" smtClean="0"/>
-              <a:t>Telescope: Meade ETX-60AT-TC</a:t>
-            </a:r>
-          </a:p>
-          <a:p>
-            <a:r>
-              <a:rPr lang="en-US" dirty="0" smtClean="0"/>
-              <a:t>Digital camera: Canon 30D</a:t>
-            </a:r>
-          </a:p>
-          <a:p>
-            <a:r>
-              <a:rPr lang="en-US" dirty="0" smtClean="0"/>
-              <a:t>Mobile device: Nokia N97, Apple </a:t>
-            </a:r>
-            <a:r>
-              <a:rPr lang="en-US" dirty="0" err="1" smtClean="0"/>
-              <a:t>iPhone</a:t>
-            </a:r>
-            <a:endParaRPr lang="en-US" dirty="0" smtClean="0"/>
-          </a:p>
-          <a:p>
-            <a:endParaRPr lang="en-US" dirty="0" smtClean="0"/>
-          </a:p>
-          <a:p>
-            <a:endParaRPr lang="en-CA" dirty="0"/>
-          </a:p>
-        </p:txBody>
-      </p:sp>
-    </p:spTree>
-  </p:cSld>
-  <p:clrMapOvr>
-    <a:masterClrMapping/>
-  </p:clrMapOvr>
-  <p:timing>
-    <p:tnLst>
-      <p:par>
-        <p:cTn id="1" dur="indefinite" restart="never" nodeType="tmRoot"/>
-      </p:par>
-    </p:tnLst>
-  </p:timing>
-</p:sld>
-</file>
-
 <file path=ppt/slides/slide8.xml><?xml version="1.0" encoding="utf-8"?>
 <p:sld xmlns:a="http://schemas.openxmlformats.org/drawingml/2006/main" xmlns:r="http://schemas.openxmlformats.org/officeDocument/2006/relationships" xmlns:p="http://schemas.openxmlformats.org/presentationml/2006/main">
   <p:cSld>
@@ -9036,7 +9538,7 @@
           <a:p>
             <a:r>
               <a:rPr lang="en-US" dirty="0" smtClean="0"/>
-              <a:t>Software Used</a:t>
+              <a:t>Hardware Used</a:t>
             </a:r>
             <a:endParaRPr lang="en-CA" dirty="0"/>
           </a:p>
@@ -9068,49 +9570,27 @@
           <a:p>
             <a:r>
               <a:rPr lang="en-US" dirty="0" smtClean="0"/>
-              <a:t>Documentation: Microsoft Word, Project</a:t>
-            </a:r>
-          </a:p>
-          <a:p>
-            <a:r>
-              <a:rPr lang="en-US" dirty="0" smtClean="0"/>
-              <a:t>Modeling: Rational Rose</a:t>
-            </a:r>
-          </a:p>
-          <a:p>
-            <a:r>
-              <a:rPr lang="en-US" dirty="0" smtClean="0"/>
-              <a:t>Ruby on Rails IDE: </a:t>
+              <a:t>Telescope: Meade ETX-60AT-TC</a:t>
+            </a:r>
+          </a:p>
+          <a:p>
+            <a:r>
+              <a:rPr lang="en-US" dirty="0" smtClean="0"/>
+              <a:t>Digital camera: Canon 30D</a:t>
+            </a:r>
+          </a:p>
+          <a:p>
+            <a:r>
+              <a:rPr lang="en-US" dirty="0" smtClean="0"/>
+              <a:t>Mobile device: Nokia N97, Apple </a:t>
             </a:r>
             <a:r>
               <a:rPr lang="en-US" dirty="0" err="1" smtClean="0"/>
-              <a:t>RubyMine</a:t>
+              <a:t>iPhone</a:t>
             </a:r>
             <a:endParaRPr lang="en-US" dirty="0" smtClean="0"/>
           </a:p>
           <a:p>
-            <a:r>
-              <a:rPr lang="en-CA" dirty="0" smtClean="0"/>
-              <a:t>C# IDE: Microsoft Visual Studio</a:t>
-            </a:r>
-          </a:p>
-          <a:p>
-            <a:r>
-              <a:rPr lang="en-CA" dirty="0" smtClean="0"/>
-              <a:t>Testing: ASCOM Telescope Simulator, </a:t>
-            </a:r>
-            <a:r>
-              <a:rPr lang="en-CA" dirty="0" err="1" smtClean="0"/>
-              <a:t>NUnit</a:t>
-            </a:r>
-            <a:r>
-              <a:rPr lang="en-CA" dirty="0" smtClean="0"/>
-              <a:t>  Testing</a:t>
-            </a:r>
-            <a:endParaRPr lang="en-US" dirty="0" smtClean="0"/>
-          </a:p>
-          <a:p>
-            <a:pPr lvl="1"/>
             <a:endParaRPr lang="en-US" dirty="0" smtClean="0"/>
           </a:p>
           <a:p>
@@ -9169,24 +9649,14 @@
               <a:schemeClr val="accent1"/>
             </a:solidFill>
           </a:ln>
-          <a:effectLst>
-            <a:glow rad="63500">
-              <a:schemeClr val="accent1">
-                <a:satMod val="175000"/>
-                <a:alpha val="40000"/>
-              </a:schemeClr>
-            </a:glow>
-          </a:effectLst>
         </p:spPr>
         <p:txBody>
-          <a:bodyPr>
-            <a:normAutofit fontScale="90000"/>
-          </a:bodyPr>
-          <a:lstStyle/>
-          <a:p>
-            <a:r>
-              <a:rPr lang="en-US" dirty="0" smtClean="0"/>
-              <a:t>Software Development Methodology</a:t>
+          <a:bodyPr/>
+          <a:lstStyle/>
+          <a:p>
+            <a:r>
+              <a:rPr lang="en-US" dirty="0" smtClean="0"/>
+              <a:t>Software Used</a:t>
             </a:r>
             <a:endParaRPr lang="en-CA" dirty="0"/>
           </a:p>
@@ -9203,10 +9673,6 @@
           </p:nvPr>
         </p:nvSpPr>
         <p:spPr>
-          <a:xfrm>
-            <a:off x="457200" y="1600201"/>
-            <a:ext cx="8229600" cy="4472006"/>
-          </a:xfrm>
           <a:solidFill>
             <a:srgbClr val="000000"/>
           </a:solidFill>
@@ -9215,38 +9681,59 @@
               <a:schemeClr val="accent1"/>
             </a:solidFill>
           </a:ln>
-          <a:effectLst>
-            <a:glow rad="63500">
-              <a:schemeClr val="accent1">
-                <a:satMod val="175000"/>
-                <a:alpha val="40000"/>
-              </a:schemeClr>
-            </a:glow>
-            <a:outerShdw blurRad="107950" dist="12700" dir="5400000" algn="ctr">
-              <a:srgbClr val="000000"/>
-            </a:outerShdw>
-          </a:effectLst>
         </p:spPr>
         <p:txBody>
-          <a:bodyPr>
-            <a:normAutofit/>
-          </a:bodyPr>
-          <a:lstStyle/>
-          <a:p>
+          <a:bodyPr/>
+          <a:lstStyle/>
+          <a:p>
+            <a:r>
+              <a:rPr lang="en-US" dirty="0" smtClean="0"/>
+              <a:t>Documentation: Microsoft Word, Project</a:t>
+            </a:r>
+          </a:p>
+          <a:p>
+            <a:r>
+              <a:rPr lang="en-US" dirty="0" smtClean="0"/>
+              <a:t>Modeling: Rational Rose</a:t>
+            </a:r>
+          </a:p>
+          <a:p>
+            <a:r>
+              <a:rPr lang="en-US" dirty="0" smtClean="0"/>
+              <a:t>Ruby on Rails IDE: </a:t>
+            </a:r>
+            <a:r>
+              <a:rPr lang="en-US" dirty="0" err="1" smtClean="0"/>
+              <a:t>RubyMine</a:t>
+            </a:r>
+            <a:endParaRPr lang="en-US" dirty="0" smtClean="0"/>
+          </a:p>
+          <a:p>
+            <a:r>
+              <a:rPr lang="en-CA" dirty="0" smtClean="0"/>
+              <a:t>C# IDE: Microsoft Visual Studio</a:t>
+            </a:r>
+          </a:p>
+          <a:p>
+            <a:r>
+              <a:rPr lang="en-CA" dirty="0" smtClean="0"/>
+              <a:t>Testing: ASCOM Telescope Simulator, </a:t>
+            </a:r>
             <a:r>
               <a:rPr lang="en-CA" dirty="0" err="1" smtClean="0"/>
-              <a:t>Xtreme</a:t>
+              <a:t>NUnit</a:t>
             </a:r>
             <a:r>
               <a:rPr lang="en-CA" dirty="0" smtClean="0"/>
-              <a:t> Programming</a:t>
-            </a:r>
-          </a:p>
-          <a:p>
-            <a:r>
-              <a:rPr lang="en-CA" dirty="0" smtClean="0"/>
-              <a:t>Rational Unified Process</a:t>
-            </a:r>
+              <a:t>  Testing</a:t>
+            </a:r>
+            <a:endParaRPr lang="en-US" dirty="0" smtClean="0"/>
+          </a:p>
+          <a:p>
+            <a:pPr lvl="1"/>
+            <a:endParaRPr lang="en-US" dirty="0" smtClean="0"/>
+          </a:p>
+          <a:p>
             <a:endParaRPr lang="en-CA" dirty="0"/>
           </a:p>
         </p:txBody>

--- a/Stargazer_Presentation_Semester2.pptx
+++ b/Stargazer_Presentation_Semester2.pptx
@@ -5,33 +5,32 @@
     <p:sldMasterId id="2147483684" r:id="rId1"/>
   </p:sldMasterIdLst>
   <p:notesMasterIdLst>
-    <p:notesMasterId r:id="rId26"/>
+    <p:notesMasterId r:id="rId25"/>
   </p:notesMasterIdLst>
   <p:sldIdLst>
     <p:sldId id="256" r:id="rId2"/>
     <p:sldId id="257" r:id="rId3"/>
-    <p:sldId id="303" r:id="rId4"/>
-    <p:sldId id="282" r:id="rId5"/>
-    <p:sldId id="259" r:id="rId6"/>
-    <p:sldId id="300" r:id="rId7"/>
-    <p:sldId id="302" r:id="rId8"/>
-    <p:sldId id="291" r:id="rId9"/>
-    <p:sldId id="292" r:id="rId10"/>
-    <p:sldId id="293" r:id="rId11"/>
-    <p:sldId id="286" r:id="rId12"/>
-    <p:sldId id="298" r:id="rId13"/>
-    <p:sldId id="279" r:id="rId14"/>
-    <p:sldId id="261" r:id="rId15"/>
-    <p:sldId id="304" r:id="rId16"/>
-    <p:sldId id="268" r:id="rId17"/>
-    <p:sldId id="301" r:id="rId18"/>
-    <p:sldId id="299" r:id="rId19"/>
-    <p:sldId id="280" r:id="rId20"/>
-    <p:sldId id="272" r:id="rId21"/>
-    <p:sldId id="283" r:id="rId22"/>
-    <p:sldId id="278" r:id="rId23"/>
-    <p:sldId id="297" r:id="rId24"/>
-    <p:sldId id="296" r:id="rId25"/>
+    <p:sldId id="282" r:id="rId4"/>
+    <p:sldId id="291" r:id="rId5"/>
+    <p:sldId id="305" r:id="rId6"/>
+    <p:sldId id="309" r:id="rId7"/>
+    <p:sldId id="303" r:id="rId8"/>
+    <p:sldId id="300" r:id="rId9"/>
+    <p:sldId id="313" r:id="rId10"/>
+    <p:sldId id="261" r:id="rId11"/>
+    <p:sldId id="304" r:id="rId12"/>
+    <p:sldId id="307" r:id="rId13"/>
+    <p:sldId id="312" r:id="rId14"/>
+    <p:sldId id="279" r:id="rId15"/>
+    <p:sldId id="299" r:id="rId16"/>
+    <p:sldId id="280" r:id="rId17"/>
+    <p:sldId id="308" r:id="rId18"/>
+    <p:sldId id="306" r:id="rId19"/>
+    <p:sldId id="283" r:id="rId20"/>
+    <p:sldId id="297" r:id="rId21"/>
+    <p:sldId id="296" r:id="rId22"/>
+    <p:sldId id="310" r:id="rId23"/>
+    <p:sldId id="311" r:id="rId24"/>
   </p:sldIdLst>
   <p:sldSz cx="9144000" cy="6858000" type="screen4x3"/>
   <p:notesSz cx="6858000" cy="9144000"/>
@@ -216,7 +215,7 @@
             <a:fld id="{2AAFEF68-1DE9-47A7-9FE3-8BA9D24E7EE3}" type="datetimeFigureOut">
               <a:rPr lang="en-US" smtClean="0"/>
               <a:pPr/>
-              <a:t>4/8/2010</a:t>
+              <a:t>4/12/2010</a:t>
             </a:fld>
             <a:endParaRPr lang="en-CA"/>
           </a:p>
@@ -696,32 +695,15 @@
         <p:spPr/>
         <p:txBody>
           <a:bodyPr>
-            <a:normAutofit lnSpcReduction="10000"/>
+            <a:normAutofit/>
           </a:bodyPr>
           <a:lstStyle/>
           <a:p>
-            <a:pPr marL="0" marR="0" indent="0" algn="l" defTabSz="914400" rtl="0" eaLnBrk="1" fontAlgn="auto" latinLnBrk="0" hangingPunct="1">
-              <a:lnSpc>
-                <a:spcPct val="100000"/>
-              </a:lnSpc>
-              <a:spcBef>
-                <a:spcPts val="0"/>
-              </a:spcBef>
-              <a:spcAft>
-                <a:spcPts val="0"/>
-              </a:spcAft>
-              <a:buClrTx/>
-              <a:buSzTx/>
-              <a:buFontTx/>
-              <a:buNone/>
-              <a:tabLst/>
-              <a:defRPr/>
-            </a:pPr>
-            <a:r>
-              <a:rPr lang="en-CA" baseline="0" dirty="0" smtClean="0"/>
+            <a:r>
+              <a:rPr lang="en-CA" dirty="0" smtClean="0"/>
               <a:t>Rob</a:t>
             </a:r>
-            <a:endParaRPr lang="en-US" baseline="0" dirty="0" smtClean="0"/>
+            <a:endParaRPr lang="en-CA" dirty="0"/>
           </a:p>
         </p:txBody>
       </p:sp>
@@ -799,32 +781,15 @@
         <p:spPr/>
         <p:txBody>
           <a:bodyPr>
-            <a:normAutofit lnSpcReduction="10000"/>
+            <a:normAutofit/>
           </a:bodyPr>
           <a:lstStyle/>
           <a:p>
-            <a:pPr marL="0" marR="0" indent="0" algn="l" defTabSz="914400" rtl="0" eaLnBrk="1" fontAlgn="auto" latinLnBrk="0" hangingPunct="1">
-              <a:lnSpc>
-                <a:spcPct val="100000"/>
-              </a:lnSpc>
-              <a:spcBef>
-                <a:spcPts val="0"/>
-              </a:spcBef>
-              <a:spcAft>
-                <a:spcPts val="0"/>
-              </a:spcAft>
-              <a:buClrTx/>
-              <a:buSzTx/>
-              <a:buFontTx/>
-              <a:buNone/>
-              <a:tabLst/>
-              <a:defRPr/>
-            </a:pPr>
-            <a:r>
-              <a:rPr lang="en-CA" baseline="0" dirty="0" smtClean="0"/>
+            <a:r>
+              <a:rPr lang="en-CA" dirty="0" smtClean="0"/>
               <a:t>Robert</a:t>
             </a:r>
-            <a:endParaRPr lang="en-US" baseline="0" dirty="0" smtClean="0"/>
+            <a:endParaRPr lang="en-CA" dirty="0"/>
           </a:p>
         </p:txBody>
       </p:sp>
@@ -910,7 +875,7 @@
               <a:rPr lang="en-CA" dirty="0" smtClean="0"/>
               <a:t>Rob</a:t>
             </a:r>
-            <a:endParaRPr lang="en-US" dirty="0"/>
+            <a:endParaRPr lang="en-CA" dirty="0"/>
           </a:p>
         </p:txBody>
       </p:sp>
@@ -996,7 +961,7 @@
               <a:rPr lang="en-CA" dirty="0" smtClean="0"/>
               <a:t>Rob</a:t>
             </a:r>
-            <a:endParaRPr lang="en-CA" dirty="0"/>
+            <a:endParaRPr lang="en-US" dirty="0"/>
           </a:p>
         </p:txBody>
       </p:sp>
@@ -1079,10 +1044,64 @@
           <a:lstStyle/>
           <a:p>
             <a:r>
+              <a:rPr lang="en-CA" dirty="0" err="1" smtClean="0"/>
+              <a:t>robert</a:t>
+            </a:r>
+            <a:endParaRPr lang="en-CA" dirty="0" smtClean="0"/>
+          </a:p>
+          <a:p>
+            <a:endParaRPr lang="en-CA" dirty="0" smtClean="0"/>
+          </a:p>
+          <a:p>
+            <a:r>
               <a:rPr lang="en-CA" dirty="0" smtClean="0"/>
-              <a:t>Rob</a:t>
-            </a:r>
-            <a:endParaRPr lang="en-CA" dirty="0"/>
+              <a:t>Mention that we only had prototype</a:t>
+            </a:r>
+            <a:r>
+              <a:rPr lang="en-CA" baseline="0" dirty="0" smtClean="0"/>
+              <a:t> web system complete</a:t>
+            </a:r>
+          </a:p>
+          <a:p>
+            <a:pPr>
+              <a:buFontTx/>
+              <a:buChar char="-"/>
+            </a:pPr>
+            <a:r>
+              <a:rPr lang="en-CA" baseline="0" dirty="0" smtClean="0"/>
+              <a:t>no parking</a:t>
+            </a:r>
+          </a:p>
+          <a:p>
+            <a:pPr>
+              <a:buFontTx/>
+              <a:buChar char="-"/>
+            </a:pPr>
+            <a:r>
+              <a:rPr lang="en-CA" baseline="0" dirty="0" smtClean="0"/>
+              <a:t>no scheduling</a:t>
+            </a:r>
+          </a:p>
+          <a:p>
+            <a:pPr>
+              <a:buFontTx/>
+              <a:buChar char="-"/>
+            </a:pPr>
+            <a:r>
+              <a:rPr lang="en-CA" baseline="0" dirty="0" smtClean="0"/>
+              <a:t>no image gathering</a:t>
+            </a:r>
+          </a:p>
+          <a:p>
+            <a:pPr>
+              <a:buFontTx/>
+              <a:buChar char="-"/>
+            </a:pPr>
+            <a:r>
+              <a:rPr lang="en-CA" baseline="0" dirty="0" smtClean="0"/>
+              <a:t>few, rough mobile device views</a:t>
+            </a:r>
+            <a:endParaRPr lang="en-US" dirty="0"/>
           </a:p>
         </p:txBody>
       </p:sp>
@@ -1165,8 +1184,8 @@
           <a:lstStyle/>
           <a:p>
             <a:r>
-              <a:rPr lang="en-CA" dirty="0" smtClean="0"/>
-              <a:t>Robert</a:t>
+              <a:rPr lang="en-CA" dirty="0" err="1" smtClean="0"/>
+              <a:t>robert</a:t>
             </a:r>
             <a:endParaRPr lang="en-US" dirty="0"/>
           </a:p>
@@ -1250,95 +1269,9 @@
           </a:bodyPr>
           <a:lstStyle/>
           <a:p>
-            <a:pPr marL="0" marR="0" indent="0" algn="l" defTabSz="914400" rtl="0" eaLnBrk="1" fontAlgn="auto" latinLnBrk="0" hangingPunct="1">
-              <a:lnSpc>
-                <a:spcPct val="100000"/>
-              </a:lnSpc>
-              <a:spcBef>
-                <a:spcPts val="0"/>
-              </a:spcBef>
-              <a:spcAft>
-                <a:spcPts val="0"/>
-              </a:spcAft>
-              <a:buClrTx/>
-              <a:buSzTx/>
-              <a:buFontTx/>
-              <a:buNone/>
-              <a:tabLst/>
-              <a:defRPr/>
-            </a:pPr>
-            <a:r>
-              <a:rPr lang="en-US" dirty="0" smtClean="0"/>
-              <a:t>Rob:</a:t>
-            </a:r>
-          </a:p>
-          <a:p>
-            <a:endParaRPr lang="en-US" baseline="0" dirty="0" smtClean="0"/>
-          </a:p>
-          <a:p>
-            <a:r>
-              <a:rPr lang="en-US" baseline="0" dirty="0" smtClean="0"/>
-              <a:t>Here is an example of a ruby unit test.</a:t>
-            </a:r>
-          </a:p>
-          <a:p>
-            <a:endParaRPr lang="en-US" baseline="0" dirty="0" smtClean="0"/>
-          </a:p>
-          <a:p>
-            <a:r>
-              <a:rPr lang="en-US" baseline="0" dirty="0" smtClean="0"/>
-              <a:t>The first thing we do is load the </a:t>
-            </a:r>
-            <a:r>
-              <a:rPr lang="en-US" baseline="0" dirty="0" err="1" smtClean="0"/>
-              <a:t>test_helper</a:t>
-            </a:r>
-            <a:r>
-              <a:rPr lang="en-US" baseline="0" dirty="0" smtClean="0"/>
-              <a:t> file which sets the rails environment into “test” mode (Rails functions in three different modes: test, development and production). By doing this, it automatically loads a test database we can use to input sample data to test our functionality and validations.</a:t>
-            </a:r>
-          </a:p>
-          <a:p>
-            <a:endParaRPr lang="en-US" baseline="0" dirty="0" smtClean="0"/>
-          </a:p>
-          <a:p>
-            <a:r>
-              <a:rPr lang="en-US" baseline="0" dirty="0" smtClean="0"/>
-              <a:t>the class extends the test case class much like </a:t>
-            </a:r>
-            <a:r>
-              <a:rPr lang="en-US" baseline="0" dirty="0" err="1" smtClean="0"/>
-              <a:t>JUnit</a:t>
-            </a:r>
-            <a:r>
-              <a:rPr lang="en-US" baseline="0" dirty="0" smtClean="0"/>
-              <a:t> Tests which gives us access to some methods.</a:t>
-            </a:r>
-          </a:p>
-          <a:p>
-            <a:endParaRPr lang="en-US" baseline="0" dirty="0" smtClean="0"/>
-          </a:p>
-          <a:p>
-            <a:r>
-              <a:rPr lang="en-US" baseline="0" dirty="0" smtClean="0"/>
-              <a:t>The first thing we do is create a user with correct input values so later we can just override an attribute of that object with a value that shouldn’t work. For instance, we shouldn’t be able to create a new user when we haven’t supplied a username. Here we made it null and we make an assertion to test that our application should not allow us to save this object. If this assertion was false (not and true), a visible error message would occur when we run this test.</a:t>
-            </a:r>
-          </a:p>
-          <a:p>
-            <a:endParaRPr lang="en-US" baseline="0" dirty="0" smtClean="0"/>
-          </a:p>
-          <a:p>
-            <a:r>
-              <a:rPr lang="en-US" dirty="0" smtClean="0"/>
-              <a:t>Now to run the tests</a:t>
-            </a:r>
-            <a:r>
-              <a:rPr lang="en-US" baseline="0" dirty="0" smtClean="0"/>
-              <a:t> we go to the command line and simply type rake </a:t>
-            </a:r>
-            <a:r>
-              <a:rPr lang="en-US" baseline="0" dirty="0" err="1" smtClean="0"/>
-              <a:t>test:units</a:t>
+            <a:r>
+              <a:rPr lang="en-CA" dirty="0" smtClean="0"/>
+              <a:t>Robert</a:t>
             </a:r>
             <a:endParaRPr lang="en-US" dirty="0"/>
           </a:p>
@@ -1423,62 +1356,51 @@
           <a:lstStyle/>
           <a:p>
             <a:r>
-              <a:rPr lang="en-CA" dirty="0" err="1" smtClean="0"/>
-              <a:t>robert</a:t>
-            </a:r>
-            <a:endParaRPr lang="en-CA" dirty="0" smtClean="0"/>
-          </a:p>
-          <a:p>
-            <a:endParaRPr lang="en-CA" dirty="0" smtClean="0"/>
-          </a:p>
-          <a:p>
-            <a:r>
-              <a:rPr lang="en-CA" dirty="0" smtClean="0"/>
-              <a:t>Mention that we only had prototype</a:t>
-            </a:r>
-            <a:r>
-              <a:rPr lang="en-CA" baseline="0" dirty="0" smtClean="0"/>
-              <a:t> web system complete</a:t>
-            </a:r>
-          </a:p>
-          <a:p>
-            <a:pPr>
-              <a:buFontTx/>
-              <a:buChar char="-"/>
-            </a:pPr>
-            <a:r>
-              <a:rPr lang="en-CA" baseline="0" dirty="0" smtClean="0"/>
-              <a:t>no parking</a:t>
-            </a:r>
-          </a:p>
-          <a:p>
-            <a:pPr>
-              <a:buFontTx/>
-              <a:buChar char="-"/>
-            </a:pPr>
-            <a:r>
-              <a:rPr lang="en-CA" baseline="0" dirty="0" smtClean="0"/>
-              <a:t>no scheduling</a:t>
-            </a:r>
-          </a:p>
-          <a:p>
-            <a:pPr>
-              <a:buFontTx/>
-              <a:buChar char="-"/>
-            </a:pPr>
-            <a:r>
-              <a:rPr lang="en-CA" baseline="0" dirty="0" smtClean="0"/>
-              <a:t>no image gathering</a:t>
-            </a:r>
-          </a:p>
-          <a:p>
-            <a:pPr>
-              <a:buFontTx/>
-              <a:buChar char="-"/>
-            </a:pPr>
-            <a:r>
-              <a:rPr lang="en-CA" baseline="0" dirty="0" smtClean="0"/>
-              <a:t>few, rough mobile device views</a:t>
+              <a:rPr lang="en-CA" sz="1200" kern="1200" dirty="0" smtClean="0">
+                <a:solidFill>
+                  <a:schemeClr val="tx1"/>
+                </a:solidFill>
+                <a:latin typeface="+mn-lt"/>
+                <a:ea typeface="+mn-ea"/>
+                <a:cs typeface="+mn-cs"/>
+              </a:rPr>
+              <a:t>Robert</a:t>
+            </a:r>
+          </a:p>
+          <a:p>
+            <a:endParaRPr lang="en-US" sz="1200" kern="1200" dirty="0" smtClean="0">
+              <a:solidFill>
+                <a:schemeClr val="tx1"/>
+              </a:solidFill>
+              <a:latin typeface="+mn-lt"/>
+              <a:ea typeface="+mn-ea"/>
+              <a:cs typeface="+mn-cs"/>
+            </a:endParaRPr>
+          </a:p>
+          <a:p>
+            <a:r>
+              <a:rPr lang="en-US" sz="1200" kern="1200" dirty="0" smtClean="0">
+                <a:solidFill>
+                  <a:schemeClr val="tx1"/>
+                </a:solidFill>
+                <a:latin typeface="+mn-lt"/>
+                <a:ea typeface="+mn-ea"/>
+                <a:cs typeface="+mn-cs"/>
+              </a:rPr>
+              <a:t>Probabilities can be: low, moderate, high.</a:t>
+            </a:r>
+          </a:p>
+          <a:p>
+            <a:r>
+              <a:rPr lang="en-US" sz="1200" kern="1200" dirty="0" smtClean="0">
+                <a:solidFill>
+                  <a:schemeClr val="tx1"/>
+                </a:solidFill>
+                <a:latin typeface="+mn-lt"/>
+                <a:ea typeface="+mn-ea"/>
+                <a:cs typeface="+mn-cs"/>
+              </a:rPr>
+              <a:t>Effects can be: tolerable, serious and catastrophic</a:t>
             </a:r>
             <a:endParaRPr lang="en-US" dirty="0"/>
           </a:p>
@@ -1563,8 +1485,8 @@
           <a:lstStyle/>
           <a:p>
             <a:r>
-              <a:rPr lang="en-CA" dirty="0" err="1" smtClean="0"/>
-              <a:t>robert</a:t>
+              <a:rPr lang="en-CA" dirty="0" smtClean="0"/>
+              <a:t>Robert</a:t>
             </a:r>
             <a:endParaRPr lang="en-US" dirty="0"/>
           </a:p>
@@ -1649,8 +1571,8 @@
           <a:lstStyle/>
           <a:p>
             <a:r>
-              <a:rPr lang="en-CA" dirty="0" err="1" smtClean="0"/>
-              <a:t>robert</a:t>
+              <a:rPr lang="en-CA" dirty="0" smtClean="0"/>
+              <a:t>rob</a:t>
             </a:r>
             <a:endParaRPr lang="en-US" dirty="0"/>
           </a:p>
@@ -1736,7 +1658,7 @@
           <a:p>
             <a:r>
               <a:rPr lang="en-CA" dirty="0" smtClean="0"/>
-              <a:t>rob</a:t>
+              <a:t>Robert</a:t>
             </a:r>
             <a:endParaRPr lang="en-US" dirty="0"/>
           </a:p>
@@ -1822,7 +1744,56 @@
           <a:p>
             <a:r>
               <a:rPr lang="en-CA" dirty="0" smtClean="0"/>
-              <a:t>Robert</a:t>
+              <a:t>Rob</a:t>
+            </a:r>
+          </a:p>
+          <a:p>
+            <a:endParaRPr lang="en-CA" dirty="0" smtClean="0"/>
+          </a:p>
+          <a:p>
+            <a:r>
+              <a:rPr lang="en-CA" dirty="0" smtClean="0"/>
+              <a:t>Customers for giving</a:t>
+            </a:r>
+            <a:r>
+              <a:rPr lang="en-CA" baseline="0" dirty="0" smtClean="0"/>
+              <a:t> us such an interesting project and supplying us with the Meade telescope</a:t>
+            </a:r>
+          </a:p>
+          <a:p>
+            <a:r>
+              <a:rPr lang="en-CA" baseline="0" dirty="0" err="1" smtClean="0"/>
+              <a:t>Youry</a:t>
+            </a:r>
+            <a:r>
+              <a:rPr lang="en-CA" baseline="0" dirty="0" smtClean="0"/>
+              <a:t> for guiding us through the software development lifecycle</a:t>
+            </a:r>
+          </a:p>
+          <a:p>
+            <a:r>
+              <a:rPr lang="en-CA" baseline="0" dirty="0" smtClean="0"/>
+              <a:t>Dave </a:t>
+            </a:r>
+            <a:r>
+              <a:rPr lang="en-CA" baseline="0" dirty="0" err="1" smtClean="0"/>
+              <a:t>Goodall</a:t>
+            </a:r>
+            <a:r>
+              <a:rPr lang="en-CA" baseline="0" dirty="0" smtClean="0"/>
+              <a:t> for giving us a domain name for our project allowing outside access to our web server</a:t>
+            </a:r>
+          </a:p>
+          <a:p>
+            <a:r>
+              <a:rPr lang="en-CA" baseline="0" dirty="0" smtClean="0"/>
+              <a:t>Nokia for supplying us with two Nokia N97’s used for testing</a:t>
+            </a:r>
+          </a:p>
+          <a:p>
+            <a:r>
+              <a:rPr lang="en-CA" dirty="0" smtClean="0"/>
+              <a:t>Canon for development kit and drivers</a:t>
             </a:r>
             <a:endParaRPr lang="en-US" dirty="0"/>
           </a:p>
@@ -1847,313 +1818,6 @@
               <a:rPr lang="en-CA" smtClean="0"/>
               <a:pPr/>
               <a:t>21</a:t>
-            </a:fld>
-            <a:endParaRPr lang="en-CA"/>
-          </a:p>
-        </p:txBody>
-      </p:sp>
-    </p:spTree>
-  </p:cSld>
-  <p:clrMapOvr>
-    <a:masterClrMapping/>
-  </p:clrMapOvr>
-</p:notes>
-</file>
-
-<file path=ppt/notesSlides/notesSlide22.xml><?xml version="1.0" encoding="utf-8"?>
-<p:notes xmlns:a="http://schemas.openxmlformats.org/drawingml/2006/main" xmlns:r="http://schemas.openxmlformats.org/officeDocument/2006/relationships" xmlns:p="http://schemas.openxmlformats.org/presentationml/2006/main">
-  <p:cSld>
-    <p:spTree>
-      <p:nvGrpSpPr>
-        <p:cNvPr id="1" name=""/>
-        <p:cNvGrpSpPr/>
-        <p:nvPr/>
-      </p:nvGrpSpPr>
-      <p:grpSpPr>
-        <a:xfrm>
-          <a:off x="0" y="0"/>
-          <a:ext cx="0" cy="0"/>
-          <a:chOff x="0" y="0"/>
-          <a:chExt cx="0" cy="0"/>
-        </a:xfrm>
-      </p:grpSpPr>
-      <p:sp>
-        <p:nvSpPr>
-          <p:cNvPr id="2" name="Slide Image Placeholder 1"/>
-          <p:cNvSpPr>
-            <a:spLocks noGrp="1" noRot="1" noChangeAspect="1"/>
-          </p:cNvSpPr>
-          <p:nvPr>
-            <p:ph type="sldImg"/>
-          </p:nvPr>
-        </p:nvSpPr>
-        <p:spPr/>
-      </p:sp>
-      <p:sp>
-        <p:nvSpPr>
-          <p:cNvPr id="3" name="Notes Placeholder 2"/>
-          <p:cNvSpPr>
-            <a:spLocks noGrp="1"/>
-          </p:cNvSpPr>
-          <p:nvPr>
-            <p:ph type="body" idx="1"/>
-          </p:nvPr>
-        </p:nvSpPr>
-        <p:spPr/>
-        <p:txBody>
-          <a:bodyPr>
-            <a:normAutofit/>
-          </a:bodyPr>
-          <a:lstStyle/>
-          <a:p>
-            <a:r>
-              <a:rPr lang="en-CA" dirty="0" smtClean="0"/>
-              <a:t>Robert</a:t>
-            </a:r>
-            <a:endParaRPr lang="en-US" dirty="0"/>
-          </a:p>
-        </p:txBody>
-      </p:sp>
-      <p:sp>
-        <p:nvSpPr>
-          <p:cNvPr id="4" name="Slide Number Placeholder 3"/>
-          <p:cNvSpPr>
-            <a:spLocks noGrp="1"/>
-          </p:cNvSpPr>
-          <p:nvPr>
-            <p:ph type="sldNum" sz="quarter" idx="10"/>
-          </p:nvPr>
-        </p:nvSpPr>
-        <p:spPr/>
-        <p:txBody>
-          <a:bodyPr/>
-          <a:lstStyle/>
-          <a:p>
-            <a:fld id="{64EF572D-EF5B-479C-89C5-F647D7191839}" type="slidenum">
-              <a:rPr lang="en-CA" smtClean="0"/>
-              <a:pPr/>
-              <a:t>22</a:t>
-            </a:fld>
-            <a:endParaRPr lang="en-CA"/>
-          </a:p>
-        </p:txBody>
-      </p:sp>
-    </p:spTree>
-  </p:cSld>
-  <p:clrMapOvr>
-    <a:masterClrMapping/>
-  </p:clrMapOvr>
-</p:notes>
-</file>
-
-<file path=ppt/notesSlides/notesSlide23.xml><?xml version="1.0" encoding="utf-8"?>
-<p:notes xmlns:a="http://schemas.openxmlformats.org/drawingml/2006/main" xmlns:r="http://schemas.openxmlformats.org/officeDocument/2006/relationships" xmlns:p="http://schemas.openxmlformats.org/presentationml/2006/main">
-  <p:cSld>
-    <p:spTree>
-      <p:nvGrpSpPr>
-        <p:cNvPr id="1" name=""/>
-        <p:cNvGrpSpPr/>
-        <p:nvPr/>
-      </p:nvGrpSpPr>
-      <p:grpSpPr>
-        <a:xfrm>
-          <a:off x="0" y="0"/>
-          <a:ext cx="0" cy="0"/>
-          <a:chOff x="0" y="0"/>
-          <a:chExt cx="0" cy="0"/>
-        </a:xfrm>
-      </p:grpSpPr>
-      <p:sp>
-        <p:nvSpPr>
-          <p:cNvPr id="2" name="Slide Image Placeholder 1"/>
-          <p:cNvSpPr>
-            <a:spLocks noGrp="1" noRot="1" noChangeAspect="1"/>
-          </p:cNvSpPr>
-          <p:nvPr>
-            <p:ph type="sldImg"/>
-          </p:nvPr>
-        </p:nvSpPr>
-        <p:spPr/>
-      </p:sp>
-      <p:sp>
-        <p:nvSpPr>
-          <p:cNvPr id="3" name="Notes Placeholder 2"/>
-          <p:cNvSpPr>
-            <a:spLocks noGrp="1"/>
-          </p:cNvSpPr>
-          <p:nvPr>
-            <p:ph type="body" idx="1"/>
-          </p:nvPr>
-        </p:nvSpPr>
-        <p:spPr/>
-        <p:txBody>
-          <a:bodyPr>
-            <a:normAutofit/>
-          </a:bodyPr>
-          <a:lstStyle/>
-          <a:p>
-            <a:r>
-              <a:rPr lang="en-CA" dirty="0" smtClean="0"/>
-              <a:t>Robert</a:t>
-            </a:r>
-            <a:endParaRPr lang="en-US" dirty="0"/>
-          </a:p>
-        </p:txBody>
-      </p:sp>
-      <p:sp>
-        <p:nvSpPr>
-          <p:cNvPr id="4" name="Slide Number Placeholder 3"/>
-          <p:cNvSpPr>
-            <a:spLocks noGrp="1"/>
-          </p:cNvSpPr>
-          <p:nvPr>
-            <p:ph type="sldNum" sz="quarter" idx="10"/>
-          </p:nvPr>
-        </p:nvSpPr>
-        <p:spPr/>
-        <p:txBody>
-          <a:bodyPr/>
-          <a:lstStyle/>
-          <a:p>
-            <a:fld id="{64EF572D-EF5B-479C-89C5-F647D7191839}" type="slidenum">
-              <a:rPr lang="en-CA" smtClean="0"/>
-              <a:pPr/>
-              <a:t>23</a:t>
-            </a:fld>
-            <a:endParaRPr lang="en-CA"/>
-          </a:p>
-        </p:txBody>
-      </p:sp>
-    </p:spTree>
-  </p:cSld>
-  <p:clrMapOvr>
-    <a:masterClrMapping/>
-  </p:clrMapOvr>
-</p:notes>
-</file>
-
-<file path=ppt/notesSlides/notesSlide24.xml><?xml version="1.0" encoding="utf-8"?>
-<p:notes xmlns:a="http://schemas.openxmlformats.org/drawingml/2006/main" xmlns:r="http://schemas.openxmlformats.org/officeDocument/2006/relationships" xmlns:p="http://schemas.openxmlformats.org/presentationml/2006/main">
-  <p:cSld>
-    <p:spTree>
-      <p:nvGrpSpPr>
-        <p:cNvPr id="1" name=""/>
-        <p:cNvGrpSpPr/>
-        <p:nvPr/>
-      </p:nvGrpSpPr>
-      <p:grpSpPr>
-        <a:xfrm>
-          <a:off x="0" y="0"/>
-          <a:ext cx="0" cy="0"/>
-          <a:chOff x="0" y="0"/>
-          <a:chExt cx="0" cy="0"/>
-        </a:xfrm>
-      </p:grpSpPr>
-      <p:sp>
-        <p:nvSpPr>
-          <p:cNvPr id="2" name="Slide Image Placeholder 1"/>
-          <p:cNvSpPr>
-            <a:spLocks noGrp="1" noRot="1" noChangeAspect="1"/>
-          </p:cNvSpPr>
-          <p:nvPr>
-            <p:ph type="sldImg"/>
-          </p:nvPr>
-        </p:nvSpPr>
-        <p:spPr/>
-      </p:sp>
-      <p:sp>
-        <p:nvSpPr>
-          <p:cNvPr id="3" name="Notes Placeholder 2"/>
-          <p:cNvSpPr>
-            <a:spLocks noGrp="1"/>
-          </p:cNvSpPr>
-          <p:nvPr>
-            <p:ph type="body" idx="1"/>
-          </p:nvPr>
-        </p:nvSpPr>
-        <p:spPr/>
-        <p:txBody>
-          <a:bodyPr>
-            <a:normAutofit/>
-          </a:bodyPr>
-          <a:lstStyle/>
-          <a:p>
-            <a:r>
-              <a:rPr lang="en-CA" dirty="0" smtClean="0"/>
-              <a:t>Rob</a:t>
-            </a:r>
-          </a:p>
-          <a:p>
-            <a:endParaRPr lang="en-CA" dirty="0" smtClean="0"/>
-          </a:p>
-          <a:p>
-            <a:r>
-              <a:rPr lang="en-CA" dirty="0" smtClean="0"/>
-              <a:t>Customers for giving</a:t>
-            </a:r>
-            <a:r>
-              <a:rPr lang="en-CA" baseline="0" dirty="0" smtClean="0"/>
-              <a:t> us such an interesting project and supplying us with the Meade telescope</a:t>
-            </a:r>
-          </a:p>
-          <a:p>
-            <a:r>
-              <a:rPr lang="en-CA" baseline="0" dirty="0" err="1" smtClean="0"/>
-              <a:t>Youry</a:t>
-            </a:r>
-            <a:r>
-              <a:rPr lang="en-CA" baseline="0" dirty="0" smtClean="0"/>
-              <a:t> for guiding us through the software development lifecycle</a:t>
-            </a:r>
-          </a:p>
-          <a:p>
-            <a:r>
-              <a:rPr lang="en-CA" baseline="0" dirty="0" smtClean="0"/>
-              <a:t>Dave </a:t>
-            </a:r>
-            <a:r>
-              <a:rPr lang="en-CA" baseline="0" dirty="0" err="1" smtClean="0"/>
-              <a:t>Goodall</a:t>
-            </a:r>
-            <a:r>
-              <a:rPr lang="en-CA" baseline="0" dirty="0" smtClean="0"/>
-              <a:t> for giving us a domain name for our project allowing outside access to our web server</a:t>
-            </a:r>
-          </a:p>
-          <a:p>
-            <a:r>
-              <a:rPr lang="en-CA" baseline="0" dirty="0" smtClean="0"/>
-              <a:t>Nokia for supplying us with two Nokia N97’s used for testing</a:t>
-            </a:r>
-          </a:p>
-          <a:p>
-            <a:r>
-              <a:rPr lang="en-CA" dirty="0" smtClean="0"/>
-              <a:t>Canon for development kit and drivers</a:t>
-            </a:r>
-            <a:endParaRPr lang="en-US" dirty="0"/>
-          </a:p>
-        </p:txBody>
-      </p:sp>
-      <p:sp>
-        <p:nvSpPr>
-          <p:cNvPr id="4" name="Slide Number Placeholder 3"/>
-          <p:cNvSpPr>
-            <a:spLocks noGrp="1"/>
-          </p:cNvSpPr>
-          <p:nvPr>
-            <p:ph type="sldNum" sz="quarter" idx="10"/>
-          </p:nvPr>
-        </p:nvSpPr>
-        <p:spPr/>
-        <p:txBody>
-          <a:bodyPr/>
-          <a:lstStyle/>
-          <a:p>
-            <a:fld id="{64EF572D-EF5B-479C-89C5-F647D7191839}" type="slidenum">
-              <a:rPr lang="en-CA" smtClean="0"/>
-              <a:pPr/>
-              <a:t>24</a:t>
             </a:fld>
             <a:endParaRPr lang="en-CA"/>
           </a:p>
@@ -2209,15 +1873,15 @@
         <p:spPr/>
         <p:txBody>
           <a:bodyPr>
-            <a:normAutofit/>
+            <a:normAutofit lnSpcReduction="10000"/>
           </a:bodyPr>
           <a:lstStyle/>
           <a:p>
             <a:r>
-              <a:rPr lang="en-CA" dirty="0" err="1" smtClean="0"/>
-              <a:t>robert</a:t>
-            </a:r>
-            <a:endParaRPr lang="en-US" dirty="0"/>
+              <a:rPr lang="en-CA" dirty="0" smtClean="0"/>
+              <a:t>Rob</a:t>
+            </a:r>
+            <a:endParaRPr lang="en-CA" dirty="0"/>
           </a:p>
         </p:txBody>
       </p:sp>
@@ -2241,7 +1905,7 @@
               <a:pPr/>
               <a:t>3</a:t>
             </a:fld>
-            <a:endParaRPr lang="en-CA"/>
+            <a:endParaRPr lang="en-CA" dirty="0"/>
           </a:p>
         </p:txBody>
       </p:sp>
@@ -2295,7 +1959,7 @@
         <p:spPr/>
         <p:txBody>
           <a:bodyPr>
-            <a:normAutofit lnSpcReduction="10000"/>
+            <a:normAutofit/>
           </a:bodyPr>
           <a:lstStyle/>
           <a:p>
@@ -2303,7 +1967,33 @@
               <a:rPr lang="en-CA" dirty="0" smtClean="0"/>
               <a:t>Rob</a:t>
             </a:r>
-            <a:endParaRPr lang="en-CA" dirty="0"/>
+            <a:endParaRPr lang="en-US" dirty="0" smtClean="0"/>
+          </a:p>
+          <a:p>
+            <a:endParaRPr lang="en-US" dirty="0" smtClean="0"/>
+          </a:p>
+          <a:p>
+            <a:r>
+              <a:rPr lang="en-US" dirty="0" smtClean="0"/>
+              <a:t>Telescope: Meade LX200 (Customer)</a:t>
+            </a:r>
+          </a:p>
+          <a:p>
+            <a:r>
+              <a:rPr lang="en-US" dirty="0" smtClean="0"/>
+              <a:t>Digital camera: Sony A900 DSLR (Customer)</a:t>
+            </a:r>
+          </a:p>
+          <a:p>
+            <a:r>
+              <a:rPr lang="en-US" dirty="0" smtClean="0"/>
+              <a:t>Mobile device: Nokia phones, Apple </a:t>
+            </a:r>
+            <a:r>
+              <a:rPr lang="en-US" dirty="0" err="1" smtClean="0"/>
+              <a:t>iPhone</a:t>
+            </a:r>
+            <a:endParaRPr lang="en-US" dirty="0" smtClean="0"/>
           </a:p>
         </p:txBody>
       </p:sp>
@@ -2327,7 +2017,7 @@
               <a:pPr/>
               <a:t>4</a:t>
             </a:fld>
-            <a:endParaRPr lang="en-CA" dirty="0"/>
+            <a:endParaRPr lang="en-CA"/>
           </a:p>
         </p:txBody>
       </p:sp>
@@ -2386,28 +2076,10 @@
           <a:lstStyle/>
           <a:p>
             <a:r>
-              <a:rPr lang="en-CA" dirty="0" smtClean="0"/>
-              <a:t>Rob</a:t>
-            </a:r>
-            <a:endParaRPr lang="en-US" dirty="0" smtClean="0"/>
-          </a:p>
-          <a:p>
-            <a:endParaRPr lang="en-US" dirty="0" smtClean="0"/>
-          </a:p>
-          <a:p>
-            <a:r>
               <a:rPr lang="en-US" dirty="0" smtClean="0"/>
-              <a:t>Astronomy is a hobby of theirs, so they own and operate over 10 telescopes.</a:t>
-            </a:r>
-          </a:p>
-          <a:p>
-            <a:endParaRPr lang="en-US" dirty="0" smtClean="0"/>
-          </a:p>
-          <a:p>
-            <a:r>
-              <a:rPr lang="en-US" dirty="0" smtClean="0"/>
-              <a:t>As of now, Sasha and Nan (our customers), use a manual process for achieving their goals of positioning the telescope and finding new celestial objects. </a:t>
-            </a:r>
+              <a:t>Robert</a:t>
+            </a:r>
+            <a:endParaRPr lang="en-CA" dirty="0"/>
           </a:p>
         </p:txBody>
       </p:sp>
@@ -2490,8 +2162,8 @@
           <a:lstStyle/>
           <a:p>
             <a:r>
-              <a:rPr lang="en-CA" dirty="0" smtClean="0"/>
-              <a:t>Robert</a:t>
+              <a:rPr lang="en-CA" dirty="0" err="1" smtClean="0"/>
+              <a:t>robert</a:t>
             </a:r>
             <a:endParaRPr lang="en-US" dirty="0"/>
           </a:p>
@@ -2576,51 +2248,8 @@
           <a:lstStyle/>
           <a:p>
             <a:r>
-              <a:rPr lang="en-CA" sz="1200" kern="1200" dirty="0" smtClean="0">
-                <a:solidFill>
-                  <a:schemeClr val="tx1"/>
-                </a:solidFill>
-                <a:latin typeface="+mn-lt"/>
-                <a:ea typeface="+mn-ea"/>
-                <a:cs typeface="+mn-cs"/>
-              </a:rPr>
-              <a:t>Robert</a:t>
-            </a:r>
-          </a:p>
-          <a:p>
-            <a:endParaRPr lang="en-US" sz="1200" kern="1200" dirty="0" smtClean="0">
-              <a:solidFill>
-                <a:schemeClr val="tx1"/>
-              </a:solidFill>
-              <a:latin typeface="+mn-lt"/>
-              <a:ea typeface="+mn-ea"/>
-              <a:cs typeface="+mn-cs"/>
-            </a:endParaRPr>
-          </a:p>
-          <a:p>
-            <a:r>
-              <a:rPr lang="en-US" sz="1200" kern="1200" dirty="0" smtClean="0">
-                <a:solidFill>
-                  <a:schemeClr val="tx1"/>
-                </a:solidFill>
-                <a:latin typeface="+mn-lt"/>
-                <a:ea typeface="+mn-ea"/>
-                <a:cs typeface="+mn-cs"/>
-              </a:rPr>
-              <a:t>Probabilities can be: low, moderate, high.</a:t>
-            </a:r>
-          </a:p>
-          <a:p>
-            <a:r>
-              <a:rPr lang="en-US" sz="1200" kern="1200" dirty="0" smtClean="0">
-                <a:solidFill>
-                  <a:schemeClr val="tx1"/>
-                </a:solidFill>
-                <a:latin typeface="+mn-lt"/>
-                <a:ea typeface="+mn-ea"/>
-                <a:cs typeface="+mn-cs"/>
-              </a:rPr>
-              <a:t>Effects can be: tolerable, serious and catastrophic</a:t>
+              <a:rPr lang="en-CA" dirty="0" smtClean="0"/>
+              <a:t>rob</a:t>
             </a:r>
             <a:endParaRPr lang="en-US" dirty="0"/>
           </a:p>
@@ -2706,35 +2335,9 @@
           <a:p>
             <a:r>
               <a:rPr lang="en-CA" dirty="0" smtClean="0"/>
-              <a:t>Rob</a:t>
-            </a:r>
-            <a:endParaRPr lang="en-US" dirty="0" smtClean="0"/>
-          </a:p>
-          <a:p>
-            <a:endParaRPr lang="en-US" dirty="0" smtClean="0"/>
-          </a:p>
-          <a:p>
-            <a:r>
-              <a:rPr lang="en-US" dirty="0" smtClean="0"/>
-              <a:t>Telescope: Meade LX200 (Customer)</a:t>
-            </a:r>
-          </a:p>
-          <a:p>
-            <a:r>
-              <a:rPr lang="en-US" dirty="0" smtClean="0"/>
-              <a:t>Digital camera: Sony A900 DSLR (Customer)</a:t>
-            </a:r>
-          </a:p>
-          <a:p>
-            <a:r>
-              <a:rPr lang="en-US" dirty="0" smtClean="0"/>
-              <a:t>Mobile device: Nokia phones, Apple </a:t>
-            </a:r>
-            <a:r>
-              <a:rPr lang="en-US" dirty="0" err="1" smtClean="0"/>
-              <a:t>iPhone</a:t>
-            </a:r>
-            <a:endParaRPr lang="en-US" dirty="0" smtClean="0"/>
+              <a:t>Robert</a:t>
+            </a:r>
+            <a:endParaRPr lang="en-US" dirty="0"/>
           </a:p>
         </p:txBody>
       </p:sp>
@@ -2817,10 +2420,10 @@
           <a:lstStyle/>
           <a:p>
             <a:r>
-              <a:rPr lang="en-CA" dirty="0" err="1" smtClean="0"/>
-              <a:t>robert</a:t>
-            </a:r>
-            <a:endParaRPr lang="en-US" dirty="0"/>
+              <a:rPr lang="en-CA" dirty="0" smtClean="0"/>
+              <a:t>Rob</a:t>
+            </a:r>
+            <a:endParaRPr lang="en-CA" dirty="0"/>
           </a:p>
         </p:txBody>
       </p:sp>
@@ -3038,7 +2641,7 @@
             <a:fld id="{471E1C79-A119-44DE-84CD-391F73B5F415}" type="datetimeFigureOut">
               <a:rPr lang="en-US" smtClean="0"/>
               <a:pPr/>
-              <a:t>4/8/2010</a:t>
+              <a:t>4/12/2010</a:t>
             </a:fld>
             <a:endParaRPr lang="en-CA"/>
           </a:p>
@@ -3205,7 +2808,7 @@
             <a:fld id="{471E1C79-A119-44DE-84CD-391F73B5F415}" type="datetimeFigureOut">
               <a:rPr lang="en-US" smtClean="0"/>
               <a:pPr/>
-              <a:t>4/8/2010</a:t>
+              <a:t>4/12/2010</a:t>
             </a:fld>
             <a:endParaRPr lang="en-CA"/>
           </a:p>
@@ -3382,7 +2985,7 @@
             <a:fld id="{471E1C79-A119-44DE-84CD-391F73B5F415}" type="datetimeFigureOut">
               <a:rPr lang="en-US" smtClean="0"/>
               <a:pPr/>
-              <a:t>4/8/2010</a:t>
+              <a:t>4/12/2010</a:t>
             </a:fld>
             <a:endParaRPr lang="en-CA"/>
           </a:p>
@@ -3549,7 +3152,7 @@
             <a:fld id="{471E1C79-A119-44DE-84CD-391F73B5F415}" type="datetimeFigureOut">
               <a:rPr lang="en-US" smtClean="0"/>
               <a:pPr/>
-              <a:t>4/8/2010</a:t>
+              <a:t>4/12/2010</a:t>
             </a:fld>
             <a:endParaRPr lang="en-CA"/>
           </a:p>
@@ -3792,7 +3395,7 @@
             <a:fld id="{471E1C79-A119-44DE-84CD-391F73B5F415}" type="datetimeFigureOut">
               <a:rPr lang="en-US" smtClean="0"/>
               <a:pPr/>
-              <a:t>4/8/2010</a:t>
+              <a:t>4/12/2010</a:t>
             </a:fld>
             <a:endParaRPr lang="en-CA"/>
           </a:p>
@@ -4077,7 +3680,7 @@
             <a:fld id="{471E1C79-A119-44DE-84CD-391F73B5F415}" type="datetimeFigureOut">
               <a:rPr lang="en-US" smtClean="0"/>
               <a:pPr/>
-              <a:t>4/8/2010</a:t>
+              <a:t>4/12/2010</a:t>
             </a:fld>
             <a:endParaRPr lang="en-CA"/>
           </a:p>
@@ -4496,7 +4099,7 @@
             <a:fld id="{471E1C79-A119-44DE-84CD-391F73B5F415}" type="datetimeFigureOut">
               <a:rPr lang="en-US" smtClean="0"/>
               <a:pPr/>
-              <a:t>4/8/2010</a:t>
+              <a:t>4/12/2010</a:t>
             </a:fld>
             <a:endParaRPr lang="en-CA"/>
           </a:p>
@@ -4611,7 +4214,7 @@
             <a:fld id="{471E1C79-A119-44DE-84CD-391F73B5F415}" type="datetimeFigureOut">
               <a:rPr lang="en-US" smtClean="0"/>
               <a:pPr/>
-              <a:t>4/8/2010</a:t>
+              <a:t>4/12/2010</a:t>
             </a:fld>
             <a:endParaRPr lang="en-CA"/>
           </a:p>
@@ -4703,7 +4306,7 @@
             <a:fld id="{471E1C79-A119-44DE-84CD-391F73B5F415}" type="datetimeFigureOut">
               <a:rPr lang="en-US" smtClean="0"/>
               <a:pPr/>
-              <a:t>4/8/2010</a:t>
+              <a:t>4/12/2010</a:t>
             </a:fld>
             <a:endParaRPr lang="en-CA"/>
           </a:p>
@@ -4977,7 +4580,7 @@
             <a:fld id="{471E1C79-A119-44DE-84CD-391F73B5F415}" type="datetimeFigureOut">
               <a:rPr lang="en-US" smtClean="0"/>
               <a:pPr/>
-              <a:t>4/8/2010</a:t>
+              <a:t>4/12/2010</a:t>
             </a:fld>
             <a:endParaRPr lang="en-CA"/>
           </a:p>
@@ -5227,7 +4830,7 @@
             <a:fld id="{471E1C79-A119-44DE-84CD-391F73B5F415}" type="datetimeFigureOut">
               <a:rPr lang="en-US" smtClean="0"/>
               <a:pPr/>
-              <a:t>4/8/2010</a:t>
+              <a:t>4/12/2010</a:t>
             </a:fld>
             <a:endParaRPr lang="en-CA"/>
           </a:p>
@@ -5446,7 +5049,7 @@
             <a:fld id="{471E1C79-A119-44DE-84CD-391F73B5F415}" type="datetimeFigureOut">
               <a:rPr lang="en-US" smtClean="0"/>
               <a:pPr/>
-              <a:t>4/8/2010</a:t>
+              <a:t>4/12/2010</a:t>
             </a:fld>
             <a:endParaRPr lang="en-CA"/>
           </a:p>
@@ -6012,460 +5615,6 @@
               <a:schemeClr val="accent1"/>
             </a:solidFill>
           </a:ln>
-          <a:effectLst>
-            <a:glow rad="63500">
-              <a:schemeClr val="accent1">
-                <a:satMod val="175000"/>
-                <a:alpha val="40000"/>
-              </a:schemeClr>
-            </a:glow>
-          </a:effectLst>
-        </p:spPr>
-        <p:txBody>
-          <a:bodyPr>
-            <a:normAutofit fontScale="90000"/>
-          </a:bodyPr>
-          <a:lstStyle/>
-          <a:p>
-            <a:r>
-              <a:rPr lang="en-US" dirty="0" smtClean="0"/>
-              <a:t>Software Development Methodology</a:t>
-            </a:r>
-            <a:endParaRPr lang="en-CA" dirty="0"/>
-          </a:p>
-        </p:txBody>
-      </p:sp>
-      <p:sp>
-        <p:nvSpPr>
-          <p:cNvPr id="3" name="Content Placeholder 2"/>
-          <p:cNvSpPr>
-            <a:spLocks noGrp="1"/>
-          </p:cNvSpPr>
-          <p:nvPr>
-            <p:ph idx="1"/>
-          </p:nvPr>
-        </p:nvSpPr>
-        <p:spPr>
-          <a:xfrm>
-            <a:off x="457200" y="1600201"/>
-            <a:ext cx="8229600" cy="4472006"/>
-          </a:xfrm>
-          <a:solidFill>
-            <a:srgbClr val="000000"/>
-          </a:solidFill>
-          <a:ln>
-            <a:solidFill>
-              <a:schemeClr val="accent1"/>
-            </a:solidFill>
-          </a:ln>
-          <a:effectLst>
-            <a:glow rad="63500">
-              <a:schemeClr val="accent1">
-                <a:satMod val="175000"/>
-                <a:alpha val="40000"/>
-              </a:schemeClr>
-            </a:glow>
-            <a:outerShdw blurRad="107950" dist="12700" dir="5400000" algn="ctr">
-              <a:srgbClr val="000000"/>
-            </a:outerShdw>
-          </a:effectLst>
-        </p:spPr>
-        <p:txBody>
-          <a:bodyPr>
-            <a:normAutofit/>
-          </a:bodyPr>
-          <a:lstStyle/>
-          <a:p>
-            <a:r>
-              <a:rPr lang="en-CA" dirty="0" err="1" smtClean="0"/>
-              <a:t>Xtreme</a:t>
-            </a:r>
-            <a:r>
-              <a:rPr lang="en-CA" dirty="0" smtClean="0"/>
-              <a:t> Programming</a:t>
-            </a:r>
-          </a:p>
-          <a:p>
-            <a:r>
-              <a:rPr lang="en-CA" dirty="0" smtClean="0"/>
-              <a:t>Rational Unified Process</a:t>
-            </a:r>
-            <a:endParaRPr lang="en-CA" dirty="0"/>
-          </a:p>
-        </p:txBody>
-      </p:sp>
-    </p:spTree>
-  </p:cSld>
-  <p:clrMapOvr>
-    <a:masterClrMapping/>
-  </p:clrMapOvr>
-  <p:timing>
-    <p:tnLst>
-      <p:par>
-        <p:cTn id="1" dur="indefinite" restart="never" nodeType="tmRoot"/>
-      </p:par>
-    </p:tnLst>
-  </p:timing>
-</p:sld>
-</file>
-
-<file path=ppt/slides/slide11.xml><?xml version="1.0" encoding="utf-8"?>
-<p:sld xmlns:a="http://schemas.openxmlformats.org/drawingml/2006/main" xmlns:r="http://schemas.openxmlformats.org/officeDocument/2006/relationships" xmlns:p="http://schemas.openxmlformats.org/presentationml/2006/main">
-  <p:cSld>
-    <p:spTree>
-      <p:nvGrpSpPr>
-        <p:cNvPr id="1" name=""/>
-        <p:cNvGrpSpPr/>
-        <p:nvPr/>
-      </p:nvGrpSpPr>
-      <p:grpSpPr>
-        <a:xfrm>
-          <a:off x="0" y="0"/>
-          <a:ext cx="0" cy="0"/>
-          <a:chOff x="0" y="0"/>
-          <a:chExt cx="0" cy="0"/>
-        </a:xfrm>
-      </p:grpSpPr>
-      <p:sp>
-        <p:nvSpPr>
-          <p:cNvPr id="2" name="Title 1"/>
-          <p:cNvSpPr>
-            <a:spLocks noGrp="1"/>
-          </p:cNvSpPr>
-          <p:nvPr>
-            <p:ph type="title"/>
-          </p:nvPr>
-        </p:nvSpPr>
-        <p:spPr>
-          <a:solidFill>
-            <a:srgbClr val="000000"/>
-          </a:solidFill>
-          <a:ln>
-            <a:solidFill>
-              <a:schemeClr val="accent1"/>
-            </a:solidFill>
-          </a:ln>
-        </p:spPr>
-        <p:txBody>
-          <a:bodyPr/>
-          <a:lstStyle/>
-          <a:p>
-            <a:r>
-              <a:rPr lang="en-US" dirty="0" smtClean="0"/>
-              <a:t>Web Server Machine Details</a:t>
-            </a:r>
-            <a:endParaRPr lang="en-CA" dirty="0"/>
-          </a:p>
-        </p:txBody>
-      </p:sp>
-      <p:sp>
-        <p:nvSpPr>
-          <p:cNvPr id="3" name="Content Placeholder 2"/>
-          <p:cNvSpPr>
-            <a:spLocks noGrp="1"/>
-          </p:cNvSpPr>
-          <p:nvPr>
-            <p:ph idx="1"/>
-          </p:nvPr>
-        </p:nvSpPr>
-        <p:spPr>
-          <a:solidFill>
-            <a:srgbClr val="000000"/>
-          </a:solidFill>
-          <a:ln>
-            <a:solidFill>
-              <a:schemeClr val="accent1"/>
-            </a:solidFill>
-          </a:ln>
-        </p:spPr>
-        <p:txBody>
-          <a:bodyPr>
-            <a:normAutofit/>
-          </a:bodyPr>
-          <a:lstStyle/>
-          <a:p>
-            <a:r>
-              <a:rPr lang="en-US" dirty="0" smtClean="0"/>
-              <a:t>Framework: Ruby on Rails</a:t>
-            </a:r>
-          </a:p>
-          <a:p>
-            <a:r>
-              <a:rPr lang="en-US" dirty="0" smtClean="0"/>
-              <a:t>Operating System: Fedora 11</a:t>
-            </a:r>
-          </a:p>
-          <a:p>
-            <a:r>
-              <a:rPr lang="en-US" dirty="0" smtClean="0"/>
-              <a:t>Web Server: Apache2</a:t>
-            </a:r>
-            <a:endParaRPr lang="en-CA" dirty="0"/>
-          </a:p>
-        </p:txBody>
-      </p:sp>
-    </p:spTree>
-  </p:cSld>
-  <p:clrMapOvr>
-    <a:masterClrMapping/>
-  </p:clrMapOvr>
-</p:sld>
-</file>
-
-<file path=ppt/slides/slide12.xml><?xml version="1.0" encoding="utf-8"?>
-<p:sld xmlns:a="http://schemas.openxmlformats.org/drawingml/2006/main" xmlns:r="http://schemas.openxmlformats.org/officeDocument/2006/relationships" xmlns:p="http://schemas.openxmlformats.org/presentationml/2006/main">
-  <p:cSld>
-    <p:spTree>
-      <p:nvGrpSpPr>
-        <p:cNvPr id="1" name=""/>
-        <p:cNvGrpSpPr/>
-        <p:nvPr/>
-      </p:nvGrpSpPr>
-      <p:grpSpPr>
-        <a:xfrm>
-          <a:off x="0" y="0"/>
-          <a:ext cx="0" cy="0"/>
-          <a:chOff x="0" y="0"/>
-          <a:chExt cx="0" cy="0"/>
-        </a:xfrm>
-      </p:grpSpPr>
-      <p:sp>
-        <p:nvSpPr>
-          <p:cNvPr id="2" name="Title 1"/>
-          <p:cNvSpPr>
-            <a:spLocks noGrp="1"/>
-          </p:cNvSpPr>
-          <p:nvPr>
-            <p:ph type="title"/>
-          </p:nvPr>
-        </p:nvSpPr>
-        <p:spPr>
-          <a:solidFill>
-            <a:srgbClr val="000000"/>
-          </a:solidFill>
-          <a:ln>
-            <a:solidFill>
-              <a:schemeClr val="accent1"/>
-            </a:solidFill>
-          </a:ln>
-        </p:spPr>
-        <p:txBody>
-          <a:bodyPr/>
-          <a:lstStyle/>
-          <a:p>
-            <a:r>
-              <a:rPr lang="en-US" dirty="0" smtClean="0"/>
-              <a:t>Telescope Machine Details</a:t>
-            </a:r>
-            <a:endParaRPr lang="en-CA" dirty="0"/>
-          </a:p>
-        </p:txBody>
-      </p:sp>
-      <p:sp>
-        <p:nvSpPr>
-          <p:cNvPr id="3" name="Content Placeholder 2"/>
-          <p:cNvSpPr>
-            <a:spLocks noGrp="1"/>
-          </p:cNvSpPr>
-          <p:nvPr>
-            <p:ph idx="1"/>
-          </p:nvPr>
-        </p:nvSpPr>
-        <p:spPr>
-          <a:solidFill>
-            <a:srgbClr val="000000"/>
-          </a:solidFill>
-          <a:ln>
-            <a:solidFill>
-              <a:schemeClr val="accent1"/>
-            </a:solidFill>
-          </a:ln>
-        </p:spPr>
-        <p:txBody>
-          <a:bodyPr>
-            <a:normAutofit/>
-          </a:bodyPr>
-          <a:lstStyle/>
-          <a:p>
-            <a:r>
-              <a:rPr lang="en-US" dirty="0" smtClean="0"/>
-              <a:t>Language: C#</a:t>
-            </a:r>
-          </a:p>
-          <a:p>
-            <a:r>
-              <a:rPr lang="en-US" dirty="0" smtClean="0"/>
-              <a:t>Operating System: Windows XP</a:t>
-            </a:r>
-          </a:p>
-          <a:p>
-            <a:r>
-              <a:rPr lang="en-US" dirty="0" smtClean="0"/>
-              <a:t>Database: Oracle 10g Express Edition</a:t>
-            </a:r>
-          </a:p>
-          <a:p>
-            <a:r>
-              <a:rPr lang="en-CA" dirty="0" smtClean="0"/>
-              <a:t>Telescope drivers: ASCOM</a:t>
-            </a:r>
-            <a:endParaRPr lang="en-CA" dirty="0"/>
-          </a:p>
-          <a:p>
-            <a:r>
-              <a:rPr lang="en-CA" dirty="0" smtClean="0"/>
-              <a:t>Camera drivers: Camera EDSDK</a:t>
-            </a:r>
-          </a:p>
-        </p:txBody>
-      </p:sp>
-    </p:spTree>
-  </p:cSld>
-  <p:clrMapOvr>
-    <a:masterClrMapping/>
-  </p:clrMapOvr>
-</p:sld>
-</file>
-
-<file path=ppt/slides/slide13.xml><?xml version="1.0" encoding="utf-8"?>
-<p:sld xmlns:a="http://schemas.openxmlformats.org/drawingml/2006/main" xmlns:r="http://schemas.openxmlformats.org/officeDocument/2006/relationships" xmlns:p="http://schemas.openxmlformats.org/presentationml/2006/main">
-  <p:cSld>
-    <p:spTree>
-      <p:nvGrpSpPr>
-        <p:cNvPr id="1" name=""/>
-        <p:cNvGrpSpPr/>
-        <p:nvPr/>
-      </p:nvGrpSpPr>
-      <p:grpSpPr>
-        <a:xfrm>
-          <a:off x="0" y="0"/>
-          <a:ext cx="0" cy="0"/>
-          <a:chOff x="0" y="0"/>
-          <a:chExt cx="0" cy="0"/>
-        </a:xfrm>
-      </p:grpSpPr>
-      <p:sp>
-        <p:nvSpPr>
-          <p:cNvPr id="2" name="Title 1"/>
-          <p:cNvSpPr>
-            <a:spLocks noGrp="1"/>
-          </p:cNvSpPr>
-          <p:nvPr>
-            <p:ph type="title"/>
-          </p:nvPr>
-        </p:nvSpPr>
-        <p:spPr>
-          <a:solidFill>
-            <a:srgbClr val="000000"/>
-          </a:solidFill>
-          <a:ln>
-            <a:solidFill>
-              <a:schemeClr val="accent1"/>
-            </a:solidFill>
-          </a:ln>
-        </p:spPr>
-        <p:txBody>
-          <a:bodyPr/>
-          <a:lstStyle/>
-          <a:p>
-            <a:r>
-              <a:rPr lang="en-US" dirty="0" smtClean="0"/>
-              <a:t>Versioning Control: GIT</a:t>
-            </a:r>
-            <a:endParaRPr lang="en-CA" dirty="0"/>
-          </a:p>
-        </p:txBody>
-      </p:sp>
-      <p:sp>
-        <p:nvSpPr>
-          <p:cNvPr id="3" name="Content Placeholder 2"/>
-          <p:cNvSpPr>
-            <a:spLocks noGrp="1"/>
-          </p:cNvSpPr>
-          <p:nvPr>
-            <p:ph idx="1"/>
-          </p:nvPr>
-        </p:nvSpPr>
-        <p:spPr>
-          <a:solidFill>
-            <a:srgbClr val="000000"/>
-          </a:solidFill>
-          <a:ln>
-            <a:solidFill>
-              <a:schemeClr val="accent1"/>
-            </a:solidFill>
-          </a:ln>
-        </p:spPr>
-        <p:txBody>
-          <a:bodyPr>
-            <a:normAutofit/>
-          </a:bodyPr>
-          <a:lstStyle/>
-          <a:p>
-            <a:r>
-              <a:rPr lang="en-US" dirty="0" smtClean="0"/>
-              <a:t>Fast</a:t>
-            </a:r>
-          </a:p>
-          <a:p>
-            <a:r>
-              <a:rPr lang="en-CA" dirty="0" smtClean="0"/>
-              <a:t>Small</a:t>
-            </a:r>
-          </a:p>
-          <a:p>
-            <a:r>
-              <a:rPr lang="en-CA" dirty="0" smtClean="0"/>
-              <a:t>Easy to learn</a:t>
-            </a:r>
-            <a:endParaRPr lang="en-US" dirty="0"/>
-          </a:p>
-        </p:txBody>
-      </p:sp>
-    </p:spTree>
-  </p:cSld>
-  <p:clrMapOvr>
-    <a:masterClrMapping/>
-  </p:clrMapOvr>
-</p:sld>
-</file>
-
-<file path=ppt/slides/slide14.xml><?xml version="1.0" encoding="utf-8"?>
-<p:sld xmlns:a="http://schemas.openxmlformats.org/drawingml/2006/main" xmlns:r="http://schemas.openxmlformats.org/officeDocument/2006/relationships" xmlns:p="http://schemas.openxmlformats.org/presentationml/2006/main">
-  <p:cSld>
-    <p:spTree>
-      <p:nvGrpSpPr>
-        <p:cNvPr id="1" name=""/>
-        <p:cNvGrpSpPr/>
-        <p:nvPr/>
-      </p:nvGrpSpPr>
-      <p:grpSpPr>
-        <a:xfrm>
-          <a:off x="0" y="0"/>
-          <a:ext cx="0" cy="0"/>
-          <a:chOff x="0" y="0"/>
-          <a:chExt cx="0" cy="0"/>
-        </a:xfrm>
-      </p:grpSpPr>
-      <p:sp>
-        <p:nvSpPr>
-          <p:cNvPr id="2" name="Title 1"/>
-          <p:cNvSpPr>
-            <a:spLocks noGrp="1"/>
-          </p:cNvSpPr>
-          <p:nvPr>
-            <p:ph type="title"/>
-          </p:nvPr>
-        </p:nvSpPr>
-        <p:spPr>
-          <a:solidFill>
-            <a:srgbClr val="000000"/>
-          </a:solidFill>
-          <a:ln>
-            <a:solidFill>
-              <a:schemeClr val="accent1"/>
-            </a:solidFill>
-          </a:ln>
         </p:spPr>
         <p:txBody>
           <a:bodyPr/>
@@ -6491,15 +5640,14 @@
         </p:nvPicPr>
         <p:blipFill>
           <a:blip r:embed="rId3" cstate="print"/>
-          <a:srcRect/>
           <a:stretch>
             <a:fillRect/>
           </a:stretch>
         </p:blipFill>
         <p:spPr bwMode="auto">
           <a:xfrm>
-            <a:off x="2143108" y="1571612"/>
-            <a:ext cx="5021214" cy="4926325"/>
+            <a:off x="2265430" y="1600200"/>
+            <a:ext cx="4613140" cy="4525963"/>
           </a:xfrm>
           <a:prstGeom prst="rect">
             <a:avLst/>
@@ -6535,7 +5683,7 @@
 </p:sld>
 </file>
 
-<file path=ppt/slides/slide15.xml><?xml version="1.0" encoding="utf-8"?>
+<file path=ppt/slides/slide11.xml><?xml version="1.0" encoding="utf-8"?>
 <p:sld xmlns:a="http://schemas.openxmlformats.org/drawingml/2006/main" xmlns:r="http://schemas.openxmlformats.org/officeDocument/2006/relationships" xmlns:p="http://schemas.openxmlformats.org/presentationml/2006/main">
   <p:cSld>
     <p:spTree>
@@ -6596,15 +5744,14 @@
         </p:nvPicPr>
         <p:blipFill>
           <a:blip r:embed="rId3" cstate="print"/>
-          <a:srcRect/>
           <a:stretch>
             <a:fillRect/>
           </a:stretch>
         </p:blipFill>
         <p:spPr bwMode="auto">
           <a:xfrm>
-            <a:off x="920965" y="1500188"/>
-            <a:ext cx="7400496" cy="5118100"/>
+            <a:off x="1299851" y="1600200"/>
+            <a:ext cx="6544298" cy="4525963"/>
           </a:xfrm>
           <a:prstGeom prst="rect">
             <a:avLst/>
@@ -6640,6 +5787,522 @@
 </p:sld>
 </file>
 
+<file path=ppt/slides/slide12.xml><?xml version="1.0" encoding="utf-8"?>
+<p:sld xmlns:a="http://schemas.openxmlformats.org/drawingml/2006/main" xmlns:r="http://schemas.openxmlformats.org/officeDocument/2006/relationships" xmlns:p="http://schemas.openxmlformats.org/presentationml/2006/main">
+  <p:cSld>
+    <p:spTree>
+      <p:nvGrpSpPr>
+        <p:cNvPr id="1" name=""/>
+        <p:cNvGrpSpPr/>
+        <p:nvPr/>
+      </p:nvGrpSpPr>
+      <p:grpSpPr>
+        <a:xfrm>
+          <a:off x="0" y="0"/>
+          <a:ext cx="0" cy="0"/>
+          <a:chOff x="0" y="0"/>
+          <a:chExt cx="0" cy="0"/>
+        </a:xfrm>
+      </p:grpSpPr>
+      <p:sp>
+        <p:nvSpPr>
+          <p:cNvPr id="2" name="Title 1"/>
+          <p:cNvSpPr>
+            <a:spLocks noGrp="1"/>
+          </p:cNvSpPr>
+          <p:nvPr>
+            <p:ph type="title"/>
+          </p:nvPr>
+        </p:nvSpPr>
+        <p:spPr>
+          <a:solidFill>
+            <a:srgbClr val="000000"/>
+          </a:solidFill>
+          <a:ln>
+            <a:solidFill>
+              <a:schemeClr val="accent1"/>
+            </a:solidFill>
+          </a:ln>
+        </p:spPr>
+        <p:txBody>
+          <a:bodyPr>
+            <a:normAutofit fontScale="90000"/>
+          </a:bodyPr>
+          <a:lstStyle/>
+          <a:p>
+            <a:r>
+              <a:rPr lang="en-US" dirty="0" smtClean="0"/>
+              <a:t>Class Diagram: Hardware Controller Application</a:t>
+            </a:r>
+            <a:endParaRPr lang="en-CA" dirty="0"/>
+          </a:p>
+        </p:txBody>
+      </p:sp>
+      <p:pic>
+        <p:nvPicPr>
+          <p:cNvPr id="1027" name="Picture 3" descr="C:\Documents and Settings\Rob\rails\documentation\images\diagrams\Stargazer_ClassDiagram.jpg"/>
+          <p:cNvPicPr>
+            <a:picLocks noGrp="1" noChangeAspect="1" noChangeArrowheads="1"/>
+          </p:cNvPicPr>
+          <p:nvPr>
+            <p:ph idx="1"/>
+          </p:nvPr>
+        </p:nvPicPr>
+        <p:blipFill>
+          <a:blip r:embed="rId3"/>
+          <a:stretch>
+            <a:fillRect/>
+          </a:stretch>
+        </p:blipFill>
+        <p:spPr bwMode="auto">
+          <a:xfrm>
+            <a:off x="1299851" y="1973679"/>
+            <a:ext cx="6544298" cy="3779004"/>
+          </a:xfrm>
+          <a:prstGeom prst="rect">
+            <a:avLst/>
+          </a:prstGeom>
+          <a:ln w="38100" cap="sq">
+            <a:solidFill>
+              <a:srgbClr val="000000"/>
+            </a:solidFill>
+            <a:prstDash val="solid"/>
+            <a:miter lim="800000"/>
+          </a:ln>
+          <a:effectLst>
+            <a:outerShdw blurRad="50800" dist="38100" dir="2700000" algn="tl" rotWithShape="0">
+              <a:srgbClr val="000000">
+                <a:alpha val="43000"/>
+              </a:srgbClr>
+            </a:outerShdw>
+          </a:effectLst>
+        </p:spPr>
+      </p:pic>
+    </p:spTree>
+  </p:cSld>
+  <p:clrMapOvr>
+    <a:masterClrMapping/>
+  </p:clrMapOvr>
+  <p:timing>
+    <p:tnLst>
+      <p:par>
+        <p:cTn id="1" dur="indefinite" restart="never" nodeType="tmRoot"/>
+      </p:par>
+    </p:tnLst>
+  </p:timing>
+</p:sld>
+</file>
+
+<file path=ppt/slides/slide13.xml><?xml version="1.0" encoding="utf-8"?>
+<p:sld xmlns:a="http://schemas.openxmlformats.org/drawingml/2006/main" xmlns:r="http://schemas.openxmlformats.org/officeDocument/2006/relationships" xmlns:p="http://schemas.openxmlformats.org/presentationml/2006/main">
+  <p:cSld>
+    <p:spTree>
+      <p:nvGrpSpPr>
+        <p:cNvPr id="1" name=""/>
+        <p:cNvGrpSpPr/>
+        <p:nvPr/>
+      </p:nvGrpSpPr>
+      <p:grpSpPr>
+        <a:xfrm>
+          <a:off x="0" y="0"/>
+          <a:ext cx="0" cy="0"/>
+          <a:chOff x="0" y="0"/>
+          <a:chExt cx="0" cy="0"/>
+        </a:xfrm>
+      </p:grpSpPr>
+      <p:sp>
+        <p:nvSpPr>
+          <p:cNvPr id="2" name="Title 1"/>
+          <p:cNvSpPr>
+            <a:spLocks noGrp="1"/>
+          </p:cNvSpPr>
+          <p:nvPr>
+            <p:ph type="title"/>
+          </p:nvPr>
+        </p:nvSpPr>
+        <p:spPr>
+          <a:solidFill>
+            <a:srgbClr val="000000"/>
+          </a:solidFill>
+          <a:ln>
+            <a:solidFill>
+              <a:schemeClr val="accent1"/>
+            </a:solidFill>
+          </a:ln>
+        </p:spPr>
+        <p:txBody>
+          <a:bodyPr>
+            <a:normAutofit/>
+          </a:bodyPr>
+          <a:lstStyle/>
+          <a:p>
+            <a:r>
+              <a:rPr lang="en-US" dirty="0" smtClean="0"/>
+              <a:t>Deployment</a:t>
+            </a:r>
+            <a:endParaRPr lang="en-CA" dirty="0"/>
+          </a:p>
+        </p:txBody>
+      </p:sp>
+      <p:pic>
+        <p:nvPicPr>
+          <p:cNvPr id="1027" name="Picture 3" descr="C:\Documents and Settings\Rob\rails\documentation\images\diagrams\Stargazer_ClassDiagram.jpg"/>
+          <p:cNvPicPr>
+            <a:picLocks noGrp="1" noChangeAspect="1" noChangeArrowheads="1"/>
+          </p:cNvPicPr>
+          <p:nvPr>
+            <p:ph idx="1"/>
+          </p:nvPr>
+        </p:nvPicPr>
+        <p:blipFill>
+          <a:blip r:embed="rId3"/>
+          <a:stretch>
+            <a:fillRect/>
+          </a:stretch>
+        </p:blipFill>
+        <p:spPr bwMode="auto">
+          <a:xfrm>
+            <a:off x="1214414" y="1928802"/>
+            <a:ext cx="6109002" cy="4549667"/>
+          </a:xfrm>
+          <a:prstGeom prst="rect">
+            <a:avLst/>
+          </a:prstGeom>
+          <a:ln w="38100" cap="sq">
+            <a:solidFill>
+              <a:srgbClr val="000000"/>
+            </a:solidFill>
+            <a:prstDash val="solid"/>
+            <a:miter lim="800000"/>
+          </a:ln>
+          <a:effectLst>
+            <a:outerShdw blurRad="50800" dist="38100" dir="2700000" algn="tl" rotWithShape="0">
+              <a:srgbClr val="000000">
+                <a:alpha val="43000"/>
+              </a:srgbClr>
+            </a:outerShdw>
+          </a:effectLst>
+        </p:spPr>
+      </p:pic>
+    </p:spTree>
+  </p:cSld>
+  <p:clrMapOvr>
+    <a:masterClrMapping/>
+  </p:clrMapOvr>
+  <p:timing>
+    <p:tnLst>
+      <p:par>
+        <p:cTn id="1" dur="indefinite" restart="never" nodeType="tmRoot"/>
+      </p:par>
+    </p:tnLst>
+  </p:timing>
+</p:sld>
+</file>
+
+<file path=ppt/slides/slide14.xml><?xml version="1.0" encoding="utf-8"?>
+<p:sld xmlns:a="http://schemas.openxmlformats.org/drawingml/2006/main" xmlns:r="http://schemas.openxmlformats.org/officeDocument/2006/relationships" xmlns:p="http://schemas.openxmlformats.org/presentationml/2006/main">
+  <p:cSld>
+    <p:spTree>
+      <p:nvGrpSpPr>
+        <p:cNvPr id="1" name=""/>
+        <p:cNvGrpSpPr/>
+        <p:nvPr/>
+      </p:nvGrpSpPr>
+      <p:grpSpPr>
+        <a:xfrm>
+          <a:off x="0" y="0"/>
+          <a:ext cx="0" cy="0"/>
+          <a:chOff x="0" y="0"/>
+          <a:chExt cx="0" cy="0"/>
+        </a:xfrm>
+      </p:grpSpPr>
+      <p:sp>
+        <p:nvSpPr>
+          <p:cNvPr id="2" name="Title 1"/>
+          <p:cNvSpPr>
+            <a:spLocks noGrp="1"/>
+          </p:cNvSpPr>
+          <p:nvPr>
+            <p:ph type="title"/>
+          </p:nvPr>
+        </p:nvSpPr>
+        <p:spPr>
+          <a:solidFill>
+            <a:srgbClr val="000000"/>
+          </a:solidFill>
+          <a:ln>
+            <a:solidFill>
+              <a:schemeClr val="accent1"/>
+            </a:solidFill>
+          </a:ln>
+        </p:spPr>
+        <p:txBody>
+          <a:bodyPr/>
+          <a:lstStyle/>
+          <a:p>
+            <a:r>
+              <a:rPr lang="en-US" dirty="0" smtClean="0"/>
+              <a:t>Development</a:t>
+            </a:r>
+            <a:endParaRPr lang="en-CA" dirty="0"/>
+          </a:p>
+        </p:txBody>
+      </p:sp>
+      <p:sp>
+        <p:nvSpPr>
+          <p:cNvPr id="3" name="Content Placeholder 2"/>
+          <p:cNvSpPr>
+            <a:spLocks noGrp="1"/>
+          </p:cNvSpPr>
+          <p:nvPr>
+            <p:ph idx="1"/>
+          </p:nvPr>
+        </p:nvSpPr>
+        <p:spPr>
+          <a:solidFill>
+            <a:srgbClr val="000000"/>
+          </a:solidFill>
+          <a:ln>
+            <a:solidFill>
+              <a:schemeClr val="accent1"/>
+            </a:solidFill>
+          </a:ln>
+        </p:spPr>
+        <p:txBody>
+          <a:bodyPr>
+            <a:normAutofit fontScale="70000" lnSpcReduction="20000"/>
+          </a:bodyPr>
+          <a:lstStyle/>
+          <a:p>
+            <a:pPr>
+              <a:buNone/>
+            </a:pPr>
+            <a:r>
+              <a:rPr lang="en-US" b="1" dirty="0" smtClean="0"/>
+              <a:t>GIT versioning control system</a:t>
+            </a:r>
+          </a:p>
+          <a:p>
+            <a:r>
+              <a:rPr lang="en-US" dirty="0" smtClean="0"/>
+              <a:t>Fast</a:t>
+            </a:r>
+          </a:p>
+          <a:p>
+            <a:r>
+              <a:rPr lang="en-CA" dirty="0" smtClean="0"/>
+              <a:t>Small</a:t>
+            </a:r>
+          </a:p>
+          <a:p>
+            <a:r>
+              <a:rPr lang="en-CA" dirty="0" smtClean="0"/>
+              <a:t>Easy to learn</a:t>
+            </a:r>
+          </a:p>
+          <a:p>
+            <a:endParaRPr lang="en-CA" dirty="0" smtClean="0"/>
+          </a:p>
+          <a:p>
+            <a:pPr>
+              <a:buNone/>
+            </a:pPr>
+            <a:r>
+              <a:rPr lang="en-US" b="1" dirty="0" smtClean="0"/>
+              <a:t>Methodologies used</a:t>
+            </a:r>
+            <a:endParaRPr lang="en-CA" b="1" dirty="0" smtClean="0"/>
+          </a:p>
+          <a:p>
+            <a:r>
+              <a:rPr lang="en-CA" dirty="0" err="1" smtClean="0"/>
+              <a:t>Xtreme</a:t>
+            </a:r>
+            <a:r>
+              <a:rPr lang="en-CA" dirty="0" smtClean="0"/>
+              <a:t> Programming (semester 1)</a:t>
+            </a:r>
+          </a:p>
+          <a:p>
+            <a:r>
+              <a:rPr lang="en-CA" dirty="0" smtClean="0"/>
+              <a:t>Rational Unified Process (semester 2)</a:t>
+            </a:r>
+          </a:p>
+          <a:p>
+            <a:endParaRPr lang="en-CA" dirty="0" smtClean="0"/>
+          </a:p>
+          <a:p>
+            <a:pPr>
+              <a:buNone/>
+            </a:pPr>
+            <a:r>
+              <a:rPr lang="en-US" b="1" dirty="0" smtClean="0"/>
+              <a:t>Testing</a:t>
+            </a:r>
+          </a:p>
+          <a:p>
+            <a:r>
+              <a:rPr lang="en-US" dirty="0" smtClean="0"/>
+              <a:t>Unit </a:t>
+            </a:r>
+            <a:r>
+              <a:rPr lang="en-US" dirty="0" smtClean="0"/>
+              <a:t>tests</a:t>
+            </a:r>
+          </a:p>
+          <a:p>
+            <a:r>
+              <a:rPr lang="en-US" dirty="0" smtClean="0"/>
+              <a:t>Acceptance </a:t>
+            </a:r>
+            <a:r>
+              <a:rPr lang="en-US" dirty="0" smtClean="0"/>
+              <a:t>tests</a:t>
+            </a:r>
+          </a:p>
+        </p:txBody>
+      </p:sp>
+    </p:spTree>
+  </p:cSld>
+  <p:clrMapOvr>
+    <a:masterClrMapping/>
+  </p:clrMapOvr>
+</p:sld>
+</file>
+
+<file path=ppt/slides/slide15.xml><?xml version="1.0" encoding="utf-8"?>
+<p:sld xmlns:a="http://schemas.openxmlformats.org/drawingml/2006/main" xmlns:r="http://schemas.openxmlformats.org/officeDocument/2006/relationships" xmlns:p="http://schemas.openxmlformats.org/presentationml/2006/main">
+  <p:cSld>
+    <p:spTree>
+      <p:nvGrpSpPr>
+        <p:cNvPr id="1" name=""/>
+        <p:cNvGrpSpPr/>
+        <p:nvPr/>
+      </p:nvGrpSpPr>
+      <p:grpSpPr>
+        <a:xfrm>
+          <a:off x="0" y="0"/>
+          <a:ext cx="0" cy="0"/>
+          <a:chOff x="0" y="0"/>
+          <a:chExt cx="0" cy="0"/>
+        </a:xfrm>
+      </p:grpSpPr>
+      <p:sp>
+        <p:nvSpPr>
+          <p:cNvPr id="2" name="Title 1"/>
+          <p:cNvSpPr>
+            <a:spLocks noGrp="1"/>
+          </p:cNvSpPr>
+          <p:nvPr>
+            <p:ph type="title"/>
+          </p:nvPr>
+        </p:nvSpPr>
+        <p:spPr>
+          <a:solidFill>
+            <a:srgbClr val="000000"/>
+          </a:solidFill>
+          <a:ln>
+            <a:solidFill>
+              <a:schemeClr val="accent1"/>
+            </a:solidFill>
+          </a:ln>
+        </p:spPr>
+        <p:txBody>
+          <a:bodyPr/>
+          <a:lstStyle/>
+          <a:p>
+            <a:r>
+              <a:rPr lang="en-US" dirty="0" smtClean="0"/>
+              <a:t>Project Timeline: Semester 1</a:t>
+            </a:r>
+            <a:endParaRPr lang="en-CA" dirty="0"/>
+          </a:p>
+        </p:txBody>
+      </p:sp>
+      <p:sp>
+        <p:nvSpPr>
+          <p:cNvPr id="3" name="Content Placeholder 2"/>
+          <p:cNvSpPr>
+            <a:spLocks noGrp="1"/>
+          </p:cNvSpPr>
+          <p:nvPr>
+            <p:ph idx="1"/>
+          </p:nvPr>
+        </p:nvSpPr>
+        <p:spPr>
+          <a:solidFill>
+            <a:srgbClr val="000000"/>
+          </a:solidFill>
+          <a:ln>
+            <a:solidFill>
+              <a:schemeClr val="accent1"/>
+            </a:solidFill>
+          </a:ln>
+        </p:spPr>
+        <p:txBody>
+          <a:bodyPr>
+            <a:normAutofit/>
+          </a:bodyPr>
+          <a:lstStyle/>
+          <a:p>
+            <a:r>
+              <a:rPr lang="en-US" dirty="0" smtClean="0"/>
+              <a:t>Iteration 1: Inception</a:t>
+            </a:r>
+          </a:p>
+          <a:p>
+            <a:r>
+              <a:rPr lang="en-US" dirty="0" smtClean="0"/>
+              <a:t>Iteration 2: SPIKE project (Ruby On Rails)</a:t>
+            </a:r>
+          </a:p>
+          <a:p>
+            <a:r>
+              <a:rPr lang="en-US" dirty="0" smtClean="0"/>
+              <a:t>Iteration 3: Authentication and Authorization</a:t>
+            </a:r>
+          </a:p>
+          <a:p>
+            <a:r>
+              <a:rPr lang="en-US" dirty="0" smtClean="0"/>
+              <a:t>Iteration 4: Image Gallery</a:t>
+            </a:r>
+          </a:p>
+          <a:p>
+            <a:r>
+              <a:rPr lang="en-US" dirty="0" smtClean="0"/>
+              <a:t>Iteration 5: Final </a:t>
+            </a:r>
+            <a:r>
+              <a:rPr lang="en-US" dirty="0" err="1" smtClean="0"/>
+              <a:t>Refactored</a:t>
+            </a:r>
+            <a:r>
+              <a:rPr lang="en-US" dirty="0" smtClean="0"/>
+              <a:t> Release</a:t>
+            </a:r>
+          </a:p>
+          <a:p>
+            <a:endParaRPr lang="en-US" dirty="0" smtClean="0"/>
+          </a:p>
+          <a:p>
+            <a:r>
+              <a:rPr lang="en-US" dirty="0" smtClean="0"/>
+              <a:t>Each iteration = ~1 week</a:t>
+            </a:r>
+            <a:endParaRPr lang="en-CA" dirty="0"/>
+          </a:p>
+        </p:txBody>
+      </p:sp>
+    </p:spTree>
+  </p:cSld>
+  <p:clrMapOvr>
+    <a:masterClrMapping/>
+  </p:clrMapOvr>
+</p:sld>
+</file>
+
 <file path=ppt/slides/slide16.xml><?xml version="1.0" encoding="utf-8"?>
 <p:sld xmlns:a="http://schemas.openxmlformats.org/drawingml/2006/main" xmlns:r="http://schemas.openxmlformats.org/officeDocument/2006/relationships" xmlns:p="http://schemas.openxmlformats.org/presentationml/2006/main">
   <p:cSld>
@@ -6683,7 +6346,7 @@
           <a:p>
             <a:r>
               <a:rPr lang="en-US" dirty="0" smtClean="0"/>
-              <a:t>Testing</a:t>
+              <a:t>Project Timeline: Semester 2</a:t>
             </a:r>
             <a:endParaRPr lang="en-CA" dirty="0"/>
           </a:p>
@@ -6711,21 +6374,48 @@
         </p:spPr>
         <p:txBody>
           <a:bodyPr>
-            <a:normAutofit/>
+            <a:normAutofit lnSpcReduction="10000"/>
           </a:bodyPr>
           <a:lstStyle/>
           <a:p>
             <a:r>
               <a:rPr lang="en-US" dirty="0" smtClean="0"/>
-              <a:t>Unit tests</a:t>
-            </a:r>
-          </a:p>
-          <a:p>
-            <a:r>
-              <a:rPr lang="en-CA" dirty="0" smtClean="0"/>
-              <a:t>Acceptance tests</a:t>
-            </a:r>
+              <a:t>Iteration 5: Automated Scheduling and Telescope Positioning</a:t>
+            </a:r>
+          </a:p>
+          <a:p>
+            <a:r>
+              <a:rPr lang="en-US" dirty="0" smtClean="0"/>
+              <a:t>Iteration 6: Libraries and GUI Enhancements</a:t>
+            </a:r>
+          </a:p>
+          <a:p>
+            <a:r>
+              <a:rPr lang="en-US" dirty="0" smtClean="0"/>
+              <a:t>Iteration 7: Mobile Views</a:t>
+            </a:r>
+          </a:p>
+          <a:p>
+            <a:r>
+              <a:rPr lang="en-US" dirty="0" smtClean="0"/>
+              <a:t>Iteration 8: Image Capturing</a:t>
+            </a:r>
+          </a:p>
+          <a:p>
+            <a:r>
+              <a:rPr lang="en-US" dirty="0" smtClean="0"/>
+              <a:t>Iteration 9: The Final Release</a:t>
+            </a:r>
+          </a:p>
+          <a:p>
             <a:endParaRPr lang="en-US" dirty="0" smtClean="0"/>
+          </a:p>
+          <a:p>
+            <a:r>
+              <a:rPr lang="en-US" dirty="0" smtClean="0"/>
+              <a:t>Each iteration = 2-3 weeks</a:t>
+            </a:r>
+            <a:endParaRPr lang="en-CA" dirty="0"/>
           </a:p>
         </p:txBody>
       </p:sp>
@@ -6734,13 +6424,6 @@
   <p:clrMapOvr>
     <a:masterClrMapping/>
   </p:clrMapOvr>
-  <p:timing>
-    <p:tnLst>
-      <p:par>
-        <p:cTn id="1" dur="indefinite" restart="never" nodeType="tmRoot"/>
-      </p:par>
-    </p:tnLst>
-  </p:timing>
 </p:sld>
 </file>
 
@@ -6787,300 +6470,1316 @@
           <a:p>
             <a:r>
               <a:rPr lang="en-US" dirty="0" smtClean="0"/>
-              <a:t>Example: Unit Test + Demo</a:t>
+              <a:t>Statistics: Semester 2</a:t>
             </a:r>
             <a:endParaRPr lang="en-CA" dirty="0"/>
           </a:p>
         </p:txBody>
       </p:sp>
-      <p:sp>
-        <p:nvSpPr>
-          <p:cNvPr id="3" name="Content Placeholder 2"/>
-          <p:cNvSpPr>
-            <a:spLocks noGrp="1"/>
-          </p:cNvSpPr>
-          <p:nvPr>
-            <p:ph idx="1"/>
-          </p:nvPr>
-        </p:nvSpPr>
-        <p:spPr>
-          <a:solidFill>
-            <a:srgbClr val="000000"/>
-          </a:solidFill>
-          <a:ln>
-            <a:solidFill>
-              <a:schemeClr val="accent1"/>
-            </a:solidFill>
-          </a:ln>
-        </p:spPr>
-        <p:txBody>
-          <a:bodyPr>
-            <a:normAutofit fontScale="47500" lnSpcReduction="20000"/>
-          </a:bodyPr>
-          <a:lstStyle/>
-          <a:p>
-            <a:pPr>
-              <a:buNone/>
-            </a:pPr>
-            <a:r>
-              <a:rPr lang="en-US" dirty="0" smtClean="0"/>
-              <a:t>require '</a:t>
-            </a:r>
-            <a:r>
-              <a:rPr lang="en-US" dirty="0" err="1" smtClean="0"/>
-              <a:t>test_helper</a:t>
-            </a:r>
-            <a:r>
-              <a:rPr lang="en-US" dirty="0" smtClean="0"/>
-              <a:t>'</a:t>
-            </a:r>
-          </a:p>
-          <a:p>
-            <a:pPr>
-              <a:buNone/>
-            </a:pPr>
-            <a:endParaRPr lang="en-US" dirty="0" smtClean="0"/>
-          </a:p>
-          <a:p>
-            <a:pPr>
-              <a:buNone/>
-            </a:pPr>
-            <a:r>
-              <a:rPr lang="en-US" dirty="0" smtClean="0"/>
-              <a:t>class </a:t>
-            </a:r>
-            <a:r>
-              <a:rPr lang="en-US" dirty="0" err="1" smtClean="0"/>
-              <a:t>UserTest</a:t>
-            </a:r>
-            <a:r>
-              <a:rPr lang="en-US" dirty="0" smtClean="0"/>
-              <a:t> &lt; </a:t>
-            </a:r>
-            <a:r>
-              <a:rPr lang="en-US" dirty="0" err="1" smtClean="0"/>
-              <a:t>ActiveSupport</a:t>
-            </a:r>
-            <a:r>
-              <a:rPr lang="en-US" dirty="0" smtClean="0"/>
-              <a:t>::</a:t>
-            </a:r>
-            <a:r>
-              <a:rPr lang="en-US" dirty="0" err="1" smtClean="0"/>
-              <a:t>TestCase</a:t>
-            </a:r>
-            <a:endParaRPr lang="en-US" dirty="0" smtClean="0"/>
-          </a:p>
-          <a:p>
-            <a:pPr>
-              <a:buNone/>
-            </a:pPr>
-            <a:r>
-              <a:rPr lang="en-US" dirty="0" smtClean="0"/>
-              <a:t>	</a:t>
-            </a:r>
-          </a:p>
-          <a:p>
-            <a:pPr>
-              <a:buNone/>
-            </a:pPr>
-            <a:r>
-              <a:rPr lang="en-US" dirty="0" smtClean="0"/>
-              <a:t>  # create a user with necessary, correct input values for the following tests</a:t>
-            </a:r>
-          </a:p>
-          <a:p>
-            <a:pPr>
-              <a:buNone/>
-            </a:pPr>
-            <a:r>
-              <a:rPr lang="en-US" dirty="0" smtClean="0"/>
-              <a:t>  def setup</a:t>
-            </a:r>
-          </a:p>
-          <a:p>
-            <a:pPr>
-              <a:buNone/>
-            </a:pPr>
-            <a:r>
-              <a:rPr lang="en-US" dirty="0" smtClean="0"/>
-              <a:t>  	@user = </a:t>
-            </a:r>
-            <a:r>
-              <a:rPr lang="en-US" dirty="0" err="1" smtClean="0"/>
-              <a:t>User.new</a:t>
-            </a:r>
-            <a:endParaRPr lang="en-US" dirty="0" smtClean="0"/>
-          </a:p>
-          <a:p>
-            <a:pPr>
-              <a:buNone/>
-            </a:pPr>
-            <a:r>
-              <a:rPr lang="en-US" dirty="0" smtClean="0"/>
-              <a:t>  	@</a:t>
-            </a:r>
-            <a:r>
-              <a:rPr lang="en-US" dirty="0" err="1" smtClean="0"/>
-              <a:t>user.username</a:t>
-            </a:r>
-            <a:r>
-              <a:rPr lang="en-US" dirty="0" smtClean="0"/>
-              <a:t> = "</a:t>
-            </a:r>
-            <a:r>
-              <a:rPr lang="en-US" dirty="0" err="1" smtClean="0"/>
-              <a:t>unit_test</a:t>
-            </a:r>
-            <a:r>
-              <a:rPr lang="en-US" dirty="0" smtClean="0"/>
-              <a:t>"</a:t>
-            </a:r>
-          </a:p>
-          <a:p>
-            <a:pPr>
-              <a:buNone/>
-            </a:pPr>
-            <a:r>
-              <a:rPr lang="en-US" dirty="0" smtClean="0"/>
-              <a:t>  	@</a:t>
-            </a:r>
-            <a:r>
-              <a:rPr lang="en-US" dirty="0" err="1" smtClean="0"/>
-              <a:t>user.email</a:t>
-            </a:r>
-            <a:r>
-              <a:rPr lang="en-US" dirty="0" smtClean="0"/>
-              <a:t> = "unit@test.com"</a:t>
-            </a:r>
-          </a:p>
-          <a:p>
-            <a:pPr>
-              <a:buNone/>
-            </a:pPr>
-            <a:r>
-              <a:rPr lang="en-US" dirty="0" smtClean="0"/>
-              <a:t>    	@</a:t>
-            </a:r>
-            <a:r>
-              <a:rPr lang="en-US" dirty="0" err="1" smtClean="0"/>
-              <a:t>user.password</a:t>
-            </a:r>
-            <a:r>
-              <a:rPr lang="en-US" dirty="0" smtClean="0"/>
-              <a:t> = "test"</a:t>
-            </a:r>
-          </a:p>
-          <a:p>
-            <a:pPr>
-              <a:buNone/>
-            </a:pPr>
-            <a:r>
-              <a:rPr lang="en-US" dirty="0" smtClean="0"/>
-              <a:t>    	@</a:t>
-            </a:r>
-            <a:r>
-              <a:rPr lang="en-US" dirty="0" err="1" smtClean="0"/>
-              <a:t>user.password_confirmation</a:t>
-            </a:r>
-            <a:r>
-              <a:rPr lang="en-US" dirty="0" smtClean="0"/>
-              <a:t> = "test"</a:t>
-            </a:r>
-          </a:p>
-          <a:p>
-            <a:pPr>
-              <a:buNone/>
-            </a:pPr>
-            <a:r>
-              <a:rPr lang="en-US" dirty="0" smtClean="0"/>
-              <a:t>  end</a:t>
-            </a:r>
-          </a:p>
-          <a:p>
-            <a:pPr>
-              <a:buNone/>
-            </a:pPr>
-            <a:r>
-              <a:rPr lang="en-US" dirty="0" smtClean="0"/>
-              <a:t>  </a:t>
-            </a:r>
-          </a:p>
-          <a:p>
-            <a:pPr>
-              <a:buNone/>
-            </a:pPr>
-            <a:r>
-              <a:rPr lang="en-US" dirty="0" smtClean="0"/>
-              <a:t>  def </a:t>
-            </a:r>
-            <a:r>
-              <a:rPr lang="en-US" dirty="0" err="1" smtClean="0"/>
-              <a:t>test_username_cannot_be_null</a:t>
-            </a:r>
-            <a:endParaRPr lang="en-US" dirty="0" smtClean="0"/>
-          </a:p>
-          <a:p>
-            <a:pPr>
-              <a:buNone/>
-            </a:pPr>
-            <a:r>
-              <a:rPr lang="en-US" dirty="0" smtClean="0"/>
-              <a:t>    	@</a:t>
-            </a:r>
-            <a:r>
-              <a:rPr lang="en-US" dirty="0" err="1" smtClean="0"/>
-              <a:t>user.username</a:t>
-            </a:r>
-            <a:r>
-              <a:rPr lang="en-US" dirty="0" smtClean="0"/>
-              <a:t> = ""</a:t>
-            </a:r>
-          </a:p>
-          <a:p>
-            <a:pPr>
-              <a:buNone/>
-            </a:pPr>
-            <a:r>
-              <a:rPr lang="en-US" dirty="0" smtClean="0"/>
-              <a:t>    	assert !@</a:t>
-            </a:r>
-            <a:r>
-              <a:rPr lang="en-US" dirty="0" err="1" smtClean="0"/>
-              <a:t>user.save</a:t>
-            </a:r>
-            <a:r>
-              <a:rPr lang="en-US" dirty="0" smtClean="0"/>
-              <a:t>  </a:t>
-            </a:r>
-          </a:p>
-          <a:p>
-            <a:pPr>
-              <a:buNone/>
-            </a:pPr>
-            <a:r>
-              <a:rPr lang="en-US" dirty="0" smtClean="0"/>
-              <a:t>  end</a:t>
-            </a:r>
-          </a:p>
-          <a:p>
-            <a:pPr>
-              <a:buNone/>
-            </a:pPr>
-            <a:endParaRPr lang="en-US" dirty="0" smtClean="0"/>
-          </a:p>
-          <a:p>
-            <a:pPr>
-              <a:buNone/>
-            </a:pPr>
-            <a:r>
-              <a:rPr lang="en-US" dirty="0" smtClean="0"/>
-              <a:t>end</a:t>
-            </a:r>
-            <a:endParaRPr lang="en-CA" dirty="0"/>
-          </a:p>
-        </p:txBody>
-      </p:sp>
+      <p:graphicFrame>
+        <p:nvGraphicFramePr>
+          <p:cNvPr id="4" name="Table 3"/>
+          <p:cNvGraphicFramePr>
+            <a:graphicFrameLocks noGrp="1"/>
+          </p:cNvGraphicFramePr>
+          <p:nvPr/>
+        </p:nvGraphicFramePr>
+        <p:xfrm>
+          <a:off x="1857356" y="1500174"/>
+          <a:ext cx="5408422" cy="2590800"/>
+        </p:xfrm>
+        <a:graphic>
+          <a:graphicData uri="http://schemas.openxmlformats.org/drawingml/2006/table">
+            <a:tbl>
+              <a:tblPr bandRow="1">
+                <a:tableStyleId>{125E5076-3810-47DD-B79F-674D7AD40C01}</a:tableStyleId>
+              </a:tblPr>
+              <a:tblGrid>
+                <a:gridCol w="2176272"/>
+                <a:gridCol w="646430"/>
+                <a:gridCol w="646430"/>
+                <a:gridCol w="646430"/>
+                <a:gridCol w="646430"/>
+                <a:gridCol w="646430"/>
+              </a:tblGrid>
+              <a:tr h="227964">
+                <a:tc>
+                  <a:txBody>
+                    <a:bodyPr/>
+                    <a:lstStyle/>
+                    <a:p>
+                      <a:pPr algn="ctr"/>
+                      <a:r>
+                        <a:rPr lang="en-CA" b="1" dirty="0"/>
+                        <a:t>Workflow </a:t>
+                      </a:r>
+                    </a:p>
+                  </a:txBody>
+                  <a:tcPr anchor="ctr"/>
+                </a:tc>
+                <a:tc>
+                  <a:txBody>
+                    <a:bodyPr/>
+                    <a:lstStyle/>
+                    <a:p>
+                      <a:pPr algn="ctr"/>
+                      <a:r>
+                        <a:rPr lang="en-CA" b="1" dirty="0" smtClean="0"/>
+                        <a:t>It. </a:t>
+                      </a:r>
+                      <a:r>
+                        <a:rPr lang="en-CA" b="1" dirty="0"/>
+                        <a:t>5 </a:t>
+                      </a:r>
+                    </a:p>
+                  </a:txBody>
+                  <a:tcPr anchor="ctr"/>
+                </a:tc>
+                <a:tc>
+                  <a:txBody>
+                    <a:bodyPr/>
+                    <a:lstStyle/>
+                    <a:p>
+                      <a:pPr algn="ctr"/>
+                      <a:r>
+                        <a:rPr lang="en-CA" b="1" dirty="0" smtClean="0"/>
+                        <a:t>It. </a:t>
+                      </a:r>
+                      <a:r>
+                        <a:rPr lang="en-CA" b="1" dirty="0"/>
+                        <a:t>6 </a:t>
+                      </a:r>
+                    </a:p>
+                  </a:txBody>
+                  <a:tcPr anchor="ctr"/>
+                </a:tc>
+                <a:tc>
+                  <a:txBody>
+                    <a:bodyPr/>
+                    <a:lstStyle/>
+                    <a:p>
+                      <a:pPr algn="ctr"/>
+                      <a:r>
+                        <a:rPr lang="en-CA" b="1" dirty="0" smtClean="0"/>
+                        <a:t>It. </a:t>
+                      </a:r>
+                      <a:r>
+                        <a:rPr lang="en-CA" b="1" dirty="0"/>
+                        <a:t>7 </a:t>
+                      </a:r>
+                    </a:p>
+                  </a:txBody>
+                  <a:tcPr anchor="ctr"/>
+                </a:tc>
+                <a:tc>
+                  <a:txBody>
+                    <a:bodyPr/>
+                    <a:lstStyle/>
+                    <a:p>
+                      <a:pPr algn="ctr"/>
+                      <a:r>
+                        <a:rPr lang="en-CA" b="1" dirty="0" smtClean="0"/>
+                        <a:t>It. </a:t>
+                      </a:r>
+                      <a:r>
+                        <a:rPr lang="en-CA" b="1" dirty="0"/>
+                        <a:t>8 </a:t>
+                      </a:r>
+                    </a:p>
+                  </a:txBody>
+                  <a:tcPr anchor="ctr"/>
+                </a:tc>
+                <a:tc>
+                  <a:txBody>
+                    <a:bodyPr/>
+                    <a:lstStyle/>
+                    <a:p>
+                      <a:pPr algn="ctr"/>
+                      <a:r>
+                        <a:rPr lang="en-CA" b="1" dirty="0" smtClean="0"/>
+                        <a:t>It. </a:t>
+                      </a:r>
+                      <a:r>
+                        <a:rPr lang="en-CA" b="1" dirty="0"/>
+                        <a:t>9 </a:t>
+                      </a:r>
+                    </a:p>
+                  </a:txBody>
+                  <a:tcPr anchor="ctr"/>
+                </a:tc>
+              </a:tr>
+              <a:tr h="370840">
+                <a:tc>
+                  <a:txBody>
+                    <a:bodyPr/>
+                    <a:lstStyle/>
+                    <a:p>
+                      <a:pPr algn="r"/>
+                      <a:r>
+                        <a:rPr lang="en-CA" dirty="0"/>
+                        <a:t>Business Modelling: </a:t>
+                      </a:r>
+                    </a:p>
+                  </a:txBody>
+                  <a:tcPr anchor="ctr"/>
+                </a:tc>
+                <a:tc>
+                  <a:txBody>
+                    <a:bodyPr/>
+                    <a:lstStyle/>
+                    <a:p>
+                      <a:pPr algn="r"/>
+                      <a:r>
+                        <a:rPr lang="en-CA"/>
+                        <a:t>1 </a:t>
+                      </a:r>
+                    </a:p>
+                  </a:txBody>
+                  <a:tcPr anchor="ctr"/>
+                </a:tc>
+                <a:tc>
+                  <a:txBody>
+                    <a:bodyPr/>
+                    <a:lstStyle/>
+                    <a:p>
+                      <a:pPr algn="r"/>
+                      <a:r>
+                        <a:rPr lang="en-CA" dirty="0"/>
+                        <a:t>0 </a:t>
+                      </a:r>
+                    </a:p>
+                  </a:txBody>
+                  <a:tcPr anchor="ctr"/>
+                </a:tc>
+                <a:tc>
+                  <a:txBody>
+                    <a:bodyPr/>
+                    <a:lstStyle/>
+                    <a:p>
+                      <a:pPr algn="r"/>
+                      <a:r>
+                        <a:rPr lang="en-CA"/>
+                        <a:t>1 </a:t>
+                      </a:r>
+                    </a:p>
+                  </a:txBody>
+                  <a:tcPr anchor="ctr"/>
+                </a:tc>
+                <a:tc>
+                  <a:txBody>
+                    <a:bodyPr/>
+                    <a:lstStyle/>
+                    <a:p>
+                      <a:pPr algn="r"/>
+                      <a:r>
+                        <a:rPr lang="en-CA"/>
+                        <a:t>0 </a:t>
+                      </a:r>
+                    </a:p>
+                  </a:txBody>
+                  <a:tcPr anchor="ctr"/>
+                </a:tc>
+                <a:tc>
+                  <a:txBody>
+                    <a:bodyPr/>
+                    <a:lstStyle/>
+                    <a:p>
+                      <a:pPr algn="r"/>
+                      <a:r>
+                        <a:rPr lang="en-CA"/>
+                        <a:t>0 </a:t>
+                      </a:r>
+                    </a:p>
+                  </a:txBody>
+                  <a:tcPr anchor="ctr"/>
+                </a:tc>
+              </a:tr>
+              <a:tr h="370840">
+                <a:tc>
+                  <a:txBody>
+                    <a:bodyPr/>
+                    <a:lstStyle/>
+                    <a:p>
+                      <a:pPr algn="r"/>
+                      <a:r>
+                        <a:rPr lang="en-CA" dirty="0"/>
+                        <a:t>Implementation: </a:t>
+                      </a:r>
+                    </a:p>
+                  </a:txBody>
+                  <a:tcPr anchor="ctr"/>
+                </a:tc>
+                <a:tc>
+                  <a:txBody>
+                    <a:bodyPr/>
+                    <a:lstStyle/>
+                    <a:p>
+                      <a:pPr algn="r"/>
+                      <a:r>
+                        <a:rPr lang="en-CA" dirty="0"/>
+                        <a:t>52 </a:t>
+                      </a:r>
+                    </a:p>
+                  </a:txBody>
+                  <a:tcPr anchor="ctr"/>
+                </a:tc>
+                <a:tc>
+                  <a:txBody>
+                    <a:bodyPr/>
+                    <a:lstStyle/>
+                    <a:p>
+                      <a:pPr algn="r"/>
+                      <a:r>
+                        <a:rPr lang="en-CA"/>
+                        <a:t>97 </a:t>
+                      </a:r>
+                    </a:p>
+                  </a:txBody>
+                  <a:tcPr anchor="ctr"/>
+                </a:tc>
+                <a:tc>
+                  <a:txBody>
+                    <a:bodyPr/>
+                    <a:lstStyle/>
+                    <a:p>
+                      <a:pPr algn="r"/>
+                      <a:r>
+                        <a:rPr lang="en-CA"/>
+                        <a:t>42 </a:t>
+                      </a:r>
+                    </a:p>
+                  </a:txBody>
+                  <a:tcPr anchor="ctr"/>
+                </a:tc>
+                <a:tc>
+                  <a:txBody>
+                    <a:bodyPr/>
+                    <a:lstStyle/>
+                    <a:p>
+                      <a:pPr algn="r"/>
+                      <a:r>
+                        <a:rPr lang="en-CA"/>
+                        <a:t>80 </a:t>
+                      </a:r>
+                    </a:p>
+                  </a:txBody>
+                  <a:tcPr anchor="ctr"/>
+                </a:tc>
+                <a:tc>
+                  <a:txBody>
+                    <a:bodyPr/>
+                    <a:lstStyle/>
+                    <a:p>
+                      <a:pPr algn="r"/>
+                      <a:r>
+                        <a:rPr lang="en-CA"/>
+                        <a:t>12 </a:t>
+                      </a:r>
+                    </a:p>
+                  </a:txBody>
+                  <a:tcPr anchor="ctr"/>
+                </a:tc>
+              </a:tr>
+              <a:tr h="370840">
+                <a:tc>
+                  <a:txBody>
+                    <a:bodyPr/>
+                    <a:lstStyle/>
+                    <a:p>
+                      <a:pPr algn="r"/>
+                      <a:r>
+                        <a:rPr lang="en-CA"/>
+                        <a:t>Testing: </a:t>
+                      </a:r>
+                    </a:p>
+                  </a:txBody>
+                  <a:tcPr anchor="ctr"/>
+                </a:tc>
+                <a:tc>
+                  <a:txBody>
+                    <a:bodyPr/>
+                    <a:lstStyle/>
+                    <a:p>
+                      <a:pPr algn="r"/>
+                      <a:r>
+                        <a:rPr lang="en-CA"/>
+                        <a:t>22 </a:t>
+                      </a:r>
+                    </a:p>
+                  </a:txBody>
+                  <a:tcPr anchor="ctr"/>
+                </a:tc>
+                <a:tc>
+                  <a:txBody>
+                    <a:bodyPr/>
+                    <a:lstStyle/>
+                    <a:p>
+                      <a:pPr algn="r"/>
+                      <a:r>
+                        <a:rPr lang="en-CA"/>
+                        <a:t>0 </a:t>
+                      </a:r>
+                    </a:p>
+                  </a:txBody>
+                  <a:tcPr anchor="ctr"/>
+                </a:tc>
+                <a:tc>
+                  <a:txBody>
+                    <a:bodyPr/>
+                    <a:lstStyle/>
+                    <a:p>
+                      <a:pPr algn="r"/>
+                      <a:r>
+                        <a:rPr lang="en-CA"/>
+                        <a:t>4 </a:t>
+                      </a:r>
+                    </a:p>
+                  </a:txBody>
+                  <a:tcPr anchor="ctr"/>
+                </a:tc>
+                <a:tc>
+                  <a:txBody>
+                    <a:bodyPr/>
+                    <a:lstStyle/>
+                    <a:p>
+                      <a:pPr algn="r"/>
+                      <a:r>
+                        <a:rPr lang="en-CA"/>
+                        <a:t>19 </a:t>
+                      </a:r>
+                    </a:p>
+                  </a:txBody>
+                  <a:tcPr anchor="ctr"/>
+                </a:tc>
+                <a:tc>
+                  <a:txBody>
+                    <a:bodyPr/>
+                    <a:lstStyle/>
+                    <a:p>
+                      <a:pPr algn="r"/>
+                      <a:r>
+                        <a:rPr lang="en-CA"/>
+                        <a:t>36 </a:t>
+                      </a:r>
+                    </a:p>
+                  </a:txBody>
+                  <a:tcPr anchor="ctr"/>
+                </a:tc>
+              </a:tr>
+              <a:tr h="370840">
+                <a:tc>
+                  <a:txBody>
+                    <a:bodyPr/>
+                    <a:lstStyle/>
+                    <a:p>
+                      <a:pPr algn="r"/>
+                      <a:r>
+                        <a:rPr lang="en-CA" dirty="0"/>
+                        <a:t>Analysis and Design: </a:t>
+                      </a:r>
+                    </a:p>
+                  </a:txBody>
+                  <a:tcPr anchor="ctr"/>
+                </a:tc>
+                <a:tc>
+                  <a:txBody>
+                    <a:bodyPr/>
+                    <a:lstStyle/>
+                    <a:p>
+                      <a:pPr algn="r"/>
+                      <a:r>
+                        <a:rPr lang="en-CA"/>
+                        <a:t>32 </a:t>
+                      </a:r>
+                    </a:p>
+                  </a:txBody>
+                  <a:tcPr anchor="ctr"/>
+                </a:tc>
+                <a:tc>
+                  <a:txBody>
+                    <a:bodyPr/>
+                    <a:lstStyle/>
+                    <a:p>
+                      <a:pPr algn="r"/>
+                      <a:r>
+                        <a:rPr lang="en-CA"/>
+                        <a:t>32 </a:t>
+                      </a:r>
+                    </a:p>
+                  </a:txBody>
+                  <a:tcPr anchor="ctr"/>
+                </a:tc>
+                <a:tc>
+                  <a:txBody>
+                    <a:bodyPr/>
+                    <a:lstStyle/>
+                    <a:p>
+                      <a:pPr algn="r"/>
+                      <a:r>
+                        <a:rPr lang="en-CA"/>
+                        <a:t>40 </a:t>
+                      </a:r>
+                    </a:p>
+                  </a:txBody>
+                  <a:tcPr anchor="ctr"/>
+                </a:tc>
+                <a:tc>
+                  <a:txBody>
+                    <a:bodyPr/>
+                    <a:lstStyle/>
+                    <a:p>
+                      <a:pPr algn="r"/>
+                      <a:r>
+                        <a:rPr lang="en-CA"/>
+                        <a:t>25 </a:t>
+                      </a:r>
+                    </a:p>
+                  </a:txBody>
+                  <a:tcPr anchor="ctr"/>
+                </a:tc>
+                <a:tc>
+                  <a:txBody>
+                    <a:bodyPr/>
+                    <a:lstStyle/>
+                    <a:p>
+                      <a:pPr algn="r"/>
+                      <a:r>
+                        <a:rPr lang="en-CA"/>
+                        <a:t>12 </a:t>
+                      </a:r>
+                    </a:p>
+                  </a:txBody>
+                  <a:tcPr anchor="ctr"/>
+                </a:tc>
+              </a:tr>
+              <a:tr h="370840">
+                <a:tc>
+                  <a:txBody>
+                    <a:bodyPr/>
+                    <a:lstStyle/>
+                    <a:p>
+                      <a:pPr algn="r"/>
+                      <a:r>
+                        <a:rPr lang="en-CA"/>
+                        <a:t>Deployment: </a:t>
+                      </a:r>
+                    </a:p>
+                  </a:txBody>
+                  <a:tcPr anchor="ctr"/>
+                </a:tc>
+                <a:tc>
+                  <a:txBody>
+                    <a:bodyPr/>
+                    <a:lstStyle/>
+                    <a:p>
+                      <a:pPr algn="r"/>
+                      <a:r>
+                        <a:rPr lang="en-CA"/>
+                        <a:t>1 </a:t>
+                      </a:r>
+                    </a:p>
+                  </a:txBody>
+                  <a:tcPr anchor="ctr"/>
+                </a:tc>
+                <a:tc>
+                  <a:txBody>
+                    <a:bodyPr/>
+                    <a:lstStyle/>
+                    <a:p>
+                      <a:pPr algn="r"/>
+                      <a:r>
+                        <a:rPr lang="en-CA"/>
+                        <a:t>1 </a:t>
+                      </a:r>
+                    </a:p>
+                  </a:txBody>
+                  <a:tcPr anchor="ctr"/>
+                </a:tc>
+                <a:tc>
+                  <a:txBody>
+                    <a:bodyPr/>
+                    <a:lstStyle/>
+                    <a:p>
+                      <a:pPr algn="r"/>
+                      <a:r>
+                        <a:rPr lang="en-CA"/>
+                        <a:t>1 </a:t>
+                      </a:r>
+                    </a:p>
+                  </a:txBody>
+                  <a:tcPr anchor="ctr"/>
+                </a:tc>
+                <a:tc>
+                  <a:txBody>
+                    <a:bodyPr/>
+                    <a:lstStyle/>
+                    <a:p>
+                      <a:pPr algn="r"/>
+                      <a:r>
+                        <a:rPr lang="en-CA"/>
+                        <a:t>1 </a:t>
+                      </a:r>
+                    </a:p>
+                  </a:txBody>
+                  <a:tcPr anchor="ctr"/>
+                </a:tc>
+                <a:tc>
+                  <a:txBody>
+                    <a:bodyPr/>
+                    <a:lstStyle/>
+                    <a:p>
+                      <a:pPr algn="r"/>
+                      <a:r>
+                        <a:rPr lang="en-CA"/>
+                        <a:t>10 </a:t>
+                      </a:r>
+                    </a:p>
+                  </a:txBody>
+                  <a:tcPr anchor="ctr"/>
+                </a:tc>
+              </a:tr>
+              <a:tr h="370840">
+                <a:tc>
+                  <a:txBody>
+                    <a:bodyPr/>
+                    <a:lstStyle/>
+                    <a:p>
+                      <a:pPr algn="r"/>
+                      <a:r>
+                        <a:rPr lang="en-CA" dirty="0"/>
+                        <a:t>Total: </a:t>
+                      </a:r>
+                    </a:p>
+                  </a:txBody>
+                  <a:tcPr anchor="ctr"/>
+                </a:tc>
+                <a:tc>
+                  <a:txBody>
+                    <a:bodyPr/>
+                    <a:lstStyle/>
+                    <a:p>
+                      <a:pPr algn="r"/>
+                      <a:r>
+                        <a:rPr lang="en-CA"/>
+                        <a:t>108 </a:t>
+                      </a:r>
+                    </a:p>
+                  </a:txBody>
+                  <a:tcPr anchor="ctr"/>
+                </a:tc>
+                <a:tc>
+                  <a:txBody>
+                    <a:bodyPr/>
+                    <a:lstStyle/>
+                    <a:p>
+                      <a:pPr algn="r"/>
+                      <a:r>
+                        <a:rPr lang="en-CA"/>
+                        <a:t>130 </a:t>
+                      </a:r>
+                    </a:p>
+                  </a:txBody>
+                  <a:tcPr anchor="ctr"/>
+                </a:tc>
+                <a:tc>
+                  <a:txBody>
+                    <a:bodyPr/>
+                    <a:lstStyle/>
+                    <a:p>
+                      <a:pPr algn="r"/>
+                      <a:r>
+                        <a:rPr lang="en-CA"/>
+                        <a:t>88 </a:t>
+                      </a:r>
+                    </a:p>
+                  </a:txBody>
+                  <a:tcPr anchor="ctr"/>
+                </a:tc>
+                <a:tc>
+                  <a:txBody>
+                    <a:bodyPr/>
+                    <a:lstStyle/>
+                    <a:p>
+                      <a:pPr algn="r"/>
+                      <a:r>
+                        <a:rPr lang="en-CA"/>
+                        <a:t>125 </a:t>
+                      </a:r>
+                    </a:p>
+                  </a:txBody>
+                  <a:tcPr anchor="ctr"/>
+                </a:tc>
+                <a:tc>
+                  <a:txBody>
+                    <a:bodyPr/>
+                    <a:lstStyle/>
+                    <a:p>
+                      <a:pPr algn="r"/>
+                      <a:r>
+                        <a:rPr lang="en-CA" dirty="0"/>
+                        <a:t>70 </a:t>
+                      </a:r>
+                    </a:p>
+                  </a:txBody>
+                  <a:tcPr anchor="ctr"/>
+                </a:tc>
+              </a:tr>
+            </a:tbl>
+          </a:graphicData>
+        </a:graphic>
+      </p:graphicFrame>
+      <p:graphicFrame>
+        <p:nvGraphicFramePr>
+          <p:cNvPr id="5" name="Table 4"/>
+          <p:cNvGraphicFramePr>
+            <a:graphicFrameLocks noGrp="1"/>
+          </p:cNvGraphicFramePr>
+          <p:nvPr/>
+        </p:nvGraphicFramePr>
+        <p:xfrm>
+          <a:off x="1857356" y="4143380"/>
+          <a:ext cx="5379854" cy="2595880"/>
+        </p:xfrm>
+        <a:graphic>
+          <a:graphicData uri="http://schemas.openxmlformats.org/drawingml/2006/table">
+            <a:tbl>
+              <a:tblPr bandRow="1">
+                <a:tableStyleId>{125E5076-3810-47DD-B79F-674D7AD40C01}</a:tableStyleId>
+              </a:tblPr>
+              <a:tblGrid>
+                <a:gridCol w="2243024"/>
+                <a:gridCol w="627366"/>
+                <a:gridCol w="627366"/>
+                <a:gridCol w="627366"/>
+                <a:gridCol w="627366"/>
+                <a:gridCol w="627366"/>
+              </a:tblGrid>
+              <a:tr h="370840">
+                <a:tc>
+                  <a:txBody>
+                    <a:bodyPr/>
+                    <a:lstStyle/>
+                    <a:p>
+                      <a:pPr algn="ctr"/>
+                      <a:r>
+                        <a:rPr lang="en-CA" b="1" dirty="0"/>
+                        <a:t>Workflow</a:t>
+                      </a:r>
+                    </a:p>
+                  </a:txBody>
+                  <a:tcPr anchor="ctr"/>
+                </a:tc>
+                <a:tc>
+                  <a:txBody>
+                    <a:bodyPr/>
+                    <a:lstStyle/>
+                    <a:p>
+                      <a:pPr algn="ctr"/>
+                      <a:r>
+                        <a:rPr lang="en-CA" b="1" dirty="0" smtClean="0"/>
+                        <a:t>It. </a:t>
+                      </a:r>
+                      <a:r>
+                        <a:rPr lang="en-CA" b="1" dirty="0"/>
+                        <a:t>5</a:t>
+                      </a:r>
+                    </a:p>
+                  </a:txBody>
+                  <a:tcPr anchor="ctr"/>
+                </a:tc>
+                <a:tc>
+                  <a:txBody>
+                    <a:bodyPr/>
+                    <a:lstStyle/>
+                    <a:p>
+                      <a:pPr algn="ctr"/>
+                      <a:r>
+                        <a:rPr lang="en-CA" b="1" dirty="0" smtClean="0"/>
+                        <a:t>It. </a:t>
+                      </a:r>
+                      <a:r>
+                        <a:rPr lang="en-CA" b="1" dirty="0"/>
+                        <a:t>6</a:t>
+                      </a:r>
+                    </a:p>
+                  </a:txBody>
+                  <a:tcPr anchor="ctr"/>
+                </a:tc>
+                <a:tc>
+                  <a:txBody>
+                    <a:bodyPr/>
+                    <a:lstStyle/>
+                    <a:p>
+                      <a:pPr algn="ctr"/>
+                      <a:r>
+                        <a:rPr lang="en-CA" b="1" dirty="0" smtClean="0"/>
+                        <a:t>It. </a:t>
+                      </a:r>
+                      <a:r>
+                        <a:rPr lang="en-CA" b="1" dirty="0"/>
+                        <a:t>7</a:t>
+                      </a:r>
+                    </a:p>
+                  </a:txBody>
+                  <a:tcPr anchor="ctr"/>
+                </a:tc>
+                <a:tc>
+                  <a:txBody>
+                    <a:bodyPr/>
+                    <a:lstStyle/>
+                    <a:p>
+                      <a:pPr algn="ctr"/>
+                      <a:r>
+                        <a:rPr lang="en-CA" b="1" dirty="0" smtClean="0"/>
+                        <a:t>It. </a:t>
+                      </a:r>
+                      <a:r>
+                        <a:rPr lang="en-CA" b="1" dirty="0"/>
+                        <a:t>8</a:t>
+                      </a:r>
+                    </a:p>
+                  </a:txBody>
+                  <a:tcPr anchor="ctr"/>
+                </a:tc>
+                <a:tc>
+                  <a:txBody>
+                    <a:bodyPr/>
+                    <a:lstStyle/>
+                    <a:p>
+                      <a:pPr algn="ctr"/>
+                      <a:r>
+                        <a:rPr lang="en-CA" b="1" dirty="0" smtClean="0"/>
+                        <a:t>It. </a:t>
+                      </a:r>
+                      <a:r>
+                        <a:rPr lang="en-CA" b="1" dirty="0"/>
+                        <a:t>9</a:t>
+                      </a:r>
+                    </a:p>
+                  </a:txBody>
+                  <a:tcPr anchor="ctr"/>
+                </a:tc>
+              </a:tr>
+              <a:tr h="370840">
+                <a:tc>
+                  <a:txBody>
+                    <a:bodyPr/>
+                    <a:lstStyle/>
+                    <a:p>
+                      <a:pPr algn="r"/>
+                      <a:r>
+                        <a:rPr lang="en-CA"/>
+                        <a:t>Business Modelling:</a:t>
+                      </a:r>
+                    </a:p>
+                  </a:txBody>
+                  <a:tcPr anchor="ctr"/>
+                </a:tc>
+                <a:tc>
+                  <a:txBody>
+                    <a:bodyPr/>
+                    <a:lstStyle/>
+                    <a:p>
+                      <a:pPr algn="r"/>
+                      <a:r>
+                        <a:rPr lang="en-CA"/>
+                        <a:t>1</a:t>
+                      </a:r>
+                    </a:p>
+                  </a:txBody>
+                  <a:tcPr anchor="ctr"/>
+                </a:tc>
+                <a:tc>
+                  <a:txBody>
+                    <a:bodyPr/>
+                    <a:lstStyle/>
+                    <a:p>
+                      <a:pPr algn="r"/>
+                      <a:r>
+                        <a:rPr lang="en-CA"/>
+                        <a:t>0</a:t>
+                      </a:r>
+                    </a:p>
+                  </a:txBody>
+                  <a:tcPr anchor="ctr"/>
+                </a:tc>
+                <a:tc>
+                  <a:txBody>
+                    <a:bodyPr/>
+                    <a:lstStyle/>
+                    <a:p>
+                      <a:pPr algn="r"/>
+                      <a:r>
+                        <a:rPr lang="en-CA"/>
+                        <a:t>1</a:t>
+                      </a:r>
+                    </a:p>
+                  </a:txBody>
+                  <a:tcPr anchor="ctr"/>
+                </a:tc>
+                <a:tc>
+                  <a:txBody>
+                    <a:bodyPr/>
+                    <a:lstStyle/>
+                    <a:p>
+                      <a:pPr algn="r"/>
+                      <a:r>
+                        <a:rPr lang="en-CA"/>
+                        <a:t>0</a:t>
+                      </a:r>
+                    </a:p>
+                  </a:txBody>
+                  <a:tcPr anchor="ctr"/>
+                </a:tc>
+                <a:tc>
+                  <a:txBody>
+                    <a:bodyPr/>
+                    <a:lstStyle/>
+                    <a:p>
+                      <a:pPr algn="r"/>
+                      <a:r>
+                        <a:rPr lang="en-CA"/>
+                        <a:t>0</a:t>
+                      </a:r>
+                    </a:p>
+                  </a:txBody>
+                  <a:tcPr anchor="ctr"/>
+                </a:tc>
+              </a:tr>
+              <a:tr h="370840">
+                <a:tc>
+                  <a:txBody>
+                    <a:bodyPr/>
+                    <a:lstStyle/>
+                    <a:p>
+                      <a:pPr algn="r"/>
+                      <a:r>
+                        <a:rPr lang="en-CA"/>
+                        <a:t>Implementation:</a:t>
+                      </a:r>
+                    </a:p>
+                  </a:txBody>
+                  <a:tcPr anchor="ctr"/>
+                </a:tc>
+                <a:tc>
+                  <a:txBody>
+                    <a:bodyPr/>
+                    <a:lstStyle/>
+                    <a:p>
+                      <a:pPr algn="r"/>
+                      <a:r>
+                        <a:rPr lang="en-CA"/>
+                        <a:t>67</a:t>
+                      </a:r>
+                    </a:p>
+                  </a:txBody>
+                  <a:tcPr anchor="ctr"/>
+                </a:tc>
+                <a:tc>
+                  <a:txBody>
+                    <a:bodyPr/>
+                    <a:lstStyle/>
+                    <a:p>
+                      <a:pPr algn="r"/>
+                      <a:r>
+                        <a:rPr lang="en-CA"/>
+                        <a:t>97</a:t>
+                      </a:r>
+                    </a:p>
+                  </a:txBody>
+                  <a:tcPr anchor="ctr"/>
+                </a:tc>
+                <a:tc>
+                  <a:txBody>
+                    <a:bodyPr/>
+                    <a:lstStyle/>
+                    <a:p>
+                      <a:pPr algn="r"/>
+                      <a:r>
+                        <a:rPr lang="en-CA"/>
+                        <a:t>52</a:t>
+                      </a:r>
+                    </a:p>
+                  </a:txBody>
+                  <a:tcPr anchor="ctr"/>
+                </a:tc>
+                <a:tc>
+                  <a:txBody>
+                    <a:bodyPr/>
+                    <a:lstStyle/>
+                    <a:p>
+                      <a:pPr algn="r"/>
+                      <a:r>
+                        <a:rPr lang="en-CA"/>
+                        <a:t>154</a:t>
+                      </a:r>
+                    </a:p>
+                  </a:txBody>
+                  <a:tcPr anchor="ctr"/>
+                </a:tc>
+                <a:tc>
+                  <a:txBody>
+                    <a:bodyPr/>
+                    <a:lstStyle/>
+                    <a:p>
+                      <a:pPr algn="r"/>
+                      <a:r>
+                        <a:rPr lang="en-CA"/>
+                        <a:t>2</a:t>
+                      </a:r>
+                    </a:p>
+                  </a:txBody>
+                  <a:tcPr anchor="ctr"/>
+                </a:tc>
+              </a:tr>
+              <a:tr h="370840">
+                <a:tc>
+                  <a:txBody>
+                    <a:bodyPr/>
+                    <a:lstStyle/>
+                    <a:p>
+                      <a:pPr algn="r"/>
+                      <a:r>
+                        <a:rPr lang="en-CA"/>
+                        <a:t>Testing:</a:t>
+                      </a:r>
+                    </a:p>
+                  </a:txBody>
+                  <a:tcPr anchor="ctr"/>
+                </a:tc>
+                <a:tc>
+                  <a:txBody>
+                    <a:bodyPr/>
+                    <a:lstStyle/>
+                    <a:p>
+                      <a:pPr algn="r"/>
+                      <a:r>
+                        <a:rPr lang="en-CA" dirty="0"/>
+                        <a:t>16</a:t>
+                      </a:r>
+                    </a:p>
+                  </a:txBody>
+                  <a:tcPr anchor="ctr"/>
+                </a:tc>
+                <a:tc>
+                  <a:txBody>
+                    <a:bodyPr/>
+                    <a:lstStyle/>
+                    <a:p>
+                      <a:pPr algn="r"/>
+                      <a:r>
+                        <a:rPr lang="en-CA"/>
+                        <a:t>0</a:t>
+                      </a:r>
+                    </a:p>
+                  </a:txBody>
+                  <a:tcPr anchor="ctr"/>
+                </a:tc>
+                <a:tc>
+                  <a:txBody>
+                    <a:bodyPr/>
+                    <a:lstStyle/>
+                    <a:p>
+                      <a:pPr algn="r"/>
+                      <a:r>
+                        <a:rPr lang="en-CA" dirty="0"/>
+                        <a:t>4</a:t>
+                      </a:r>
+                    </a:p>
+                  </a:txBody>
+                  <a:tcPr anchor="ctr"/>
+                </a:tc>
+                <a:tc>
+                  <a:txBody>
+                    <a:bodyPr/>
+                    <a:lstStyle/>
+                    <a:p>
+                      <a:pPr algn="r"/>
+                      <a:r>
+                        <a:rPr lang="en-CA"/>
+                        <a:t>0</a:t>
+                      </a:r>
+                    </a:p>
+                  </a:txBody>
+                  <a:tcPr anchor="ctr"/>
+                </a:tc>
+                <a:tc>
+                  <a:txBody>
+                    <a:bodyPr/>
+                    <a:lstStyle/>
+                    <a:p>
+                      <a:pPr algn="r"/>
+                      <a:r>
+                        <a:rPr lang="en-CA"/>
+                        <a:t>6</a:t>
+                      </a:r>
+                    </a:p>
+                  </a:txBody>
+                  <a:tcPr anchor="ctr"/>
+                </a:tc>
+              </a:tr>
+              <a:tr h="370840">
+                <a:tc>
+                  <a:txBody>
+                    <a:bodyPr/>
+                    <a:lstStyle/>
+                    <a:p>
+                      <a:pPr algn="r"/>
+                      <a:r>
+                        <a:rPr lang="en-CA"/>
+                        <a:t>Analysis and Design:</a:t>
+                      </a:r>
+                    </a:p>
+                  </a:txBody>
+                  <a:tcPr anchor="ctr"/>
+                </a:tc>
+                <a:tc>
+                  <a:txBody>
+                    <a:bodyPr/>
+                    <a:lstStyle/>
+                    <a:p>
+                      <a:pPr algn="r"/>
+                      <a:r>
+                        <a:rPr lang="en-CA"/>
+                        <a:t>53</a:t>
+                      </a:r>
+                    </a:p>
+                  </a:txBody>
+                  <a:tcPr anchor="ctr"/>
+                </a:tc>
+                <a:tc>
+                  <a:txBody>
+                    <a:bodyPr/>
+                    <a:lstStyle/>
+                    <a:p>
+                      <a:pPr algn="r"/>
+                      <a:r>
+                        <a:rPr lang="en-CA"/>
+                        <a:t>45</a:t>
+                      </a:r>
+                    </a:p>
+                  </a:txBody>
+                  <a:tcPr anchor="ctr"/>
+                </a:tc>
+                <a:tc>
+                  <a:txBody>
+                    <a:bodyPr/>
+                    <a:lstStyle/>
+                    <a:p>
+                      <a:pPr algn="r"/>
+                      <a:r>
+                        <a:rPr lang="en-CA"/>
+                        <a:t>41</a:t>
+                      </a:r>
+                    </a:p>
+                  </a:txBody>
+                  <a:tcPr anchor="ctr"/>
+                </a:tc>
+                <a:tc>
+                  <a:txBody>
+                    <a:bodyPr/>
+                    <a:lstStyle/>
+                    <a:p>
+                      <a:pPr algn="r"/>
+                      <a:r>
+                        <a:rPr lang="en-CA"/>
+                        <a:t>39</a:t>
+                      </a:r>
+                    </a:p>
+                  </a:txBody>
+                  <a:tcPr anchor="ctr"/>
+                </a:tc>
+                <a:tc>
+                  <a:txBody>
+                    <a:bodyPr/>
+                    <a:lstStyle/>
+                    <a:p>
+                      <a:pPr algn="r"/>
+                      <a:r>
+                        <a:rPr lang="en-CA"/>
+                        <a:t>13</a:t>
+                      </a:r>
+                    </a:p>
+                  </a:txBody>
+                  <a:tcPr anchor="ctr"/>
+                </a:tc>
+              </a:tr>
+              <a:tr h="370840">
+                <a:tc>
+                  <a:txBody>
+                    <a:bodyPr/>
+                    <a:lstStyle/>
+                    <a:p>
+                      <a:pPr algn="r"/>
+                      <a:r>
+                        <a:rPr lang="en-CA"/>
+                        <a:t>Deployment:</a:t>
+                      </a:r>
+                    </a:p>
+                  </a:txBody>
+                  <a:tcPr anchor="ctr"/>
+                </a:tc>
+                <a:tc>
+                  <a:txBody>
+                    <a:bodyPr/>
+                    <a:lstStyle/>
+                    <a:p>
+                      <a:pPr algn="r"/>
+                      <a:r>
+                        <a:rPr lang="en-CA"/>
+                        <a:t>1</a:t>
+                      </a:r>
+                    </a:p>
+                  </a:txBody>
+                  <a:tcPr anchor="ctr"/>
+                </a:tc>
+                <a:tc>
+                  <a:txBody>
+                    <a:bodyPr/>
+                    <a:lstStyle/>
+                    <a:p>
+                      <a:pPr algn="r"/>
+                      <a:r>
+                        <a:rPr lang="en-CA"/>
+                        <a:t>2</a:t>
+                      </a:r>
+                    </a:p>
+                  </a:txBody>
+                  <a:tcPr anchor="ctr"/>
+                </a:tc>
+                <a:tc>
+                  <a:txBody>
+                    <a:bodyPr/>
+                    <a:lstStyle/>
+                    <a:p>
+                      <a:pPr algn="r"/>
+                      <a:r>
+                        <a:rPr lang="en-CA"/>
+                        <a:t>1</a:t>
+                      </a:r>
+                    </a:p>
+                  </a:txBody>
+                  <a:tcPr anchor="ctr"/>
+                </a:tc>
+                <a:tc>
+                  <a:txBody>
+                    <a:bodyPr/>
+                    <a:lstStyle/>
+                    <a:p>
+                      <a:pPr algn="r"/>
+                      <a:r>
+                        <a:rPr lang="en-CA"/>
+                        <a:t>1</a:t>
+                      </a:r>
+                    </a:p>
+                  </a:txBody>
+                  <a:tcPr anchor="ctr"/>
+                </a:tc>
+                <a:tc>
+                  <a:txBody>
+                    <a:bodyPr/>
+                    <a:lstStyle/>
+                    <a:p>
+                      <a:pPr algn="r"/>
+                      <a:r>
+                        <a:rPr lang="en-CA"/>
+                        <a:t>6</a:t>
+                      </a:r>
+                    </a:p>
+                  </a:txBody>
+                  <a:tcPr anchor="ctr"/>
+                </a:tc>
+              </a:tr>
+              <a:tr h="370840">
+                <a:tc>
+                  <a:txBody>
+                    <a:bodyPr/>
+                    <a:lstStyle/>
+                    <a:p>
+                      <a:pPr algn="r"/>
+                      <a:r>
+                        <a:rPr lang="en-CA"/>
+                        <a:t>Total:</a:t>
+                      </a:r>
+                    </a:p>
+                  </a:txBody>
+                  <a:tcPr anchor="ctr"/>
+                </a:tc>
+                <a:tc>
+                  <a:txBody>
+                    <a:bodyPr/>
+                    <a:lstStyle/>
+                    <a:p>
+                      <a:pPr algn="r"/>
+                      <a:r>
+                        <a:rPr lang="en-CA"/>
+                        <a:t>138</a:t>
+                      </a:r>
+                    </a:p>
+                  </a:txBody>
+                  <a:tcPr anchor="ctr"/>
+                </a:tc>
+                <a:tc>
+                  <a:txBody>
+                    <a:bodyPr/>
+                    <a:lstStyle/>
+                    <a:p>
+                      <a:pPr algn="r"/>
+                      <a:r>
+                        <a:rPr lang="en-CA"/>
+                        <a:t>149</a:t>
+                      </a:r>
+                    </a:p>
+                  </a:txBody>
+                  <a:tcPr anchor="ctr"/>
+                </a:tc>
+                <a:tc>
+                  <a:txBody>
+                    <a:bodyPr/>
+                    <a:lstStyle/>
+                    <a:p>
+                      <a:pPr algn="r"/>
+                      <a:r>
+                        <a:rPr lang="en-CA"/>
+                        <a:t>99</a:t>
+                      </a:r>
+                    </a:p>
+                  </a:txBody>
+                  <a:tcPr anchor="ctr"/>
+                </a:tc>
+                <a:tc>
+                  <a:txBody>
+                    <a:bodyPr/>
+                    <a:lstStyle/>
+                    <a:p>
+                      <a:pPr algn="r"/>
+                      <a:r>
+                        <a:rPr lang="en-CA"/>
+                        <a:t>194</a:t>
+                      </a:r>
+                    </a:p>
+                  </a:txBody>
+                  <a:tcPr anchor="ctr"/>
+                </a:tc>
+                <a:tc>
+                  <a:txBody>
+                    <a:bodyPr/>
+                    <a:lstStyle/>
+                    <a:p>
+                      <a:pPr algn="r"/>
+                      <a:r>
+                        <a:rPr lang="en-CA" dirty="0"/>
+                        <a:t>38</a:t>
+                      </a:r>
+                    </a:p>
+                  </a:txBody>
+                  <a:tcPr anchor="ctr"/>
+                </a:tc>
+              </a:tr>
+            </a:tbl>
+          </a:graphicData>
+        </a:graphic>
+      </p:graphicFrame>
     </p:spTree>
   </p:cSld>
   <p:clrMapOvr>
@@ -7132,11 +7831,7 @@
           <a:p>
             <a:r>
               <a:rPr lang="en-US" dirty="0" smtClean="0"/>
-              <a:t>Project </a:t>
-            </a:r>
-            <a:r>
-              <a:rPr lang="en-US" dirty="0" smtClean="0"/>
-              <a:t>Timeline: Semester 1</a:t>
+              <a:t>Risk Management</a:t>
             </a:r>
             <a:endParaRPr lang="en-CA" dirty="0"/>
           </a:p>
@@ -7144,7 +7839,7 @@
       </p:sp>
       <p:sp>
         <p:nvSpPr>
-          <p:cNvPr id="3" name="Content Placeholder 2"/>
+          <p:cNvPr id="5" name="Content Placeholder 4"/>
           <p:cNvSpPr>
             <a:spLocks noGrp="1"/>
           </p:cNvSpPr>
@@ -7156,77 +7851,89 @@
           <a:solidFill>
             <a:srgbClr val="000000"/>
           </a:solidFill>
-          <a:ln>
-            <a:solidFill>
-              <a:schemeClr val="accent1"/>
-            </a:solidFill>
-          </a:ln>
+          <a:ln w="12700"/>
         </p:spPr>
+        <p:style>
+          <a:lnRef idx="2">
+            <a:schemeClr val="accent1"/>
+          </a:lnRef>
+          <a:fillRef idx="1">
+            <a:schemeClr val="lt1"/>
+          </a:fillRef>
+          <a:effectRef idx="0">
+            <a:schemeClr val="accent1"/>
+          </a:effectRef>
+          <a:fontRef idx="minor">
+            <a:schemeClr val="dk1"/>
+          </a:fontRef>
+        </p:style>
         <p:txBody>
           <a:bodyPr>
-            <a:normAutofit/>
+            <a:normAutofit fontScale="77500" lnSpcReduction="20000"/>
           </a:bodyPr>
           <a:lstStyle/>
           <a:p>
+            <a:pPr fontAlgn="ctr">
+              <a:buNone/>
+            </a:pPr>
+            <a:r>
+              <a:rPr lang="en-US" b="1" dirty="0" smtClean="0"/>
+              <a:t>Did not receiving equipment from customer</a:t>
+            </a:r>
+          </a:p>
+          <a:p>
+            <a:pPr fontAlgn="ctr"/>
             <a:r>
               <a:rPr lang="en-US" dirty="0" smtClean="0"/>
-              <a:t>Iteration 1: Inception</a:t>
-            </a:r>
-          </a:p>
-          <a:p>
+              <a:t>Use alternative devices (such as a different digital camera) and try to use a generalized solution that should work for both devices.</a:t>
+            </a:r>
+          </a:p>
+          <a:p>
+            <a:pPr fontAlgn="ctr"/>
+            <a:endParaRPr lang="en-US" dirty="0" smtClean="0"/>
+          </a:p>
+          <a:p>
+            <a:pPr fontAlgn="ctr">
+              <a:buNone/>
+            </a:pPr>
+            <a:r>
+              <a:rPr lang="en-US" b="1" dirty="0" smtClean="0"/>
+              <a:t>Client unavailable or unresponsive.</a:t>
+            </a:r>
+          </a:p>
+          <a:p>
+            <a:pPr fontAlgn="ctr"/>
             <a:r>
               <a:rPr lang="en-US" dirty="0" smtClean="0"/>
-              <a:t>Iteration 2: SPIKE project</a:t>
-            </a:r>
-          </a:p>
-          <a:p>
+              <a:t>Use alternative methods of communication (phone or email). Build project to original specifications.</a:t>
+            </a:r>
+          </a:p>
+          <a:p>
+            <a:pPr fontAlgn="ctr">
+              <a:buNone/>
+            </a:pPr>
+            <a:endParaRPr lang="en-US" b="1" dirty="0" smtClean="0"/>
+          </a:p>
+          <a:p>
+            <a:pPr fontAlgn="ctr">
+              <a:buNone/>
+            </a:pPr>
+            <a:r>
+              <a:rPr lang="en-US" b="1" dirty="0" smtClean="0"/>
+              <a:t>Underestimated the time the project would take.</a:t>
+            </a:r>
+          </a:p>
+          <a:p>
+            <a:pPr fontAlgn="ctr"/>
             <a:r>
               <a:rPr lang="en-US" dirty="0" smtClean="0"/>
-              <a:t>Iteration 3: </a:t>
-            </a:r>
-            <a:r>
-              <a:rPr lang="en-US" dirty="0" smtClean="0"/>
-              <a:t>Authentication and Authorization</a:t>
-            </a:r>
-            <a:endParaRPr lang="en-US" dirty="0" smtClean="0"/>
-          </a:p>
-          <a:p>
-            <a:r>
-              <a:rPr lang="en-US" dirty="0" smtClean="0"/>
-              <a:t>Iteration 4: </a:t>
-            </a:r>
-            <a:r>
-              <a:rPr lang="en-US" dirty="0" smtClean="0"/>
-              <a:t>Image </a:t>
-            </a:r>
-            <a:r>
-              <a:rPr lang="en-US" dirty="0" smtClean="0"/>
-              <a:t>Gallery</a:t>
-            </a:r>
-            <a:endParaRPr lang="en-US" dirty="0" smtClean="0"/>
-          </a:p>
-          <a:p>
-            <a:r>
-              <a:rPr lang="en-US" dirty="0" smtClean="0"/>
-              <a:t>Iteration 5: Final </a:t>
-            </a:r>
-            <a:r>
-              <a:rPr lang="en-US" dirty="0" err="1" smtClean="0"/>
-              <a:t>Refactored</a:t>
-            </a:r>
-            <a:r>
-              <a:rPr lang="en-US" dirty="0" smtClean="0"/>
-              <a:t> Release</a:t>
-            </a:r>
-          </a:p>
-          <a:p>
-            <a:endParaRPr lang="en-US" dirty="0" smtClean="0"/>
-          </a:p>
-          <a:p>
-            <a:r>
-              <a:rPr lang="en-US" dirty="0" smtClean="0"/>
-              <a:t>Each iteration = ~1 week</a:t>
-            </a:r>
+              <a:t>Remove non-essential features and focus on core functionality</a:t>
+            </a:r>
+          </a:p>
+          <a:p>
+            <a:pPr>
+              <a:buNone/>
+            </a:pPr>
             <a:endParaRPr lang="en-CA" dirty="0"/>
           </a:p>
         </p:txBody>
@@ -7282,11 +7989,7 @@
           <a:p>
             <a:r>
               <a:rPr lang="en-US" dirty="0" smtClean="0"/>
-              <a:t>Project </a:t>
-            </a:r>
-            <a:r>
-              <a:rPr lang="en-US" dirty="0" smtClean="0"/>
-              <a:t>Timeline: Semester 2</a:t>
+              <a:t>What Did We Learn?</a:t>
             </a:r>
             <a:endParaRPr lang="en-CA" dirty="0"/>
           </a:p>
@@ -7313,48 +8016,31 @@
           </a:ln>
         </p:spPr>
         <p:txBody>
-          <a:bodyPr>
-            <a:normAutofit lnSpcReduction="10000"/>
-          </a:bodyPr>
+          <a:bodyPr/>
           <a:lstStyle/>
           <a:p>
             <a:r>
               <a:rPr lang="en-US" dirty="0" smtClean="0"/>
-              <a:t>Iteration 5: Automated Scheduling and Telescope Positioning</a:t>
-            </a:r>
-          </a:p>
-          <a:p>
-            <a:r>
-              <a:rPr lang="en-US" dirty="0" smtClean="0"/>
-              <a:t>Iteration 6: Libraries and GUI Enhancements</a:t>
-            </a:r>
-          </a:p>
-          <a:p>
-            <a:r>
-              <a:rPr lang="en-US" dirty="0" smtClean="0"/>
-              <a:t>Iteration 7: Mobile Views</a:t>
-            </a:r>
-          </a:p>
-          <a:p>
-            <a:r>
-              <a:rPr lang="en-US" dirty="0" smtClean="0"/>
-              <a:t>Iteration 8: Image Capturing</a:t>
-            </a:r>
-          </a:p>
-          <a:p>
-            <a:r>
-              <a:rPr lang="en-US" dirty="0" smtClean="0"/>
-              <a:t>Iteration 9: The Final Release</a:t>
-            </a:r>
-          </a:p>
-          <a:p>
+              <a:t>More experienced with Ruby on Rails</a:t>
+            </a:r>
+          </a:p>
+          <a:p>
+            <a:r>
+              <a:rPr lang="en-CA" dirty="0" smtClean="0"/>
+              <a:t>Improved planning</a:t>
+            </a:r>
+          </a:p>
+          <a:p>
+            <a:r>
+              <a:rPr lang="en-CA" dirty="0" smtClean="0"/>
+              <a:t>Hardware interfacing with drivers</a:t>
+            </a:r>
             <a:endParaRPr lang="en-US" dirty="0" smtClean="0"/>
           </a:p>
           <a:p>
-            <a:r>
-              <a:rPr lang="en-US" dirty="0" smtClean="0"/>
-              <a:t>Each iteration = 2-3 weeks</a:t>
-            </a:r>
+            <a:endParaRPr lang="en-US" dirty="0" smtClean="0"/>
+          </a:p>
+          <a:p>
             <a:endParaRPr lang="en-CA" dirty="0"/>
           </a:p>
         </p:txBody>
@@ -7410,7 +8096,7 @@
           <a:p>
             <a:r>
               <a:rPr lang="en-US" dirty="0" smtClean="0"/>
-              <a:t>Background Information</a:t>
+              <a:t>Background</a:t>
             </a:r>
             <a:endParaRPr lang="en-CA" dirty="0"/>
           </a:p>
@@ -7444,7 +8130,13 @@
           <a:p>
             <a:r>
               <a:rPr lang="en-US" dirty="0" smtClean="0"/>
-              <a:t>What is it?</a:t>
+              <a:t>Customers currently manually position their telescope and capture images through it</a:t>
+            </a:r>
+          </a:p>
+          <a:p>
+            <a:r>
+              <a:rPr lang="en-US" dirty="0" smtClean="0"/>
+              <a:t>What are we doing</a:t>
             </a:r>
           </a:p>
           <a:p>
@@ -7466,11 +8158,8 @@
             <a:pPr lvl="1"/>
             <a:r>
               <a:rPr lang="en-US" dirty="0" smtClean="0"/>
-              <a:t>capture images of an area of the sky</a:t>
-            </a:r>
-          </a:p>
-          <a:p>
-            <a:endParaRPr lang="en-US" dirty="0" smtClean="0"/>
+              <a:t>capture images once telescope in position</a:t>
+            </a:r>
           </a:p>
           <a:p>
             <a:r>
@@ -7550,7 +8239,7 @@
           <a:p>
             <a:r>
               <a:rPr lang="en-US" dirty="0" smtClean="0"/>
-              <a:t>Metrics: Semester 2</a:t>
+              <a:t>Summary</a:t>
             </a:r>
             <a:endParaRPr lang="en-CA" dirty="0"/>
           </a:p>
@@ -7577,86 +8266,48 @@
           </a:ln>
         </p:spPr>
         <p:txBody>
-          <a:bodyPr>
-            <a:normAutofit fontScale="85000" lnSpcReduction="20000"/>
-          </a:bodyPr>
-          <a:lstStyle/>
-          <a:p>
+          <a:bodyPr/>
+          <a:lstStyle/>
+          <a:p>
+            <a:r>
+              <a:rPr lang="en-CA" dirty="0" smtClean="0"/>
+              <a:t>Automatic Telescope Control System</a:t>
+            </a:r>
+          </a:p>
+          <a:p>
+            <a:r>
+              <a:rPr lang="en-CA" dirty="0" smtClean="0"/>
+              <a:t>Can:</a:t>
+            </a:r>
+          </a:p>
+          <a:p>
+            <a:pPr lvl="1"/>
+            <a:r>
+              <a:rPr lang="en-CA" dirty="0" smtClean="0"/>
+              <a:t>Schedule telescope for future dates</a:t>
+            </a:r>
+          </a:p>
+          <a:p>
+            <a:pPr lvl="1"/>
             <a:r>
               <a:rPr lang="en-US" dirty="0" smtClean="0"/>
-              <a:t>Time </a:t>
-            </a:r>
-            <a:r>
-              <a:rPr lang="en-US" dirty="0" smtClean="0"/>
-              <a:t>spent: (1 unit = 15 minutes)</a:t>
-            </a:r>
-          </a:p>
-          <a:p>
-            <a:r>
-              <a:rPr lang="en-US" dirty="0" smtClean="0"/>
-              <a:t>Total time:  580 units</a:t>
-            </a:r>
-          </a:p>
-          <a:p>
-            <a:endParaRPr lang="en-US" dirty="0"/>
-          </a:p>
-          <a:p>
-            <a:r>
-              <a:rPr lang="en-US" dirty="0" smtClean="0"/>
-              <a:t>Coding:</a:t>
-            </a:r>
+              <a:t>Automatically positions telescope</a:t>
+            </a:r>
+            <a:endParaRPr lang="en-CA" dirty="0" smtClean="0"/>
           </a:p>
           <a:p>
             <a:pPr lvl="1"/>
             <a:r>
-              <a:rPr lang="en-US" dirty="0" smtClean="0"/>
-              <a:t>Models: 5</a:t>
+              <a:rPr lang="en-CA" dirty="0" smtClean="0"/>
+              <a:t>Captures images of that area</a:t>
             </a:r>
           </a:p>
           <a:p>
             <a:pPr lvl="1"/>
             <a:r>
-              <a:rPr lang="en-US" dirty="0" smtClean="0"/>
-              <a:t>Views: 43</a:t>
-            </a:r>
-          </a:p>
-          <a:p>
-            <a:pPr lvl="1"/>
-            <a:r>
-              <a:rPr lang="en-US" dirty="0" smtClean="0"/>
-              <a:t>Controllers: 9</a:t>
-            </a:r>
-            <a:endParaRPr lang="en-US" dirty="0"/>
-          </a:p>
-          <a:p>
-            <a:r>
-              <a:rPr lang="en-US" dirty="0" smtClean="0"/>
-              <a:t>Tests:</a:t>
-            </a:r>
-          </a:p>
-          <a:p>
-            <a:pPr lvl="1"/>
-            <a:r>
-              <a:rPr lang="en-US" dirty="0" smtClean="0"/>
-              <a:t>Unit tests: 3</a:t>
-            </a:r>
-          </a:p>
-          <a:p>
-            <a:pPr lvl="1"/>
-            <a:r>
-              <a:rPr lang="en-US" dirty="0" smtClean="0"/>
-              <a:t>Test cases: 17</a:t>
-            </a:r>
-          </a:p>
-          <a:p>
-            <a:pPr lvl="1"/>
-            <a:r>
-              <a:rPr lang="en-US" dirty="0" smtClean="0"/>
-              <a:t>Assertions: 29</a:t>
-            </a:r>
-          </a:p>
-          <a:p>
-            <a:endParaRPr lang="en-US" dirty="0"/>
+              <a:rPr lang="en-CA" dirty="0" smtClean="0"/>
+              <a:t>Automatically uploads images to a web server</a:t>
+            </a:r>
           </a:p>
           <a:p>
             <a:endParaRPr lang="en-CA" dirty="0"/>
@@ -7714,7 +8365,7 @@
           <a:p>
             <a:r>
               <a:rPr lang="en-US" dirty="0" smtClean="0"/>
-              <a:t>What Did We Learn?</a:t>
+              <a:t>Acknowledgements</a:t>
             </a:r>
             <a:endParaRPr lang="en-CA" dirty="0"/>
           </a:p>
@@ -7744,28 +8395,53 @@
           <a:bodyPr/>
           <a:lstStyle/>
           <a:p>
+            <a:pPr>
+              <a:buNone/>
+            </a:pPr>
+            <a:r>
+              <a:rPr lang="en-CA" dirty="0" smtClean="0"/>
+              <a:t>Thanks to the following:</a:t>
+            </a:r>
+          </a:p>
+          <a:p>
+            <a:pPr lvl="1"/>
+            <a:r>
+              <a:rPr lang="en-CA" dirty="0" smtClean="0"/>
+              <a:t>Dave </a:t>
+            </a:r>
+            <a:r>
+              <a:rPr lang="en-CA" dirty="0" err="1" smtClean="0"/>
+              <a:t>Goodall</a:t>
+            </a:r>
+            <a:endParaRPr lang="en-CA" dirty="0" smtClean="0"/>
+          </a:p>
+          <a:p>
+            <a:pPr lvl="1"/>
+            <a:r>
+              <a:rPr lang="en-CA" dirty="0" smtClean="0"/>
+              <a:t>Nokia</a:t>
+            </a:r>
+          </a:p>
+          <a:p>
+            <a:pPr lvl="1"/>
+            <a:r>
+              <a:rPr lang="en-CA" dirty="0" smtClean="0"/>
+              <a:t>Canon</a:t>
+            </a:r>
+          </a:p>
+          <a:p>
+            <a:pPr lvl="1"/>
             <a:r>
               <a:rPr lang="en-US" dirty="0" smtClean="0"/>
-              <a:t>More experienced with Ruby on Rails</a:t>
-            </a:r>
-          </a:p>
-          <a:p>
+              <a:t>Department Head of Computer Science</a:t>
+            </a:r>
+          </a:p>
+          <a:p>
+            <a:pPr lvl="1"/>
             <a:r>
               <a:rPr lang="en-CA" dirty="0" smtClean="0"/>
-              <a:t>Improved planning</a:t>
-            </a:r>
-          </a:p>
-          <a:p>
-            <a:r>
-              <a:rPr lang="en-CA" dirty="0" smtClean="0"/>
-              <a:t>Hardware interfacing with drivers</a:t>
-            </a:r>
-            <a:endParaRPr lang="en-US" dirty="0" smtClean="0"/>
-          </a:p>
-          <a:p>
-            <a:endParaRPr lang="en-US" dirty="0" smtClean="0"/>
-          </a:p>
-          <a:p>
+              <a:t>Michael Minions </a:t>
+            </a:r>
             <a:endParaRPr lang="en-CA" dirty="0"/>
           </a:p>
         </p:txBody>
@@ -7802,26 +8478,36 @@
             <a:spLocks noGrp="1"/>
           </p:cNvSpPr>
           <p:nvPr>
-            <p:ph type="title"/>
+            <p:ph type="ctrTitle"/>
           </p:nvPr>
         </p:nvSpPr>
         <p:spPr>
           <a:solidFill>
             <a:srgbClr val="000000"/>
           </a:solidFill>
-          <a:ln>
-            <a:solidFill>
-              <a:schemeClr val="accent1"/>
-            </a:solidFill>
-          </a:ln>
+          <a:ln w="12700"/>
         </p:spPr>
+        <p:style>
+          <a:lnRef idx="2">
+            <a:schemeClr val="accent1"/>
+          </a:lnRef>
+          <a:fillRef idx="1">
+            <a:schemeClr val="lt1"/>
+          </a:fillRef>
+          <a:effectRef idx="0">
+            <a:schemeClr val="accent1"/>
+          </a:effectRef>
+          <a:fontRef idx="minor">
+            <a:schemeClr val="dk1"/>
+          </a:fontRef>
+        </p:style>
         <p:txBody>
           <a:bodyPr/>
           <a:lstStyle/>
           <a:p>
             <a:r>
               <a:rPr lang="en-US" dirty="0" smtClean="0"/>
-              <a:t>Issues and Project Difficulties</a:t>
+              <a:t>Demonstration</a:t>
             </a:r>
             <a:endParaRPr lang="en-CA" dirty="0"/>
           </a:p>
@@ -7829,43 +8515,41 @@
       </p:sp>
       <p:sp>
         <p:nvSpPr>
-          <p:cNvPr id="3" name="Content Placeholder 2"/>
-          <p:cNvSpPr>
-            <a:spLocks noGrp="1"/>
-          </p:cNvSpPr>
-          <p:nvPr>
-            <p:ph idx="1"/>
+          <p:cNvPr id="4" name="Subtitle 3"/>
+          <p:cNvSpPr>
+            <a:spLocks noGrp="1"/>
+          </p:cNvSpPr>
+          <p:nvPr>
+            <p:ph type="subTitle" idx="1"/>
           </p:nvPr>
         </p:nvSpPr>
         <p:spPr>
           <a:solidFill>
             <a:srgbClr val="000000"/>
           </a:solidFill>
-          <a:ln>
-            <a:solidFill>
-              <a:schemeClr val="accent1"/>
-            </a:solidFill>
-          </a:ln>
+          <a:ln w="12700"/>
         </p:spPr>
+        <p:style>
+          <a:lnRef idx="2">
+            <a:schemeClr val="accent1"/>
+          </a:lnRef>
+          <a:fillRef idx="1">
+            <a:schemeClr val="lt1"/>
+          </a:fillRef>
+          <a:effectRef idx="0">
+            <a:schemeClr val="accent1"/>
+          </a:effectRef>
+          <a:fontRef idx="minor">
+            <a:schemeClr val="dk1"/>
+          </a:fontRef>
+        </p:style>
         <p:txBody>
           <a:bodyPr/>
           <a:lstStyle/>
           <a:p>
             <a:r>
               <a:rPr lang="en-US" dirty="0" smtClean="0"/>
-              <a:t>Time constraints</a:t>
-            </a:r>
-          </a:p>
-          <a:p>
-            <a:r>
-              <a:rPr lang="en-US" dirty="0" smtClean="0"/>
-              <a:t>Equipment delays</a:t>
-            </a:r>
-          </a:p>
-          <a:p>
-            <a:r>
-              <a:rPr lang="en-CA" dirty="0" smtClean="0"/>
-              <a:t>Customer communication issues</a:t>
+              <a:t>Here is a demonstration of our solution</a:t>
             </a:r>
             <a:endParaRPr lang="en-CA" dirty="0"/>
           </a:p>
@@ -7903,26 +8587,36 @@
             <a:spLocks noGrp="1"/>
           </p:cNvSpPr>
           <p:nvPr>
-            <p:ph type="title"/>
+            <p:ph type="ctrTitle"/>
           </p:nvPr>
         </p:nvSpPr>
         <p:spPr>
           <a:solidFill>
             <a:srgbClr val="000000"/>
           </a:solidFill>
-          <a:ln>
-            <a:solidFill>
-              <a:schemeClr val="accent1"/>
-            </a:solidFill>
-          </a:ln>
+          <a:ln w="12700"/>
         </p:spPr>
+        <p:style>
+          <a:lnRef idx="2">
+            <a:schemeClr val="accent1"/>
+          </a:lnRef>
+          <a:fillRef idx="1">
+            <a:schemeClr val="lt1"/>
+          </a:fillRef>
+          <a:effectRef idx="0">
+            <a:schemeClr val="accent1"/>
+          </a:effectRef>
+          <a:fontRef idx="minor">
+            <a:schemeClr val="dk1"/>
+          </a:fontRef>
+        </p:style>
         <p:txBody>
           <a:bodyPr/>
           <a:lstStyle/>
           <a:p>
             <a:r>
               <a:rPr lang="en-US" dirty="0" smtClean="0"/>
-              <a:t>Summary</a:t>
+              <a:t>Questions</a:t>
             </a:r>
             <a:endParaRPr lang="en-CA" dirty="0"/>
           </a:p>
@@ -7930,201 +8624,47 @@
       </p:sp>
       <p:sp>
         <p:nvSpPr>
-          <p:cNvPr id="3" name="Content Placeholder 2"/>
-          <p:cNvSpPr>
-            <a:spLocks noGrp="1"/>
-          </p:cNvSpPr>
-          <p:nvPr>
-            <p:ph idx="1"/>
+          <p:cNvPr id="4" name="Subtitle 3"/>
+          <p:cNvSpPr>
+            <a:spLocks noGrp="1"/>
+          </p:cNvSpPr>
+          <p:nvPr>
+            <p:ph type="subTitle" idx="1"/>
           </p:nvPr>
         </p:nvSpPr>
         <p:spPr>
           <a:solidFill>
             <a:srgbClr val="000000"/>
           </a:solidFill>
-          <a:ln>
-            <a:solidFill>
-              <a:schemeClr val="accent1"/>
-            </a:solidFill>
-          </a:ln>
+          <a:ln w="12700"/>
         </p:spPr>
+        <p:style>
+          <a:lnRef idx="2">
+            <a:schemeClr val="accent1"/>
+          </a:lnRef>
+          <a:fillRef idx="1">
+            <a:schemeClr val="lt1"/>
+          </a:fillRef>
+          <a:effectRef idx="0">
+            <a:schemeClr val="accent1"/>
+          </a:effectRef>
+          <a:fontRef idx="minor">
+            <a:schemeClr val="dk1"/>
+          </a:fontRef>
+        </p:style>
         <p:txBody>
           <a:bodyPr/>
           <a:lstStyle/>
           <a:p>
             <a:r>
-              <a:rPr lang="en-CA" dirty="0" smtClean="0"/>
-              <a:t>Automatic Telescope Control System</a:t>
-            </a:r>
-          </a:p>
-          <a:p>
-            <a:r>
-              <a:rPr lang="en-CA" dirty="0" smtClean="0"/>
-              <a:t>Can:</a:t>
-            </a:r>
-          </a:p>
-          <a:p>
-            <a:pPr lvl="1"/>
-            <a:r>
-              <a:rPr lang="en-CA" dirty="0" smtClean="0"/>
-              <a:t>Schedule telescope for future dates</a:t>
-            </a:r>
-          </a:p>
-          <a:p>
-            <a:pPr lvl="1"/>
-            <a:r>
-              <a:rPr lang="en-CA" dirty="0" smtClean="0"/>
-              <a:t>Capture images of that area</a:t>
-            </a:r>
-          </a:p>
-          <a:p>
-            <a:pPr lvl="1"/>
-            <a:r>
-              <a:rPr lang="en-CA" dirty="0" smtClean="0"/>
-              <a:t>Automatically upload images to web server</a:t>
-            </a:r>
-          </a:p>
-          <a:p>
-            <a:endParaRPr lang="en-CA" dirty="0"/>
-          </a:p>
-        </p:txBody>
-      </p:sp>
-    </p:spTree>
-  </p:cSld>
-  <p:clrMapOvr>
-    <a:masterClrMapping/>
-  </p:clrMapOvr>
-</p:sld>
-</file>
-
-<file path=ppt/slides/slide24.xml><?xml version="1.0" encoding="utf-8"?>
-<p:sld xmlns:a="http://schemas.openxmlformats.org/drawingml/2006/main" xmlns:r="http://schemas.openxmlformats.org/officeDocument/2006/relationships" xmlns:p="http://schemas.openxmlformats.org/presentationml/2006/main">
-  <p:cSld>
-    <p:spTree>
-      <p:nvGrpSpPr>
-        <p:cNvPr id="1" name=""/>
-        <p:cNvGrpSpPr/>
-        <p:nvPr/>
-      </p:nvGrpSpPr>
-      <p:grpSpPr>
-        <a:xfrm>
-          <a:off x="0" y="0"/>
-          <a:ext cx="0" cy="0"/>
-          <a:chOff x="0" y="0"/>
-          <a:chExt cx="0" cy="0"/>
-        </a:xfrm>
-      </p:grpSpPr>
-      <p:sp>
-        <p:nvSpPr>
-          <p:cNvPr id="2" name="Title 1"/>
-          <p:cNvSpPr>
-            <a:spLocks noGrp="1"/>
-          </p:cNvSpPr>
-          <p:nvPr>
-            <p:ph type="title"/>
-          </p:nvPr>
-        </p:nvSpPr>
-        <p:spPr>
-          <a:solidFill>
-            <a:srgbClr val="000000"/>
-          </a:solidFill>
-          <a:ln>
-            <a:solidFill>
-              <a:schemeClr val="accent1"/>
-            </a:solidFill>
-          </a:ln>
-        </p:spPr>
-        <p:txBody>
-          <a:bodyPr/>
-          <a:lstStyle/>
-          <a:p>
-            <a:r>
               <a:rPr lang="en-US" dirty="0" smtClean="0"/>
-              <a:t>Acknowledgements</a:t>
-            </a:r>
-            <a:endParaRPr lang="en-CA" dirty="0"/>
-          </a:p>
-        </p:txBody>
-      </p:sp>
-      <p:sp>
-        <p:nvSpPr>
-          <p:cNvPr id="3" name="Content Placeholder 2"/>
-          <p:cNvSpPr>
-            <a:spLocks noGrp="1"/>
-          </p:cNvSpPr>
-          <p:nvPr>
-            <p:ph idx="1"/>
-          </p:nvPr>
-        </p:nvSpPr>
-        <p:spPr>
-          <a:solidFill>
-            <a:srgbClr val="000000"/>
-          </a:solidFill>
-          <a:ln>
-            <a:solidFill>
-              <a:schemeClr val="accent1"/>
-            </a:solidFill>
-          </a:ln>
-        </p:spPr>
-        <p:txBody>
-          <a:bodyPr/>
-          <a:lstStyle/>
-          <a:p>
-            <a:pPr>
-              <a:buNone/>
-            </a:pPr>
-            <a:r>
-              <a:rPr lang="en-CA" dirty="0" smtClean="0"/>
-              <a:t>Thanks to the following:</a:t>
-            </a:r>
-          </a:p>
-          <a:p>
-            <a:pPr lvl="1"/>
-            <a:r>
-              <a:rPr lang="en-CA" dirty="0" smtClean="0"/>
-              <a:t>Customers: Sasha and Nan</a:t>
-            </a:r>
-          </a:p>
-          <a:p>
-            <a:pPr lvl="1"/>
-            <a:r>
-              <a:rPr lang="en-CA" dirty="0" err="1" smtClean="0"/>
-              <a:t>Youry</a:t>
-            </a:r>
-            <a:r>
-              <a:rPr lang="en-CA" dirty="0" smtClean="0"/>
-              <a:t> </a:t>
-            </a:r>
-            <a:r>
-              <a:rPr lang="en-CA" dirty="0" err="1" smtClean="0"/>
-              <a:t>Khmelevsky</a:t>
-            </a:r>
-            <a:endParaRPr lang="en-CA" dirty="0" smtClean="0"/>
-          </a:p>
-          <a:p>
-            <a:pPr lvl="1"/>
-            <a:r>
-              <a:rPr lang="en-CA" dirty="0" smtClean="0"/>
-              <a:t>Dave </a:t>
-            </a:r>
-            <a:r>
-              <a:rPr lang="en-CA" dirty="0" err="1" smtClean="0"/>
-              <a:t>Goodall</a:t>
-            </a:r>
-            <a:endParaRPr lang="en-CA" dirty="0" smtClean="0"/>
-          </a:p>
-          <a:p>
-            <a:pPr lvl="1"/>
-            <a:r>
-              <a:rPr lang="en-CA" dirty="0" smtClean="0"/>
-              <a:t>Nokia</a:t>
-            </a:r>
-          </a:p>
-          <a:p>
-            <a:pPr lvl="1"/>
-            <a:r>
-              <a:rPr lang="en-CA" dirty="0" smtClean="0"/>
-              <a:t>Canon</a:t>
+              <a:t>Are there any questions</a:t>
+            </a:r>
+          </a:p>
+          <a:p>
+            <a:r>
+              <a:rPr lang="en-US" dirty="0" smtClean="0"/>
+              <a:t>?</a:t>
             </a:r>
             <a:endParaRPr lang="en-CA" dirty="0"/>
           </a:p>
@@ -8181,11 +8721,7 @@
           <a:p>
             <a:r>
               <a:rPr lang="en-US" dirty="0" smtClean="0"/>
-              <a:t>Why is it </a:t>
-            </a:r>
-            <a:r>
-              <a:rPr lang="en-US" dirty="0" smtClean="0"/>
-              <a:t>Unique?</a:t>
+              <a:t>Requirements</a:t>
             </a:r>
             <a:endParaRPr lang="en-CA" dirty="0"/>
           </a:p>
@@ -8212,31 +8748,54 @@
           </a:ln>
         </p:spPr>
         <p:txBody>
-          <a:bodyPr>
-            <a:normAutofit/>
-          </a:bodyPr>
-          <a:lstStyle/>
-          <a:p>
-            <a:r>
-              <a:rPr lang="en-CA" dirty="0" smtClean="0"/>
-              <a:t>Others do not have scheduling</a:t>
-            </a:r>
-          </a:p>
-          <a:p>
-            <a:r>
-              <a:rPr lang="en-CA" dirty="0" smtClean="0"/>
-              <a:t>Few are web systems</a:t>
-            </a:r>
-          </a:p>
-          <a:p>
-            <a:r>
-              <a:rPr lang="en-CA" dirty="0" smtClean="0"/>
-              <a:t>Few have mobile device functionality</a:t>
-            </a:r>
-            <a:endParaRPr lang="en-US" dirty="0" smtClean="0"/>
-          </a:p>
-          <a:p>
-            <a:pPr lvl="1"/>
+          <a:bodyPr/>
+          <a:lstStyle/>
+          <a:p>
+            <a:r>
+              <a:rPr lang="en-US" b="1" dirty="0" smtClean="0"/>
+              <a:t>Store scheduling and positioning information</a:t>
+            </a:r>
+          </a:p>
+          <a:p>
+            <a:r>
+              <a:rPr lang="en-US" b="1" dirty="0" smtClean="0"/>
+              <a:t>Position Telescope automatically</a:t>
+            </a:r>
+          </a:p>
+          <a:p>
+            <a:r>
+              <a:rPr lang="en-US" b="1" dirty="0" smtClean="0"/>
+              <a:t>Capture images automatically</a:t>
+            </a:r>
+          </a:p>
+          <a:p>
+            <a:r>
+              <a:rPr lang="en-US" dirty="0" smtClean="0"/>
+              <a:t>Mobile device connectivity</a:t>
+            </a:r>
+          </a:p>
+          <a:p>
+            <a:r>
+              <a:rPr lang="en-US" dirty="0" smtClean="0"/>
+              <a:t>Authentication and authorization</a:t>
+            </a:r>
+          </a:p>
+          <a:p>
+            <a:r>
+              <a:rPr lang="en-US" dirty="0" smtClean="0"/>
+              <a:t>Optional SSL</a:t>
+            </a:r>
+          </a:p>
+          <a:p>
+            <a:r>
+              <a:rPr lang="en-US" dirty="0" smtClean="0"/>
+              <a:t>Online help</a:t>
+            </a:r>
+          </a:p>
+          <a:p>
+            <a:pPr>
+              <a:buNone/>
+            </a:pPr>
             <a:endParaRPr lang="en-CA" dirty="0"/>
           </a:p>
         </p:txBody>
@@ -8299,7 +8858,7 @@
           <a:p>
             <a:r>
               <a:rPr lang="en-US" dirty="0" smtClean="0"/>
-              <a:t>Additional Requirements</a:t>
+              <a:t>Hardware</a:t>
             </a:r>
             <a:endParaRPr lang="en-CA" dirty="0"/>
           </a:p>
@@ -8326,36 +8885,83 @@
           </a:ln>
         </p:spPr>
         <p:txBody>
-          <a:bodyPr/>
-          <a:lstStyle/>
-          <a:p>
-            <a:r>
-              <a:rPr lang="en-US" dirty="0" smtClean="0"/>
-              <a:t>Mobile device connectivity</a:t>
-            </a:r>
-          </a:p>
-          <a:p>
-            <a:r>
-              <a:rPr lang="en-US" dirty="0" smtClean="0"/>
-              <a:t>Authentication and authorization</a:t>
-            </a:r>
-          </a:p>
-          <a:p>
-            <a:r>
-              <a:rPr lang="en-US" dirty="0" smtClean="0"/>
-              <a:t>Optional SSL</a:t>
-            </a:r>
-          </a:p>
-          <a:p>
-            <a:r>
-              <a:rPr lang="en-US" dirty="0" smtClean="0"/>
-              <a:t>Online help</a:t>
-            </a:r>
-          </a:p>
+          <a:bodyPr>
+            <a:normAutofit fontScale="92500" lnSpcReduction="20000"/>
+          </a:bodyPr>
+          <a:lstStyle/>
           <a:p>
             <a:pPr>
               <a:buNone/>
             </a:pPr>
+            <a:r>
+              <a:rPr lang="en-US" b="1" dirty="0" smtClean="0"/>
+              <a:t>Telescope</a:t>
+            </a:r>
+          </a:p>
+          <a:p>
+            <a:r>
+              <a:rPr lang="en-US" dirty="0" smtClean="0"/>
+              <a:t>Meade ETX-60AT-TC (local testing)</a:t>
+            </a:r>
+          </a:p>
+          <a:p>
+            <a:r>
+              <a:rPr lang="en-US" dirty="0" smtClean="0"/>
+              <a:t>Meade LX200 (customer’s telescope)</a:t>
+            </a:r>
+            <a:endParaRPr lang="en-CA" dirty="0" smtClean="0"/>
+          </a:p>
+          <a:p>
+            <a:pPr>
+              <a:buNone/>
+            </a:pPr>
+            <a:r>
+              <a:rPr lang="en-US" b="1" dirty="0" smtClean="0"/>
+              <a:t>Digital camera</a:t>
+            </a:r>
+          </a:p>
+          <a:p>
+            <a:r>
+              <a:rPr lang="en-US" dirty="0" smtClean="0"/>
+              <a:t>Canon 30D (local testing)</a:t>
+            </a:r>
+          </a:p>
+          <a:p>
+            <a:r>
+              <a:rPr lang="en-US" dirty="0" smtClean="0"/>
+              <a:t>Sony A900 DSLR (customer’s camera)</a:t>
+            </a:r>
+          </a:p>
+          <a:p>
+            <a:pPr>
+              <a:buNone/>
+            </a:pPr>
+            <a:r>
+              <a:rPr lang="en-US" b="1" dirty="0" smtClean="0"/>
+              <a:t>Mobile device</a:t>
+            </a:r>
+          </a:p>
+          <a:p>
+            <a:r>
+              <a:rPr lang="en-US" dirty="0" smtClean="0"/>
+              <a:t>Nokia N97</a:t>
+            </a:r>
+          </a:p>
+          <a:p>
+            <a:r>
+              <a:rPr lang="en-US" dirty="0" smtClean="0"/>
+              <a:t>Apple </a:t>
+            </a:r>
+            <a:r>
+              <a:rPr lang="en-US" dirty="0" err="1" smtClean="0"/>
+              <a:t>iPhone</a:t>
+            </a:r>
+            <a:endParaRPr lang="en-US" dirty="0" smtClean="0"/>
+          </a:p>
+          <a:p>
+            <a:endParaRPr lang="en-US" dirty="0" smtClean="0"/>
+          </a:p>
+          <a:p>
             <a:endParaRPr lang="en-CA" dirty="0"/>
           </a:p>
         </p:txBody>
@@ -8394,6 +9000,195 @@
       </p:grpSpPr>
       <p:sp>
         <p:nvSpPr>
+          <p:cNvPr id="3" name="Content Placeholder 2"/>
+          <p:cNvSpPr>
+            <a:spLocks noGrp="1"/>
+          </p:cNvSpPr>
+          <p:nvPr>
+            <p:ph idx="1"/>
+          </p:nvPr>
+        </p:nvSpPr>
+        <p:spPr>
+          <a:xfrm>
+            <a:off x="457200" y="1600200"/>
+            <a:ext cx="8229600" cy="5114948"/>
+          </a:xfrm>
+          <a:solidFill>
+            <a:srgbClr val="000000"/>
+          </a:solidFill>
+          <a:ln w="12700"/>
+        </p:spPr>
+        <p:style>
+          <a:lnRef idx="2">
+            <a:schemeClr val="accent1"/>
+          </a:lnRef>
+          <a:fillRef idx="1">
+            <a:schemeClr val="lt1"/>
+          </a:fillRef>
+          <a:effectRef idx="0">
+            <a:schemeClr val="accent1"/>
+          </a:effectRef>
+          <a:fontRef idx="minor">
+            <a:schemeClr val="dk1"/>
+          </a:fontRef>
+        </p:style>
+        <p:txBody>
+          <a:bodyPr>
+            <a:normAutofit/>
+          </a:bodyPr>
+          <a:lstStyle/>
+          <a:p>
+            <a:pPr>
+              <a:buNone/>
+            </a:pPr>
+            <a:r>
+              <a:rPr lang="en-CA" b="1" dirty="0" smtClean="0"/>
+              <a:t>Starry Night Pro 6.3 Astronomy Software</a:t>
+            </a:r>
+          </a:p>
+          <a:p>
+            <a:pPr lvl="1">
+              <a:buNone/>
+            </a:pPr>
+            <a:r>
+              <a:rPr lang="en-CA" dirty="0" smtClean="0"/>
+              <a:t>$150</a:t>
+            </a:r>
+          </a:p>
+          <a:p>
+            <a:pPr lvl="1">
+              <a:buNone/>
+            </a:pPr>
+            <a:r>
+              <a:rPr lang="en-CA" dirty="0" smtClean="0"/>
+              <a:t>No camera support</a:t>
+            </a:r>
+          </a:p>
+          <a:p>
+            <a:pPr lvl="1">
+              <a:buNone/>
+            </a:pPr>
+            <a:r>
+              <a:rPr lang="en-US" dirty="0" smtClean="0"/>
+              <a:t>Supports many telescopes</a:t>
+            </a:r>
+          </a:p>
+          <a:p>
+            <a:pPr>
+              <a:buNone/>
+            </a:pPr>
+            <a:r>
+              <a:rPr lang="en-CA" b="1" dirty="0" smtClean="0"/>
+              <a:t>TheSky6 Professional Edition</a:t>
+            </a:r>
+          </a:p>
+          <a:p>
+            <a:pPr lvl="1">
+              <a:buNone/>
+            </a:pPr>
+            <a:r>
+              <a:rPr lang="en-CA" dirty="0" smtClean="0"/>
+              <a:t>$280</a:t>
+            </a:r>
+          </a:p>
+          <a:p>
+            <a:pPr lvl="1">
+              <a:buNone/>
+            </a:pPr>
+            <a:r>
+              <a:rPr lang="en-CA" dirty="0" smtClean="0"/>
+              <a:t>limited camera support(for $100 more)</a:t>
+            </a:r>
+          </a:p>
+          <a:p>
+            <a:pPr lvl="1">
+              <a:buNone/>
+            </a:pPr>
+            <a:r>
+              <a:rPr lang="en-US" dirty="0" smtClean="0"/>
+              <a:t>Supports many telescopes</a:t>
+            </a:r>
+          </a:p>
+          <a:p>
+            <a:pPr>
+              <a:buNone/>
+            </a:pPr>
+            <a:r>
+              <a:rPr lang="en-US" dirty="0" smtClean="0"/>
+              <a:t>Current Options don’t meet our requirements</a:t>
+            </a:r>
+          </a:p>
+        </p:txBody>
+      </p:sp>
+      <p:sp>
+        <p:nvSpPr>
+          <p:cNvPr id="2" name="Title 1"/>
+          <p:cNvSpPr>
+            <a:spLocks noGrp="1"/>
+          </p:cNvSpPr>
+          <p:nvPr>
+            <p:ph type="title"/>
+          </p:nvPr>
+        </p:nvSpPr>
+        <p:spPr>
+          <a:solidFill>
+            <a:srgbClr val="000000"/>
+          </a:solidFill>
+          <a:ln w="12700"/>
+        </p:spPr>
+        <p:style>
+          <a:lnRef idx="2">
+            <a:schemeClr val="accent1"/>
+          </a:lnRef>
+          <a:fillRef idx="1">
+            <a:schemeClr val="lt1"/>
+          </a:fillRef>
+          <a:effectRef idx="0">
+            <a:schemeClr val="accent1"/>
+          </a:effectRef>
+          <a:fontRef idx="minor">
+            <a:schemeClr val="dk1"/>
+          </a:fontRef>
+        </p:style>
+        <p:txBody>
+          <a:bodyPr/>
+          <a:lstStyle/>
+          <a:p>
+            <a:r>
+              <a:rPr lang="en-US" dirty="0" smtClean="0"/>
+              <a:t>Current Options</a:t>
+            </a:r>
+            <a:endParaRPr lang="en-CA" dirty="0"/>
+          </a:p>
+        </p:txBody>
+      </p:sp>
+    </p:spTree>
+  </p:cSld>
+  <p:clrMapOvr>
+    <a:masterClrMapping/>
+  </p:clrMapOvr>
+</p:sld>
+</file>
+
+<file path=ppt/slides/slide6.xml><?xml version="1.0" encoding="utf-8"?>
+<p:sld xmlns:a="http://schemas.openxmlformats.org/drawingml/2006/main" xmlns:r="http://schemas.openxmlformats.org/officeDocument/2006/relationships" xmlns:p="http://schemas.openxmlformats.org/presentationml/2006/main">
+  <p:cSld>
+    <p:spTree>
+      <p:nvGrpSpPr>
+        <p:cNvPr id="1" name=""/>
+        <p:cNvGrpSpPr/>
+        <p:nvPr/>
+      </p:nvGrpSpPr>
+      <p:grpSpPr>
+        <a:xfrm>
+          <a:off x="0" y="0"/>
+          <a:ext cx="0" cy="0"/>
+          <a:chOff x="0" y="0"/>
+          <a:chExt cx="0" cy="0"/>
+        </a:xfrm>
+      </p:grpSpPr>
+      <p:sp>
+        <p:nvSpPr>
           <p:cNvPr id="2" name="Title 1"/>
           <p:cNvSpPr>
             <a:spLocks noGrp="1"/>
@@ -8418,7 +9213,7 @@
           <a:p>
             <a:r>
               <a:rPr lang="en-US" dirty="0" smtClean="0"/>
-              <a:t>Customers</a:t>
+              <a:t>Our Solution</a:t>
             </a:r>
             <a:endParaRPr lang="en-CA" dirty="0"/>
           </a:p>
@@ -8446,31 +9241,40 @@
         </p:spPr>
         <p:txBody>
           <a:bodyPr>
-            <a:normAutofit/>
+            <a:normAutofit fontScale="92500" lnSpcReduction="20000"/>
           </a:bodyPr>
           <a:lstStyle/>
           <a:p>
             <a:r>
+              <a:rPr lang="en-CA" dirty="0" smtClean="0"/>
+              <a:t>Create a web interface to allow users to create schedules for the position of the telescope and associated options.</a:t>
+            </a:r>
+          </a:p>
+          <a:p>
+            <a:r>
               <a:rPr lang="en-US" dirty="0" smtClean="0"/>
-              <a:t>Astronomy is a hobby of theirs</a:t>
-            </a:r>
-            <a:endParaRPr lang="en-US" dirty="0"/>
+              <a:t>The web interface will require a login process to access.</a:t>
+            </a:r>
+            <a:endParaRPr lang="en-CA" dirty="0"/>
           </a:p>
           <a:p>
             <a:r>
               <a:rPr lang="en-US" dirty="0" smtClean="0"/>
-              <a:t>Currently use a manual process</a:t>
-            </a:r>
-          </a:p>
-          <a:p>
-            <a:r>
-              <a:rPr lang="en-CA" dirty="0" smtClean="0"/>
-              <a:t>Had good initial communication</a:t>
-            </a:r>
-            <a:endParaRPr lang="en-US" dirty="0" smtClean="0"/>
-          </a:p>
-          <a:p>
-            <a:endParaRPr lang="en-CA" dirty="0"/>
+              <a:t>Store schedules in a database.</a:t>
+            </a:r>
+          </a:p>
+          <a:p>
+            <a:r>
+              <a:rPr lang="en-US" dirty="0" smtClean="0"/>
+              <a:t>Write a program to communicate with available hardware drivers for the telescope and camera.</a:t>
+            </a:r>
+          </a:p>
+          <a:p>
+            <a:r>
+              <a:rPr lang="en-US" dirty="0" smtClean="0"/>
+              <a:t>The database will run the hardware control application at the scheduled time.</a:t>
+            </a:r>
+            <a:endParaRPr lang="en-CA" dirty="0" smtClean="0"/>
           </a:p>
         </p:txBody>
       </p:sp>
@@ -8489,7 +9293,129 @@
 </p:sld>
 </file>
 
-<file path=ppt/slides/slide6.xml><?xml version="1.0" encoding="utf-8"?>
+<file path=ppt/slides/slide7.xml><?xml version="1.0" encoding="utf-8"?>
+<p:sld xmlns:a="http://schemas.openxmlformats.org/drawingml/2006/main" xmlns:r="http://schemas.openxmlformats.org/officeDocument/2006/relationships" xmlns:p="http://schemas.openxmlformats.org/presentationml/2006/main">
+  <p:cSld>
+    <p:spTree>
+      <p:nvGrpSpPr>
+        <p:cNvPr id="1" name=""/>
+        <p:cNvGrpSpPr/>
+        <p:nvPr/>
+      </p:nvGrpSpPr>
+      <p:grpSpPr>
+        <a:xfrm>
+          <a:off x="0" y="0"/>
+          <a:ext cx="0" cy="0"/>
+          <a:chOff x="0" y="0"/>
+          <a:chExt cx="0" cy="0"/>
+        </a:xfrm>
+      </p:grpSpPr>
+      <p:sp>
+        <p:nvSpPr>
+          <p:cNvPr id="2" name="Title 1"/>
+          <p:cNvSpPr>
+            <a:spLocks noGrp="1"/>
+          </p:cNvSpPr>
+          <p:nvPr>
+            <p:ph type="title"/>
+          </p:nvPr>
+        </p:nvSpPr>
+        <p:spPr>
+          <a:solidFill>
+            <a:srgbClr val="000000"/>
+          </a:solidFill>
+          <a:ln>
+            <a:solidFill>
+              <a:schemeClr val="accent1"/>
+            </a:solidFill>
+          </a:ln>
+        </p:spPr>
+        <p:txBody>
+          <a:bodyPr/>
+          <a:lstStyle/>
+          <a:p>
+            <a:r>
+              <a:rPr lang="en-US" dirty="0" smtClean="0"/>
+              <a:t>Why is it Unique?</a:t>
+            </a:r>
+            <a:endParaRPr lang="en-CA" dirty="0"/>
+          </a:p>
+        </p:txBody>
+      </p:sp>
+      <p:sp>
+        <p:nvSpPr>
+          <p:cNvPr id="3" name="Content Placeholder 2"/>
+          <p:cNvSpPr>
+            <a:spLocks noGrp="1"/>
+          </p:cNvSpPr>
+          <p:nvPr>
+            <p:ph idx="1"/>
+          </p:nvPr>
+        </p:nvSpPr>
+        <p:spPr>
+          <a:solidFill>
+            <a:srgbClr val="000000"/>
+          </a:solidFill>
+          <a:ln>
+            <a:solidFill>
+              <a:schemeClr val="accent1"/>
+            </a:solidFill>
+          </a:ln>
+        </p:spPr>
+        <p:txBody>
+          <a:bodyPr>
+            <a:normAutofit/>
+          </a:bodyPr>
+          <a:lstStyle/>
+          <a:p>
+            <a:r>
+              <a:rPr lang="en-CA" dirty="0" smtClean="0"/>
+              <a:t>We allow for scheduling</a:t>
+            </a:r>
+          </a:p>
+          <a:p>
+            <a:r>
+              <a:rPr lang="en-CA" dirty="0" smtClean="0"/>
+              <a:t>Users can access our solution from any computer with an internet connection</a:t>
+            </a:r>
+          </a:p>
+          <a:p>
+            <a:r>
+              <a:rPr lang="en-CA" dirty="0" smtClean="0"/>
+              <a:t>We offer mobile device functionality</a:t>
+            </a:r>
+          </a:p>
+          <a:p>
+            <a:r>
+              <a:rPr lang="en-US" dirty="0" smtClean="0"/>
+              <a:t>We automate both the telescope and the camera</a:t>
+            </a:r>
+            <a:endParaRPr lang="en-CA" dirty="0" smtClean="0"/>
+          </a:p>
+          <a:p>
+            <a:r>
+              <a:rPr lang="en-US" dirty="0" smtClean="0"/>
+              <a:t>Our code is open source</a:t>
+            </a:r>
+          </a:p>
+        </p:txBody>
+      </p:sp>
+    </p:spTree>
+  </p:cSld>
+  <p:clrMapOvr>
+    <a:masterClrMapping/>
+  </p:clrMapOvr>
+  <p:timing>
+    <p:tnLst>
+      <p:par>
+        <p:cTn id="1" dur="indefinite" restart="never" nodeType="tmRoot"/>
+      </p:par>
+    </p:tnLst>
+  </p:timing>
+</p:sld>
+</file>
+
+<file path=ppt/slides/slide8.xml><?xml version="1.0" encoding="utf-8"?>
 <p:sld xmlns:a="http://schemas.openxmlformats.org/drawingml/2006/main" xmlns:r="http://schemas.openxmlformats.org/officeDocument/2006/relationships" xmlns:p="http://schemas.openxmlformats.org/presentationml/2006/main">
   <p:cSld>
     <p:spTree>
@@ -8594,1025 +9520,6 @@
 </p:sld>
 </file>
 
-<file path=ppt/slides/slide7.xml><?xml version="1.0" encoding="utf-8"?>
-<p:sld xmlns:a="http://schemas.openxmlformats.org/drawingml/2006/main" xmlns:r="http://schemas.openxmlformats.org/officeDocument/2006/relationships" xmlns:p="http://schemas.openxmlformats.org/presentationml/2006/main">
-  <p:cSld>
-    <p:spTree>
-      <p:nvGrpSpPr>
-        <p:cNvPr id="1" name=""/>
-        <p:cNvGrpSpPr/>
-        <p:nvPr/>
-      </p:nvGrpSpPr>
-      <p:grpSpPr>
-        <a:xfrm>
-          <a:off x="0" y="0"/>
-          <a:ext cx="0" cy="0"/>
-          <a:chOff x="0" y="0"/>
-          <a:chExt cx="0" cy="0"/>
-        </a:xfrm>
-      </p:grpSpPr>
-      <p:sp>
-        <p:nvSpPr>
-          <p:cNvPr id="2" name="Title 1"/>
-          <p:cNvSpPr>
-            <a:spLocks noGrp="1"/>
-          </p:cNvSpPr>
-          <p:nvPr>
-            <p:ph type="title"/>
-          </p:nvPr>
-        </p:nvSpPr>
-        <p:spPr>
-          <a:solidFill>
-            <a:srgbClr val="000000"/>
-          </a:solidFill>
-          <a:ln>
-            <a:solidFill>
-              <a:schemeClr val="accent1"/>
-            </a:solidFill>
-          </a:ln>
-        </p:spPr>
-        <p:txBody>
-          <a:bodyPr/>
-          <a:lstStyle/>
-          <a:p>
-            <a:r>
-              <a:rPr lang="en-US" dirty="0" smtClean="0"/>
-              <a:t>Risk Management</a:t>
-            </a:r>
-            <a:endParaRPr lang="en-CA" dirty="0"/>
-          </a:p>
-        </p:txBody>
-      </p:sp>
-      <p:graphicFrame>
-        <p:nvGraphicFramePr>
-          <p:cNvPr id="4" name="Content Placeholder 3"/>
-          <p:cNvGraphicFramePr>
-            <a:graphicFrameLocks noGrp="1"/>
-          </p:cNvGraphicFramePr>
-          <p:nvPr>
-            <p:ph idx="1"/>
-          </p:nvPr>
-        </p:nvGraphicFramePr>
-        <p:xfrm>
-          <a:off x="571472" y="1785926"/>
-          <a:ext cx="7972452" cy="4228469"/>
-        </p:xfrm>
-        <a:graphic>
-          <a:graphicData uri="http://schemas.openxmlformats.org/drawingml/2006/table">
-            <a:tbl>
-              <a:tblPr bandRow="1">
-                <a:tableStyleId>{125E5076-3810-47DD-B79F-674D7AD40C01}</a:tableStyleId>
-              </a:tblPr>
-              <a:tblGrid>
-                <a:gridCol w="1993113"/>
-                <a:gridCol w="1993113"/>
-                <a:gridCol w="1993113"/>
-                <a:gridCol w="1993113"/>
-              </a:tblGrid>
-              <a:tr h="198246">
-                <a:tc>
-                  <a:txBody>
-                    <a:bodyPr/>
-                    <a:lstStyle/>
-                    <a:p>
-                      <a:pPr marL="0" marR="0" algn="ctr">
-                        <a:lnSpc>
-                          <a:spcPct val="115000"/>
-                        </a:lnSpc>
-                        <a:spcBef>
-                          <a:spcPts val="0"/>
-                        </a:spcBef>
-                        <a:spcAft>
-                          <a:spcPts val="0"/>
-                        </a:spcAft>
-                      </a:pPr>
-                      <a:r>
-                        <a:rPr lang="en-US" sz="1200" dirty="0"/>
-                        <a:t>Risk</a:t>
-                      </a:r>
-                      <a:endParaRPr lang="en-US" sz="1100" dirty="0">
-                        <a:latin typeface="Calibri"/>
-                        <a:ea typeface="Times New Roman"/>
-                        <a:cs typeface="Times New Roman"/>
-                      </a:endParaRPr>
-                    </a:p>
-                  </a:txBody>
-                  <a:tcPr marL="68580" marR="68580" marT="0" marB="0" anchor="ctr"/>
-                </a:tc>
-                <a:tc>
-                  <a:txBody>
-                    <a:bodyPr/>
-                    <a:lstStyle/>
-                    <a:p>
-                      <a:pPr marL="0" marR="0" algn="ctr">
-                        <a:lnSpc>
-                          <a:spcPct val="115000"/>
-                        </a:lnSpc>
-                        <a:spcBef>
-                          <a:spcPts val="0"/>
-                        </a:spcBef>
-                        <a:spcAft>
-                          <a:spcPts val="0"/>
-                        </a:spcAft>
-                      </a:pPr>
-                      <a:r>
-                        <a:rPr lang="en-US" sz="1200"/>
-                        <a:t>Probability</a:t>
-                      </a:r>
-                      <a:endParaRPr lang="en-US" sz="1100">
-                        <a:latin typeface="Calibri"/>
-                        <a:ea typeface="Times New Roman"/>
-                        <a:cs typeface="Times New Roman"/>
-                      </a:endParaRPr>
-                    </a:p>
-                  </a:txBody>
-                  <a:tcPr marL="68580" marR="68580" marT="0" marB="0" anchor="ctr"/>
-                </a:tc>
-                <a:tc>
-                  <a:txBody>
-                    <a:bodyPr/>
-                    <a:lstStyle/>
-                    <a:p>
-                      <a:pPr marL="0" marR="0" algn="ctr">
-                        <a:lnSpc>
-                          <a:spcPct val="115000"/>
-                        </a:lnSpc>
-                        <a:spcBef>
-                          <a:spcPts val="0"/>
-                        </a:spcBef>
-                        <a:spcAft>
-                          <a:spcPts val="0"/>
-                        </a:spcAft>
-                      </a:pPr>
-                      <a:r>
-                        <a:rPr lang="en-US" sz="1200"/>
-                        <a:t>Effect</a:t>
-                      </a:r>
-                      <a:endParaRPr lang="en-US" sz="1100">
-                        <a:latin typeface="Calibri"/>
-                        <a:ea typeface="Times New Roman"/>
-                        <a:cs typeface="Times New Roman"/>
-                      </a:endParaRPr>
-                    </a:p>
-                  </a:txBody>
-                  <a:tcPr marL="68580" marR="68580" marT="0" marB="0" anchor="ctr"/>
-                </a:tc>
-                <a:tc>
-                  <a:txBody>
-                    <a:bodyPr/>
-                    <a:lstStyle/>
-                    <a:p>
-                      <a:pPr marL="0" marR="0" algn="ctr">
-                        <a:lnSpc>
-                          <a:spcPct val="115000"/>
-                        </a:lnSpc>
-                        <a:spcBef>
-                          <a:spcPts val="0"/>
-                        </a:spcBef>
-                        <a:spcAft>
-                          <a:spcPts val="0"/>
-                        </a:spcAft>
-                      </a:pPr>
-                      <a:r>
-                        <a:rPr lang="en-US" sz="1200" dirty="0"/>
-                        <a:t> Solution</a:t>
-                      </a:r>
-                      <a:endParaRPr lang="en-US" sz="1100" dirty="0">
-                        <a:latin typeface="Calibri"/>
-                        <a:ea typeface="Times New Roman"/>
-                        <a:cs typeface="Times New Roman"/>
-                      </a:endParaRPr>
-                    </a:p>
-                  </a:txBody>
-                  <a:tcPr marL="68580" marR="68580" marT="0" marB="0" anchor="ctr"/>
-                </a:tc>
-              </a:tr>
-              <a:tr h="380851">
-                <a:tc>
-                  <a:txBody>
-                    <a:bodyPr/>
-                    <a:lstStyle/>
-                    <a:p>
-                      <a:pPr marL="0" marR="0">
-                        <a:lnSpc>
-                          <a:spcPct val="115000"/>
-                        </a:lnSpc>
-                        <a:spcBef>
-                          <a:spcPts val="0"/>
-                        </a:spcBef>
-                        <a:spcAft>
-                          <a:spcPts val="0"/>
-                        </a:spcAft>
-                      </a:pPr>
-                      <a:r>
-                        <a:rPr lang="en-US" sz="1200"/>
-                        <a:t>Underestimate the time the project will take.</a:t>
-                      </a:r>
-                      <a:endParaRPr lang="en-US" sz="1100">
-                        <a:latin typeface="Calibri"/>
-                        <a:ea typeface="Times New Roman"/>
-                        <a:cs typeface="Times New Roman"/>
-                      </a:endParaRPr>
-                    </a:p>
-                  </a:txBody>
-                  <a:tcPr marL="68580" marR="68580" marT="0" marB="0" anchor="ctr"/>
-                </a:tc>
-                <a:tc>
-                  <a:txBody>
-                    <a:bodyPr/>
-                    <a:lstStyle/>
-                    <a:p>
-                      <a:pPr marL="0" marR="0">
-                        <a:lnSpc>
-                          <a:spcPct val="115000"/>
-                        </a:lnSpc>
-                        <a:spcBef>
-                          <a:spcPts val="0"/>
-                        </a:spcBef>
-                        <a:spcAft>
-                          <a:spcPts val="0"/>
-                        </a:spcAft>
-                      </a:pPr>
-                      <a:r>
-                        <a:rPr lang="en-US" sz="1200"/>
-                        <a:t>Medium to high.</a:t>
-                      </a:r>
-                      <a:endParaRPr lang="en-US" sz="1100">
-                        <a:latin typeface="Calibri"/>
-                        <a:ea typeface="Times New Roman"/>
-                        <a:cs typeface="Times New Roman"/>
-                      </a:endParaRPr>
-                    </a:p>
-                  </a:txBody>
-                  <a:tcPr marL="68580" marR="68580" marT="0" marB="0" anchor="ctr"/>
-                </a:tc>
-                <a:tc>
-                  <a:txBody>
-                    <a:bodyPr/>
-                    <a:lstStyle/>
-                    <a:p>
-                      <a:pPr marL="0" marR="0">
-                        <a:lnSpc>
-                          <a:spcPct val="115000"/>
-                        </a:lnSpc>
-                        <a:spcBef>
-                          <a:spcPts val="0"/>
-                        </a:spcBef>
-                        <a:spcAft>
-                          <a:spcPts val="0"/>
-                        </a:spcAft>
-                      </a:pPr>
-                      <a:r>
-                        <a:rPr lang="en-US" sz="1200"/>
-                        <a:t>Serious – we run out of time.</a:t>
-                      </a:r>
-                      <a:endParaRPr lang="en-US" sz="1100">
-                        <a:latin typeface="Calibri"/>
-                        <a:ea typeface="Times New Roman"/>
-                        <a:cs typeface="Times New Roman"/>
-                      </a:endParaRPr>
-                    </a:p>
-                  </a:txBody>
-                  <a:tcPr marL="68580" marR="68580" marT="0" marB="0" anchor="ctr"/>
-                </a:tc>
-                <a:tc>
-                  <a:txBody>
-                    <a:bodyPr/>
-                    <a:lstStyle/>
-                    <a:p>
-                      <a:pPr marL="0" marR="0">
-                        <a:lnSpc>
-                          <a:spcPct val="115000"/>
-                        </a:lnSpc>
-                        <a:spcBef>
-                          <a:spcPts val="0"/>
-                        </a:spcBef>
-                        <a:spcAft>
-                          <a:spcPts val="0"/>
-                        </a:spcAft>
-                      </a:pPr>
-                      <a:r>
-                        <a:rPr lang="en-US" sz="1200" dirty="0"/>
-                        <a:t>Remove non-essential features.</a:t>
-                      </a:r>
-                      <a:endParaRPr lang="en-US" sz="1100" dirty="0">
-                        <a:latin typeface="Calibri"/>
-                        <a:ea typeface="Times New Roman"/>
-                        <a:cs typeface="Times New Roman"/>
-                      </a:endParaRPr>
-                    </a:p>
-                  </a:txBody>
-                  <a:tcPr marL="68580" marR="68580" marT="0" marB="0" anchor="ctr"/>
-                </a:tc>
-              </a:tr>
-              <a:tr h="577602">
-                <a:tc>
-                  <a:txBody>
-                    <a:bodyPr/>
-                    <a:lstStyle/>
-                    <a:p>
-                      <a:pPr marL="0" marR="0">
-                        <a:lnSpc>
-                          <a:spcPct val="115000"/>
-                        </a:lnSpc>
-                        <a:spcBef>
-                          <a:spcPts val="0"/>
-                        </a:spcBef>
-                        <a:spcAft>
-                          <a:spcPts val="0"/>
-                        </a:spcAft>
-                      </a:pPr>
-                      <a:r>
-                        <a:rPr lang="en-US" sz="1200" dirty="0"/>
-                        <a:t>Scheduling conflicts between team members.</a:t>
-                      </a:r>
-                      <a:endParaRPr lang="en-US" sz="1100" dirty="0">
-                        <a:latin typeface="Calibri"/>
-                        <a:ea typeface="Times New Roman"/>
-                        <a:cs typeface="Times New Roman"/>
-                      </a:endParaRPr>
-                    </a:p>
-                  </a:txBody>
-                  <a:tcPr marL="68580" marR="68580" marT="0" marB="0" anchor="ctr"/>
-                </a:tc>
-                <a:tc>
-                  <a:txBody>
-                    <a:bodyPr/>
-                    <a:lstStyle/>
-                    <a:p>
-                      <a:pPr marL="0" marR="0">
-                        <a:lnSpc>
-                          <a:spcPct val="115000"/>
-                        </a:lnSpc>
-                        <a:spcBef>
-                          <a:spcPts val="0"/>
-                        </a:spcBef>
-                        <a:spcAft>
-                          <a:spcPts val="0"/>
-                        </a:spcAft>
-                      </a:pPr>
-                      <a:r>
-                        <a:rPr lang="en-US" sz="1200"/>
-                        <a:t>Low to medium.</a:t>
-                      </a:r>
-                      <a:endParaRPr lang="en-US" sz="1100">
-                        <a:latin typeface="Calibri"/>
-                        <a:ea typeface="Times New Roman"/>
-                        <a:cs typeface="Times New Roman"/>
-                      </a:endParaRPr>
-                    </a:p>
-                  </a:txBody>
-                  <a:tcPr marL="68580" marR="68580" marT="0" marB="0" anchor="ctr"/>
-                </a:tc>
-                <a:tc>
-                  <a:txBody>
-                    <a:bodyPr/>
-                    <a:lstStyle/>
-                    <a:p>
-                      <a:pPr marL="0" marR="0">
-                        <a:lnSpc>
-                          <a:spcPct val="115000"/>
-                        </a:lnSpc>
-                        <a:spcBef>
-                          <a:spcPts val="0"/>
-                        </a:spcBef>
-                        <a:spcAft>
-                          <a:spcPts val="0"/>
-                        </a:spcAft>
-                      </a:pPr>
-                      <a:r>
-                        <a:rPr lang="en-US" sz="1200"/>
-                        <a:t>Serious – Individual programming is not XP programming.</a:t>
-                      </a:r>
-                      <a:endParaRPr lang="en-US" sz="1100">
-                        <a:latin typeface="Calibri"/>
-                        <a:ea typeface="Times New Roman"/>
-                        <a:cs typeface="Times New Roman"/>
-                      </a:endParaRPr>
-                    </a:p>
-                  </a:txBody>
-                  <a:tcPr marL="68580" marR="68580" marT="0" marB="0" anchor="ctr"/>
-                </a:tc>
-                <a:tc>
-                  <a:txBody>
-                    <a:bodyPr/>
-                    <a:lstStyle/>
-                    <a:p>
-                      <a:pPr marL="0" marR="0">
-                        <a:lnSpc>
-                          <a:spcPct val="115000"/>
-                        </a:lnSpc>
-                        <a:spcBef>
-                          <a:spcPts val="0"/>
-                        </a:spcBef>
-                        <a:spcAft>
-                          <a:spcPts val="0"/>
-                        </a:spcAft>
-                      </a:pPr>
-                      <a:r>
-                        <a:rPr lang="en-US" sz="1200" dirty="0"/>
-                        <a:t>Schedule well before hand.</a:t>
-                      </a:r>
-                      <a:endParaRPr lang="en-US" sz="1100" dirty="0">
-                        <a:latin typeface="Calibri"/>
-                        <a:ea typeface="Times New Roman"/>
-                        <a:cs typeface="Times New Roman"/>
-                      </a:endParaRPr>
-                    </a:p>
-                  </a:txBody>
-                  <a:tcPr marL="68580" marR="68580" marT="0" marB="0" anchor="ctr"/>
-                </a:tc>
-              </a:tr>
-              <a:tr h="380851">
-                <a:tc>
-                  <a:txBody>
-                    <a:bodyPr/>
-                    <a:lstStyle/>
-                    <a:p>
-                      <a:pPr marL="0" marR="0">
-                        <a:lnSpc>
-                          <a:spcPct val="115000"/>
-                        </a:lnSpc>
-                        <a:spcBef>
-                          <a:spcPts val="0"/>
-                        </a:spcBef>
-                        <a:spcAft>
-                          <a:spcPts val="0"/>
-                        </a:spcAft>
-                      </a:pPr>
-                      <a:r>
-                        <a:rPr lang="en-US" sz="1200" dirty="0"/>
-                        <a:t>Server or technical issues.</a:t>
-                      </a:r>
-                      <a:endParaRPr lang="en-US" sz="1100" dirty="0">
-                        <a:latin typeface="Calibri"/>
-                        <a:ea typeface="Times New Roman"/>
-                        <a:cs typeface="Times New Roman"/>
-                      </a:endParaRPr>
-                    </a:p>
-                  </a:txBody>
-                  <a:tcPr marL="68580" marR="68580" marT="0" marB="0" anchor="ctr"/>
-                </a:tc>
-                <a:tc>
-                  <a:txBody>
-                    <a:bodyPr/>
-                    <a:lstStyle/>
-                    <a:p>
-                      <a:pPr marL="0" marR="0">
-                        <a:lnSpc>
-                          <a:spcPct val="115000"/>
-                        </a:lnSpc>
-                        <a:spcBef>
-                          <a:spcPts val="0"/>
-                        </a:spcBef>
-                        <a:spcAft>
-                          <a:spcPts val="0"/>
-                        </a:spcAft>
-                      </a:pPr>
-                      <a:r>
-                        <a:rPr lang="en-US" sz="1200"/>
-                        <a:t>Low to medium.</a:t>
-                      </a:r>
-                      <a:endParaRPr lang="en-US" sz="1100">
-                        <a:latin typeface="Calibri"/>
-                        <a:ea typeface="Times New Roman"/>
-                        <a:cs typeface="Times New Roman"/>
-                      </a:endParaRPr>
-                    </a:p>
-                  </a:txBody>
-                  <a:tcPr marL="68580" marR="68580" marT="0" marB="0" anchor="ctr"/>
-                </a:tc>
-                <a:tc>
-                  <a:txBody>
-                    <a:bodyPr/>
-                    <a:lstStyle/>
-                    <a:p>
-                      <a:pPr marL="0" marR="0">
-                        <a:lnSpc>
-                          <a:spcPct val="115000"/>
-                        </a:lnSpc>
-                        <a:spcBef>
-                          <a:spcPts val="0"/>
-                        </a:spcBef>
-                        <a:spcAft>
-                          <a:spcPts val="0"/>
-                        </a:spcAft>
-                      </a:pPr>
-                      <a:r>
-                        <a:rPr lang="en-US" sz="1200"/>
-                        <a:t>Catastrophic – May lose work.</a:t>
-                      </a:r>
-                      <a:endParaRPr lang="en-US" sz="1100">
-                        <a:latin typeface="Calibri"/>
-                        <a:ea typeface="Times New Roman"/>
-                        <a:cs typeface="Times New Roman"/>
-                      </a:endParaRPr>
-                    </a:p>
-                  </a:txBody>
-                  <a:tcPr marL="68580" marR="68580" marT="0" marB="0" anchor="ctr"/>
-                </a:tc>
-                <a:tc>
-                  <a:txBody>
-                    <a:bodyPr/>
-                    <a:lstStyle/>
-                    <a:p>
-                      <a:pPr marL="0" marR="0">
-                        <a:lnSpc>
-                          <a:spcPct val="115000"/>
-                        </a:lnSpc>
-                        <a:spcBef>
-                          <a:spcPts val="0"/>
-                        </a:spcBef>
-                        <a:spcAft>
-                          <a:spcPts val="0"/>
-                        </a:spcAft>
-                      </a:pPr>
-                      <a:r>
-                        <a:rPr lang="en-US" sz="1200" dirty="0"/>
-                        <a:t>Backup regularly; use a versioning control system.</a:t>
-                      </a:r>
-                      <a:endParaRPr lang="en-US" sz="1100" dirty="0">
-                        <a:latin typeface="Calibri"/>
-                        <a:ea typeface="Times New Roman"/>
-                        <a:cs typeface="Times New Roman"/>
-                      </a:endParaRPr>
-                    </a:p>
-                  </a:txBody>
-                  <a:tcPr marL="68580" marR="68580" marT="0" marB="0" anchor="ctr"/>
-                </a:tc>
-              </a:tr>
-              <a:tr h="577602">
-                <a:tc>
-                  <a:txBody>
-                    <a:bodyPr/>
-                    <a:lstStyle/>
-                    <a:p>
-                      <a:pPr marL="0" marR="0">
-                        <a:lnSpc>
-                          <a:spcPct val="115000"/>
-                        </a:lnSpc>
-                        <a:spcBef>
-                          <a:spcPts val="0"/>
-                        </a:spcBef>
-                        <a:spcAft>
-                          <a:spcPts val="0"/>
-                        </a:spcAft>
-                      </a:pPr>
-                      <a:r>
-                        <a:rPr lang="en-US" sz="1200" dirty="0"/>
-                        <a:t>Lack of time at end of semester</a:t>
-                      </a:r>
-                      <a:endParaRPr lang="en-US" sz="1100" dirty="0">
-                        <a:latin typeface="Calibri"/>
-                        <a:ea typeface="Times New Roman"/>
-                        <a:cs typeface="Times New Roman"/>
-                      </a:endParaRPr>
-                    </a:p>
-                  </a:txBody>
-                  <a:tcPr marL="68580" marR="68580" marT="0" marB="0" anchor="ctr"/>
-                </a:tc>
-                <a:tc>
-                  <a:txBody>
-                    <a:bodyPr/>
-                    <a:lstStyle/>
-                    <a:p>
-                      <a:pPr marL="0" marR="0">
-                        <a:lnSpc>
-                          <a:spcPct val="115000"/>
-                        </a:lnSpc>
-                        <a:spcBef>
-                          <a:spcPts val="0"/>
-                        </a:spcBef>
-                        <a:spcAft>
-                          <a:spcPts val="0"/>
-                        </a:spcAft>
-                      </a:pPr>
-                      <a:r>
-                        <a:rPr lang="en-US" sz="1200" dirty="0"/>
-                        <a:t>High.</a:t>
-                      </a:r>
-                      <a:endParaRPr lang="en-US" sz="1100" dirty="0">
-                        <a:latin typeface="Calibri"/>
-                        <a:ea typeface="Times New Roman"/>
-                        <a:cs typeface="Times New Roman"/>
-                      </a:endParaRPr>
-                    </a:p>
-                  </a:txBody>
-                  <a:tcPr marL="68580" marR="68580" marT="0" marB="0" anchor="ctr"/>
-                </a:tc>
-                <a:tc>
-                  <a:txBody>
-                    <a:bodyPr/>
-                    <a:lstStyle/>
-                    <a:p>
-                      <a:pPr marL="0" marR="0">
-                        <a:lnSpc>
-                          <a:spcPct val="115000"/>
-                        </a:lnSpc>
-                        <a:spcBef>
-                          <a:spcPts val="0"/>
-                        </a:spcBef>
-                        <a:spcAft>
-                          <a:spcPts val="0"/>
-                        </a:spcAft>
-                      </a:pPr>
-                      <a:r>
-                        <a:rPr lang="en-US" sz="1200"/>
-                        <a:t>Tolerable – Reduced ability to work outside of class/lab time.</a:t>
-                      </a:r>
-                      <a:endParaRPr lang="en-US" sz="1100">
-                        <a:latin typeface="Calibri"/>
-                        <a:ea typeface="Times New Roman"/>
-                        <a:cs typeface="Times New Roman"/>
-                      </a:endParaRPr>
-                    </a:p>
-                  </a:txBody>
-                  <a:tcPr marL="68580" marR="68580" marT="0" marB="0" anchor="ctr"/>
-                </a:tc>
-                <a:tc>
-                  <a:txBody>
-                    <a:bodyPr/>
-                    <a:lstStyle/>
-                    <a:p>
-                      <a:pPr marL="0" marR="0">
-                        <a:lnSpc>
-                          <a:spcPct val="115000"/>
-                        </a:lnSpc>
-                        <a:spcBef>
-                          <a:spcPts val="0"/>
-                        </a:spcBef>
-                        <a:spcAft>
-                          <a:spcPts val="0"/>
-                        </a:spcAft>
-                      </a:pPr>
-                      <a:r>
-                        <a:rPr lang="en-US" sz="1200" dirty="0"/>
-                        <a:t>Use class/lab time as productively as possible.</a:t>
-                      </a:r>
-                      <a:endParaRPr lang="en-US" sz="1100" dirty="0">
-                        <a:latin typeface="Calibri"/>
-                        <a:ea typeface="Times New Roman"/>
-                        <a:cs typeface="Times New Roman"/>
-                      </a:endParaRPr>
-                    </a:p>
-                  </a:txBody>
-                  <a:tcPr marL="68580" marR="68580" marT="0" marB="0" anchor="ctr"/>
-                </a:tc>
-              </a:tr>
-              <a:tr h="863477">
-                <a:tc>
-                  <a:txBody>
-                    <a:bodyPr/>
-                    <a:lstStyle/>
-                    <a:p>
-                      <a:pPr marL="0" marR="0">
-                        <a:lnSpc>
-                          <a:spcPct val="115000"/>
-                        </a:lnSpc>
-                        <a:spcBef>
-                          <a:spcPts val="0"/>
-                        </a:spcBef>
-                        <a:spcAft>
-                          <a:spcPts val="0"/>
-                        </a:spcAft>
-                      </a:pPr>
-                      <a:r>
-                        <a:rPr lang="en-US" sz="1200" dirty="0"/>
-                        <a:t>Client unavailable or unresponsive.</a:t>
-                      </a:r>
-                      <a:endParaRPr lang="en-US" sz="1100" dirty="0">
-                        <a:latin typeface="Calibri"/>
-                        <a:ea typeface="Times New Roman"/>
-                        <a:cs typeface="Times New Roman"/>
-                      </a:endParaRPr>
-                    </a:p>
-                  </a:txBody>
-                  <a:tcPr marL="68580" marR="68580" marT="0" marB="0" anchor="ctr"/>
-                </a:tc>
-                <a:tc>
-                  <a:txBody>
-                    <a:bodyPr/>
-                    <a:lstStyle/>
-                    <a:p>
-                      <a:pPr marL="0" marR="0">
-                        <a:lnSpc>
-                          <a:spcPct val="115000"/>
-                        </a:lnSpc>
-                        <a:spcBef>
-                          <a:spcPts val="0"/>
-                        </a:spcBef>
-                        <a:spcAft>
-                          <a:spcPts val="0"/>
-                        </a:spcAft>
-                      </a:pPr>
-                      <a:r>
-                        <a:rPr lang="en-US" sz="1200" dirty="0"/>
-                        <a:t>Medium.</a:t>
-                      </a:r>
-                      <a:endParaRPr lang="en-US" sz="1100" dirty="0">
-                        <a:latin typeface="Calibri"/>
-                        <a:ea typeface="Times New Roman"/>
-                        <a:cs typeface="Times New Roman"/>
-                      </a:endParaRPr>
-                    </a:p>
-                  </a:txBody>
-                  <a:tcPr marL="68580" marR="68580" marT="0" marB="0" anchor="ctr"/>
-                </a:tc>
-                <a:tc>
-                  <a:txBody>
-                    <a:bodyPr/>
-                    <a:lstStyle/>
-                    <a:p>
-                      <a:pPr marL="0" marR="0">
-                        <a:lnSpc>
-                          <a:spcPct val="115000"/>
-                        </a:lnSpc>
-                        <a:spcBef>
-                          <a:spcPts val="0"/>
-                        </a:spcBef>
-                        <a:spcAft>
-                          <a:spcPts val="0"/>
-                        </a:spcAft>
-                      </a:pPr>
-                      <a:r>
-                        <a:rPr lang="en-US" sz="1200" dirty="0"/>
-                        <a:t>Catastrophic – No customer input.</a:t>
-                      </a:r>
-                      <a:endParaRPr lang="en-US" sz="1100" dirty="0">
-                        <a:latin typeface="Calibri"/>
-                        <a:ea typeface="Times New Roman"/>
-                        <a:cs typeface="Times New Roman"/>
-                      </a:endParaRPr>
-                    </a:p>
-                  </a:txBody>
-                  <a:tcPr marL="68580" marR="68580" marT="0" marB="0" anchor="ctr"/>
-                </a:tc>
-                <a:tc>
-                  <a:txBody>
-                    <a:bodyPr/>
-                    <a:lstStyle/>
-                    <a:p>
-                      <a:pPr marL="0" marR="0">
-                        <a:lnSpc>
-                          <a:spcPct val="115000"/>
-                        </a:lnSpc>
-                        <a:spcBef>
-                          <a:spcPts val="0"/>
-                        </a:spcBef>
-                        <a:spcAft>
-                          <a:spcPts val="0"/>
-                        </a:spcAft>
-                      </a:pPr>
-                      <a:r>
-                        <a:rPr lang="en-US" sz="1200" dirty="0"/>
-                        <a:t>Use alternative methods of communication (phone or email). </a:t>
-                      </a:r>
-                      <a:endParaRPr lang="en-US" sz="1100" dirty="0">
-                        <a:latin typeface="Calibri"/>
-                        <a:ea typeface="Times New Roman"/>
-                        <a:cs typeface="Times New Roman"/>
-                      </a:endParaRPr>
-                    </a:p>
-                  </a:txBody>
-                  <a:tcPr marL="68580" marR="68580" marT="0" marB="0" anchor="ctr"/>
-                </a:tc>
-              </a:tr>
-              <a:tr h="863477">
-                <a:tc>
-                  <a:txBody>
-                    <a:bodyPr/>
-                    <a:lstStyle/>
-                    <a:p>
-                      <a:pPr>
-                        <a:lnSpc>
-                          <a:spcPct val="115000"/>
-                        </a:lnSpc>
-                        <a:spcAft>
-                          <a:spcPts val="0"/>
-                        </a:spcAft>
-                      </a:pPr>
-                      <a:r>
-                        <a:rPr lang="en-US" sz="1200" dirty="0"/>
-                        <a:t>Not receiving equipment necessary to complete project.</a:t>
-                      </a:r>
-                      <a:endParaRPr lang="en-US" sz="1100" dirty="0">
-                        <a:latin typeface="Calibri"/>
-                        <a:ea typeface="Times New Roman"/>
-                        <a:cs typeface="Times New Roman"/>
-                      </a:endParaRPr>
-                    </a:p>
-                  </a:txBody>
-                  <a:tcPr marL="68580" marR="68580" marT="0" marB="0" anchor="ctr"/>
-                </a:tc>
-                <a:tc>
-                  <a:txBody>
-                    <a:bodyPr/>
-                    <a:lstStyle/>
-                    <a:p>
-                      <a:pPr>
-                        <a:lnSpc>
-                          <a:spcPct val="115000"/>
-                        </a:lnSpc>
-                        <a:spcAft>
-                          <a:spcPts val="0"/>
-                        </a:spcAft>
-                      </a:pPr>
-                      <a:r>
-                        <a:rPr lang="en-US" sz="1200"/>
-                        <a:t>Medium.</a:t>
-                      </a:r>
-                      <a:endParaRPr lang="en-US" sz="1100">
-                        <a:latin typeface="Calibri"/>
-                        <a:ea typeface="Times New Roman"/>
-                        <a:cs typeface="Times New Roman"/>
-                      </a:endParaRPr>
-                    </a:p>
-                  </a:txBody>
-                  <a:tcPr marL="68580" marR="68580" marT="0" marB="0" anchor="ctr"/>
-                </a:tc>
-                <a:tc>
-                  <a:txBody>
-                    <a:bodyPr/>
-                    <a:lstStyle/>
-                    <a:p>
-                      <a:pPr>
-                        <a:lnSpc>
-                          <a:spcPct val="115000"/>
-                        </a:lnSpc>
-                        <a:spcAft>
-                          <a:spcPts val="0"/>
-                        </a:spcAft>
-                      </a:pPr>
-                      <a:r>
-                        <a:rPr lang="en-US" sz="1200"/>
-                        <a:t>Catastrophic – Not able to complete project to requirements.</a:t>
-                      </a:r>
-                      <a:endParaRPr lang="en-US" sz="1100">
-                        <a:latin typeface="Calibri"/>
-                        <a:ea typeface="Times New Roman"/>
-                        <a:cs typeface="Times New Roman"/>
-                      </a:endParaRPr>
-                    </a:p>
-                  </a:txBody>
-                  <a:tcPr marL="68580" marR="68580" marT="0" marB="0" anchor="ctr"/>
-                </a:tc>
-                <a:tc>
-                  <a:txBody>
-                    <a:bodyPr/>
-                    <a:lstStyle/>
-                    <a:p>
-                      <a:pPr>
-                        <a:lnSpc>
-                          <a:spcPct val="115000"/>
-                        </a:lnSpc>
-                        <a:spcAft>
-                          <a:spcPts val="0"/>
-                        </a:spcAft>
-                      </a:pPr>
-                      <a:r>
-                        <a:rPr lang="en-US" sz="1200" dirty="0"/>
-                        <a:t>Use alternative devices (such as a different digital camera) and try to use a generalized solution that should work for both devices.</a:t>
-                      </a:r>
-                      <a:endParaRPr lang="en-US" sz="1100" dirty="0">
-                        <a:latin typeface="Calibri"/>
-                        <a:ea typeface="Times New Roman"/>
-                        <a:cs typeface="Times New Roman"/>
-                      </a:endParaRPr>
-                    </a:p>
-                  </a:txBody>
-                  <a:tcPr marL="68580" marR="68580" marT="0" marB="0" anchor="ctr"/>
-                </a:tc>
-              </a:tr>
-            </a:tbl>
-          </a:graphicData>
-        </a:graphic>
-      </p:graphicFrame>
-    </p:spTree>
-  </p:cSld>
-  <p:clrMapOvr>
-    <a:masterClrMapping/>
-  </p:clrMapOvr>
-</p:sld>
-</file>
-
-<file path=ppt/slides/slide8.xml><?xml version="1.0" encoding="utf-8"?>
-<p:sld xmlns:a="http://schemas.openxmlformats.org/drawingml/2006/main" xmlns:r="http://schemas.openxmlformats.org/officeDocument/2006/relationships" xmlns:p="http://schemas.openxmlformats.org/presentationml/2006/main">
-  <p:cSld>
-    <p:spTree>
-      <p:nvGrpSpPr>
-        <p:cNvPr id="1" name=""/>
-        <p:cNvGrpSpPr/>
-        <p:nvPr/>
-      </p:nvGrpSpPr>
-      <p:grpSpPr>
-        <a:xfrm>
-          <a:off x="0" y="0"/>
-          <a:ext cx="0" cy="0"/>
-          <a:chOff x="0" y="0"/>
-          <a:chExt cx="0" cy="0"/>
-        </a:xfrm>
-      </p:grpSpPr>
-      <p:sp>
-        <p:nvSpPr>
-          <p:cNvPr id="2" name="Title 1"/>
-          <p:cNvSpPr>
-            <a:spLocks noGrp="1"/>
-          </p:cNvSpPr>
-          <p:nvPr>
-            <p:ph type="title"/>
-          </p:nvPr>
-        </p:nvSpPr>
-        <p:spPr>
-          <a:solidFill>
-            <a:srgbClr val="000000"/>
-          </a:solidFill>
-          <a:ln>
-            <a:solidFill>
-              <a:schemeClr val="accent1"/>
-            </a:solidFill>
-          </a:ln>
-        </p:spPr>
-        <p:txBody>
-          <a:bodyPr/>
-          <a:lstStyle/>
-          <a:p>
-            <a:r>
-              <a:rPr lang="en-US" dirty="0" smtClean="0"/>
-              <a:t>Hardware Used</a:t>
-            </a:r>
-            <a:endParaRPr lang="en-CA" dirty="0"/>
-          </a:p>
-        </p:txBody>
-      </p:sp>
-      <p:sp>
-        <p:nvSpPr>
-          <p:cNvPr id="3" name="Content Placeholder 2"/>
-          <p:cNvSpPr>
-            <a:spLocks noGrp="1"/>
-          </p:cNvSpPr>
-          <p:nvPr>
-            <p:ph idx="1"/>
-          </p:nvPr>
-        </p:nvSpPr>
-        <p:spPr>
-          <a:solidFill>
-            <a:srgbClr val="000000"/>
-          </a:solidFill>
-          <a:ln>
-            <a:solidFill>
-              <a:schemeClr val="accent1"/>
-            </a:solidFill>
-          </a:ln>
-        </p:spPr>
-        <p:txBody>
-          <a:bodyPr/>
-          <a:lstStyle/>
-          <a:p>
-            <a:r>
-              <a:rPr lang="en-US" dirty="0" smtClean="0"/>
-              <a:t>Telescope: Meade ETX-60AT-TC</a:t>
-            </a:r>
-          </a:p>
-          <a:p>
-            <a:r>
-              <a:rPr lang="en-US" dirty="0" smtClean="0"/>
-              <a:t>Digital camera: Canon 30D</a:t>
-            </a:r>
-          </a:p>
-          <a:p>
-            <a:r>
-              <a:rPr lang="en-US" dirty="0" smtClean="0"/>
-              <a:t>Mobile device: Nokia N97, Apple </a:t>
-            </a:r>
-            <a:r>
-              <a:rPr lang="en-US" dirty="0" err="1" smtClean="0"/>
-              <a:t>iPhone</a:t>
-            </a:r>
-            <a:endParaRPr lang="en-US" dirty="0" smtClean="0"/>
-          </a:p>
-          <a:p>
-            <a:endParaRPr lang="en-US" dirty="0" smtClean="0"/>
-          </a:p>
-          <a:p>
-            <a:endParaRPr lang="en-CA" dirty="0"/>
-          </a:p>
-        </p:txBody>
-      </p:sp>
-    </p:spTree>
-  </p:cSld>
-  <p:clrMapOvr>
-    <a:masterClrMapping/>
-  </p:clrMapOvr>
-  <p:timing>
-    <p:tnLst>
-      <p:par>
-        <p:cTn id="1" dur="indefinite" restart="never" nodeType="tmRoot"/>
-      </p:par>
-    </p:tnLst>
-  </p:timing>
-</p:sld>
-</file>
-
 <file path=ppt/slides/slide9.xml><?xml version="1.0" encoding="utf-8"?>
 <p:sld xmlns:a="http://schemas.openxmlformats.org/drawingml/2006/main" xmlns:r="http://schemas.openxmlformats.org/officeDocument/2006/relationships" xmlns:p="http://schemas.openxmlformats.org/presentationml/2006/main">
   <p:cSld>
@@ -9651,93 +9558,59 @@
           </a:ln>
         </p:spPr>
         <p:txBody>
-          <a:bodyPr/>
+          <a:bodyPr>
+            <a:normAutofit/>
+          </a:bodyPr>
           <a:lstStyle/>
           <a:p>
             <a:r>
               <a:rPr lang="en-US" dirty="0" smtClean="0"/>
-              <a:t>Software Used</a:t>
+              <a:t>Domain Model</a:t>
             </a:r>
             <a:endParaRPr lang="en-CA" dirty="0"/>
           </a:p>
         </p:txBody>
       </p:sp>
-      <p:sp>
-        <p:nvSpPr>
-          <p:cNvPr id="3" name="Content Placeholder 2"/>
-          <p:cNvSpPr>
-            <a:spLocks noGrp="1"/>
-          </p:cNvSpPr>
+      <p:pic>
+        <p:nvPicPr>
+          <p:cNvPr id="1027" name="Picture 3" descr="C:\Documents and Settings\Rob\rails\documentation\images\diagrams\Stargazer_ClassDiagram.jpg"/>
+          <p:cNvPicPr>
+            <a:picLocks noGrp="1" noChangeAspect="1" noChangeArrowheads="1"/>
+          </p:cNvPicPr>
           <p:nvPr>
             <p:ph idx="1"/>
           </p:nvPr>
-        </p:nvSpPr>
-        <p:spPr>
-          <a:solidFill>
-            <a:srgbClr val="000000"/>
-          </a:solidFill>
-          <a:ln>
+        </p:nvPicPr>
+        <p:blipFill>
+          <a:blip r:embed="rId3"/>
+          <a:stretch>
+            <a:fillRect/>
+          </a:stretch>
+        </p:blipFill>
+        <p:spPr bwMode="auto">
+          <a:xfrm>
+            <a:off x="1714480" y="1643050"/>
+            <a:ext cx="5643602" cy="4824013"/>
+          </a:xfrm>
+          <a:prstGeom prst="rect">
+            <a:avLst/>
+          </a:prstGeom>
+          <a:ln w="38100" cap="sq">
             <a:solidFill>
-              <a:schemeClr val="accent1"/>
+              <a:srgbClr val="000000"/>
             </a:solidFill>
+            <a:prstDash val="solid"/>
+            <a:miter lim="800000"/>
           </a:ln>
+          <a:effectLst>
+            <a:outerShdw blurRad="50800" dist="38100" dir="2700000" algn="tl" rotWithShape="0">
+              <a:srgbClr val="000000">
+                <a:alpha val="43000"/>
+              </a:srgbClr>
+            </a:outerShdw>
+          </a:effectLst>
         </p:spPr>
-        <p:txBody>
-          <a:bodyPr/>
-          <a:lstStyle/>
-          <a:p>
-            <a:r>
-              <a:rPr lang="en-US" dirty="0" smtClean="0"/>
-              <a:t>Documentation: Microsoft Word, Project</a:t>
-            </a:r>
-          </a:p>
-          <a:p>
-            <a:r>
-              <a:rPr lang="en-US" dirty="0" smtClean="0"/>
-              <a:t>Modeling: Rational Rose</a:t>
-            </a:r>
-          </a:p>
-          <a:p>
-            <a:r>
-              <a:rPr lang="en-US" dirty="0" smtClean="0"/>
-              <a:t>Ruby on Rails IDE: </a:t>
-            </a:r>
-            <a:r>
-              <a:rPr lang="en-US" dirty="0" err="1" smtClean="0"/>
-              <a:t>RubyMine</a:t>
-            </a:r>
-            <a:endParaRPr lang="en-US" dirty="0" smtClean="0"/>
-          </a:p>
-          <a:p>
-            <a:r>
-              <a:rPr lang="en-CA" dirty="0" smtClean="0"/>
-              <a:t>C# IDE: Microsoft Visual Studio</a:t>
-            </a:r>
-          </a:p>
-          <a:p>
-            <a:r>
-              <a:rPr lang="en-CA" dirty="0" smtClean="0"/>
-              <a:t>Testing: ASCOM Telescope Simulator, </a:t>
-            </a:r>
-            <a:r>
-              <a:rPr lang="en-CA" dirty="0" err="1" smtClean="0"/>
-              <a:t>NUnit</a:t>
-            </a:r>
-            <a:r>
-              <a:rPr lang="en-CA" dirty="0" smtClean="0"/>
-              <a:t>  Testing</a:t>
-            </a:r>
-            <a:endParaRPr lang="en-US" dirty="0" smtClean="0"/>
-          </a:p>
-          <a:p>
-            <a:pPr lvl="1"/>
-            <a:endParaRPr lang="en-US" dirty="0" smtClean="0"/>
-          </a:p>
-          <a:p>
-            <a:endParaRPr lang="en-CA" dirty="0"/>
-          </a:p>
-        </p:txBody>
-      </p:sp>
+      </p:pic>
     </p:spTree>
   </p:cSld>
   <p:clrMapOvr>
